--- a/sql_course/1_basics/1_basics.pptx
+++ b/sql_course/1_basics/1_basics.pptx
@@ -5,7 +5,7 @@
     <p:sldMasterId id="2147483648" r:id="rId1"/>
   </p:sldMasterIdLst>
   <p:notesMasterIdLst>
-    <p:notesMasterId r:id="rId53"/>
+    <p:notesMasterId r:id="rId65"/>
   </p:notesMasterIdLst>
   <p:sldIdLst>
     <p:sldId id="256" r:id="rId2"/>
@@ -59,6 +59,18 @@
     <p:sldId id="284" r:id="rId50"/>
     <p:sldId id="381" r:id="rId51"/>
     <p:sldId id="382" r:id="rId52"/>
+    <p:sldId id="386" r:id="rId53"/>
+    <p:sldId id="387" r:id="rId54"/>
+    <p:sldId id="392" r:id="rId55"/>
+    <p:sldId id="393" r:id="rId56"/>
+    <p:sldId id="394" r:id="rId57"/>
+    <p:sldId id="395" r:id="rId58"/>
+    <p:sldId id="398" r:id="rId59"/>
+    <p:sldId id="400" r:id="rId60"/>
+    <p:sldId id="399" r:id="rId61"/>
+    <p:sldId id="397" r:id="rId62"/>
+    <p:sldId id="401" r:id="rId63"/>
+    <p:sldId id="396" r:id="rId64"/>
   </p:sldIdLst>
   <p:sldSz cx="12192000" cy="6858000"/>
   <p:notesSz cx="6858000" cy="9144000"/>
@@ -40087,8 +40099,8 @@
         </p:nvSpPr>
         <p:spPr>
           <a:xfrm>
-            <a:off x="838202" y="1825625"/>
-            <a:ext cx="4584893" cy="4351338"/>
+            <a:off x="838201" y="1825625"/>
+            <a:ext cx="5030367" cy="4351338"/>
           </a:xfrm>
         </p:spPr>
         <p:txBody>
@@ -40123,7 +40135,7 @@
                 <a:latin typeface="Courier New" panose="02070309020205020404" pitchFamily="49" charset="0"/>
                 <a:cs typeface="Courier New" panose="02070309020205020404" pitchFamily="49" charset="0"/>
               </a:rPr>
-              <a:t> Personen</a:t>
+              <a:t> Klanten</a:t>
             </a:r>
           </a:p>
           <a:p>
@@ -40141,7 +40153,7 @@
                 <a:latin typeface="Courier New" panose="02070309020205020404" pitchFamily="49" charset="0"/>
                 <a:cs typeface="Courier New" panose="02070309020205020404" pitchFamily="49" charset="0"/>
               </a:rPr>
-              <a:t>  (Naam, Voornaam, Leeftijd)</a:t>
+              <a:t>  (Naam, Achternaam, Leeftijd)</a:t>
             </a:r>
           </a:p>
           <a:p>
@@ -40166,26 +40178,75 @@
               </a:rPr>
               <a:t>VALUES</a:t>
             </a:r>
+            <a:endParaRPr lang="nl-NL" sz="2000" dirty="0">
+              <a:latin typeface="Courier New" panose="02070309020205020404" pitchFamily="49" charset="0"/>
+              <a:cs typeface="Courier New" panose="02070309020205020404" pitchFamily="49" charset="0"/>
+            </a:endParaRPr>
+          </a:p>
+          <a:p>
+            <a:pPr marL="0" indent="0">
+              <a:lnSpc>
+                <a:spcPct val="100000"/>
+              </a:lnSpc>
+              <a:spcBef>
+                <a:spcPts val="600"/>
+              </a:spcBef>
+              <a:buNone/>
+            </a:pPr>
             <a:r>
               <a:rPr lang="nl-NL" sz="2000" dirty="0">
                 <a:latin typeface="Courier New" panose="02070309020205020404" pitchFamily="49" charset="0"/>
                 <a:cs typeface="Courier New" panose="02070309020205020404" pitchFamily="49" charset="0"/>
               </a:rPr>
-              <a:t>(</a:t>
-            </a:r>
-          </a:p>
-          <a:p>
-            <a:pPr marL="0" indent="0">
-              <a:lnSpc>
-                <a:spcPct val="100000"/>
-              </a:lnSpc>
-              <a:spcBef>
-                <a:spcPts val="600"/>
-              </a:spcBef>
-              <a:buNone/>
-            </a:pPr>
+              <a:t>  (</a:t>
+            </a:r>
             <a:r>
               <a:rPr lang="nl-NL" sz="2000" dirty="0">
+                <a:solidFill>
+                  <a:srgbClr val="C00000"/>
+                </a:solidFill>
+                <a:latin typeface="Courier New" panose="02070309020205020404" pitchFamily="49" charset="0"/>
+                <a:cs typeface="Courier New" panose="02070309020205020404" pitchFamily="49" charset="0"/>
+              </a:rPr>
+              <a:t>'Ingrid'</a:t>
+            </a:r>
+            <a:r>
+              <a:rPr lang="nl-NL" sz="2000" dirty="0">
+                <a:latin typeface="Courier New" panose="02070309020205020404" pitchFamily="49" charset="0"/>
+                <a:cs typeface="Courier New" panose="02070309020205020404" pitchFamily="49" charset="0"/>
+              </a:rPr>
+              <a:t>, </a:t>
+            </a:r>
+            <a:r>
+              <a:rPr lang="nl-NL" sz="2000" dirty="0">
+                <a:solidFill>
+                  <a:srgbClr val="C00000"/>
+                </a:solidFill>
+                <a:latin typeface="Courier New" panose="02070309020205020404" pitchFamily="49" charset="0"/>
+                <a:cs typeface="Courier New" panose="02070309020205020404" pitchFamily="49" charset="0"/>
+              </a:rPr>
+              <a:t>'Jansen'</a:t>
+            </a:r>
+            <a:r>
+              <a:rPr lang="nl-NL" sz="2000" dirty="0">
+                <a:latin typeface="Courier New" panose="02070309020205020404" pitchFamily="49" charset="0"/>
+                <a:cs typeface="Courier New" panose="02070309020205020404" pitchFamily="49" charset="0"/>
+              </a:rPr>
+              <a:t>, 32),</a:t>
+            </a:r>
+          </a:p>
+          <a:p>
+            <a:pPr marL="0" indent="0">
+              <a:lnSpc>
+                <a:spcPct val="100000"/>
+              </a:lnSpc>
+              <a:spcBef>
+                <a:spcPts val="600"/>
+              </a:spcBef>
+              <a:buNone/>
+            </a:pPr>
+            <a:r>
+              <a:rPr lang="nl-NL" sz="2000" dirty="0">
                 <a:latin typeface="Courier New" panose="02070309020205020404" pitchFamily="49" charset="0"/>
                 <a:cs typeface="Courier New" panose="02070309020205020404" pitchFamily="49" charset="0"/>
               </a:rPr>
@@ -40199,7 +40260,7 @@
                 <a:latin typeface="Courier New" panose="02070309020205020404" pitchFamily="49" charset="0"/>
                 <a:cs typeface="Courier New" panose="02070309020205020404" pitchFamily="49" charset="0"/>
               </a:rPr>
-              <a:t>'Ingrid'</a:t>
+              <a:t>'Henk'</a:t>
             </a:r>
             <a:r>
               <a:rPr lang="nl-NL" sz="2000" dirty="0">
@@ -40216,84 +40277,14 @@
                 <a:latin typeface="Courier New" panose="02070309020205020404" pitchFamily="49" charset="0"/>
                 <a:cs typeface="Courier New" panose="02070309020205020404" pitchFamily="49" charset="0"/>
               </a:rPr>
-              <a:t>'Jansen'</a:t>
+              <a:t>'Knol'</a:t>
             </a:r>
             <a:r>
               <a:rPr lang="nl-NL" sz="2000" dirty="0">
                 <a:latin typeface="Courier New" panose="02070309020205020404" pitchFamily="49" charset="0"/>
                 <a:cs typeface="Courier New" panose="02070309020205020404" pitchFamily="49" charset="0"/>
               </a:rPr>
-              <a:t>, 32),</a:t>
-            </a:r>
-          </a:p>
-          <a:p>
-            <a:pPr marL="0" indent="0">
-              <a:lnSpc>
-                <a:spcPct val="100000"/>
-              </a:lnSpc>
-              <a:spcBef>
-                <a:spcPts val="600"/>
-              </a:spcBef>
-              <a:buNone/>
-            </a:pPr>
-            <a:r>
-              <a:rPr lang="nl-NL" sz="2000" dirty="0">
-                <a:latin typeface="Courier New" panose="02070309020205020404" pitchFamily="49" charset="0"/>
-                <a:cs typeface="Courier New" panose="02070309020205020404" pitchFamily="49" charset="0"/>
-              </a:rPr>
-              <a:t>  (</a:t>
-            </a:r>
-            <a:r>
-              <a:rPr lang="nl-NL" sz="2000" dirty="0">
-                <a:solidFill>
-                  <a:srgbClr val="C00000"/>
-                </a:solidFill>
-                <a:latin typeface="Courier New" panose="02070309020205020404" pitchFamily="49" charset="0"/>
-                <a:cs typeface="Courier New" panose="02070309020205020404" pitchFamily="49" charset="0"/>
-              </a:rPr>
-              <a:t>'Henk'</a:t>
-            </a:r>
-            <a:r>
-              <a:rPr lang="nl-NL" sz="2000" dirty="0">
-                <a:latin typeface="Courier New" panose="02070309020205020404" pitchFamily="49" charset="0"/>
-                <a:cs typeface="Courier New" panose="02070309020205020404" pitchFamily="49" charset="0"/>
-              </a:rPr>
-              <a:t>, </a:t>
-            </a:r>
-            <a:r>
-              <a:rPr lang="nl-NL" sz="2000" dirty="0">
-                <a:solidFill>
-                  <a:srgbClr val="C00000"/>
-                </a:solidFill>
-                <a:latin typeface="Courier New" panose="02070309020205020404" pitchFamily="49" charset="0"/>
-                <a:cs typeface="Courier New" panose="02070309020205020404" pitchFamily="49" charset="0"/>
-              </a:rPr>
-              <a:t>'Knol'</a:t>
-            </a:r>
-            <a:r>
-              <a:rPr lang="nl-NL" sz="2000" dirty="0">
-                <a:latin typeface="Courier New" panose="02070309020205020404" pitchFamily="49" charset="0"/>
-                <a:cs typeface="Courier New" panose="02070309020205020404" pitchFamily="49" charset="0"/>
-              </a:rPr>
               <a:t>, 54)</a:t>
-            </a:r>
-          </a:p>
-          <a:p>
-            <a:pPr marL="0" indent="0">
-              <a:lnSpc>
-                <a:spcPct val="100000"/>
-              </a:lnSpc>
-              <a:spcBef>
-                <a:spcPts val="600"/>
-              </a:spcBef>
-              <a:buNone/>
-            </a:pPr>
-            <a:r>
-              <a:rPr lang="nl-NL" sz="2000" dirty="0">
-                <a:latin typeface="Courier New" panose="02070309020205020404" pitchFamily="49" charset="0"/>
-                <a:cs typeface="Courier New" panose="02070309020205020404" pitchFamily="49" charset="0"/>
-              </a:rPr>
-              <a:t>)</a:t>
             </a:r>
           </a:p>
           <a:p>
@@ -40392,8 +40383,8 @@
         </p:nvSpPr>
         <p:spPr>
           <a:xfrm>
-            <a:off x="6020972" y="1825625"/>
-            <a:ext cx="5332827" cy="4351338"/>
+            <a:off x="6323428" y="1825625"/>
+            <a:ext cx="5030371" cy="4351338"/>
           </a:xfrm>
           <a:prstGeom prst="rect">
             <a:avLst/>
@@ -40650,7 +40641,7 @@
             </a:pPr>
             <a:r>
               <a:rPr lang="nl-NL" sz="2000" dirty="0"/>
-              <a:t>Geef met </a:t>
+              <a:t>Geef achter </a:t>
             </a:r>
             <a:r>
               <a:rPr lang="nl-NL" sz="2000" dirty="0">
@@ -40662,7 +40653,7 @@
                 <a:latin typeface="Courier New" panose="02070309020205020404" pitchFamily="49" charset="0"/>
                 <a:cs typeface="Courier New" panose="02070309020205020404" pitchFamily="49" charset="0"/>
               </a:rPr>
-              <a:t>VALUES()</a:t>
+              <a:t>VALUES</a:t>
             </a:r>
             <a:r>
               <a:rPr lang="nl-NL" sz="2000" dirty="0"/>
@@ -40711,7 +40702,7 @@
         </p:nvCxnSpPr>
         <p:spPr>
           <a:xfrm>
-            <a:off x="5749681" y="1825625"/>
+            <a:off x="6096000" y="1864311"/>
             <a:ext cx="0" cy="4351338"/>
           </a:xfrm>
           <a:prstGeom prst="line">
@@ -40737,6 +40728,6532 @@
     <p:extLst>
       <p:ext uri="{BB962C8B-B14F-4D97-AF65-F5344CB8AC3E}">
         <p14:creationId xmlns:p14="http://schemas.microsoft.com/office/powerpoint/2010/main" val="4058022500"/>
+      </p:ext>
+    </p:extLst>
+  </p:cSld>
+  <p:clrMapOvr>
+    <a:masterClrMapping/>
+  </p:clrMapOvr>
+</p:sld>
+</file>
+
+<file path=ppt/slides/slide52.xml><?xml version="1.0" encoding="utf-8"?>
+<p:sld xmlns:a="http://schemas.openxmlformats.org/drawingml/2006/main" xmlns:r="http://schemas.openxmlformats.org/officeDocument/2006/relationships" xmlns:p="http://schemas.openxmlformats.org/presentationml/2006/main">
+  <p:cSld>
+    <p:spTree>
+      <p:nvGrpSpPr>
+        <p:cNvPr id="1" name="">
+          <a:extLst>
+            <a:ext uri="{FF2B5EF4-FFF2-40B4-BE49-F238E27FC236}">
+              <a16:creationId xmlns:a16="http://schemas.microsoft.com/office/drawing/2014/main" id="{F948A80F-3947-FFD7-0208-4E8AA31E763F}"/>
+            </a:ext>
+          </a:extLst>
+        </p:cNvPr>
+        <p:cNvGrpSpPr/>
+        <p:nvPr/>
+      </p:nvGrpSpPr>
+      <p:grpSpPr>
+        <a:xfrm>
+          <a:off x="0" y="0"/>
+          <a:ext cx="0" cy="0"/>
+          <a:chOff x="0" y="0"/>
+          <a:chExt cx="0" cy="0"/>
+        </a:xfrm>
+      </p:grpSpPr>
+      <p:sp>
+        <p:nvSpPr>
+          <p:cNvPr id="2" name="Title 1">
+            <a:extLst>
+              <a:ext uri="{FF2B5EF4-FFF2-40B4-BE49-F238E27FC236}">
+                <a16:creationId xmlns:a16="http://schemas.microsoft.com/office/drawing/2014/main" id="{572A895E-BC34-2CA2-399B-EF1E85AD4462}"/>
+              </a:ext>
+            </a:extLst>
+          </p:cNvPr>
+          <p:cNvSpPr>
+            <a:spLocks noGrp="1"/>
+          </p:cNvSpPr>
+          <p:nvPr>
+            <p:ph type="title"/>
+          </p:nvPr>
+        </p:nvSpPr>
+        <p:spPr/>
+        <p:txBody>
+          <a:bodyPr>
+            <a:normAutofit/>
+          </a:bodyPr>
+          <a:lstStyle/>
+          <a:p>
+            <a:r>
+              <a:rPr lang="nl-NL" sz="3600" dirty="0"/>
+              <a:t>Opvolgende </a:t>
+            </a:r>
+            <a:r>
+              <a:rPr lang="nl-NL" sz="3600" dirty="0" err="1"/>
+              <a:t>IDs</a:t>
+            </a:r>
+            <a:endParaRPr lang="nl-NL" sz="3600" dirty="0"/>
+          </a:p>
+        </p:txBody>
+      </p:sp>
+      <p:sp>
+        <p:nvSpPr>
+          <p:cNvPr id="3" name="Content Placeholder 2">
+            <a:extLst>
+              <a:ext uri="{FF2B5EF4-FFF2-40B4-BE49-F238E27FC236}">
+                <a16:creationId xmlns:a16="http://schemas.microsoft.com/office/drawing/2014/main" id="{56ABF513-FDBF-BB5F-A767-6961920E8028}"/>
+              </a:ext>
+            </a:extLst>
+          </p:cNvPr>
+          <p:cNvSpPr>
+            <a:spLocks noGrp="1"/>
+          </p:cNvSpPr>
+          <p:nvPr>
+            <p:ph idx="1"/>
+          </p:nvPr>
+        </p:nvSpPr>
+        <p:spPr>
+          <a:xfrm>
+            <a:off x="838201" y="1825625"/>
+            <a:ext cx="5030367" cy="4351338"/>
+          </a:xfrm>
+        </p:spPr>
+        <p:txBody>
+          <a:bodyPr>
+            <a:normAutofit/>
+          </a:bodyPr>
+          <a:lstStyle/>
+          <a:p>
+            <a:pPr marL="0" indent="0">
+              <a:lnSpc>
+                <a:spcPct val="100000"/>
+              </a:lnSpc>
+              <a:spcBef>
+                <a:spcPts val="600"/>
+              </a:spcBef>
+              <a:buNone/>
+            </a:pPr>
+            <a:r>
+              <a:rPr lang="nl-NL" sz="2000" dirty="0">
+                <a:solidFill>
+                  <a:schemeClr val="accent5">
+                    <a:lumMod val="75000"/>
+                  </a:schemeClr>
+                </a:solidFill>
+                <a:latin typeface="Courier New" panose="02070309020205020404" pitchFamily="49" charset="0"/>
+                <a:cs typeface="Courier New" panose="02070309020205020404" pitchFamily="49" charset="0"/>
+              </a:rPr>
+              <a:t>INSERT INTO</a:t>
+            </a:r>
+            <a:r>
+              <a:rPr lang="nl-NL" sz="2000" dirty="0">
+                <a:latin typeface="Courier New" panose="02070309020205020404" pitchFamily="49" charset="0"/>
+                <a:cs typeface="Courier New" panose="02070309020205020404" pitchFamily="49" charset="0"/>
+              </a:rPr>
+              <a:t> Klanten</a:t>
+            </a:r>
+          </a:p>
+          <a:p>
+            <a:pPr marL="0" indent="0">
+              <a:lnSpc>
+                <a:spcPct val="100000"/>
+              </a:lnSpc>
+              <a:spcBef>
+                <a:spcPts val="600"/>
+              </a:spcBef>
+              <a:buNone/>
+            </a:pPr>
+            <a:r>
+              <a:rPr lang="nl-NL" sz="2000" dirty="0">
+                <a:latin typeface="Courier New" panose="02070309020205020404" pitchFamily="49" charset="0"/>
+                <a:cs typeface="Courier New" panose="02070309020205020404" pitchFamily="49" charset="0"/>
+              </a:rPr>
+              <a:t>  (Naam, Achternaam, Leeftijd)</a:t>
+            </a:r>
+          </a:p>
+          <a:p>
+            <a:pPr marL="0" indent="0">
+              <a:lnSpc>
+                <a:spcPct val="100000"/>
+              </a:lnSpc>
+              <a:spcBef>
+                <a:spcPts val="600"/>
+              </a:spcBef>
+              <a:buNone/>
+            </a:pPr>
+            <a:r>
+              <a:rPr lang="nl-NL" sz="2000" dirty="0">
+                <a:solidFill>
+                  <a:schemeClr val="accent5">
+                    <a:lumMod val="75000"/>
+                  </a:schemeClr>
+                </a:solidFill>
+                <a:latin typeface="Courier New" panose="02070309020205020404" pitchFamily="49" charset="0"/>
+                <a:cs typeface="Courier New" panose="02070309020205020404" pitchFamily="49" charset="0"/>
+              </a:rPr>
+              <a:t>VALUES</a:t>
+            </a:r>
+            <a:endParaRPr lang="nl-NL" sz="2000" dirty="0">
+              <a:latin typeface="Courier New" panose="02070309020205020404" pitchFamily="49" charset="0"/>
+              <a:cs typeface="Courier New" panose="02070309020205020404" pitchFamily="49" charset="0"/>
+            </a:endParaRPr>
+          </a:p>
+          <a:p>
+            <a:pPr marL="0" indent="0">
+              <a:lnSpc>
+                <a:spcPct val="100000"/>
+              </a:lnSpc>
+              <a:spcBef>
+                <a:spcPts val="600"/>
+              </a:spcBef>
+              <a:buNone/>
+            </a:pPr>
+            <a:r>
+              <a:rPr lang="nl-NL" sz="2000" dirty="0">
+                <a:latin typeface="Courier New" panose="02070309020205020404" pitchFamily="49" charset="0"/>
+                <a:cs typeface="Courier New" panose="02070309020205020404" pitchFamily="49" charset="0"/>
+              </a:rPr>
+              <a:t>  (</a:t>
+            </a:r>
+            <a:r>
+              <a:rPr lang="nl-NL" sz="2000" dirty="0">
+                <a:solidFill>
+                  <a:srgbClr val="C00000"/>
+                </a:solidFill>
+                <a:latin typeface="Courier New" panose="02070309020205020404" pitchFamily="49" charset="0"/>
+                <a:cs typeface="Courier New" panose="02070309020205020404" pitchFamily="49" charset="0"/>
+              </a:rPr>
+              <a:t>'Ingrid'</a:t>
+            </a:r>
+            <a:r>
+              <a:rPr lang="nl-NL" sz="2000" dirty="0">
+                <a:latin typeface="Courier New" panose="02070309020205020404" pitchFamily="49" charset="0"/>
+                <a:cs typeface="Courier New" panose="02070309020205020404" pitchFamily="49" charset="0"/>
+              </a:rPr>
+              <a:t>, </a:t>
+            </a:r>
+            <a:r>
+              <a:rPr lang="nl-NL" sz="2000" dirty="0">
+                <a:solidFill>
+                  <a:srgbClr val="C00000"/>
+                </a:solidFill>
+                <a:latin typeface="Courier New" panose="02070309020205020404" pitchFamily="49" charset="0"/>
+                <a:cs typeface="Courier New" panose="02070309020205020404" pitchFamily="49" charset="0"/>
+              </a:rPr>
+              <a:t>'Jansen'</a:t>
+            </a:r>
+            <a:r>
+              <a:rPr lang="nl-NL" sz="2000" dirty="0">
+                <a:latin typeface="Courier New" panose="02070309020205020404" pitchFamily="49" charset="0"/>
+                <a:cs typeface="Courier New" panose="02070309020205020404" pitchFamily="49" charset="0"/>
+              </a:rPr>
+              <a:t>, 32),</a:t>
+            </a:r>
+          </a:p>
+          <a:p>
+            <a:pPr marL="0" indent="0">
+              <a:lnSpc>
+                <a:spcPct val="100000"/>
+              </a:lnSpc>
+              <a:spcBef>
+                <a:spcPts val="600"/>
+              </a:spcBef>
+              <a:buNone/>
+            </a:pPr>
+            <a:r>
+              <a:rPr lang="nl-NL" sz="2000" dirty="0">
+                <a:latin typeface="Courier New" panose="02070309020205020404" pitchFamily="49" charset="0"/>
+                <a:cs typeface="Courier New" panose="02070309020205020404" pitchFamily="49" charset="0"/>
+              </a:rPr>
+              <a:t>  (</a:t>
+            </a:r>
+            <a:r>
+              <a:rPr lang="nl-NL" sz="2000" dirty="0">
+                <a:solidFill>
+                  <a:srgbClr val="C00000"/>
+                </a:solidFill>
+                <a:latin typeface="Courier New" panose="02070309020205020404" pitchFamily="49" charset="0"/>
+                <a:cs typeface="Courier New" panose="02070309020205020404" pitchFamily="49" charset="0"/>
+              </a:rPr>
+              <a:t>'Henk'</a:t>
+            </a:r>
+            <a:r>
+              <a:rPr lang="nl-NL" sz="2000" dirty="0">
+                <a:latin typeface="Courier New" panose="02070309020205020404" pitchFamily="49" charset="0"/>
+                <a:cs typeface="Courier New" panose="02070309020205020404" pitchFamily="49" charset="0"/>
+              </a:rPr>
+              <a:t>, </a:t>
+            </a:r>
+            <a:r>
+              <a:rPr lang="nl-NL" sz="2000" dirty="0">
+                <a:solidFill>
+                  <a:srgbClr val="C00000"/>
+                </a:solidFill>
+                <a:latin typeface="Courier New" panose="02070309020205020404" pitchFamily="49" charset="0"/>
+                <a:cs typeface="Courier New" panose="02070309020205020404" pitchFamily="49" charset="0"/>
+              </a:rPr>
+              <a:t>'Knol'</a:t>
+            </a:r>
+            <a:r>
+              <a:rPr lang="nl-NL" sz="2000" dirty="0">
+                <a:latin typeface="Courier New" panose="02070309020205020404" pitchFamily="49" charset="0"/>
+                <a:cs typeface="Courier New" panose="02070309020205020404" pitchFamily="49" charset="0"/>
+              </a:rPr>
+              <a:t>, 54)</a:t>
+            </a:r>
+          </a:p>
+          <a:p>
+            <a:pPr marL="0" indent="0">
+              <a:lnSpc>
+                <a:spcPct val="100000"/>
+              </a:lnSpc>
+              <a:spcBef>
+                <a:spcPts val="600"/>
+              </a:spcBef>
+              <a:buNone/>
+            </a:pPr>
+            <a:r>
+              <a:rPr lang="nl-NL" sz="2000" dirty="0">
+                <a:latin typeface="Courier New" panose="02070309020205020404" pitchFamily="49" charset="0"/>
+                <a:cs typeface="Courier New" panose="02070309020205020404" pitchFamily="49" charset="0"/>
+              </a:rPr>
+              <a:t>;</a:t>
+            </a:r>
+          </a:p>
+          <a:p>
+            <a:pPr marL="0" indent="0">
+              <a:lnSpc>
+                <a:spcPct val="100000"/>
+              </a:lnSpc>
+              <a:spcBef>
+                <a:spcPts val="600"/>
+              </a:spcBef>
+              <a:buNone/>
+            </a:pPr>
+            <a:endParaRPr lang="nl-NL" sz="2000" dirty="0">
+              <a:latin typeface="Courier New" panose="02070309020205020404" pitchFamily="49" charset="0"/>
+              <a:cs typeface="Courier New" panose="02070309020205020404" pitchFamily="49" charset="0"/>
+            </a:endParaRPr>
+          </a:p>
+          <a:p>
+            <a:pPr marL="0" indent="0">
+              <a:lnSpc>
+                <a:spcPct val="100000"/>
+              </a:lnSpc>
+              <a:spcBef>
+                <a:spcPts val="600"/>
+              </a:spcBef>
+              <a:buNone/>
+            </a:pPr>
+            <a:endParaRPr lang="nl-NL" sz="2000" dirty="0">
+              <a:latin typeface="Courier New" panose="02070309020205020404" pitchFamily="49" charset="0"/>
+              <a:cs typeface="Courier New" panose="02070309020205020404" pitchFamily="49" charset="0"/>
+            </a:endParaRPr>
+          </a:p>
+          <a:p>
+            <a:pPr marL="0" indent="0">
+              <a:lnSpc>
+                <a:spcPct val="100000"/>
+              </a:lnSpc>
+              <a:spcBef>
+                <a:spcPts val="600"/>
+              </a:spcBef>
+              <a:buNone/>
+            </a:pPr>
+            <a:endParaRPr lang="nl-NL" sz="2000" dirty="0">
+              <a:latin typeface="Courier New" panose="02070309020205020404" pitchFamily="49" charset="0"/>
+              <a:cs typeface="Courier New" panose="02070309020205020404" pitchFamily="49" charset="0"/>
+            </a:endParaRPr>
+          </a:p>
+          <a:p>
+            <a:pPr marL="0" indent="0">
+              <a:lnSpc>
+                <a:spcPct val="100000"/>
+              </a:lnSpc>
+              <a:spcBef>
+                <a:spcPts val="600"/>
+              </a:spcBef>
+              <a:buNone/>
+            </a:pPr>
+            <a:endParaRPr lang="nl-NL" sz="2000" dirty="0">
+              <a:latin typeface="Courier New" panose="02070309020205020404" pitchFamily="49" charset="0"/>
+              <a:cs typeface="Courier New" panose="02070309020205020404" pitchFamily="49" charset="0"/>
+            </a:endParaRPr>
+          </a:p>
+        </p:txBody>
+      </p:sp>
+      <p:sp>
+        <p:nvSpPr>
+          <p:cNvPr id="5" name="Content Placeholder 2">
+            <a:extLst>
+              <a:ext uri="{FF2B5EF4-FFF2-40B4-BE49-F238E27FC236}">
+                <a16:creationId xmlns:a16="http://schemas.microsoft.com/office/drawing/2014/main" id="{BDE52A8A-F1BC-9E71-E5D2-0EF0FA759CBF}"/>
+              </a:ext>
+            </a:extLst>
+          </p:cNvPr>
+          <p:cNvSpPr txBox="1">
+            <a:spLocks/>
+          </p:cNvSpPr>
+          <p:nvPr/>
+        </p:nvSpPr>
+        <p:spPr>
+          <a:xfrm>
+            <a:off x="6323428" y="1825625"/>
+            <a:ext cx="5030371" cy="4351338"/>
+          </a:xfrm>
+          <a:prstGeom prst="rect">
+            <a:avLst/>
+          </a:prstGeom>
+        </p:spPr>
+        <p:txBody>
+          <a:bodyPr vert="horz" lIns="91440" tIns="45720" rIns="91440" bIns="45720" rtlCol="0">
+            <a:normAutofit/>
+          </a:bodyPr>
+          <a:lstStyle>
+            <a:lvl1pPr marL="228600" indent="-228600" algn="l" defTabSz="914400" rtl="0" eaLnBrk="1" latinLnBrk="0" hangingPunct="1">
+              <a:lnSpc>
+                <a:spcPct val="90000"/>
+              </a:lnSpc>
+              <a:spcBef>
+                <a:spcPts val="1000"/>
+              </a:spcBef>
+              <a:buFont typeface="Arial" panose="020B0604020202020204" pitchFamily="34" charset="0"/>
+              <a:buChar char="•"/>
+              <a:defRPr sz="2800" kern="1200">
+                <a:solidFill>
+                  <a:schemeClr val="tx1"/>
+                </a:solidFill>
+                <a:latin typeface="+mn-lt"/>
+                <a:ea typeface="+mn-ea"/>
+                <a:cs typeface="+mn-cs"/>
+              </a:defRPr>
+            </a:lvl1pPr>
+            <a:lvl2pPr marL="685800" indent="-228600" algn="l" defTabSz="914400" rtl="0" eaLnBrk="1" latinLnBrk="0" hangingPunct="1">
+              <a:lnSpc>
+                <a:spcPct val="90000"/>
+              </a:lnSpc>
+              <a:spcBef>
+                <a:spcPts val="500"/>
+              </a:spcBef>
+              <a:buFont typeface="Arial" panose="020B0604020202020204" pitchFamily="34" charset="0"/>
+              <a:buChar char="•"/>
+              <a:defRPr sz="2400" kern="1200">
+                <a:solidFill>
+                  <a:schemeClr val="tx1"/>
+                </a:solidFill>
+                <a:latin typeface="+mn-lt"/>
+                <a:ea typeface="+mn-ea"/>
+                <a:cs typeface="+mn-cs"/>
+              </a:defRPr>
+            </a:lvl2pPr>
+            <a:lvl3pPr marL="1143000" indent="-228600" algn="l" defTabSz="914400" rtl="0" eaLnBrk="1" latinLnBrk="0" hangingPunct="1">
+              <a:lnSpc>
+                <a:spcPct val="90000"/>
+              </a:lnSpc>
+              <a:spcBef>
+                <a:spcPts val="500"/>
+              </a:spcBef>
+              <a:buFont typeface="Arial" panose="020B0604020202020204" pitchFamily="34" charset="0"/>
+              <a:buChar char="•"/>
+              <a:defRPr sz="2000" kern="1200">
+                <a:solidFill>
+                  <a:schemeClr val="tx1"/>
+                </a:solidFill>
+                <a:latin typeface="+mn-lt"/>
+                <a:ea typeface="+mn-ea"/>
+                <a:cs typeface="+mn-cs"/>
+              </a:defRPr>
+            </a:lvl3pPr>
+            <a:lvl4pPr marL="1600200" indent="-228600" algn="l" defTabSz="914400" rtl="0" eaLnBrk="1" latinLnBrk="0" hangingPunct="1">
+              <a:lnSpc>
+                <a:spcPct val="90000"/>
+              </a:lnSpc>
+              <a:spcBef>
+                <a:spcPts val="500"/>
+              </a:spcBef>
+              <a:buFont typeface="Arial" panose="020B0604020202020204" pitchFamily="34" charset="0"/>
+              <a:buChar char="•"/>
+              <a:defRPr sz="1800" kern="1200">
+                <a:solidFill>
+                  <a:schemeClr val="tx1"/>
+                </a:solidFill>
+                <a:latin typeface="+mn-lt"/>
+                <a:ea typeface="+mn-ea"/>
+                <a:cs typeface="+mn-cs"/>
+              </a:defRPr>
+            </a:lvl4pPr>
+            <a:lvl5pPr marL="2057400" indent="-228600" algn="l" defTabSz="914400" rtl="0" eaLnBrk="1" latinLnBrk="0" hangingPunct="1">
+              <a:lnSpc>
+                <a:spcPct val="90000"/>
+              </a:lnSpc>
+              <a:spcBef>
+                <a:spcPts val="500"/>
+              </a:spcBef>
+              <a:buFont typeface="Arial" panose="020B0604020202020204" pitchFamily="34" charset="0"/>
+              <a:buChar char="•"/>
+              <a:defRPr sz="1800" kern="1200">
+                <a:solidFill>
+                  <a:schemeClr val="tx1"/>
+                </a:solidFill>
+                <a:latin typeface="+mn-lt"/>
+                <a:ea typeface="+mn-ea"/>
+                <a:cs typeface="+mn-cs"/>
+              </a:defRPr>
+            </a:lvl5pPr>
+            <a:lvl6pPr marL="2514600" indent="-228600" algn="l" defTabSz="914400" rtl="0" eaLnBrk="1" latinLnBrk="0" hangingPunct="1">
+              <a:lnSpc>
+                <a:spcPct val="90000"/>
+              </a:lnSpc>
+              <a:spcBef>
+                <a:spcPts val="500"/>
+              </a:spcBef>
+              <a:buFont typeface="Arial" panose="020B0604020202020204" pitchFamily="34" charset="0"/>
+              <a:buChar char="•"/>
+              <a:defRPr sz="1800" kern="1200">
+                <a:solidFill>
+                  <a:schemeClr val="tx1"/>
+                </a:solidFill>
+                <a:latin typeface="+mn-lt"/>
+                <a:ea typeface="+mn-ea"/>
+                <a:cs typeface="+mn-cs"/>
+              </a:defRPr>
+            </a:lvl6pPr>
+            <a:lvl7pPr marL="2971800" indent="-228600" algn="l" defTabSz="914400" rtl="0" eaLnBrk="1" latinLnBrk="0" hangingPunct="1">
+              <a:lnSpc>
+                <a:spcPct val="90000"/>
+              </a:lnSpc>
+              <a:spcBef>
+                <a:spcPts val="500"/>
+              </a:spcBef>
+              <a:buFont typeface="Arial" panose="020B0604020202020204" pitchFamily="34" charset="0"/>
+              <a:buChar char="•"/>
+              <a:defRPr sz="1800" kern="1200">
+                <a:solidFill>
+                  <a:schemeClr val="tx1"/>
+                </a:solidFill>
+                <a:latin typeface="+mn-lt"/>
+                <a:ea typeface="+mn-ea"/>
+                <a:cs typeface="+mn-cs"/>
+              </a:defRPr>
+            </a:lvl7pPr>
+            <a:lvl8pPr marL="3429000" indent="-228600" algn="l" defTabSz="914400" rtl="0" eaLnBrk="1" latinLnBrk="0" hangingPunct="1">
+              <a:lnSpc>
+                <a:spcPct val="90000"/>
+              </a:lnSpc>
+              <a:spcBef>
+                <a:spcPts val="500"/>
+              </a:spcBef>
+              <a:buFont typeface="Arial" panose="020B0604020202020204" pitchFamily="34" charset="0"/>
+              <a:buChar char="•"/>
+              <a:defRPr sz="1800" kern="1200">
+                <a:solidFill>
+                  <a:schemeClr val="tx1"/>
+                </a:solidFill>
+                <a:latin typeface="+mn-lt"/>
+                <a:ea typeface="+mn-ea"/>
+                <a:cs typeface="+mn-cs"/>
+              </a:defRPr>
+            </a:lvl8pPr>
+            <a:lvl9pPr marL="3886200" indent="-228600" algn="l" defTabSz="914400" rtl="0" eaLnBrk="1" latinLnBrk="0" hangingPunct="1">
+              <a:lnSpc>
+                <a:spcPct val="90000"/>
+              </a:lnSpc>
+              <a:spcBef>
+                <a:spcPts val="500"/>
+              </a:spcBef>
+              <a:buFont typeface="Arial" panose="020B0604020202020204" pitchFamily="34" charset="0"/>
+              <a:buChar char="•"/>
+              <a:defRPr sz="1800" kern="1200">
+                <a:solidFill>
+                  <a:schemeClr val="tx1"/>
+                </a:solidFill>
+                <a:latin typeface="+mn-lt"/>
+                <a:ea typeface="+mn-ea"/>
+                <a:cs typeface="+mn-cs"/>
+              </a:defRPr>
+            </a:lvl9pPr>
+          </a:lstStyle>
+          <a:p>
+            <a:pPr marL="0" indent="0">
+              <a:lnSpc>
+                <a:spcPct val="100000"/>
+              </a:lnSpc>
+              <a:spcBef>
+                <a:spcPts val="600"/>
+              </a:spcBef>
+              <a:buNone/>
+            </a:pPr>
+            <a:r>
+              <a:rPr lang="nl-NL" sz="2000" dirty="0"/>
+              <a:t>Een tabel genereert automatisch opvolgende </a:t>
+            </a:r>
+            <a:r>
+              <a:rPr lang="nl-NL" sz="2000" dirty="0" err="1"/>
+              <a:t>IDs</a:t>
+            </a:r>
+            <a:r>
+              <a:rPr lang="nl-NL" sz="2000" dirty="0"/>
+              <a:t> als:</a:t>
+            </a:r>
+          </a:p>
+          <a:p>
+            <a:pPr marL="0" indent="0">
+              <a:lnSpc>
+                <a:spcPct val="100000"/>
+              </a:lnSpc>
+              <a:spcBef>
+                <a:spcPts val="600"/>
+              </a:spcBef>
+              <a:buNone/>
+            </a:pPr>
+            <a:endParaRPr lang="nl-NL" sz="2000" dirty="0"/>
+          </a:p>
+          <a:p>
+            <a:pPr>
+              <a:lnSpc>
+                <a:spcPct val="100000"/>
+              </a:lnSpc>
+              <a:spcBef>
+                <a:spcPts val="600"/>
+              </a:spcBef>
+              <a:buFontTx/>
+              <a:buChar char="-"/>
+            </a:pPr>
+            <a:r>
+              <a:rPr lang="nl-NL" sz="2000" dirty="0"/>
+              <a:t>Het ID niet handmatig wordt meegegeven.</a:t>
+            </a:r>
+          </a:p>
+          <a:p>
+            <a:pPr>
+              <a:lnSpc>
+                <a:spcPct val="100000"/>
+              </a:lnSpc>
+              <a:spcBef>
+                <a:spcPts val="600"/>
+              </a:spcBef>
+              <a:buFontTx/>
+              <a:buChar char="-"/>
+            </a:pPr>
+            <a:endParaRPr lang="nl-NL" sz="2000" dirty="0"/>
+          </a:p>
+          <a:p>
+            <a:pPr>
+              <a:lnSpc>
+                <a:spcPct val="100000"/>
+              </a:lnSpc>
+              <a:spcBef>
+                <a:spcPts val="600"/>
+              </a:spcBef>
+              <a:buFontTx/>
+              <a:buChar char="-"/>
+            </a:pPr>
+            <a:r>
+              <a:rPr lang="nl-NL" sz="2000" dirty="0"/>
+              <a:t>Het ID de </a:t>
+            </a:r>
+            <a:r>
+              <a:rPr lang="nl-NL" sz="2000" dirty="0">
+                <a:solidFill>
+                  <a:schemeClr val="accent5">
+                    <a:lumMod val="75000"/>
+                  </a:schemeClr>
+                </a:solidFill>
+                <a:latin typeface="Courier New" panose="02070309020205020404" pitchFamily="49" charset="0"/>
+                <a:cs typeface="Courier New" panose="02070309020205020404" pitchFamily="49" charset="0"/>
+              </a:rPr>
+              <a:t>PRIMARY KEY</a:t>
+            </a:r>
+            <a:r>
+              <a:rPr lang="nl-NL" sz="2000" dirty="0"/>
+              <a:t> van een tabel is.</a:t>
+            </a:r>
+          </a:p>
+          <a:p>
+            <a:pPr>
+              <a:lnSpc>
+                <a:spcPct val="100000"/>
+              </a:lnSpc>
+              <a:spcBef>
+                <a:spcPts val="600"/>
+              </a:spcBef>
+              <a:buFontTx/>
+              <a:buChar char="-"/>
+            </a:pPr>
+            <a:endParaRPr lang="nl-NL" sz="2000" dirty="0"/>
+          </a:p>
+          <a:p>
+            <a:pPr>
+              <a:lnSpc>
+                <a:spcPct val="100000"/>
+              </a:lnSpc>
+              <a:spcBef>
+                <a:spcPts val="600"/>
+              </a:spcBef>
+              <a:buFontTx/>
+              <a:buChar char="-"/>
+            </a:pPr>
+            <a:r>
+              <a:rPr lang="nl-NL" sz="2000" dirty="0"/>
+              <a:t>Het ID van het type </a:t>
+            </a:r>
+            <a:r>
+              <a:rPr lang="nl-NL" sz="2000" dirty="0">
+                <a:solidFill>
+                  <a:schemeClr val="accent5">
+                    <a:lumMod val="75000"/>
+                  </a:schemeClr>
+                </a:solidFill>
+                <a:latin typeface="Courier New" panose="02070309020205020404" pitchFamily="49" charset="0"/>
+                <a:cs typeface="Courier New" panose="02070309020205020404" pitchFamily="49" charset="0"/>
+              </a:rPr>
+              <a:t>INTEGER</a:t>
+            </a:r>
+            <a:r>
+              <a:rPr lang="nl-NL" sz="2000" dirty="0"/>
+              <a:t> is.</a:t>
+            </a:r>
+          </a:p>
+        </p:txBody>
+      </p:sp>
+      <p:cxnSp>
+        <p:nvCxnSpPr>
+          <p:cNvPr id="6" name="Straight Connector 5">
+            <a:extLst>
+              <a:ext uri="{FF2B5EF4-FFF2-40B4-BE49-F238E27FC236}">
+                <a16:creationId xmlns:a16="http://schemas.microsoft.com/office/drawing/2014/main" id="{69736ADB-1844-7D1D-1CC5-4F034C0526AC}"/>
+              </a:ext>
+            </a:extLst>
+          </p:cNvPr>
+          <p:cNvCxnSpPr/>
+          <p:nvPr/>
+        </p:nvCxnSpPr>
+        <p:spPr>
+          <a:xfrm>
+            <a:off x="6096000" y="1864311"/>
+            <a:ext cx="0" cy="4351338"/>
+          </a:xfrm>
+          <a:prstGeom prst="line">
+            <a:avLst/>
+          </a:prstGeom>
+        </p:spPr>
+        <p:style>
+          <a:lnRef idx="3">
+            <a:schemeClr val="dk1"/>
+          </a:lnRef>
+          <a:fillRef idx="0">
+            <a:schemeClr val="dk1"/>
+          </a:fillRef>
+          <a:effectRef idx="2">
+            <a:schemeClr val="dk1"/>
+          </a:effectRef>
+          <a:fontRef idx="minor">
+            <a:schemeClr val="tx1"/>
+          </a:fontRef>
+        </p:style>
+      </p:cxnSp>
+      <p:graphicFrame>
+        <p:nvGraphicFramePr>
+          <p:cNvPr id="4" name="Table 3">
+            <a:extLst>
+              <a:ext uri="{FF2B5EF4-FFF2-40B4-BE49-F238E27FC236}">
+                <a16:creationId xmlns:a16="http://schemas.microsoft.com/office/drawing/2014/main" id="{6877814D-50A9-20E4-7C7D-B81A63F1699E}"/>
+              </a:ext>
+            </a:extLst>
+          </p:cNvPr>
+          <p:cNvGraphicFramePr>
+            <a:graphicFrameLocks noGrp="1"/>
+          </p:cNvGraphicFramePr>
+          <p:nvPr>
+            <p:extLst>
+              <p:ext uri="{D42A27DB-BD31-4B8C-83A1-F6EECF244321}">
+                <p14:modId xmlns:p14="http://schemas.microsoft.com/office/powerpoint/2010/main" val="4027837720"/>
+              </p:ext>
+            </p:extLst>
+          </p:nvPr>
+        </p:nvGraphicFramePr>
+        <p:xfrm>
+          <a:off x="984740" y="5064443"/>
+          <a:ext cx="4883829" cy="1112520"/>
+        </p:xfrm>
+        <a:graphic>
+          <a:graphicData uri="http://schemas.openxmlformats.org/drawingml/2006/table">
+            <a:tbl>
+              <a:tblPr firstRow="1" bandRow="1">
+                <a:tableStyleId>{5C22544A-7EE6-4342-B048-85BDC9FD1C3A}</a:tableStyleId>
+              </a:tblPr>
+              <a:tblGrid>
+                <a:gridCol w="914079">
+                  <a:extLst>
+                    <a:ext uri="{9D8B030D-6E8A-4147-A177-3AD203B41FA5}">
+                      <a16:colId xmlns:a16="http://schemas.microsoft.com/office/drawing/2014/main" val="1335959403"/>
+                    </a:ext>
+                  </a:extLst>
+                </a:gridCol>
+                <a:gridCol w="1453536">
+                  <a:extLst>
+                    <a:ext uri="{9D8B030D-6E8A-4147-A177-3AD203B41FA5}">
+                      <a16:colId xmlns:a16="http://schemas.microsoft.com/office/drawing/2014/main" val="1383876311"/>
+                    </a:ext>
+                  </a:extLst>
+                </a:gridCol>
+                <a:gridCol w="1461029">
+                  <a:extLst>
+                    <a:ext uri="{9D8B030D-6E8A-4147-A177-3AD203B41FA5}">
+                      <a16:colId xmlns:a16="http://schemas.microsoft.com/office/drawing/2014/main" val="1283547433"/>
+                    </a:ext>
+                  </a:extLst>
+                </a:gridCol>
+                <a:gridCol w="1055185">
+                  <a:extLst>
+                    <a:ext uri="{9D8B030D-6E8A-4147-A177-3AD203B41FA5}">
+                      <a16:colId xmlns:a16="http://schemas.microsoft.com/office/drawing/2014/main" val="3874424299"/>
+                    </a:ext>
+                  </a:extLst>
+                </a:gridCol>
+              </a:tblGrid>
+              <a:tr h="370840">
+                <a:tc>
+                  <a:txBody>
+                    <a:bodyPr/>
+                    <a:lstStyle/>
+                    <a:p>
+                      <a:pPr algn="ctr"/>
+                      <a:r>
+                        <a:rPr lang="nl-NL" sz="1600" dirty="0" err="1"/>
+                        <a:t>Id</a:t>
+                      </a:r>
+                      <a:endParaRPr lang="nl-NL" sz="1600" dirty="0"/>
+                    </a:p>
+                  </a:txBody>
+                  <a:tcPr>
+                    <a:solidFill>
+                      <a:schemeClr val="accent2">
+                        <a:lumMod val="75000"/>
+                      </a:schemeClr>
+                    </a:solidFill>
+                  </a:tcPr>
+                </a:tc>
+                <a:tc>
+                  <a:txBody>
+                    <a:bodyPr/>
+                    <a:lstStyle/>
+                    <a:p>
+                      <a:pPr algn="ctr"/>
+                      <a:r>
+                        <a:rPr lang="nl-NL" sz="1600" dirty="0"/>
+                        <a:t>Naam</a:t>
+                      </a:r>
+                    </a:p>
+                  </a:txBody>
+                  <a:tcPr/>
+                </a:tc>
+                <a:tc>
+                  <a:txBody>
+                    <a:bodyPr/>
+                    <a:lstStyle/>
+                    <a:p>
+                      <a:pPr algn="ctr"/>
+                      <a:r>
+                        <a:rPr lang="nl-NL" sz="1600" dirty="0"/>
+                        <a:t>Achternaam</a:t>
+                      </a:r>
+                    </a:p>
+                  </a:txBody>
+                  <a:tcPr/>
+                </a:tc>
+                <a:tc>
+                  <a:txBody>
+                    <a:bodyPr/>
+                    <a:lstStyle/>
+                    <a:p>
+                      <a:pPr algn="ctr"/>
+                      <a:r>
+                        <a:rPr lang="nl-NL" sz="1600" dirty="0"/>
+                        <a:t>Leeftijd</a:t>
+                      </a:r>
+                    </a:p>
+                  </a:txBody>
+                  <a:tcPr/>
+                </a:tc>
+                <a:extLst>
+                  <a:ext uri="{0D108BD9-81ED-4DB2-BD59-A6C34878D82A}">
+                    <a16:rowId xmlns:a16="http://schemas.microsoft.com/office/drawing/2014/main" val="881228988"/>
+                  </a:ext>
+                </a:extLst>
+              </a:tr>
+              <a:tr h="370840">
+                <a:tc>
+                  <a:txBody>
+                    <a:bodyPr/>
+                    <a:lstStyle/>
+                    <a:p>
+                      <a:pPr algn="ctr"/>
+                      <a:r>
+                        <a:rPr lang="nl-NL" sz="1600" b="1" dirty="0"/>
+                        <a:t>1</a:t>
+                      </a:r>
+                    </a:p>
+                  </a:txBody>
+                  <a:tcPr>
+                    <a:solidFill>
+                      <a:schemeClr val="accent2">
+                        <a:lumMod val="60000"/>
+                        <a:lumOff val="40000"/>
+                      </a:schemeClr>
+                    </a:solidFill>
+                  </a:tcPr>
+                </a:tc>
+                <a:tc>
+                  <a:txBody>
+                    <a:bodyPr/>
+                    <a:lstStyle/>
+                    <a:p>
+                      <a:pPr algn="ctr"/>
+                      <a:r>
+                        <a:rPr lang="nl-NL" sz="1600" dirty="0"/>
+                        <a:t>Ingrid</a:t>
+                      </a:r>
+                    </a:p>
+                  </a:txBody>
+                  <a:tcPr/>
+                </a:tc>
+                <a:tc>
+                  <a:txBody>
+                    <a:bodyPr/>
+                    <a:lstStyle/>
+                    <a:p>
+                      <a:pPr algn="ctr"/>
+                      <a:r>
+                        <a:rPr lang="nl-NL" sz="1600" dirty="0"/>
+                        <a:t>Jansen</a:t>
+                      </a:r>
+                    </a:p>
+                  </a:txBody>
+                  <a:tcPr/>
+                </a:tc>
+                <a:tc>
+                  <a:txBody>
+                    <a:bodyPr/>
+                    <a:lstStyle/>
+                    <a:p>
+                      <a:pPr algn="ctr"/>
+                      <a:r>
+                        <a:rPr lang="nl-NL" sz="1600" dirty="0"/>
+                        <a:t>32</a:t>
+                      </a:r>
+                    </a:p>
+                  </a:txBody>
+                  <a:tcPr/>
+                </a:tc>
+                <a:extLst>
+                  <a:ext uri="{0D108BD9-81ED-4DB2-BD59-A6C34878D82A}">
+                    <a16:rowId xmlns:a16="http://schemas.microsoft.com/office/drawing/2014/main" val="3919915680"/>
+                  </a:ext>
+                </a:extLst>
+              </a:tr>
+              <a:tr h="370840">
+                <a:tc>
+                  <a:txBody>
+                    <a:bodyPr/>
+                    <a:lstStyle/>
+                    <a:p>
+                      <a:pPr algn="ctr"/>
+                      <a:r>
+                        <a:rPr lang="nl-NL" sz="1600" b="1" dirty="0"/>
+                        <a:t>2</a:t>
+                      </a:r>
+                    </a:p>
+                  </a:txBody>
+                  <a:tcPr>
+                    <a:solidFill>
+                      <a:schemeClr val="accent2">
+                        <a:lumMod val="20000"/>
+                        <a:lumOff val="80000"/>
+                      </a:schemeClr>
+                    </a:solidFill>
+                  </a:tcPr>
+                </a:tc>
+                <a:tc>
+                  <a:txBody>
+                    <a:bodyPr/>
+                    <a:lstStyle/>
+                    <a:p>
+                      <a:pPr algn="ctr"/>
+                      <a:r>
+                        <a:rPr lang="nl-NL" sz="1600" dirty="0"/>
+                        <a:t>Henk</a:t>
+                      </a:r>
+                    </a:p>
+                  </a:txBody>
+                  <a:tcPr/>
+                </a:tc>
+                <a:tc>
+                  <a:txBody>
+                    <a:bodyPr/>
+                    <a:lstStyle/>
+                    <a:p>
+                      <a:pPr algn="ctr"/>
+                      <a:r>
+                        <a:rPr lang="nl-NL" sz="1600" dirty="0"/>
+                        <a:t>Knol</a:t>
+                      </a:r>
+                    </a:p>
+                  </a:txBody>
+                  <a:tcPr/>
+                </a:tc>
+                <a:tc>
+                  <a:txBody>
+                    <a:bodyPr/>
+                    <a:lstStyle/>
+                    <a:p>
+                      <a:pPr algn="ctr"/>
+                      <a:r>
+                        <a:rPr lang="nl-NL" sz="1600" dirty="0"/>
+                        <a:t>54</a:t>
+                      </a:r>
+                    </a:p>
+                  </a:txBody>
+                  <a:tcPr/>
+                </a:tc>
+                <a:extLst>
+                  <a:ext uri="{0D108BD9-81ED-4DB2-BD59-A6C34878D82A}">
+                    <a16:rowId xmlns:a16="http://schemas.microsoft.com/office/drawing/2014/main" val="3805109423"/>
+                  </a:ext>
+                </a:extLst>
+              </a:tr>
+            </a:tbl>
+          </a:graphicData>
+        </a:graphic>
+      </p:graphicFrame>
+    </p:spTree>
+    <p:extLst>
+      <p:ext uri="{BB962C8B-B14F-4D97-AF65-F5344CB8AC3E}">
+        <p14:creationId xmlns:p14="http://schemas.microsoft.com/office/powerpoint/2010/main" val="2508229042"/>
+      </p:ext>
+    </p:extLst>
+  </p:cSld>
+  <p:clrMapOvr>
+    <a:masterClrMapping/>
+  </p:clrMapOvr>
+</p:sld>
+</file>
+
+<file path=ppt/slides/slide53.xml><?xml version="1.0" encoding="utf-8"?>
+<p:sld xmlns:a="http://schemas.openxmlformats.org/drawingml/2006/main" xmlns:r="http://schemas.openxmlformats.org/officeDocument/2006/relationships" xmlns:p="http://schemas.openxmlformats.org/presentationml/2006/main">
+  <p:cSld>
+    <p:spTree>
+      <p:nvGrpSpPr>
+        <p:cNvPr id="1" name="">
+          <a:extLst>
+            <a:ext uri="{FF2B5EF4-FFF2-40B4-BE49-F238E27FC236}">
+              <a16:creationId xmlns:a16="http://schemas.microsoft.com/office/drawing/2014/main" id="{CF6292E0-7A7A-7A6A-80BA-B6E474DFACA1}"/>
+            </a:ext>
+          </a:extLst>
+        </p:cNvPr>
+        <p:cNvGrpSpPr/>
+        <p:nvPr/>
+      </p:nvGrpSpPr>
+      <p:grpSpPr>
+        <a:xfrm>
+          <a:off x="0" y="0"/>
+          <a:ext cx="0" cy="0"/>
+          <a:chOff x="0" y="0"/>
+          <a:chExt cx="0" cy="0"/>
+        </a:xfrm>
+      </p:grpSpPr>
+      <p:sp>
+        <p:nvSpPr>
+          <p:cNvPr id="2" name="Title 1">
+            <a:extLst>
+              <a:ext uri="{FF2B5EF4-FFF2-40B4-BE49-F238E27FC236}">
+                <a16:creationId xmlns:a16="http://schemas.microsoft.com/office/drawing/2014/main" id="{4C6F1088-7B38-E5DF-19F3-B304A01BD21A}"/>
+              </a:ext>
+            </a:extLst>
+          </p:cNvPr>
+          <p:cNvSpPr>
+            <a:spLocks noGrp="1"/>
+          </p:cNvSpPr>
+          <p:nvPr>
+            <p:ph type="title"/>
+          </p:nvPr>
+        </p:nvSpPr>
+        <p:spPr/>
+        <p:txBody>
+          <a:bodyPr>
+            <a:normAutofit/>
+          </a:bodyPr>
+          <a:lstStyle/>
+          <a:p>
+            <a:r>
+              <a:rPr lang="nl-NL" sz="3600" dirty="0"/>
+              <a:t>Opvolgende </a:t>
+            </a:r>
+            <a:r>
+              <a:rPr lang="nl-NL" sz="3600" dirty="0" err="1"/>
+              <a:t>IDs</a:t>
+            </a:r>
+            <a:endParaRPr lang="nl-NL" sz="3600" dirty="0"/>
+          </a:p>
+        </p:txBody>
+      </p:sp>
+      <p:sp>
+        <p:nvSpPr>
+          <p:cNvPr id="3" name="Content Placeholder 2">
+            <a:extLst>
+              <a:ext uri="{FF2B5EF4-FFF2-40B4-BE49-F238E27FC236}">
+                <a16:creationId xmlns:a16="http://schemas.microsoft.com/office/drawing/2014/main" id="{3AAF9C65-1DCC-3B40-C9B5-2E278EBC140E}"/>
+              </a:ext>
+            </a:extLst>
+          </p:cNvPr>
+          <p:cNvSpPr>
+            <a:spLocks noGrp="1"/>
+          </p:cNvSpPr>
+          <p:nvPr>
+            <p:ph idx="1"/>
+          </p:nvPr>
+        </p:nvSpPr>
+        <p:spPr>
+          <a:xfrm>
+            <a:off x="838201" y="1825625"/>
+            <a:ext cx="5030367" cy="4351338"/>
+          </a:xfrm>
+        </p:spPr>
+        <p:txBody>
+          <a:bodyPr>
+            <a:normAutofit/>
+          </a:bodyPr>
+          <a:lstStyle/>
+          <a:p>
+            <a:pPr marL="0" indent="0">
+              <a:lnSpc>
+                <a:spcPct val="100000"/>
+              </a:lnSpc>
+              <a:spcBef>
+                <a:spcPts val="600"/>
+              </a:spcBef>
+              <a:buNone/>
+            </a:pPr>
+            <a:r>
+              <a:rPr lang="nl-NL" sz="2000" dirty="0">
+                <a:solidFill>
+                  <a:schemeClr val="accent5">
+                    <a:lumMod val="75000"/>
+                  </a:schemeClr>
+                </a:solidFill>
+                <a:latin typeface="Courier New" panose="02070309020205020404" pitchFamily="49" charset="0"/>
+                <a:cs typeface="Courier New" panose="02070309020205020404" pitchFamily="49" charset="0"/>
+              </a:rPr>
+              <a:t>CREATE TABLE</a:t>
+            </a:r>
+            <a:r>
+              <a:rPr lang="nl-NL" sz="2000" dirty="0">
+                <a:latin typeface="Courier New" panose="02070309020205020404" pitchFamily="49" charset="0"/>
+                <a:cs typeface="Courier New" panose="02070309020205020404" pitchFamily="49" charset="0"/>
+              </a:rPr>
+              <a:t> Klanten (</a:t>
+            </a:r>
+          </a:p>
+          <a:p>
+            <a:pPr marL="0" indent="0">
+              <a:lnSpc>
+                <a:spcPct val="100000"/>
+              </a:lnSpc>
+              <a:spcBef>
+                <a:spcPts val="600"/>
+              </a:spcBef>
+              <a:buNone/>
+            </a:pPr>
+            <a:r>
+              <a:rPr lang="nl-NL" sz="2000" dirty="0">
+                <a:latin typeface="Courier New" panose="02070309020205020404" pitchFamily="49" charset="0"/>
+                <a:cs typeface="Courier New" panose="02070309020205020404" pitchFamily="49" charset="0"/>
+              </a:rPr>
+              <a:t>  </a:t>
+            </a:r>
+            <a:r>
+              <a:rPr lang="nl-NL" sz="2000" dirty="0" err="1">
+                <a:latin typeface="Courier New" panose="02070309020205020404" pitchFamily="49" charset="0"/>
+                <a:cs typeface="Courier New" panose="02070309020205020404" pitchFamily="49" charset="0"/>
+              </a:rPr>
+              <a:t>Id</a:t>
+            </a:r>
+            <a:r>
+              <a:rPr lang="nl-NL" sz="2000" dirty="0">
+                <a:latin typeface="Courier New" panose="02070309020205020404" pitchFamily="49" charset="0"/>
+                <a:cs typeface="Courier New" panose="02070309020205020404" pitchFamily="49" charset="0"/>
+              </a:rPr>
+              <a:t> </a:t>
+            </a:r>
+            <a:r>
+              <a:rPr lang="nl-NL" sz="2000" dirty="0">
+                <a:solidFill>
+                  <a:schemeClr val="accent5">
+                    <a:lumMod val="75000"/>
+                  </a:schemeClr>
+                </a:solidFill>
+                <a:latin typeface="Courier New" panose="02070309020205020404" pitchFamily="49" charset="0"/>
+                <a:cs typeface="Courier New" panose="02070309020205020404" pitchFamily="49" charset="0"/>
+              </a:rPr>
+              <a:t>INTEGER</a:t>
+            </a:r>
+            <a:r>
+              <a:rPr lang="nl-NL" sz="2000" dirty="0">
+                <a:latin typeface="Courier New" panose="02070309020205020404" pitchFamily="49" charset="0"/>
+                <a:cs typeface="Courier New" panose="02070309020205020404" pitchFamily="49" charset="0"/>
+              </a:rPr>
+              <a:t>,</a:t>
+            </a:r>
+          </a:p>
+          <a:p>
+            <a:pPr marL="0" indent="0">
+              <a:lnSpc>
+                <a:spcPct val="100000"/>
+              </a:lnSpc>
+              <a:spcBef>
+                <a:spcPts val="600"/>
+              </a:spcBef>
+              <a:buNone/>
+            </a:pPr>
+            <a:r>
+              <a:rPr lang="nl-NL" sz="2000" dirty="0">
+                <a:latin typeface="Courier New" panose="02070309020205020404" pitchFamily="49" charset="0"/>
+                <a:cs typeface="Courier New" panose="02070309020205020404" pitchFamily="49" charset="0"/>
+              </a:rPr>
+              <a:t>  Naam </a:t>
+            </a:r>
+            <a:r>
+              <a:rPr lang="nl-NL" sz="2000" dirty="0">
+                <a:solidFill>
+                  <a:schemeClr val="accent5">
+                    <a:lumMod val="75000"/>
+                  </a:schemeClr>
+                </a:solidFill>
+                <a:latin typeface="Courier New" panose="02070309020205020404" pitchFamily="49" charset="0"/>
+                <a:cs typeface="Courier New" panose="02070309020205020404" pitchFamily="49" charset="0"/>
+              </a:rPr>
+              <a:t>TEXT</a:t>
+            </a:r>
+            <a:r>
+              <a:rPr lang="nl-NL" sz="2000" dirty="0">
+                <a:latin typeface="Courier New" panose="02070309020205020404" pitchFamily="49" charset="0"/>
+                <a:cs typeface="Courier New" panose="02070309020205020404" pitchFamily="49" charset="0"/>
+              </a:rPr>
+              <a:t>,</a:t>
+            </a:r>
+          </a:p>
+          <a:p>
+            <a:pPr marL="0" indent="0">
+              <a:lnSpc>
+                <a:spcPct val="100000"/>
+              </a:lnSpc>
+              <a:spcBef>
+                <a:spcPts val="600"/>
+              </a:spcBef>
+              <a:buNone/>
+            </a:pPr>
+            <a:r>
+              <a:rPr lang="nl-NL" sz="2000" dirty="0">
+                <a:latin typeface="Courier New" panose="02070309020205020404" pitchFamily="49" charset="0"/>
+                <a:cs typeface="Courier New" panose="02070309020205020404" pitchFamily="49" charset="0"/>
+              </a:rPr>
+              <a:t>  Achternaam </a:t>
+            </a:r>
+            <a:r>
+              <a:rPr lang="nl-NL" sz="2000" dirty="0">
+                <a:solidFill>
+                  <a:schemeClr val="accent5">
+                    <a:lumMod val="75000"/>
+                  </a:schemeClr>
+                </a:solidFill>
+                <a:latin typeface="Courier New" panose="02070309020205020404" pitchFamily="49" charset="0"/>
+                <a:cs typeface="Courier New" panose="02070309020205020404" pitchFamily="49" charset="0"/>
+              </a:rPr>
+              <a:t>TEXT</a:t>
+            </a:r>
+            <a:r>
+              <a:rPr lang="nl-NL" sz="2000" dirty="0">
+                <a:latin typeface="Courier New" panose="02070309020205020404" pitchFamily="49" charset="0"/>
+                <a:cs typeface="Courier New" panose="02070309020205020404" pitchFamily="49" charset="0"/>
+              </a:rPr>
+              <a:t>,</a:t>
+            </a:r>
+          </a:p>
+          <a:p>
+            <a:pPr marL="0" indent="0">
+              <a:lnSpc>
+                <a:spcPct val="100000"/>
+              </a:lnSpc>
+              <a:spcBef>
+                <a:spcPts val="600"/>
+              </a:spcBef>
+              <a:buNone/>
+            </a:pPr>
+            <a:r>
+              <a:rPr lang="nl-NL" sz="2000" dirty="0">
+                <a:latin typeface="Courier New" panose="02070309020205020404" pitchFamily="49" charset="0"/>
+                <a:cs typeface="Courier New" panose="02070309020205020404" pitchFamily="49" charset="0"/>
+              </a:rPr>
+              <a:t>  Leeftijd </a:t>
+            </a:r>
+            <a:r>
+              <a:rPr lang="nl-NL" sz="2000" dirty="0">
+                <a:solidFill>
+                  <a:schemeClr val="accent5">
+                    <a:lumMod val="75000"/>
+                  </a:schemeClr>
+                </a:solidFill>
+                <a:latin typeface="Courier New" panose="02070309020205020404" pitchFamily="49" charset="0"/>
+                <a:cs typeface="Courier New" panose="02070309020205020404" pitchFamily="49" charset="0"/>
+              </a:rPr>
+              <a:t>INTEGER</a:t>
+            </a:r>
+            <a:r>
+              <a:rPr lang="nl-NL" sz="2000" dirty="0">
+                <a:latin typeface="Courier New" panose="02070309020205020404" pitchFamily="49" charset="0"/>
+                <a:cs typeface="Courier New" panose="02070309020205020404" pitchFamily="49" charset="0"/>
+              </a:rPr>
+              <a:t>,</a:t>
+            </a:r>
+          </a:p>
+          <a:p>
+            <a:pPr marL="0" indent="0">
+              <a:lnSpc>
+                <a:spcPct val="100000"/>
+              </a:lnSpc>
+              <a:spcBef>
+                <a:spcPts val="600"/>
+              </a:spcBef>
+              <a:buNone/>
+            </a:pPr>
+            <a:r>
+              <a:rPr lang="nl-NL" sz="2000" dirty="0">
+                <a:solidFill>
+                  <a:schemeClr val="accent5">
+                    <a:lumMod val="75000"/>
+                  </a:schemeClr>
+                </a:solidFill>
+                <a:latin typeface="Courier New" panose="02070309020205020404" pitchFamily="49" charset="0"/>
+                <a:cs typeface="Courier New" panose="02070309020205020404" pitchFamily="49" charset="0"/>
+              </a:rPr>
+              <a:t>  PRIMARY KEY</a:t>
+            </a:r>
+            <a:r>
+              <a:rPr lang="nl-NL" sz="2000" dirty="0">
+                <a:latin typeface="Courier New" panose="02070309020205020404" pitchFamily="49" charset="0"/>
+                <a:cs typeface="Courier New" panose="02070309020205020404" pitchFamily="49" charset="0"/>
+              </a:rPr>
+              <a:t>(</a:t>
+            </a:r>
+            <a:r>
+              <a:rPr lang="nl-NL" sz="2000" dirty="0" err="1">
+                <a:latin typeface="Courier New" panose="02070309020205020404" pitchFamily="49" charset="0"/>
+                <a:cs typeface="Courier New" panose="02070309020205020404" pitchFamily="49" charset="0"/>
+              </a:rPr>
+              <a:t>Id</a:t>
+            </a:r>
+            <a:r>
+              <a:rPr lang="nl-NL" sz="2000" dirty="0">
+                <a:latin typeface="Courier New" panose="02070309020205020404" pitchFamily="49" charset="0"/>
+                <a:cs typeface="Courier New" panose="02070309020205020404" pitchFamily="49" charset="0"/>
+              </a:rPr>
+              <a:t>)</a:t>
+            </a:r>
+          </a:p>
+          <a:p>
+            <a:pPr marL="0" indent="0">
+              <a:lnSpc>
+                <a:spcPct val="100000"/>
+              </a:lnSpc>
+              <a:spcBef>
+                <a:spcPts val="600"/>
+              </a:spcBef>
+              <a:buNone/>
+            </a:pPr>
+            <a:r>
+              <a:rPr lang="nl-NL" sz="2000" dirty="0">
+                <a:latin typeface="Courier New" panose="02070309020205020404" pitchFamily="49" charset="0"/>
+                <a:cs typeface="Courier New" panose="02070309020205020404" pitchFamily="49" charset="0"/>
+              </a:rPr>
+              <a:t>);</a:t>
+            </a:r>
+          </a:p>
+          <a:p>
+            <a:pPr marL="0" indent="0">
+              <a:lnSpc>
+                <a:spcPct val="100000"/>
+              </a:lnSpc>
+              <a:spcBef>
+                <a:spcPts val="600"/>
+              </a:spcBef>
+              <a:buNone/>
+            </a:pPr>
+            <a:endParaRPr lang="nl-NL" sz="2000" dirty="0">
+              <a:latin typeface="Courier New" panose="02070309020205020404" pitchFamily="49" charset="0"/>
+              <a:cs typeface="Courier New" panose="02070309020205020404" pitchFamily="49" charset="0"/>
+            </a:endParaRPr>
+          </a:p>
+          <a:p>
+            <a:pPr marL="0" indent="0">
+              <a:lnSpc>
+                <a:spcPct val="100000"/>
+              </a:lnSpc>
+              <a:spcBef>
+                <a:spcPts val="600"/>
+              </a:spcBef>
+              <a:buNone/>
+            </a:pPr>
+            <a:endParaRPr lang="nl-NL" sz="2000" dirty="0">
+              <a:latin typeface="Courier New" panose="02070309020205020404" pitchFamily="49" charset="0"/>
+              <a:cs typeface="Courier New" panose="02070309020205020404" pitchFamily="49" charset="0"/>
+            </a:endParaRPr>
+          </a:p>
+          <a:p>
+            <a:pPr marL="0" indent="0">
+              <a:lnSpc>
+                <a:spcPct val="100000"/>
+              </a:lnSpc>
+              <a:spcBef>
+                <a:spcPts val="600"/>
+              </a:spcBef>
+              <a:buNone/>
+            </a:pPr>
+            <a:endParaRPr lang="nl-NL" sz="2000" dirty="0">
+              <a:latin typeface="Courier New" panose="02070309020205020404" pitchFamily="49" charset="0"/>
+              <a:cs typeface="Courier New" panose="02070309020205020404" pitchFamily="49" charset="0"/>
+            </a:endParaRPr>
+          </a:p>
+        </p:txBody>
+      </p:sp>
+      <p:sp>
+        <p:nvSpPr>
+          <p:cNvPr id="5" name="Content Placeholder 2">
+            <a:extLst>
+              <a:ext uri="{FF2B5EF4-FFF2-40B4-BE49-F238E27FC236}">
+                <a16:creationId xmlns:a16="http://schemas.microsoft.com/office/drawing/2014/main" id="{D6FFB31F-7935-1AEE-451C-AD2EF6091049}"/>
+              </a:ext>
+            </a:extLst>
+          </p:cNvPr>
+          <p:cNvSpPr txBox="1">
+            <a:spLocks/>
+          </p:cNvSpPr>
+          <p:nvPr/>
+        </p:nvSpPr>
+        <p:spPr>
+          <a:xfrm>
+            <a:off x="6323428" y="1825625"/>
+            <a:ext cx="5030371" cy="4351338"/>
+          </a:xfrm>
+          <a:prstGeom prst="rect">
+            <a:avLst/>
+          </a:prstGeom>
+        </p:spPr>
+        <p:txBody>
+          <a:bodyPr vert="horz" lIns="91440" tIns="45720" rIns="91440" bIns="45720" rtlCol="0">
+            <a:normAutofit/>
+          </a:bodyPr>
+          <a:lstStyle>
+            <a:lvl1pPr marL="228600" indent="-228600" algn="l" defTabSz="914400" rtl="0" eaLnBrk="1" latinLnBrk="0" hangingPunct="1">
+              <a:lnSpc>
+                <a:spcPct val="90000"/>
+              </a:lnSpc>
+              <a:spcBef>
+                <a:spcPts val="1000"/>
+              </a:spcBef>
+              <a:buFont typeface="Arial" panose="020B0604020202020204" pitchFamily="34" charset="0"/>
+              <a:buChar char="•"/>
+              <a:defRPr sz="2800" kern="1200">
+                <a:solidFill>
+                  <a:schemeClr val="tx1"/>
+                </a:solidFill>
+                <a:latin typeface="+mn-lt"/>
+                <a:ea typeface="+mn-ea"/>
+                <a:cs typeface="+mn-cs"/>
+              </a:defRPr>
+            </a:lvl1pPr>
+            <a:lvl2pPr marL="685800" indent="-228600" algn="l" defTabSz="914400" rtl="0" eaLnBrk="1" latinLnBrk="0" hangingPunct="1">
+              <a:lnSpc>
+                <a:spcPct val="90000"/>
+              </a:lnSpc>
+              <a:spcBef>
+                <a:spcPts val="500"/>
+              </a:spcBef>
+              <a:buFont typeface="Arial" panose="020B0604020202020204" pitchFamily="34" charset="0"/>
+              <a:buChar char="•"/>
+              <a:defRPr sz="2400" kern="1200">
+                <a:solidFill>
+                  <a:schemeClr val="tx1"/>
+                </a:solidFill>
+                <a:latin typeface="+mn-lt"/>
+                <a:ea typeface="+mn-ea"/>
+                <a:cs typeface="+mn-cs"/>
+              </a:defRPr>
+            </a:lvl2pPr>
+            <a:lvl3pPr marL="1143000" indent="-228600" algn="l" defTabSz="914400" rtl="0" eaLnBrk="1" latinLnBrk="0" hangingPunct="1">
+              <a:lnSpc>
+                <a:spcPct val="90000"/>
+              </a:lnSpc>
+              <a:spcBef>
+                <a:spcPts val="500"/>
+              </a:spcBef>
+              <a:buFont typeface="Arial" panose="020B0604020202020204" pitchFamily="34" charset="0"/>
+              <a:buChar char="•"/>
+              <a:defRPr sz="2000" kern="1200">
+                <a:solidFill>
+                  <a:schemeClr val="tx1"/>
+                </a:solidFill>
+                <a:latin typeface="+mn-lt"/>
+                <a:ea typeface="+mn-ea"/>
+                <a:cs typeface="+mn-cs"/>
+              </a:defRPr>
+            </a:lvl3pPr>
+            <a:lvl4pPr marL="1600200" indent="-228600" algn="l" defTabSz="914400" rtl="0" eaLnBrk="1" latinLnBrk="0" hangingPunct="1">
+              <a:lnSpc>
+                <a:spcPct val="90000"/>
+              </a:lnSpc>
+              <a:spcBef>
+                <a:spcPts val="500"/>
+              </a:spcBef>
+              <a:buFont typeface="Arial" panose="020B0604020202020204" pitchFamily="34" charset="0"/>
+              <a:buChar char="•"/>
+              <a:defRPr sz="1800" kern="1200">
+                <a:solidFill>
+                  <a:schemeClr val="tx1"/>
+                </a:solidFill>
+                <a:latin typeface="+mn-lt"/>
+                <a:ea typeface="+mn-ea"/>
+                <a:cs typeface="+mn-cs"/>
+              </a:defRPr>
+            </a:lvl4pPr>
+            <a:lvl5pPr marL="2057400" indent="-228600" algn="l" defTabSz="914400" rtl="0" eaLnBrk="1" latinLnBrk="0" hangingPunct="1">
+              <a:lnSpc>
+                <a:spcPct val="90000"/>
+              </a:lnSpc>
+              <a:spcBef>
+                <a:spcPts val="500"/>
+              </a:spcBef>
+              <a:buFont typeface="Arial" panose="020B0604020202020204" pitchFamily="34" charset="0"/>
+              <a:buChar char="•"/>
+              <a:defRPr sz="1800" kern="1200">
+                <a:solidFill>
+                  <a:schemeClr val="tx1"/>
+                </a:solidFill>
+                <a:latin typeface="+mn-lt"/>
+                <a:ea typeface="+mn-ea"/>
+                <a:cs typeface="+mn-cs"/>
+              </a:defRPr>
+            </a:lvl5pPr>
+            <a:lvl6pPr marL="2514600" indent="-228600" algn="l" defTabSz="914400" rtl="0" eaLnBrk="1" latinLnBrk="0" hangingPunct="1">
+              <a:lnSpc>
+                <a:spcPct val="90000"/>
+              </a:lnSpc>
+              <a:spcBef>
+                <a:spcPts val="500"/>
+              </a:spcBef>
+              <a:buFont typeface="Arial" panose="020B0604020202020204" pitchFamily="34" charset="0"/>
+              <a:buChar char="•"/>
+              <a:defRPr sz="1800" kern="1200">
+                <a:solidFill>
+                  <a:schemeClr val="tx1"/>
+                </a:solidFill>
+                <a:latin typeface="+mn-lt"/>
+                <a:ea typeface="+mn-ea"/>
+                <a:cs typeface="+mn-cs"/>
+              </a:defRPr>
+            </a:lvl6pPr>
+            <a:lvl7pPr marL="2971800" indent="-228600" algn="l" defTabSz="914400" rtl="0" eaLnBrk="1" latinLnBrk="0" hangingPunct="1">
+              <a:lnSpc>
+                <a:spcPct val="90000"/>
+              </a:lnSpc>
+              <a:spcBef>
+                <a:spcPts val="500"/>
+              </a:spcBef>
+              <a:buFont typeface="Arial" panose="020B0604020202020204" pitchFamily="34" charset="0"/>
+              <a:buChar char="•"/>
+              <a:defRPr sz="1800" kern="1200">
+                <a:solidFill>
+                  <a:schemeClr val="tx1"/>
+                </a:solidFill>
+                <a:latin typeface="+mn-lt"/>
+                <a:ea typeface="+mn-ea"/>
+                <a:cs typeface="+mn-cs"/>
+              </a:defRPr>
+            </a:lvl7pPr>
+            <a:lvl8pPr marL="3429000" indent="-228600" algn="l" defTabSz="914400" rtl="0" eaLnBrk="1" latinLnBrk="0" hangingPunct="1">
+              <a:lnSpc>
+                <a:spcPct val="90000"/>
+              </a:lnSpc>
+              <a:spcBef>
+                <a:spcPts val="500"/>
+              </a:spcBef>
+              <a:buFont typeface="Arial" panose="020B0604020202020204" pitchFamily="34" charset="0"/>
+              <a:buChar char="•"/>
+              <a:defRPr sz="1800" kern="1200">
+                <a:solidFill>
+                  <a:schemeClr val="tx1"/>
+                </a:solidFill>
+                <a:latin typeface="+mn-lt"/>
+                <a:ea typeface="+mn-ea"/>
+                <a:cs typeface="+mn-cs"/>
+              </a:defRPr>
+            </a:lvl8pPr>
+            <a:lvl9pPr marL="3886200" indent="-228600" algn="l" defTabSz="914400" rtl="0" eaLnBrk="1" latinLnBrk="0" hangingPunct="1">
+              <a:lnSpc>
+                <a:spcPct val="90000"/>
+              </a:lnSpc>
+              <a:spcBef>
+                <a:spcPts val="500"/>
+              </a:spcBef>
+              <a:buFont typeface="Arial" panose="020B0604020202020204" pitchFamily="34" charset="0"/>
+              <a:buChar char="•"/>
+              <a:defRPr sz="1800" kern="1200">
+                <a:solidFill>
+                  <a:schemeClr val="tx1"/>
+                </a:solidFill>
+                <a:latin typeface="+mn-lt"/>
+                <a:ea typeface="+mn-ea"/>
+                <a:cs typeface="+mn-cs"/>
+              </a:defRPr>
+            </a:lvl9pPr>
+          </a:lstStyle>
+          <a:p>
+            <a:pPr marL="0" indent="0">
+              <a:lnSpc>
+                <a:spcPct val="100000"/>
+              </a:lnSpc>
+              <a:spcBef>
+                <a:spcPts val="600"/>
+              </a:spcBef>
+              <a:buNone/>
+            </a:pPr>
+            <a:r>
+              <a:rPr lang="nl-NL" sz="2000" dirty="0"/>
+              <a:t>Een tabel genereert automatisch opvolgende </a:t>
+            </a:r>
+            <a:r>
+              <a:rPr lang="nl-NL" sz="2000" dirty="0" err="1"/>
+              <a:t>IDs</a:t>
+            </a:r>
+            <a:r>
+              <a:rPr lang="nl-NL" sz="2000" dirty="0"/>
+              <a:t> als:</a:t>
+            </a:r>
+          </a:p>
+          <a:p>
+            <a:pPr marL="0" indent="0">
+              <a:lnSpc>
+                <a:spcPct val="100000"/>
+              </a:lnSpc>
+              <a:spcBef>
+                <a:spcPts val="600"/>
+              </a:spcBef>
+              <a:buNone/>
+            </a:pPr>
+            <a:endParaRPr lang="nl-NL" sz="2000" dirty="0"/>
+          </a:p>
+          <a:p>
+            <a:pPr>
+              <a:lnSpc>
+                <a:spcPct val="100000"/>
+              </a:lnSpc>
+              <a:spcBef>
+                <a:spcPts val="600"/>
+              </a:spcBef>
+              <a:buFontTx/>
+              <a:buChar char="-"/>
+            </a:pPr>
+            <a:r>
+              <a:rPr lang="nl-NL" sz="2000" dirty="0"/>
+              <a:t>Het ID niet handmatig wordt meegegeven.</a:t>
+            </a:r>
+          </a:p>
+          <a:p>
+            <a:pPr>
+              <a:lnSpc>
+                <a:spcPct val="100000"/>
+              </a:lnSpc>
+              <a:spcBef>
+                <a:spcPts val="600"/>
+              </a:spcBef>
+              <a:buFontTx/>
+              <a:buChar char="-"/>
+            </a:pPr>
+            <a:endParaRPr lang="nl-NL" sz="2000" dirty="0"/>
+          </a:p>
+          <a:p>
+            <a:pPr>
+              <a:lnSpc>
+                <a:spcPct val="100000"/>
+              </a:lnSpc>
+              <a:spcBef>
+                <a:spcPts val="600"/>
+              </a:spcBef>
+              <a:buFontTx/>
+              <a:buChar char="-"/>
+            </a:pPr>
+            <a:r>
+              <a:rPr lang="nl-NL" sz="2000" dirty="0"/>
+              <a:t>Het ID de </a:t>
+            </a:r>
+            <a:r>
+              <a:rPr lang="nl-NL" sz="2000" dirty="0">
+                <a:solidFill>
+                  <a:schemeClr val="accent5">
+                    <a:lumMod val="75000"/>
+                  </a:schemeClr>
+                </a:solidFill>
+                <a:latin typeface="Courier New" panose="02070309020205020404" pitchFamily="49" charset="0"/>
+                <a:cs typeface="Courier New" panose="02070309020205020404" pitchFamily="49" charset="0"/>
+              </a:rPr>
+              <a:t>PRIMARY KEY</a:t>
+            </a:r>
+            <a:r>
+              <a:rPr lang="nl-NL" sz="2000" dirty="0"/>
+              <a:t> van een tabel is.</a:t>
+            </a:r>
+          </a:p>
+          <a:p>
+            <a:pPr>
+              <a:lnSpc>
+                <a:spcPct val="100000"/>
+              </a:lnSpc>
+              <a:spcBef>
+                <a:spcPts val="600"/>
+              </a:spcBef>
+              <a:buFontTx/>
+              <a:buChar char="-"/>
+            </a:pPr>
+            <a:endParaRPr lang="nl-NL" sz="2000" dirty="0"/>
+          </a:p>
+          <a:p>
+            <a:pPr>
+              <a:lnSpc>
+                <a:spcPct val="100000"/>
+              </a:lnSpc>
+              <a:spcBef>
+                <a:spcPts val="600"/>
+              </a:spcBef>
+              <a:buFontTx/>
+              <a:buChar char="-"/>
+            </a:pPr>
+            <a:r>
+              <a:rPr lang="nl-NL" sz="2000" dirty="0"/>
+              <a:t>Het ID van het type </a:t>
+            </a:r>
+            <a:r>
+              <a:rPr lang="nl-NL" sz="2000" dirty="0">
+                <a:solidFill>
+                  <a:schemeClr val="accent5">
+                    <a:lumMod val="75000"/>
+                  </a:schemeClr>
+                </a:solidFill>
+                <a:latin typeface="Courier New" panose="02070309020205020404" pitchFamily="49" charset="0"/>
+                <a:cs typeface="Courier New" panose="02070309020205020404" pitchFamily="49" charset="0"/>
+              </a:rPr>
+              <a:t>INTEGER</a:t>
+            </a:r>
+            <a:r>
+              <a:rPr lang="nl-NL" sz="2000" dirty="0"/>
+              <a:t> is.</a:t>
+            </a:r>
+          </a:p>
+          <a:p>
+            <a:pPr marL="0" indent="0">
+              <a:lnSpc>
+                <a:spcPct val="100000"/>
+              </a:lnSpc>
+              <a:spcBef>
+                <a:spcPts val="600"/>
+              </a:spcBef>
+              <a:buFont typeface="Arial" panose="020B0604020202020204" pitchFamily="34" charset="0"/>
+              <a:buNone/>
+            </a:pPr>
+            <a:endParaRPr lang="nl-NL" sz="2000" dirty="0"/>
+          </a:p>
+          <a:p>
+            <a:pPr marL="0" indent="0">
+              <a:lnSpc>
+                <a:spcPct val="100000"/>
+              </a:lnSpc>
+              <a:spcBef>
+                <a:spcPts val="600"/>
+              </a:spcBef>
+              <a:buFont typeface="Arial" panose="020B0604020202020204" pitchFamily="34" charset="0"/>
+              <a:buNone/>
+            </a:pPr>
+            <a:endParaRPr lang="nl-NL" sz="2000" dirty="0"/>
+          </a:p>
+        </p:txBody>
+      </p:sp>
+      <p:cxnSp>
+        <p:nvCxnSpPr>
+          <p:cNvPr id="6" name="Straight Connector 5">
+            <a:extLst>
+              <a:ext uri="{FF2B5EF4-FFF2-40B4-BE49-F238E27FC236}">
+                <a16:creationId xmlns:a16="http://schemas.microsoft.com/office/drawing/2014/main" id="{CAF507E9-7C11-D154-4FF5-600456367833}"/>
+              </a:ext>
+            </a:extLst>
+          </p:cNvPr>
+          <p:cNvCxnSpPr/>
+          <p:nvPr/>
+        </p:nvCxnSpPr>
+        <p:spPr>
+          <a:xfrm>
+            <a:off x="6096000" y="1864311"/>
+            <a:ext cx="0" cy="4351338"/>
+          </a:xfrm>
+          <a:prstGeom prst="line">
+            <a:avLst/>
+          </a:prstGeom>
+        </p:spPr>
+        <p:style>
+          <a:lnRef idx="3">
+            <a:schemeClr val="dk1"/>
+          </a:lnRef>
+          <a:fillRef idx="0">
+            <a:schemeClr val="dk1"/>
+          </a:fillRef>
+          <a:effectRef idx="2">
+            <a:schemeClr val="dk1"/>
+          </a:effectRef>
+          <a:fontRef idx="minor">
+            <a:schemeClr val="tx1"/>
+          </a:fontRef>
+        </p:style>
+      </p:cxnSp>
+    </p:spTree>
+    <p:extLst>
+      <p:ext uri="{BB962C8B-B14F-4D97-AF65-F5344CB8AC3E}">
+        <p14:creationId xmlns:p14="http://schemas.microsoft.com/office/powerpoint/2010/main" val="798469053"/>
+      </p:ext>
+    </p:extLst>
+  </p:cSld>
+  <p:clrMapOvr>
+    <a:masterClrMapping/>
+  </p:clrMapOvr>
+</p:sld>
+</file>
+
+<file path=ppt/slides/slide54.xml><?xml version="1.0" encoding="utf-8"?>
+<p:sld xmlns:a="http://schemas.openxmlformats.org/drawingml/2006/main" xmlns:r="http://schemas.openxmlformats.org/officeDocument/2006/relationships" xmlns:p="http://schemas.openxmlformats.org/presentationml/2006/main">
+  <p:cSld>
+    <p:spTree>
+      <p:nvGrpSpPr>
+        <p:cNvPr id="1" name="">
+          <a:extLst>
+            <a:ext uri="{FF2B5EF4-FFF2-40B4-BE49-F238E27FC236}">
+              <a16:creationId xmlns:a16="http://schemas.microsoft.com/office/drawing/2014/main" id="{F1AF5041-0986-8212-D8DA-28BD99D86284}"/>
+            </a:ext>
+          </a:extLst>
+        </p:cNvPr>
+        <p:cNvGrpSpPr/>
+        <p:nvPr/>
+      </p:nvGrpSpPr>
+      <p:grpSpPr>
+        <a:xfrm>
+          <a:off x="0" y="0"/>
+          <a:ext cx="0" cy="0"/>
+          <a:chOff x="0" y="0"/>
+          <a:chExt cx="0" cy="0"/>
+        </a:xfrm>
+      </p:grpSpPr>
+      <p:sp>
+        <p:nvSpPr>
+          <p:cNvPr id="2" name="Title 1">
+            <a:extLst>
+              <a:ext uri="{FF2B5EF4-FFF2-40B4-BE49-F238E27FC236}">
+                <a16:creationId xmlns:a16="http://schemas.microsoft.com/office/drawing/2014/main" id="{061FCD4C-6AFC-CCD0-D427-FECEBA57A510}"/>
+              </a:ext>
+            </a:extLst>
+          </p:cNvPr>
+          <p:cNvSpPr>
+            <a:spLocks noGrp="1"/>
+          </p:cNvSpPr>
+          <p:nvPr>
+            <p:ph type="title"/>
+          </p:nvPr>
+        </p:nvSpPr>
+        <p:spPr/>
+        <p:txBody>
+          <a:bodyPr>
+            <a:normAutofit/>
+          </a:bodyPr>
+          <a:lstStyle/>
+          <a:p>
+            <a:r>
+              <a:rPr lang="nl-NL" sz="3600" dirty="0"/>
+              <a:t>Rijen wijzigen</a:t>
+            </a:r>
+          </a:p>
+        </p:txBody>
+      </p:sp>
+      <p:sp>
+        <p:nvSpPr>
+          <p:cNvPr id="3" name="Content Placeholder 2">
+            <a:extLst>
+              <a:ext uri="{FF2B5EF4-FFF2-40B4-BE49-F238E27FC236}">
+                <a16:creationId xmlns:a16="http://schemas.microsoft.com/office/drawing/2014/main" id="{0F948885-434D-BAF8-FFF4-8308B7B3EBC7}"/>
+              </a:ext>
+            </a:extLst>
+          </p:cNvPr>
+          <p:cNvSpPr>
+            <a:spLocks noGrp="1"/>
+          </p:cNvSpPr>
+          <p:nvPr>
+            <p:ph idx="1"/>
+          </p:nvPr>
+        </p:nvSpPr>
+        <p:spPr>
+          <a:xfrm>
+            <a:off x="838201" y="1825625"/>
+            <a:ext cx="5030367" cy="4351338"/>
+          </a:xfrm>
+        </p:spPr>
+        <p:txBody>
+          <a:bodyPr>
+            <a:normAutofit/>
+          </a:bodyPr>
+          <a:lstStyle/>
+          <a:p>
+            <a:pPr marL="0" indent="0">
+              <a:lnSpc>
+                <a:spcPct val="100000"/>
+              </a:lnSpc>
+              <a:spcBef>
+                <a:spcPts val="600"/>
+              </a:spcBef>
+              <a:buNone/>
+            </a:pPr>
+            <a:r>
+              <a:rPr lang="nl-NL" sz="2000" dirty="0">
+                <a:solidFill>
+                  <a:schemeClr val="accent5">
+                    <a:lumMod val="75000"/>
+                  </a:schemeClr>
+                </a:solidFill>
+                <a:latin typeface="Courier New" panose="02070309020205020404" pitchFamily="49" charset="0"/>
+                <a:cs typeface="Courier New" panose="02070309020205020404" pitchFamily="49" charset="0"/>
+              </a:rPr>
+              <a:t>UPDATE </a:t>
+            </a:r>
+            <a:r>
+              <a:rPr lang="nl-NL" sz="2000" dirty="0">
+                <a:latin typeface="Courier New" panose="02070309020205020404" pitchFamily="49" charset="0"/>
+                <a:cs typeface="Courier New" panose="02070309020205020404" pitchFamily="49" charset="0"/>
+              </a:rPr>
+              <a:t>Klanten</a:t>
+            </a:r>
+          </a:p>
+          <a:p>
+            <a:pPr marL="0" indent="0">
+              <a:lnSpc>
+                <a:spcPct val="100000"/>
+              </a:lnSpc>
+              <a:spcBef>
+                <a:spcPts val="600"/>
+              </a:spcBef>
+              <a:buNone/>
+            </a:pPr>
+            <a:r>
+              <a:rPr lang="nl-NL" sz="2000" dirty="0">
+                <a:solidFill>
+                  <a:schemeClr val="accent5">
+                    <a:lumMod val="75000"/>
+                  </a:schemeClr>
+                </a:solidFill>
+                <a:latin typeface="Courier New" panose="02070309020205020404" pitchFamily="49" charset="0"/>
+                <a:cs typeface="Courier New" panose="02070309020205020404" pitchFamily="49" charset="0"/>
+              </a:rPr>
+              <a:t>SET</a:t>
+            </a:r>
+          </a:p>
+          <a:p>
+            <a:pPr marL="0" indent="0">
+              <a:lnSpc>
+                <a:spcPct val="100000"/>
+              </a:lnSpc>
+              <a:spcBef>
+                <a:spcPts val="600"/>
+              </a:spcBef>
+              <a:buNone/>
+            </a:pPr>
+            <a:r>
+              <a:rPr lang="nl-NL" sz="2000" dirty="0">
+                <a:latin typeface="Courier New" panose="02070309020205020404" pitchFamily="49" charset="0"/>
+                <a:cs typeface="Courier New" panose="02070309020205020404" pitchFamily="49" charset="0"/>
+              </a:rPr>
+              <a:t>  Naam = </a:t>
+            </a:r>
+            <a:r>
+              <a:rPr lang="nl-NL" sz="2000" dirty="0">
+                <a:solidFill>
+                  <a:srgbClr val="C00000"/>
+                </a:solidFill>
+                <a:latin typeface="Courier New" panose="02070309020205020404" pitchFamily="49" charset="0"/>
+                <a:cs typeface="Courier New" panose="02070309020205020404" pitchFamily="49" charset="0"/>
+              </a:rPr>
+              <a:t>'Jan'</a:t>
+            </a:r>
+            <a:r>
+              <a:rPr lang="nl-NL" sz="2000" dirty="0">
+                <a:latin typeface="Courier New" panose="02070309020205020404" pitchFamily="49" charset="0"/>
+                <a:cs typeface="Courier New" panose="02070309020205020404" pitchFamily="49" charset="0"/>
+              </a:rPr>
+              <a:t>,</a:t>
+            </a:r>
+          </a:p>
+          <a:p>
+            <a:pPr marL="0" indent="0">
+              <a:lnSpc>
+                <a:spcPct val="100000"/>
+              </a:lnSpc>
+              <a:spcBef>
+                <a:spcPts val="600"/>
+              </a:spcBef>
+              <a:buNone/>
+            </a:pPr>
+            <a:r>
+              <a:rPr lang="nl-NL" sz="2000" dirty="0">
+                <a:latin typeface="Courier New" panose="02070309020205020404" pitchFamily="49" charset="0"/>
+                <a:cs typeface="Courier New" panose="02070309020205020404" pitchFamily="49" charset="0"/>
+              </a:rPr>
+              <a:t>  Achternaam = </a:t>
+            </a:r>
+            <a:r>
+              <a:rPr lang="nl-NL" sz="2000" dirty="0">
+                <a:solidFill>
+                  <a:srgbClr val="C00000"/>
+                </a:solidFill>
+                <a:latin typeface="Courier New" panose="02070309020205020404" pitchFamily="49" charset="0"/>
+                <a:cs typeface="Courier New" panose="02070309020205020404" pitchFamily="49" charset="0"/>
+              </a:rPr>
+              <a:t>'Jansen'</a:t>
+            </a:r>
+            <a:r>
+              <a:rPr lang="nl-NL" sz="2000" dirty="0">
+                <a:latin typeface="Courier New" panose="02070309020205020404" pitchFamily="49" charset="0"/>
+                <a:cs typeface="Courier New" panose="02070309020205020404" pitchFamily="49" charset="0"/>
+              </a:rPr>
+              <a:t>,</a:t>
+            </a:r>
+          </a:p>
+          <a:p>
+            <a:pPr marL="0" indent="0">
+              <a:lnSpc>
+                <a:spcPct val="100000"/>
+              </a:lnSpc>
+              <a:spcBef>
+                <a:spcPts val="600"/>
+              </a:spcBef>
+              <a:buNone/>
+            </a:pPr>
+            <a:r>
+              <a:rPr lang="nl-NL" sz="2000" dirty="0">
+                <a:latin typeface="Courier New" panose="02070309020205020404" pitchFamily="49" charset="0"/>
+                <a:cs typeface="Courier New" panose="02070309020205020404" pitchFamily="49" charset="0"/>
+              </a:rPr>
+              <a:t>  Leeftijd = 22</a:t>
+            </a:r>
+          </a:p>
+          <a:p>
+            <a:pPr marL="0" indent="0">
+              <a:lnSpc>
+                <a:spcPct val="100000"/>
+              </a:lnSpc>
+              <a:spcBef>
+                <a:spcPts val="600"/>
+              </a:spcBef>
+              <a:buNone/>
+            </a:pPr>
+            <a:r>
+              <a:rPr lang="nl-NL" sz="2000" dirty="0">
+                <a:solidFill>
+                  <a:schemeClr val="accent5">
+                    <a:lumMod val="75000"/>
+                  </a:schemeClr>
+                </a:solidFill>
+                <a:latin typeface="Courier New" panose="02070309020205020404" pitchFamily="49" charset="0"/>
+                <a:cs typeface="Courier New" panose="02070309020205020404" pitchFamily="49" charset="0"/>
+              </a:rPr>
+              <a:t>WHERE </a:t>
+            </a:r>
+            <a:r>
+              <a:rPr lang="nl-NL" sz="2000" dirty="0" err="1">
+                <a:latin typeface="Courier New" panose="02070309020205020404" pitchFamily="49" charset="0"/>
+                <a:cs typeface="Courier New" panose="02070309020205020404" pitchFamily="49" charset="0"/>
+              </a:rPr>
+              <a:t>Id</a:t>
+            </a:r>
+            <a:r>
+              <a:rPr lang="nl-NL" sz="2000" dirty="0">
+                <a:latin typeface="Courier New" panose="02070309020205020404" pitchFamily="49" charset="0"/>
+                <a:cs typeface="Courier New" panose="02070309020205020404" pitchFamily="49" charset="0"/>
+              </a:rPr>
+              <a:t> = 1;</a:t>
+            </a:r>
+          </a:p>
+          <a:p>
+            <a:pPr marL="0" indent="0">
+              <a:lnSpc>
+                <a:spcPct val="100000"/>
+              </a:lnSpc>
+              <a:spcBef>
+                <a:spcPts val="600"/>
+              </a:spcBef>
+              <a:buNone/>
+            </a:pPr>
+            <a:endParaRPr lang="nl-NL" sz="2000" dirty="0">
+              <a:latin typeface="Courier New" panose="02070309020205020404" pitchFamily="49" charset="0"/>
+              <a:cs typeface="Courier New" panose="02070309020205020404" pitchFamily="49" charset="0"/>
+            </a:endParaRPr>
+          </a:p>
+          <a:p>
+            <a:pPr marL="0" indent="0">
+              <a:lnSpc>
+                <a:spcPct val="100000"/>
+              </a:lnSpc>
+              <a:spcBef>
+                <a:spcPts val="600"/>
+              </a:spcBef>
+              <a:buNone/>
+            </a:pPr>
+            <a:endParaRPr lang="nl-NL" sz="2000" dirty="0">
+              <a:latin typeface="Courier New" panose="02070309020205020404" pitchFamily="49" charset="0"/>
+              <a:cs typeface="Courier New" panose="02070309020205020404" pitchFamily="49" charset="0"/>
+            </a:endParaRPr>
+          </a:p>
+          <a:p>
+            <a:pPr marL="0" indent="0">
+              <a:lnSpc>
+                <a:spcPct val="100000"/>
+              </a:lnSpc>
+              <a:spcBef>
+                <a:spcPts val="600"/>
+              </a:spcBef>
+              <a:buNone/>
+            </a:pPr>
+            <a:endParaRPr lang="nl-NL" sz="2000" dirty="0">
+              <a:latin typeface="Courier New" panose="02070309020205020404" pitchFamily="49" charset="0"/>
+              <a:cs typeface="Courier New" panose="02070309020205020404" pitchFamily="49" charset="0"/>
+            </a:endParaRPr>
+          </a:p>
+        </p:txBody>
+      </p:sp>
+      <p:sp>
+        <p:nvSpPr>
+          <p:cNvPr id="5" name="Content Placeholder 2">
+            <a:extLst>
+              <a:ext uri="{FF2B5EF4-FFF2-40B4-BE49-F238E27FC236}">
+                <a16:creationId xmlns:a16="http://schemas.microsoft.com/office/drawing/2014/main" id="{DFF66884-9E57-5786-482B-5BEF914AA879}"/>
+              </a:ext>
+            </a:extLst>
+          </p:cNvPr>
+          <p:cNvSpPr txBox="1">
+            <a:spLocks/>
+          </p:cNvSpPr>
+          <p:nvPr/>
+        </p:nvSpPr>
+        <p:spPr>
+          <a:xfrm>
+            <a:off x="6323428" y="1825625"/>
+            <a:ext cx="5030371" cy="4351338"/>
+          </a:xfrm>
+          <a:prstGeom prst="rect">
+            <a:avLst/>
+          </a:prstGeom>
+        </p:spPr>
+        <p:txBody>
+          <a:bodyPr vert="horz" lIns="91440" tIns="45720" rIns="91440" bIns="45720" rtlCol="0">
+            <a:normAutofit/>
+          </a:bodyPr>
+          <a:lstStyle>
+            <a:lvl1pPr marL="228600" indent="-228600" algn="l" defTabSz="914400" rtl="0" eaLnBrk="1" latinLnBrk="0" hangingPunct="1">
+              <a:lnSpc>
+                <a:spcPct val="90000"/>
+              </a:lnSpc>
+              <a:spcBef>
+                <a:spcPts val="1000"/>
+              </a:spcBef>
+              <a:buFont typeface="Arial" panose="020B0604020202020204" pitchFamily="34" charset="0"/>
+              <a:buChar char="•"/>
+              <a:defRPr sz="2800" kern="1200">
+                <a:solidFill>
+                  <a:schemeClr val="tx1"/>
+                </a:solidFill>
+                <a:latin typeface="+mn-lt"/>
+                <a:ea typeface="+mn-ea"/>
+                <a:cs typeface="+mn-cs"/>
+              </a:defRPr>
+            </a:lvl1pPr>
+            <a:lvl2pPr marL="685800" indent="-228600" algn="l" defTabSz="914400" rtl="0" eaLnBrk="1" latinLnBrk="0" hangingPunct="1">
+              <a:lnSpc>
+                <a:spcPct val="90000"/>
+              </a:lnSpc>
+              <a:spcBef>
+                <a:spcPts val="500"/>
+              </a:spcBef>
+              <a:buFont typeface="Arial" panose="020B0604020202020204" pitchFamily="34" charset="0"/>
+              <a:buChar char="•"/>
+              <a:defRPr sz="2400" kern="1200">
+                <a:solidFill>
+                  <a:schemeClr val="tx1"/>
+                </a:solidFill>
+                <a:latin typeface="+mn-lt"/>
+                <a:ea typeface="+mn-ea"/>
+                <a:cs typeface="+mn-cs"/>
+              </a:defRPr>
+            </a:lvl2pPr>
+            <a:lvl3pPr marL="1143000" indent="-228600" algn="l" defTabSz="914400" rtl="0" eaLnBrk="1" latinLnBrk="0" hangingPunct="1">
+              <a:lnSpc>
+                <a:spcPct val="90000"/>
+              </a:lnSpc>
+              <a:spcBef>
+                <a:spcPts val="500"/>
+              </a:spcBef>
+              <a:buFont typeface="Arial" panose="020B0604020202020204" pitchFamily="34" charset="0"/>
+              <a:buChar char="•"/>
+              <a:defRPr sz="2000" kern="1200">
+                <a:solidFill>
+                  <a:schemeClr val="tx1"/>
+                </a:solidFill>
+                <a:latin typeface="+mn-lt"/>
+                <a:ea typeface="+mn-ea"/>
+                <a:cs typeface="+mn-cs"/>
+              </a:defRPr>
+            </a:lvl3pPr>
+            <a:lvl4pPr marL="1600200" indent="-228600" algn="l" defTabSz="914400" rtl="0" eaLnBrk="1" latinLnBrk="0" hangingPunct="1">
+              <a:lnSpc>
+                <a:spcPct val="90000"/>
+              </a:lnSpc>
+              <a:spcBef>
+                <a:spcPts val="500"/>
+              </a:spcBef>
+              <a:buFont typeface="Arial" panose="020B0604020202020204" pitchFamily="34" charset="0"/>
+              <a:buChar char="•"/>
+              <a:defRPr sz="1800" kern="1200">
+                <a:solidFill>
+                  <a:schemeClr val="tx1"/>
+                </a:solidFill>
+                <a:latin typeface="+mn-lt"/>
+                <a:ea typeface="+mn-ea"/>
+                <a:cs typeface="+mn-cs"/>
+              </a:defRPr>
+            </a:lvl4pPr>
+            <a:lvl5pPr marL="2057400" indent="-228600" algn="l" defTabSz="914400" rtl="0" eaLnBrk="1" latinLnBrk="0" hangingPunct="1">
+              <a:lnSpc>
+                <a:spcPct val="90000"/>
+              </a:lnSpc>
+              <a:spcBef>
+                <a:spcPts val="500"/>
+              </a:spcBef>
+              <a:buFont typeface="Arial" panose="020B0604020202020204" pitchFamily="34" charset="0"/>
+              <a:buChar char="•"/>
+              <a:defRPr sz="1800" kern="1200">
+                <a:solidFill>
+                  <a:schemeClr val="tx1"/>
+                </a:solidFill>
+                <a:latin typeface="+mn-lt"/>
+                <a:ea typeface="+mn-ea"/>
+                <a:cs typeface="+mn-cs"/>
+              </a:defRPr>
+            </a:lvl5pPr>
+            <a:lvl6pPr marL="2514600" indent="-228600" algn="l" defTabSz="914400" rtl="0" eaLnBrk="1" latinLnBrk="0" hangingPunct="1">
+              <a:lnSpc>
+                <a:spcPct val="90000"/>
+              </a:lnSpc>
+              <a:spcBef>
+                <a:spcPts val="500"/>
+              </a:spcBef>
+              <a:buFont typeface="Arial" panose="020B0604020202020204" pitchFamily="34" charset="0"/>
+              <a:buChar char="•"/>
+              <a:defRPr sz="1800" kern="1200">
+                <a:solidFill>
+                  <a:schemeClr val="tx1"/>
+                </a:solidFill>
+                <a:latin typeface="+mn-lt"/>
+                <a:ea typeface="+mn-ea"/>
+                <a:cs typeface="+mn-cs"/>
+              </a:defRPr>
+            </a:lvl6pPr>
+            <a:lvl7pPr marL="2971800" indent="-228600" algn="l" defTabSz="914400" rtl="0" eaLnBrk="1" latinLnBrk="0" hangingPunct="1">
+              <a:lnSpc>
+                <a:spcPct val="90000"/>
+              </a:lnSpc>
+              <a:spcBef>
+                <a:spcPts val="500"/>
+              </a:spcBef>
+              <a:buFont typeface="Arial" panose="020B0604020202020204" pitchFamily="34" charset="0"/>
+              <a:buChar char="•"/>
+              <a:defRPr sz="1800" kern="1200">
+                <a:solidFill>
+                  <a:schemeClr val="tx1"/>
+                </a:solidFill>
+                <a:latin typeface="+mn-lt"/>
+                <a:ea typeface="+mn-ea"/>
+                <a:cs typeface="+mn-cs"/>
+              </a:defRPr>
+            </a:lvl7pPr>
+            <a:lvl8pPr marL="3429000" indent="-228600" algn="l" defTabSz="914400" rtl="0" eaLnBrk="1" latinLnBrk="0" hangingPunct="1">
+              <a:lnSpc>
+                <a:spcPct val="90000"/>
+              </a:lnSpc>
+              <a:spcBef>
+                <a:spcPts val="500"/>
+              </a:spcBef>
+              <a:buFont typeface="Arial" panose="020B0604020202020204" pitchFamily="34" charset="0"/>
+              <a:buChar char="•"/>
+              <a:defRPr sz="1800" kern="1200">
+                <a:solidFill>
+                  <a:schemeClr val="tx1"/>
+                </a:solidFill>
+                <a:latin typeface="+mn-lt"/>
+                <a:ea typeface="+mn-ea"/>
+                <a:cs typeface="+mn-cs"/>
+              </a:defRPr>
+            </a:lvl8pPr>
+            <a:lvl9pPr marL="3886200" indent="-228600" algn="l" defTabSz="914400" rtl="0" eaLnBrk="1" latinLnBrk="0" hangingPunct="1">
+              <a:lnSpc>
+                <a:spcPct val="90000"/>
+              </a:lnSpc>
+              <a:spcBef>
+                <a:spcPts val="500"/>
+              </a:spcBef>
+              <a:buFont typeface="Arial" panose="020B0604020202020204" pitchFamily="34" charset="0"/>
+              <a:buChar char="•"/>
+              <a:defRPr sz="1800" kern="1200">
+                <a:solidFill>
+                  <a:schemeClr val="tx1"/>
+                </a:solidFill>
+                <a:latin typeface="+mn-lt"/>
+                <a:ea typeface="+mn-ea"/>
+                <a:cs typeface="+mn-cs"/>
+              </a:defRPr>
+            </a:lvl9pPr>
+          </a:lstStyle>
+          <a:p>
+            <a:pPr marL="0" indent="0">
+              <a:lnSpc>
+                <a:spcPct val="100000"/>
+              </a:lnSpc>
+              <a:spcBef>
+                <a:spcPts val="600"/>
+              </a:spcBef>
+              <a:buNone/>
+            </a:pPr>
+            <a:r>
+              <a:rPr lang="nl-NL" sz="2000" dirty="0"/>
+              <a:t>Gebruik </a:t>
+            </a:r>
+            <a:r>
+              <a:rPr lang="nl-NL" sz="2000" dirty="0">
+                <a:solidFill>
+                  <a:schemeClr val="accent5">
+                    <a:lumMod val="75000"/>
+                  </a:schemeClr>
+                </a:solidFill>
+                <a:latin typeface="Courier New" panose="02070309020205020404" pitchFamily="49" charset="0"/>
+                <a:cs typeface="Courier New" panose="02070309020205020404" pitchFamily="49" charset="0"/>
+              </a:rPr>
+              <a:t>UPDATE </a:t>
+            </a:r>
+            <a:r>
+              <a:rPr lang="nl-NL" sz="2000" dirty="0"/>
+              <a:t>om rijen in een tabel te wijzigen.</a:t>
+            </a:r>
+          </a:p>
+          <a:p>
+            <a:pPr marL="0" indent="0">
+              <a:lnSpc>
+                <a:spcPct val="100000"/>
+              </a:lnSpc>
+              <a:spcBef>
+                <a:spcPts val="600"/>
+              </a:spcBef>
+              <a:buNone/>
+            </a:pPr>
+            <a:endParaRPr lang="nl-NL" sz="2000" dirty="0"/>
+          </a:p>
+          <a:p>
+            <a:pPr marL="0" indent="0">
+              <a:lnSpc>
+                <a:spcPct val="100000"/>
+              </a:lnSpc>
+              <a:spcBef>
+                <a:spcPts val="600"/>
+              </a:spcBef>
+              <a:buFont typeface="Arial" panose="020B0604020202020204" pitchFamily="34" charset="0"/>
+              <a:buNone/>
+            </a:pPr>
+            <a:r>
+              <a:rPr lang="nl-NL" sz="2000" dirty="0"/>
+              <a:t>Geeft achter </a:t>
+            </a:r>
+            <a:r>
+              <a:rPr lang="nl-NL" sz="2000" dirty="0">
+                <a:solidFill>
+                  <a:schemeClr val="accent5">
+                    <a:lumMod val="75000"/>
+                  </a:schemeClr>
+                </a:solidFill>
+                <a:latin typeface="Courier New" panose="02070309020205020404" pitchFamily="49" charset="0"/>
+                <a:cs typeface="Courier New" panose="02070309020205020404" pitchFamily="49" charset="0"/>
+              </a:rPr>
+              <a:t>SET</a:t>
+            </a:r>
+            <a:r>
+              <a:rPr lang="nl-NL" sz="2000" dirty="0"/>
+              <a:t> aan welke kolommen en waardes je wilt wijzigen.</a:t>
+            </a:r>
+          </a:p>
+          <a:p>
+            <a:pPr marL="0" indent="0">
+              <a:lnSpc>
+                <a:spcPct val="100000"/>
+              </a:lnSpc>
+              <a:spcBef>
+                <a:spcPts val="600"/>
+              </a:spcBef>
+              <a:buNone/>
+            </a:pPr>
+            <a:endParaRPr lang="nl-NL" sz="2000" dirty="0"/>
+          </a:p>
+          <a:p>
+            <a:pPr marL="0" indent="0">
+              <a:lnSpc>
+                <a:spcPct val="100000"/>
+              </a:lnSpc>
+              <a:spcBef>
+                <a:spcPts val="600"/>
+              </a:spcBef>
+              <a:buNone/>
+            </a:pPr>
+            <a:r>
+              <a:rPr lang="nl-NL" sz="2000" dirty="0"/>
+              <a:t>Geef met </a:t>
+            </a:r>
+            <a:r>
+              <a:rPr lang="nl-NL" sz="2000" dirty="0">
+                <a:solidFill>
+                  <a:schemeClr val="accent5">
+                    <a:lumMod val="75000"/>
+                  </a:schemeClr>
+                </a:solidFill>
+                <a:latin typeface="Courier New" panose="02070309020205020404" pitchFamily="49" charset="0"/>
+                <a:cs typeface="Courier New" panose="02070309020205020404" pitchFamily="49" charset="0"/>
+              </a:rPr>
+              <a:t>WHERE</a:t>
+            </a:r>
+            <a:r>
+              <a:rPr lang="nl-NL" sz="2000" dirty="0"/>
+              <a:t> aan welke rijen gewijzigd worden.</a:t>
+            </a:r>
+          </a:p>
+          <a:p>
+            <a:pPr marL="0" indent="0">
+              <a:lnSpc>
+                <a:spcPct val="100000"/>
+              </a:lnSpc>
+              <a:spcBef>
+                <a:spcPts val="600"/>
+              </a:spcBef>
+              <a:buFont typeface="Arial" panose="020B0604020202020204" pitchFamily="34" charset="0"/>
+              <a:buNone/>
+            </a:pPr>
+            <a:endParaRPr lang="nl-NL" sz="2000" dirty="0"/>
+          </a:p>
+        </p:txBody>
+      </p:sp>
+      <p:cxnSp>
+        <p:nvCxnSpPr>
+          <p:cNvPr id="6" name="Straight Connector 5">
+            <a:extLst>
+              <a:ext uri="{FF2B5EF4-FFF2-40B4-BE49-F238E27FC236}">
+                <a16:creationId xmlns:a16="http://schemas.microsoft.com/office/drawing/2014/main" id="{E7624656-E849-11C3-D1BB-4AE8C5F479D5}"/>
+              </a:ext>
+            </a:extLst>
+          </p:cNvPr>
+          <p:cNvCxnSpPr/>
+          <p:nvPr/>
+        </p:nvCxnSpPr>
+        <p:spPr>
+          <a:xfrm>
+            <a:off x="6096000" y="1864311"/>
+            <a:ext cx="0" cy="4351338"/>
+          </a:xfrm>
+          <a:prstGeom prst="line">
+            <a:avLst/>
+          </a:prstGeom>
+        </p:spPr>
+        <p:style>
+          <a:lnRef idx="3">
+            <a:schemeClr val="dk1"/>
+          </a:lnRef>
+          <a:fillRef idx="0">
+            <a:schemeClr val="dk1"/>
+          </a:fillRef>
+          <a:effectRef idx="2">
+            <a:schemeClr val="dk1"/>
+          </a:effectRef>
+          <a:fontRef idx="minor">
+            <a:schemeClr val="tx1"/>
+          </a:fontRef>
+        </p:style>
+      </p:cxnSp>
+    </p:spTree>
+    <p:extLst>
+      <p:ext uri="{BB962C8B-B14F-4D97-AF65-F5344CB8AC3E}">
+        <p14:creationId xmlns:p14="http://schemas.microsoft.com/office/powerpoint/2010/main" val="2435875560"/>
+      </p:ext>
+    </p:extLst>
+  </p:cSld>
+  <p:clrMapOvr>
+    <a:masterClrMapping/>
+  </p:clrMapOvr>
+</p:sld>
+</file>
+
+<file path=ppt/slides/slide55.xml><?xml version="1.0" encoding="utf-8"?>
+<p:sld xmlns:a="http://schemas.openxmlformats.org/drawingml/2006/main" xmlns:r="http://schemas.openxmlformats.org/officeDocument/2006/relationships" xmlns:p="http://schemas.openxmlformats.org/presentationml/2006/main">
+  <p:cSld>
+    <p:spTree>
+      <p:nvGrpSpPr>
+        <p:cNvPr id="1" name="">
+          <a:extLst>
+            <a:ext uri="{FF2B5EF4-FFF2-40B4-BE49-F238E27FC236}">
+              <a16:creationId xmlns:a16="http://schemas.microsoft.com/office/drawing/2014/main" id="{B335F32E-1EA0-56BE-12D0-607D64004779}"/>
+            </a:ext>
+          </a:extLst>
+        </p:cNvPr>
+        <p:cNvGrpSpPr/>
+        <p:nvPr/>
+      </p:nvGrpSpPr>
+      <p:grpSpPr>
+        <a:xfrm>
+          <a:off x="0" y="0"/>
+          <a:ext cx="0" cy="0"/>
+          <a:chOff x="0" y="0"/>
+          <a:chExt cx="0" cy="0"/>
+        </a:xfrm>
+      </p:grpSpPr>
+      <p:sp>
+        <p:nvSpPr>
+          <p:cNvPr id="2" name="Title 1">
+            <a:extLst>
+              <a:ext uri="{FF2B5EF4-FFF2-40B4-BE49-F238E27FC236}">
+                <a16:creationId xmlns:a16="http://schemas.microsoft.com/office/drawing/2014/main" id="{DE892C4B-75B7-6426-0F77-28C512F790DB}"/>
+              </a:ext>
+            </a:extLst>
+          </p:cNvPr>
+          <p:cNvSpPr>
+            <a:spLocks noGrp="1"/>
+          </p:cNvSpPr>
+          <p:nvPr>
+            <p:ph type="title"/>
+          </p:nvPr>
+        </p:nvSpPr>
+        <p:spPr/>
+        <p:txBody>
+          <a:bodyPr>
+            <a:normAutofit/>
+          </a:bodyPr>
+          <a:lstStyle/>
+          <a:p>
+            <a:r>
+              <a:rPr lang="nl-NL" sz="3600" dirty="0"/>
+              <a:t>Rijen wijzigen</a:t>
+            </a:r>
+          </a:p>
+        </p:txBody>
+      </p:sp>
+      <p:sp>
+        <p:nvSpPr>
+          <p:cNvPr id="3" name="Content Placeholder 2">
+            <a:extLst>
+              <a:ext uri="{FF2B5EF4-FFF2-40B4-BE49-F238E27FC236}">
+                <a16:creationId xmlns:a16="http://schemas.microsoft.com/office/drawing/2014/main" id="{66BD9666-AC5E-108E-90C4-5209EFAF698F}"/>
+              </a:ext>
+            </a:extLst>
+          </p:cNvPr>
+          <p:cNvSpPr>
+            <a:spLocks noGrp="1"/>
+          </p:cNvSpPr>
+          <p:nvPr>
+            <p:ph idx="1"/>
+          </p:nvPr>
+        </p:nvSpPr>
+        <p:spPr>
+          <a:xfrm>
+            <a:off x="838201" y="1825625"/>
+            <a:ext cx="5030367" cy="4351338"/>
+          </a:xfrm>
+        </p:spPr>
+        <p:txBody>
+          <a:bodyPr>
+            <a:normAutofit/>
+          </a:bodyPr>
+          <a:lstStyle/>
+          <a:p>
+            <a:pPr marL="0" indent="0">
+              <a:lnSpc>
+                <a:spcPct val="100000"/>
+              </a:lnSpc>
+              <a:spcBef>
+                <a:spcPts val="600"/>
+              </a:spcBef>
+              <a:buNone/>
+            </a:pPr>
+            <a:r>
+              <a:rPr lang="nl-NL" sz="2000" dirty="0">
+                <a:solidFill>
+                  <a:schemeClr val="accent5">
+                    <a:lumMod val="75000"/>
+                  </a:schemeClr>
+                </a:solidFill>
+                <a:latin typeface="Courier New" panose="02070309020205020404" pitchFamily="49" charset="0"/>
+                <a:cs typeface="Courier New" panose="02070309020205020404" pitchFamily="49" charset="0"/>
+              </a:rPr>
+              <a:t>UPDATE </a:t>
+            </a:r>
+            <a:r>
+              <a:rPr lang="nl-NL" sz="2000" dirty="0">
+                <a:latin typeface="Courier New" panose="02070309020205020404" pitchFamily="49" charset="0"/>
+                <a:cs typeface="Courier New" panose="02070309020205020404" pitchFamily="49" charset="0"/>
+              </a:rPr>
+              <a:t>Klanten</a:t>
+            </a:r>
+          </a:p>
+          <a:p>
+            <a:pPr marL="0" indent="0">
+              <a:lnSpc>
+                <a:spcPct val="100000"/>
+              </a:lnSpc>
+              <a:spcBef>
+                <a:spcPts val="600"/>
+              </a:spcBef>
+              <a:buNone/>
+            </a:pPr>
+            <a:r>
+              <a:rPr lang="nl-NL" sz="2000" dirty="0">
+                <a:solidFill>
+                  <a:schemeClr val="accent5">
+                    <a:lumMod val="75000"/>
+                  </a:schemeClr>
+                </a:solidFill>
+                <a:latin typeface="Courier New" panose="02070309020205020404" pitchFamily="49" charset="0"/>
+                <a:cs typeface="Courier New" panose="02070309020205020404" pitchFamily="49" charset="0"/>
+              </a:rPr>
+              <a:t>SET</a:t>
+            </a:r>
+          </a:p>
+          <a:p>
+            <a:pPr marL="0" indent="0">
+              <a:lnSpc>
+                <a:spcPct val="100000"/>
+              </a:lnSpc>
+              <a:spcBef>
+                <a:spcPts val="600"/>
+              </a:spcBef>
+              <a:buNone/>
+            </a:pPr>
+            <a:r>
+              <a:rPr lang="nl-NL" sz="2000" dirty="0">
+                <a:latin typeface="Courier New" panose="02070309020205020404" pitchFamily="49" charset="0"/>
+                <a:cs typeface="Courier New" panose="02070309020205020404" pitchFamily="49" charset="0"/>
+              </a:rPr>
+              <a:t>  Naam = </a:t>
+            </a:r>
+            <a:r>
+              <a:rPr lang="nl-NL" sz="2000" dirty="0">
+                <a:solidFill>
+                  <a:srgbClr val="C00000"/>
+                </a:solidFill>
+                <a:latin typeface="Courier New" panose="02070309020205020404" pitchFamily="49" charset="0"/>
+                <a:cs typeface="Courier New" panose="02070309020205020404" pitchFamily="49" charset="0"/>
+              </a:rPr>
+              <a:t>'Jan'</a:t>
+            </a:r>
+            <a:r>
+              <a:rPr lang="nl-NL" sz="2000" dirty="0">
+                <a:latin typeface="Courier New" panose="02070309020205020404" pitchFamily="49" charset="0"/>
+                <a:cs typeface="Courier New" panose="02070309020205020404" pitchFamily="49" charset="0"/>
+              </a:rPr>
+              <a:t>,</a:t>
+            </a:r>
+          </a:p>
+          <a:p>
+            <a:pPr marL="0" indent="0">
+              <a:lnSpc>
+                <a:spcPct val="100000"/>
+              </a:lnSpc>
+              <a:spcBef>
+                <a:spcPts val="600"/>
+              </a:spcBef>
+              <a:buNone/>
+            </a:pPr>
+            <a:r>
+              <a:rPr lang="nl-NL" sz="2000" dirty="0">
+                <a:latin typeface="Courier New" panose="02070309020205020404" pitchFamily="49" charset="0"/>
+                <a:cs typeface="Courier New" panose="02070309020205020404" pitchFamily="49" charset="0"/>
+              </a:rPr>
+              <a:t>  Achternaam = </a:t>
+            </a:r>
+            <a:r>
+              <a:rPr lang="nl-NL" sz="2000" dirty="0">
+                <a:solidFill>
+                  <a:srgbClr val="C00000"/>
+                </a:solidFill>
+                <a:latin typeface="Courier New" panose="02070309020205020404" pitchFamily="49" charset="0"/>
+                <a:cs typeface="Courier New" panose="02070309020205020404" pitchFamily="49" charset="0"/>
+              </a:rPr>
+              <a:t>'Jansen'</a:t>
+            </a:r>
+            <a:r>
+              <a:rPr lang="nl-NL" sz="2000" dirty="0">
+                <a:latin typeface="Courier New" panose="02070309020205020404" pitchFamily="49" charset="0"/>
+                <a:cs typeface="Courier New" panose="02070309020205020404" pitchFamily="49" charset="0"/>
+              </a:rPr>
+              <a:t>,</a:t>
+            </a:r>
+          </a:p>
+          <a:p>
+            <a:pPr marL="0" indent="0">
+              <a:lnSpc>
+                <a:spcPct val="100000"/>
+              </a:lnSpc>
+              <a:spcBef>
+                <a:spcPts val="600"/>
+              </a:spcBef>
+              <a:buNone/>
+            </a:pPr>
+            <a:r>
+              <a:rPr lang="nl-NL" sz="2000" dirty="0">
+                <a:latin typeface="Courier New" panose="02070309020205020404" pitchFamily="49" charset="0"/>
+                <a:cs typeface="Courier New" panose="02070309020205020404" pitchFamily="49" charset="0"/>
+              </a:rPr>
+              <a:t>  Leeftijd = 22</a:t>
+            </a:r>
+          </a:p>
+          <a:p>
+            <a:pPr marL="0" indent="0">
+              <a:lnSpc>
+                <a:spcPct val="100000"/>
+              </a:lnSpc>
+              <a:spcBef>
+                <a:spcPts val="600"/>
+              </a:spcBef>
+              <a:buNone/>
+            </a:pPr>
+            <a:r>
+              <a:rPr lang="nl-NL" sz="2000" dirty="0">
+                <a:solidFill>
+                  <a:schemeClr val="accent5">
+                    <a:lumMod val="75000"/>
+                  </a:schemeClr>
+                </a:solidFill>
+                <a:latin typeface="Courier New" panose="02070309020205020404" pitchFamily="49" charset="0"/>
+                <a:cs typeface="Courier New" panose="02070309020205020404" pitchFamily="49" charset="0"/>
+              </a:rPr>
+              <a:t>WHERE </a:t>
+            </a:r>
+            <a:r>
+              <a:rPr lang="nl-NL" sz="2000" dirty="0" err="1">
+                <a:latin typeface="Courier New" panose="02070309020205020404" pitchFamily="49" charset="0"/>
+                <a:cs typeface="Courier New" panose="02070309020205020404" pitchFamily="49" charset="0"/>
+              </a:rPr>
+              <a:t>Id</a:t>
+            </a:r>
+            <a:r>
+              <a:rPr lang="nl-NL" sz="2000" dirty="0">
+                <a:latin typeface="Courier New" panose="02070309020205020404" pitchFamily="49" charset="0"/>
+                <a:cs typeface="Courier New" panose="02070309020205020404" pitchFamily="49" charset="0"/>
+              </a:rPr>
+              <a:t> </a:t>
+            </a:r>
+            <a:r>
+              <a:rPr lang="nl-NL" sz="2000" b="1" dirty="0">
+                <a:solidFill>
+                  <a:srgbClr val="FF0000"/>
+                </a:solidFill>
+                <a:latin typeface="Courier New" panose="02070309020205020404" pitchFamily="49" charset="0"/>
+                <a:cs typeface="Courier New" panose="02070309020205020404" pitchFamily="49" charset="0"/>
+              </a:rPr>
+              <a:t>-</a:t>
+            </a:r>
+            <a:r>
+              <a:rPr lang="nl-NL" sz="2000" dirty="0">
+                <a:latin typeface="Courier New" panose="02070309020205020404" pitchFamily="49" charset="0"/>
+                <a:cs typeface="Courier New" panose="02070309020205020404" pitchFamily="49" charset="0"/>
+              </a:rPr>
+              <a:t> 1;</a:t>
+            </a:r>
+          </a:p>
+          <a:p>
+            <a:pPr marL="0" indent="0">
+              <a:lnSpc>
+                <a:spcPct val="100000"/>
+              </a:lnSpc>
+              <a:spcBef>
+                <a:spcPts val="600"/>
+              </a:spcBef>
+              <a:buNone/>
+            </a:pPr>
+            <a:endParaRPr lang="nl-NL" sz="2000" dirty="0">
+              <a:latin typeface="Courier New" panose="02070309020205020404" pitchFamily="49" charset="0"/>
+              <a:cs typeface="Courier New" panose="02070309020205020404" pitchFamily="49" charset="0"/>
+            </a:endParaRPr>
+          </a:p>
+          <a:p>
+            <a:pPr marL="0" indent="0">
+              <a:lnSpc>
+                <a:spcPct val="100000"/>
+              </a:lnSpc>
+              <a:spcBef>
+                <a:spcPts val="600"/>
+              </a:spcBef>
+              <a:buNone/>
+            </a:pPr>
+            <a:endParaRPr lang="nl-NL" sz="2000" dirty="0">
+              <a:latin typeface="Courier New" panose="02070309020205020404" pitchFamily="49" charset="0"/>
+              <a:cs typeface="Courier New" panose="02070309020205020404" pitchFamily="49" charset="0"/>
+            </a:endParaRPr>
+          </a:p>
+          <a:p>
+            <a:pPr marL="0" indent="0">
+              <a:lnSpc>
+                <a:spcPct val="100000"/>
+              </a:lnSpc>
+              <a:spcBef>
+                <a:spcPts val="600"/>
+              </a:spcBef>
+              <a:buNone/>
+            </a:pPr>
+            <a:endParaRPr lang="nl-NL" sz="2000" dirty="0">
+              <a:latin typeface="Courier New" panose="02070309020205020404" pitchFamily="49" charset="0"/>
+              <a:cs typeface="Courier New" panose="02070309020205020404" pitchFamily="49" charset="0"/>
+            </a:endParaRPr>
+          </a:p>
+        </p:txBody>
+      </p:sp>
+      <p:sp>
+        <p:nvSpPr>
+          <p:cNvPr id="5" name="Content Placeholder 2">
+            <a:extLst>
+              <a:ext uri="{FF2B5EF4-FFF2-40B4-BE49-F238E27FC236}">
+                <a16:creationId xmlns:a16="http://schemas.microsoft.com/office/drawing/2014/main" id="{8B463DCC-FADE-C961-4D6D-887D5FB8B34D}"/>
+              </a:ext>
+            </a:extLst>
+          </p:cNvPr>
+          <p:cNvSpPr txBox="1">
+            <a:spLocks/>
+          </p:cNvSpPr>
+          <p:nvPr/>
+        </p:nvSpPr>
+        <p:spPr>
+          <a:xfrm>
+            <a:off x="6323428" y="1825625"/>
+            <a:ext cx="5030371" cy="4351338"/>
+          </a:xfrm>
+          <a:prstGeom prst="rect">
+            <a:avLst/>
+          </a:prstGeom>
+        </p:spPr>
+        <p:txBody>
+          <a:bodyPr vert="horz" lIns="91440" tIns="45720" rIns="91440" bIns="45720" rtlCol="0">
+            <a:normAutofit/>
+          </a:bodyPr>
+          <a:lstStyle>
+            <a:lvl1pPr marL="228600" indent="-228600" algn="l" defTabSz="914400" rtl="0" eaLnBrk="1" latinLnBrk="0" hangingPunct="1">
+              <a:lnSpc>
+                <a:spcPct val="90000"/>
+              </a:lnSpc>
+              <a:spcBef>
+                <a:spcPts val="1000"/>
+              </a:spcBef>
+              <a:buFont typeface="Arial" panose="020B0604020202020204" pitchFamily="34" charset="0"/>
+              <a:buChar char="•"/>
+              <a:defRPr sz="2800" kern="1200">
+                <a:solidFill>
+                  <a:schemeClr val="tx1"/>
+                </a:solidFill>
+                <a:latin typeface="+mn-lt"/>
+                <a:ea typeface="+mn-ea"/>
+                <a:cs typeface="+mn-cs"/>
+              </a:defRPr>
+            </a:lvl1pPr>
+            <a:lvl2pPr marL="685800" indent="-228600" algn="l" defTabSz="914400" rtl="0" eaLnBrk="1" latinLnBrk="0" hangingPunct="1">
+              <a:lnSpc>
+                <a:spcPct val="90000"/>
+              </a:lnSpc>
+              <a:spcBef>
+                <a:spcPts val="500"/>
+              </a:spcBef>
+              <a:buFont typeface="Arial" panose="020B0604020202020204" pitchFamily="34" charset="0"/>
+              <a:buChar char="•"/>
+              <a:defRPr sz="2400" kern="1200">
+                <a:solidFill>
+                  <a:schemeClr val="tx1"/>
+                </a:solidFill>
+                <a:latin typeface="+mn-lt"/>
+                <a:ea typeface="+mn-ea"/>
+                <a:cs typeface="+mn-cs"/>
+              </a:defRPr>
+            </a:lvl2pPr>
+            <a:lvl3pPr marL="1143000" indent="-228600" algn="l" defTabSz="914400" rtl="0" eaLnBrk="1" latinLnBrk="0" hangingPunct="1">
+              <a:lnSpc>
+                <a:spcPct val="90000"/>
+              </a:lnSpc>
+              <a:spcBef>
+                <a:spcPts val="500"/>
+              </a:spcBef>
+              <a:buFont typeface="Arial" panose="020B0604020202020204" pitchFamily="34" charset="0"/>
+              <a:buChar char="•"/>
+              <a:defRPr sz="2000" kern="1200">
+                <a:solidFill>
+                  <a:schemeClr val="tx1"/>
+                </a:solidFill>
+                <a:latin typeface="+mn-lt"/>
+                <a:ea typeface="+mn-ea"/>
+                <a:cs typeface="+mn-cs"/>
+              </a:defRPr>
+            </a:lvl3pPr>
+            <a:lvl4pPr marL="1600200" indent="-228600" algn="l" defTabSz="914400" rtl="0" eaLnBrk="1" latinLnBrk="0" hangingPunct="1">
+              <a:lnSpc>
+                <a:spcPct val="90000"/>
+              </a:lnSpc>
+              <a:spcBef>
+                <a:spcPts val="500"/>
+              </a:spcBef>
+              <a:buFont typeface="Arial" panose="020B0604020202020204" pitchFamily="34" charset="0"/>
+              <a:buChar char="•"/>
+              <a:defRPr sz="1800" kern="1200">
+                <a:solidFill>
+                  <a:schemeClr val="tx1"/>
+                </a:solidFill>
+                <a:latin typeface="+mn-lt"/>
+                <a:ea typeface="+mn-ea"/>
+                <a:cs typeface="+mn-cs"/>
+              </a:defRPr>
+            </a:lvl4pPr>
+            <a:lvl5pPr marL="2057400" indent="-228600" algn="l" defTabSz="914400" rtl="0" eaLnBrk="1" latinLnBrk="0" hangingPunct="1">
+              <a:lnSpc>
+                <a:spcPct val="90000"/>
+              </a:lnSpc>
+              <a:spcBef>
+                <a:spcPts val="500"/>
+              </a:spcBef>
+              <a:buFont typeface="Arial" panose="020B0604020202020204" pitchFamily="34" charset="0"/>
+              <a:buChar char="•"/>
+              <a:defRPr sz="1800" kern="1200">
+                <a:solidFill>
+                  <a:schemeClr val="tx1"/>
+                </a:solidFill>
+                <a:latin typeface="+mn-lt"/>
+                <a:ea typeface="+mn-ea"/>
+                <a:cs typeface="+mn-cs"/>
+              </a:defRPr>
+            </a:lvl5pPr>
+            <a:lvl6pPr marL="2514600" indent="-228600" algn="l" defTabSz="914400" rtl="0" eaLnBrk="1" latinLnBrk="0" hangingPunct="1">
+              <a:lnSpc>
+                <a:spcPct val="90000"/>
+              </a:lnSpc>
+              <a:spcBef>
+                <a:spcPts val="500"/>
+              </a:spcBef>
+              <a:buFont typeface="Arial" panose="020B0604020202020204" pitchFamily="34" charset="0"/>
+              <a:buChar char="•"/>
+              <a:defRPr sz="1800" kern="1200">
+                <a:solidFill>
+                  <a:schemeClr val="tx1"/>
+                </a:solidFill>
+                <a:latin typeface="+mn-lt"/>
+                <a:ea typeface="+mn-ea"/>
+                <a:cs typeface="+mn-cs"/>
+              </a:defRPr>
+            </a:lvl6pPr>
+            <a:lvl7pPr marL="2971800" indent="-228600" algn="l" defTabSz="914400" rtl="0" eaLnBrk="1" latinLnBrk="0" hangingPunct="1">
+              <a:lnSpc>
+                <a:spcPct val="90000"/>
+              </a:lnSpc>
+              <a:spcBef>
+                <a:spcPts val="500"/>
+              </a:spcBef>
+              <a:buFont typeface="Arial" panose="020B0604020202020204" pitchFamily="34" charset="0"/>
+              <a:buChar char="•"/>
+              <a:defRPr sz="1800" kern="1200">
+                <a:solidFill>
+                  <a:schemeClr val="tx1"/>
+                </a:solidFill>
+                <a:latin typeface="+mn-lt"/>
+                <a:ea typeface="+mn-ea"/>
+                <a:cs typeface="+mn-cs"/>
+              </a:defRPr>
+            </a:lvl7pPr>
+            <a:lvl8pPr marL="3429000" indent="-228600" algn="l" defTabSz="914400" rtl="0" eaLnBrk="1" latinLnBrk="0" hangingPunct="1">
+              <a:lnSpc>
+                <a:spcPct val="90000"/>
+              </a:lnSpc>
+              <a:spcBef>
+                <a:spcPts val="500"/>
+              </a:spcBef>
+              <a:buFont typeface="Arial" panose="020B0604020202020204" pitchFamily="34" charset="0"/>
+              <a:buChar char="•"/>
+              <a:defRPr sz="1800" kern="1200">
+                <a:solidFill>
+                  <a:schemeClr val="tx1"/>
+                </a:solidFill>
+                <a:latin typeface="+mn-lt"/>
+                <a:ea typeface="+mn-ea"/>
+                <a:cs typeface="+mn-cs"/>
+              </a:defRPr>
+            </a:lvl8pPr>
+            <a:lvl9pPr marL="3886200" indent="-228600" algn="l" defTabSz="914400" rtl="0" eaLnBrk="1" latinLnBrk="0" hangingPunct="1">
+              <a:lnSpc>
+                <a:spcPct val="90000"/>
+              </a:lnSpc>
+              <a:spcBef>
+                <a:spcPts val="500"/>
+              </a:spcBef>
+              <a:buFont typeface="Arial" panose="020B0604020202020204" pitchFamily="34" charset="0"/>
+              <a:buChar char="•"/>
+              <a:defRPr sz="1800" kern="1200">
+                <a:solidFill>
+                  <a:schemeClr val="tx1"/>
+                </a:solidFill>
+                <a:latin typeface="+mn-lt"/>
+                <a:ea typeface="+mn-ea"/>
+                <a:cs typeface="+mn-cs"/>
+              </a:defRPr>
+            </a:lvl9pPr>
+          </a:lstStyle>
+          <a:p>
+            <a:pPr marL="0" indent="0">
+              <a:lnSpc>
+                <a:spcPct val="100000"/>
+              </a:lnSpc>
+              <a:spcBef>
+                <a:spcPts val="600"/>
+              </a:spcBef>
+              <a:buNone/>
+            </a:pPr>
+            <a:r>
+              <a:rPr lang="nl-NL" sz="2000" dirty="0"/>
+              <a:t>Gebruik </a:t>
+            </a:r>
+            <a:r>
+              <a:rPr lang="nl-NL" sz="2000" dirty="0">
+                <a:solidFill>
+                  <a:schemeClr val="accent5">
+                    <a:lumMod val="75000"/>
+                  </a:schemeClr>
+                </a:solidFill>
+                <a:latin typeface="Courier New" panose="02070309020205020404" pitchFamily="49" charset="0"/>
+                <a:cs typeface="Courier New" panose="02070309020205020404" pitchFamily="49" charset="0"/>
+              </a:rPr>
+              <a:t>UPDATE </a:t>
+            </a:r>
+            <a:r>
+              <a:rPr lang="nl-NL" sz="2000" dirty="0"/>
+              <a:t>om rijen in een tabel te wijzigen.</a:t>
+            </a:r>
+          </a:p>
+          <a:p>
+            <a:pPr marL="0" indent="0">
+              <a:lnSpc>
+                <a:spcPct val="100000"/>
+              </a:lnSpc>
+              <a:spcBef>
+                <a:spcPts val="600"/>
+              </a:spcBef>
+              <a:buNone/>
+            </a:pPr>
+            <a:endParaRPr lang="nl-NL" sz="2000" dirty="0"/>
+          </a:p>
+          <a:p>
+            <a:pPr marL="0" indent="0">
+              <a:lnSpc>
+                <a:spcPct val="100000"/>
+              </a:lnSpc>
+              <a:spcBef>
+                <a:spcPts val="600"/>
+              </a:spcBef>
+              <a:buFont typeface="Arial" panose="020B0604020202020204" pitchFamily="34" charset="0"/>
+              <a:buNone/>
+            </a:pPr>
+            <a:r>
+              <a:rPr lang="nl-NL" sz="2000" dirty="0"/>
+              <a:t>Geeft achter </a:t>
+            </a:r>
+            <a:r>
+              <a:rPr lang="nl-NL" sz="2000" dirty="0">
+                <a:solidFill>
+                  <a:schemeClr val="accent5">
+                    <a:lumMod val="75000"/>
+                  </a:schemeClr>
+                </a:solidFill>
+                <a:latin typeface="Courier New" panose="02070309020205020404" pitchFamily="49" charset="0"/>
+                <a:cs typeface="Courier New" panose="02070309020205020404" pitchFamily="49" charset="0"/>
+              </a:rPr>
+              <a:t>SET</a:t>
+            </a:r>
+            <a:r>
+              <a:rPr lang="nl-NL" sz="2000" dirty="0"/>
+              <a:t> aan welke kolommen en waardes je wilt wijzigen.</a:t>
+            </a:r>
+          </a:p>
+          <a:p>
+            <a:pPr marL="0" indent="0">
+              <a:lnSpc>
+                <a:spcPct val="100000"/>
+              </a:lnSpc>
+              <a:spcBef>
+                <a:spcPts val="600"/>
+              </a:spcBef>
+              <a:buNone/>
+            </a:pPr>
+            <a:endParaRPr lang="nl-NL" sz="2000" dirty="0"/>
+          </a:p>
+          <a:p>
+            <a:pPr marL="0" indent="0">
+              <a:lnSpc>
+                <a:spcPct val="100000"/>
+              </a:lnSpc>
+              <a:spcBef>
+                <a:spcPts val="600"/>
+              </a:spcBef>
+              <a:buNone/>
+            </a:pPr>
+            <a:r>
+              <a:rPr lang="nl-NL" sz="2000" dirty="0"/>
+              <a:t>Geef met </a:t>
+            </a:r>
+            <a:r>
+              <a:rPr lang="nl-NL" sz="2000" dirty="0">
+                <a:solidFill>
+                  <a:schemeClr val="accent5">
+                    <a:lumMod val="75000"/>
+                  </a:schemeClr>
+                </a:solidFill>
+                <a:latin typeface="Courier New" panose="02070309020205020404" pitchFamily="49" charset="0"/>
+                <a:cs typeface="Courier New" panose="02070309020205020404" pitchFamily="49" charset="0"/>
+              </a:rPr>
+              <a:t>WHERE</a:t>
+            </a:r>
+            <a:r>
+              <a:rPr lang="nl-NL" sz="2000" dirty="0"/>
+              <a:t> aan welke rijen gewijzigd worden.</a:t>
+            </a:r>
+          </a:p>
+          <a:p>
+            <a:pPr marL="0" indent="0">
+              <a:lnSpc>
+                <a:spcPct val="100000"/>
+              </a:lnSpc>
+              <a:spcBef>
+                <a:spcPts val="600"/>
+              </a:spcBef>
+              <a:buNone/>
+            </a:pPr>
+            <a:endParaRPr lang="nl-NL" sz="2000" dirty="0"/>
+          </a:p>
+          <a:p>
+            <a:pPr marL="0" indent="0">
+              <a:lnSpc>
+                <a:spcPct val="100000"/>
+              </a:lnSpc>
+              <a:spcBef>
+                <a:spcPts val="600"/>
+              </a:spcBef>
+              <a:buNone/>
+            </a:pPr>
+            <a:r>
+              <a:rPr lang="nl-NL" sz="2000" dirty="0"/>
+              <a:t>LET OP: Zorg dat je *zeker* weet welke rijen geraakt worden!</a:t>
+            </a:r>
+          </a:p>
+          <a:p>
+            <a:pPr marL="0" indent="0">
+              <a:lnSpc>
+                <a:spcPct val="100000"/>
+              </a:lnSpc>
+              <a:spcBef>
+                <a:spcPts val="600"/>
+              </a:spcBef>
+              <a:buFont typeface="Arial" panose="020B0604020202020204" pitchFamily="34" charset="0"/>
+              <a:buNone/>
+            </a:pPr>
+            <a:endParaRPr lang="nl-NL" sz="2000" dirty="0"/>
+          </a:p>
+        </p:txBody>
+      </p:sp>
+      <p:cxnSp>
+        <p:nvCxnSpPr>
+          <p:cNvPr id="6" name="Straight Connector 5">
+            <a:extLst>
+              <a:ext uri="{FF2B5EF4-FFF2-40B4-BE49-F238E27FC236}">
+                <a16:creationId xmlns:a16="http://schemas.microsoft.com/office/drawing/2014/main" id="{3AE634B5-FC30-25B9-91F1-CFDA7A75B5F1}"/>
+              </a:ext>
+            </a:extLst>
+          </p:cNvPr>
+          <p:cNvCxnSpPr/>
+          <p:nvPr/>
+        </p:nvCxnSpPr>
+        <p:spPr>
+          <a:xfrm>
+            <a:off x="6096000" y="1864311"/>
+            <a:ext cx="0" cy="4351338"/>
+          </a:xfrm>
+          <a:prstGeom prst="line">
+            <a:avLst/>
+          </a:prstGeom>
+        </p:spPr>
+        <p:style>
+          <a:lnRef idx="3">
+            <a:schemeClr val="dk1"/>
+          </a:lnRef>
+          <a:fillRef idx="0">
+            <a:schemeClr val="dk1"/>
+          </a:fillRef>
+          <a:effectRef idx="2">
+            <a:schemeClr val="dk1"/>
+          </a:effectRef>
+          <a:fontRef idx="minor">
+            <a:schemeClr val="tx1"/>
+          </a:fontRef>
+        </p:style>
+      </p:cxnSp>
+    </p:spTree>
+    <p:extLst>
+      <p:ext uri="{BB962C8B-B14F-4D97-AF65-F5344CB8AC3E}">
+        <p14:creationId xmlns:p14="http://schemas.microsoft.com/office/powerpoint/2010/main" val="3116258131"/>
+      </p:ext>
+    </p:extLst>
+  </p:cSld>
+  <p:clrMapOvr>
+    <a:masterClrMapping/>
+  </p:clrMapOvr>
+</p:sld>
+</file>
+
+<file path=ppt/slides/slide56.xml><?xml version="1.0" encoding="utf-8"?>
+<p:sld xmlns:a="http://schemas.openxmlformats.org/drawingml/2006/main" xmlns:r="http://schemas.openxmlformats.org/officeDocument/2006/relationships" xmlns:p="http://schemas.openxmlformats.org/presentationml/2006/main">
+  <p:cSld>
+    <p:spTree>
+      <p:nvGrpSpPr>
+        <p:cNvPr id="1" name="">
+          <a:extLst>
+            <a:ext uri="{FF2B5EF4-FFF2-40B4-BE49-F238E27FC236}">
+              <a16:creationId xmlns:a16="http://schemas.microsoft.com/office/drawing/2014/main" id="{BD65BD7E-F5FC-5AFF-EDED-C09736F4EE34}"/>
+            </a:ext>
+          </a:extLst>
+        </p:cNvPr>
+        <p:cNvGrpSpPr/>
+        <p:nvPr/>
+      </p:nvGrpSpPr>
+      <p:grpSpPr>
+        <a:xfrm>
+          <a:off x="0" y="0"/>
+          <a:ext cx="0" cy="0"/>
+          <a:chOff x="0" y="0"/>
+          <a:chExt cx="0" cy="0"/>
+        </a:xfrm>
+      </p:grpSpPr>
+      <p:sp>
+        <p:nvSpPr>
+          <p:cNvPr id="2" name="Title 1">
+            <a:extLst>
+              <a:ext uri="{FF2B5EF4-FFF2-40B4-BE49-F238E27FC236}">
+                <a16:creationId xmlns:a16="http://schemas.microsoft.com/office/drawing/2014/main" id="{7113C949-CBAC-A0BE-E177-BA1AB4F35A21}"/>
+              </a:ext>
+            </a:extLst>
+          </p:cNvPr>
+          <p:cNvSpPr>
+            <a:spLocks noGrp="1"/>
+          </p:cNvSpPr>
+          <p:nvPr>
+            <p:ph type="title"/>
+          </p:nvPr>
+        </p:nvSpPr>
+        <p:spPr/>
+        <p:txBody>
+          <a:bodyPr>
+            <a:normAutofit/>
+          </a:bodyPr>
+          <a:lstStyle/>
+          <a:p>
+            <a:r>
+              <a:rPr lang="nl-NL" sz="3600" dirty="0"/>
+              <a:t>Rijen wijzigen</a:t>
+            </a:r>
+          </a:p>
+        </p:txBody>
+      </p:sp>
+      <p:sp>
+        <p:nvSpPr>
+          <p:cNvPr id="3" name="Content Placeholder 2">
+            <a:extLst>
+              <a:ext uri="{FF2B5EF4-FFF2-40B4-BE49-F238E27FC236}">
+                <a16:creationId xmlns:a16="http://schemas.microsoft.com/office/drawing/2014/main" id="{7300FBCC-DBD5-1897-91E0-FADA7DD8D15D}"/>
+              </a:ext>
+            </a:extLst>
+          </p:cNvPr>
+          <p:cNvSpPr>
+            <a:spLocks noGrp="1"/>
+          </p:cNvSpPr>
+          <p:nvPr>
+            <p:ph idx="1"/>
+          </p:nvPr>
+        </p:nvSpPr>
+        <p:spPr>
+          <a:xfrm>
+            <a:off x="838201" y="1825625"/>
+            <a:ext cx="5030367" cy="4351338"/>
+          </a:xfrm>
+        </p:spPr>
+        <p:txBody>
+          <a:bodyPr>
+            <a:normAutofit/>
+          </a:bodyPr>
+          <a:lstStyle/>
+          <a:p>
+            <a:pPr marL="0" indent="0">
+              <a:lnSpc>
+                <a:spcPct val="100000"/>
+              </a:lnSpc>
+              <a:spcBef>
+                <a:spcPts val="600"/>
+              </a:spcBef>
+              <a:buNone/>
+            </a:pPr>
+            <a:r>
+              <a:rPr lang="nl-NL" sz="2000" dirty="0">
+                <a:solidFill>
+                  <a:schemeClr val="accent5">
+                    <a:lumMod val="75000"/>
+                  </a:schemeClr>
+                </a:solidFill>
+                <a:latin typeface="Courier New" panose="02070309020205020404" pitchFamily="49" charset="0"/>
+                <a:cs typeface="Courier New" panose="02070309020205020404" pitchFamily="49" charset="0"/>
+              </a:rPr>
+              <a:t>UPDATE </a:t>
+            </a:r>
+            <a:r>
+              <a:rPr lang="nl-NL" sz="2000" dirty="0">
+                <a:latin typeface="Courier New" panose="02070309020205020404" pitchFamily="49" charset="0"/>
+                <a:cs typeface="Courier New" panose="02070309020205020404" pitchFamily="49" charset="0"/>
+              </a:rPr>
+              <a:t>Klanten</a:t>
+            </a:r>
+          </a:p>
+          <a:p>
+            <a:pPr marL="0" indent="0">
+              <a:lnSpc>
+                <a:spcPct val="100000"/>
+              </a:lnSpc>
+              <a:spcBef>
+                <a:spcPts val="600"/>
+              </a:spcBef>
+              <a:buNone/>
+            </a:pPr>
+            <a:r>
+              <a:rPr lang="nl-NL" sz="2000" dirty="0">
+                <a:solidFill>
+                  <a:schemeClr val="accent5">
+                    <a:lumMod val="75000"/>
+                  </a:schemeClr>
+                </a:solidFill>
+                <a:latin typeface="Courier New" panose="02070309020205020404" pitchFamily="49" charset="0"/>
+                <a:cs typeface="Courier New" panose="02070309020205020404" pitchFamily="49" charset="0"/>
+              </a:rPr>
+              <a:t>SET</a:t>
+            </a:r>
+          </a:p>
+          <a:p>
+            <a:pPr marL="0" indent="0">
+              <a:lnSpc>
+                <a:spcPct val="100000"/>
+              </a:lnSpc>
+              <a:spcBef>
+                <a:spcPts val="600"/>
+              </a:spcBef>
+              <a:buNone/>
+            </a:pPr>
+            <a:r>
+              <a:rPr lang="nl-NL" sz="2000" dirty="0">
+                <a:latin typeface="Courier New" panose="02070309020205020404" pitchFamily="49" charset="0"/>
+                <a:cs typeface="Courier New" panose="02070309020205020404" pitchFamily="49" charset="0"/>
+              </a:rPr>
+              <a:t>  Naam = </a:t>
+            </a:r>
+            <a:r>
+              <a:rPr lang="nl-NL" sz="2000" dirty="0">
+                <a:solidFill>
+                  <a:srgbClr val="C00000"/>
+                </a:solidFill>
+                <a:latin typeface="Courier New" panose="02070309020205020404" pitchFamily="49" charset="0"/>
+                <a:cs typeface="Courier New" panose="02070309020205020404" pitchFamily="49" charset="0"/>
+              </a:rPr>
+              <a:t>'Jan'</a:t>
+            </a:r>
+            <a:r>
+              <a:rPr lang="nl-NL" sz="2000" dirty="0">
+                <a:latin typeface="Courier New" panose="02070309020205020404" pitchFamily="49" charset="0"/>
+                <a:cs typeface="Courier New" panose="02070309020205020404" pitchFamily="49" charset="0"/>
+              </a:rPr>
+              <a:t>,</a:t>
+            </a:r>
+          </a:p>
+          <a:p>
+            <a:pPr marL="0" indent="0">
+              <a:lnSpc>
+                <a:spcPct val="100000"/>
+              </a:lnSpc>
+              <a:spcBef>
+                <a:spcPts val="600"/>
+              </a:spcBef>
+              <a:buNone/>
+            </a:pPr>
+            <a:r>
+              <a:rPr lang="nl-NL" sz="2000" dirty="0">
+                <a:latin typeface="Courier New" panose="02070309020205020404" pitchFamily="49" charset="0"/>
+                <a:cs typeface="Courier New" panose="02070309020205020404" pitchFamily="49" charset="0"/>
+              </a:rPr>
+              <a:t>  Achternaam = </a:t>
+            </a:r>
+            <a:r>
+              <a:rPr lang="nl-NL" sz="2000" dirty="0">
+                <a:solidFill>
+                  <a:srgbClr val="C00000"/>
+                </a:solidFill>
+                <a:latin typeface="Courier New" panose="02070309020205020404" pitchFamily="49" charset="0"/>
+                <a:cs typeface="Courier New" panose="02070309020205020404" pitchFamily="49" charset="0"/>
+              </a:rPr>
+              <a:t>'Jansen'</a:t>
+            </a:r>
+            <a:r>
+              <a:rPr lang="nl-NL" sz="2000" dirty="0">
+                <a:latin typeface="Courier New" panose="02070309020205020404" pitchFamily="49" charset="0"/>
+                <a:cs typeface="Courier New" panose="02070309020205020404" pitchFamily="49" charset="0"/>
+              </a:rPr>
+              <a:t>,</a:t>
+            </a:r>
+          </a:p>
+          <a:p>
+            <a:pPr marL="0" indent="0">
+              <a:lnSpc>
+                <a:spcPct val="100000"/>
+              </a:lnSpc>
+              <a:spcBef>
+                <a:spcPts val="600"/>
+              </a:spcBef>
+              <a:buNone/>
+            </a:pPr>
+            <a:r>
+              <a:rPr lang="nl-NL" sz="2000" dirty="0">
+                <a:latin typeface="Courier New" panose="02070309020205020404" pitchFamily="49" charset="0"/>
+                <a:cs typeface="Courier New" panose="02070309020205020404" pitchFamily="49" charset="0"/>
+              </a:rPr>
+              <a:t>  Leeftijd = 22</a:t>
+            </a:r>
+          </a:p>
+          <a:p>
+            <a:pPr marL="0" indent="0">
+              <a:lnSpc>
+                <a:spcPct val="100000"/>
+              </a:lnSpc>
+              <a:spcBef>
+                <a:spcPts val="600"/>
+              </a:spcBef>
+              <a:buNone/>
+            </a:pPr>
+            <a:r>
+              <a:rPr lang="nl-NL" sz="2000" dirty="0">
+                <a:solidFill>
+                  <a:schemeClr val="accent5">
+                    <a:lumMod val="75000"/>
+                  </a:schemeClr>
+                </a:solidFill>
+                <a:latin typeface="Courier New" panose="02070309020205020404" pitchFamily="49" charset="0"/>
+                <a:cs typeface="Courier New" panose="02070309020205020404" pitchFamily="49" charset="0"/>
+              </a:rPr>
+              <a:t>WHERE </a:t>
+            </a:r>
+            <a:r>
+              <a:rPr lang="nl-NL" sz="2000" dirty="0" err="1">
+                <a:latin typeface="Courier New" panose="02070309020205020404" pitchFamily="49" charset="0"/>
+                <a:cs typeface="Courier New" panose="02070309020205020404" pitchFamily="49" charset="0"/>
+              </a:rPr>
+              <a:t>Id</a:t>
+            </a:r>
+            <a:r>
+              <a:rPr lang="nl-NL" sz="2000" dirty="0">
+                <a:latin typeface="Courier New" panose="02070309020205020404" pitchFamily="49" charset="0"/>
+                <a:cs typeface="Courier New" panose="02070309020205020404" pitchFamily="49" charset="0"/>
+              </a:rPr>
+              <a:t> </a:t>
+            </a:r>
+            <a:r>
+              <a:rPr lang="nl-NL" sz="2000" b="1" dirty="0">
+                <a:solidFill>
+                  <a:srgbClr val="FF0000"/>
+                </a:solidFill>
+                <a:latin typeface="Courier New" panose="02070309020205020404" pitchFamily="49" charset="0"/>
+                <a:cs typeface="Courier New" panose="02070309020205020404" pitchFamily="49" charset="0"/>
+              </a:rPr>
+              <a:t>-</a:t>
+            </a:r>
+            <a:r>
+              <a:rPr lang="nl-NL" sz="2000" dirty="0">
+                <a:latin typeface="Courier New" panose="02070309020205020404" pitchFamily="49" charset="0"/>
+                <a:cs typeface="Courier New" panose="02070309020205020404" pitchFamily="49" charset="0"/>
+              </a:rPr>
+              <a:t> 1;</a:t>
+            </a:r>
+          </a:p>
+          <a:p>
+            <a:pPr marL="0" indent="0">
+              <a:lnSpc>
+                <a:spcPct val="100000"/>
+              </a:lnSpc>
+              <a:spcBef>
+                <a:spcPts val="600"/>
+              </a:spcBef>
+              <a:buNone/>
+            </a:pPr>
+            <a:endParaRPr lang="nl-NL" sz="2000" dirty="0">
+              <a:latin typeface="Courier New" panose="02070309020205020404" pitchFamily="49" charset="0"/>
+              <a:cs typeface="Courier New" panose="02070309020205020404" pitchFamily="49" charset="0"/>
+            </a:endParaRPr>
+          </a:p>
+          <a:p>
+            <a:pPr marL="0" indent="0">
+              <a:lnSpc>
+                <a:spcPct val="100000"/>
+              </a:lnSpc>
+              <a:spcBef>
+                <a:spcPts val="600"/>
+              </a:spcBef>
+              <a:buNone/>
+            </a:pPr>
+            <a:endParaRPr lang="nl-NL" sz="2000" dirty="0">
+              <a:latin typeface="Courier New" panose="02070309020205020404" pitchFamily="49" charset="0"/>
+              <a:cs typeface="Courier New" panose="02070309020205020404" pitchFamily="49" charset="0"/>
+            </a:endParaRPr>
+          </a:p>
+          <a:p>
+            <a:pPr marL="0" indent="0">
+              <a:lnSpc>
+                <a:spcPct val="100000"/>
+              </a:lnSpc>
+              <a:spcBef>
+                <a:spcPts val="600"/>
+              </a:spcBef>
+              <a:buNone/>
+            </a:pPr>
+            <a:endParaRPr lang="nl-NL" sz="2000" dirty="0">
+              <a:latin typeface="Courier New" panose="02070309020205020404" pitchFamily="49" charset="0"/>
+              <a:cs typeface="Courier New" panose="02070309020205020404" pitchFamily="49" charset="0"/>
+            </a:endParaRPr>
+          </a:p>
+        </p:txBody>
+      </p:sp>
+      <p:sp>
+        <p:nvSpPr>
+          <p:cNvPr id="5" name="Content Placeholder 2">
+            <a:extLst>
+              <a:ext uri="{FF2B5EF4-FFF2-40B4-BE49-F238E27FC236}">
+                <a16:creationId xmlns:a16="http://schemas.microsoft.com/office/drawing/2014/main" id="{EFFE2EE3-9058-6679-158B-FAE6EF04273B}"/>
+              </a:ext>
+            </a:extLst>
+          </p:cNvPr>
+          <p:cNvSpPr txBox="1">
+            <a:spLocks/>
+          </p:cNvSpPr>
+          <p:nvPr/>
+        </p:nvSpPr>
+        <p:spPr>
+          <a:xfrm>
+            <a:off x="6323428" y="1825625"/>
+            <a:ext cx="5030371" cy="4351338"/>
+          </a:xfrm>
+          <a:prstGeom prst="rect">
+            <a:avLst/>
+          </a:prstGeom>
+        </p:spPr>
+        <p:txBody>
+          <a:bodyPr vert="horz" lIns="91440" tIns="45720" rIns="91440" bIns="45720" rtlCol="0">
+            <a:normAutofit/>
+          </a:bodyPr>
+          <a:lstStyle>
+            <a:lvl1pPr marL="228600" indent="-228600" algn="l" defTabSz="914400" rtl="0" eaLnBrk="1" latinLnBrk="0" hangingPunct="1">
+              <a:lnSpc>
+                <a:spcPct val="90000"/>
+              </a:lnSpc>
+              <a:spcBef>
+                <a:spcPts val="1000"/>
+              </a:spcBef>
+              <a:buFont typeface="Arial" panose="020B0604020202020204" pitchFamily="34" charset="0"/>
+              <a:buChar char="•"/>
+              <a:defRPr sz="2800" kern="1200">
+                <a:solidFill>
+                  <a:schemeClr val="tx1"/>
+                </a:solidFill>
+                <a:latin typeface="+mn-lt"/>
+                <a:ea typeface="+mn-ea"/>
+                <a:cs typeface="+mn-cs"/>
+              </a:defRPr>
+            </a:lvl1pPr>
+            <a:lvl2pPr marL="685800" indent="-228600" algn="l" defTabSz="914400" rtl="0" eaLnBrk="1" latinLnBrk="0" hangingPunct="1">
+              <a:lnSpc>
+                <a:spcPct val="90000"/>
+              </a:lnSpc>
+              <a:spcBef>
+                <a:spcPts val="500"/>
+              </a:spcBef>
+              <a:buFont typeface="Arial" panose="020B0604020202020204" pitchFamily="34" charset="0"/>
+              <a:buChar char="•"/>
+              <a:defRPr sz="2400" kern="1200">
+                <a:solidFill>
+                  <a:schemeClr val="tx1"/>
+                </a:solidFill>
+                <a:latin typeface="+mn-lt"/>
+                <a:ea typeface="+mn-ea"/>
+                <a:cs typeface="+mn-cs"/>
+              </a:defRPr>
+            </a:lvl2pPr>
+            <a:lvl3pPr marL="1143000" indent="-228600" algn="l" defTabSz="914400" rtl="0" eaLnBrk="1" latinLnBrk="0" hangingPunct="1">
+              <a:lnSpc>
+                <a:spcPct val="90000"/>
+              </a:lnSpc>
+              <a:spcBef>
+                <a:spcPts val="500"/>
+              </a:spcBef>
+              <a:buFont typeface="Arial" panose="020B0604020202020204" pitchFamily="34" charset="0"/>
+              <a:buChar char="•"/>
+              <a:defRPr sz="2000" kern="1200">
+                <a:solidFill>
+                  <a:schemeClr val="tx1"/>
+                </a:solidFill>
+                <a:latin typeface="+mn-lt"/>
+                <a:ea typeface="+mn-ea"/>
+                <a:cs typeface="+mn-cs"/>
+              </a:defRPr>
+            </a:lvl3pPr>
+            <a:lvl4pPr marL="1600200" indent="-228600" algn="l" defTabSz="914400" rtl="0" eaLnBrk="1" latinLnBrk="0" hangingPunct="1">
+              <a:lnSpc>
+                <a:spcPct val="90000"/>
+              </a:lnSpc>
+              <a:spcBef>
+                <a:spcPts val="500"/>
+              </a:spcBef>
+              <a:buFont typeface="Arial" panose="020B0604020202020204" pitchFamily="34" charset="0"/>
+              <a:buChar char="•"/>
+              <a:defRPr sz="1800" kern="1200">
+                <a:solidFill>
+                  <a:schemeClr val="tx1"/>
+                </a:solidFill>
+                <a:latin typeface="+mn-lt"/>
+                <a:ea typeface="+mn-ea"/>
+                <a:cs typeface="+mn-cs"/>
+              </a:defRPr>
+            </a:lvl4pPr>
+            <a:lvl5pPr marL="2057400" indent="-228600" algn="l" defTabSz="914400" rtl="0" eaLnBrk="1" latinLnBrk="0" hangingPunct="1">
+              <a:lnSpc>
+                <a:spcPct val="90000"/>
+              </a:lnSpc>
+              <a:spcBef>
+                <a:spcPts val="500"/>
+              </a:spcBef>
+              <a:buFont typeface="Arial" panose="020B0604020202020204" pitchFamily="34" charset="0"/>
+              <a:buChar char="•"/>
+              <a:defRPr sz="1800" kern="1200">
+                <a:solidFill>
+                  <a:schemeClr val="tx1"/>
+                </a:solidFill>
+                <a:latin typeface="+mn-lt"/>
+                <a:ea typeface="+mn-ea"/>
+                <a:cs typeface="+mn-cs"/>
+              </a:defRPr>
+            </a:lvl5pPr>
+            <a:lvl6pPr marL="2514600" indent="-228600" algn="l" defTabSz="914400" rtl="0" eaLnBrk="1" latinLnBrk="0" hangingPunct="1">
+              <a:lnSpc>
+                <a:spcPct val="90000"/>
+              </a:lnSpc>
+              <a:spcBef>
+                <a:spcPts val="500"/>
+              </a:spcBef>
+              <a:buFont typeface="Arial" panose="020B0604020202020204" pitchFamily="34" charset="0"/>
+              <a:buChar char="•"/>
+              <a:defRPr sz="1800" kern="1200">
+                <a:solidFill>
+                  <a:schemeClr val="tx1"/>
+                </a:solidFill>
+                <a:latin typeface="+mn-lt"/>
+                <a:ea typeface="+mn-ea"/>
+                <a:cs typeface="+mn-cs"/>
+              </a:defRPr>
+            </a:lvl6pPr>
+            <a:lvl7pPr marL="2971800" indent="-228600" algn="l" defTabSz="914400" rtl="0" eaLnBrk="1" latinLnBrk="0" hangingPunct="1">
+              <a:lnSpc>
+                <a:spcPct val="90000"/>
+              </a:lnSpc>
+              <a:spcBef>
+                <a:spcPts val="500"/>
+              </a:spcBef>
+              <a:buFont typeface="Arial" panose="020B0604020202020204" pitchFamily="34" charset="0"/>
+              <a:buChar char="•"/>
+              <a:defRPr sz="1800" kern="1200">
+                <a:solidFill>
+                  <a:schemeClr val="tx1"/>
+                </a:solidFill>
+                <a:latin typeface="+mn-lt"/>
+                <a:ea typeface="+mn-ea"/>
+                <a:cs typeface="+mn-cs"/>
+              </a:defRPr>
+            </a:lvl7pPr>
+            <a:lvl8pPr marL="3429000" indent="-228600" algn="l" defTabSz="914400" rtl="0" eaLnBrk="1" latinLnBrk="0" hangingPunct="1">
+              <a:lnSpc>
+                <a:spcPct val="90000"/>
+              </a:lnSpc>
+              <a:spcBef>
+                <a:spcPts val="500"/>
+              </a:spcBef>
+              <a:buFont typeface="Arial" panose="020B0604020202020204" pitchFamily="34" charset="0"/>
+              <a:buChar char="•"/>
+              <a:defRPr sz="1800" kern="1200">
+                <a:solidFill>
+                  <a:schemeClr val="tx1"/>
+                </a:solidFill>
+                <a:latin typeface="+mn-lt"/>
+                <a:ea typeface="+mn-ea"/>
+                <a:cs typeface="+mn-cs"/>
+              </a:defRPr>
+            </a:lvl8pPr>
+            <a:lvl9pPr marL="3886200" indent="-228600" algn="l" defTabSz="914400" rtl="0" eaLnBrk="1" latinLnBrk="0" hangingPunct="1">
+              <a:lnSpc>
+                <a:spcPct val="90000"/>
+              </a:lnSpc>
+              <a:spcBef>
+                <a:spcPts val="500"/>
+              </a:spcBef>
+              <a:buFont typeface="Arial" panose="020B0604020202020204" pitchFamily="34" charset="0"/>
+              <a:buChar char="•"/>
+              <a:defRPr sz="1800" kern="1200">
+                <a:solidFill>
+                  <a:schemeClr val="tx1"/>
+                </a:solidFill>
+                <a:latin typeface="+mn-lt"/>
+                <a:ea typeface="+mn-ea"/>
+                <a:cs typeface="+mn-cs"/>
+              </a:defRPr>
+            </a:lvl9pPr>
+          </a:lstStyle>
+          <a:p>
+            <a:pPr marL="0" indent="0">
+              <a:lnSpc>
+                <a:spcPct val="100000"/>
+              </a:lnSpc>
+              <a:spcBef>
+                <a:spcPts val="600"/>
+              </a:spcBef>
+              <a:buNone/>
+            </a:pPr>
+            <a:r>
+              <a:rPr lang="nl-NL" sz="2000" dirty="0"/>
+              <a:t>Gebruik </a:t>
+            </a:r>
+            <a:r>
+              <a:rPr lang="nl-NL" sz="2000" dirty="0">
+                <a:solidFill>
+                  <a:schemeClr val="accent5">
+                    <a:lumMod val="75000"/>
+                  </a:schemeClr>
+                </a:solidFill>
+                <a:latin typeface="Courier New" panose="02070309020205020404" pitchFamily="49" charset="0"/>
+                <a:cs typeface="Courier New" panose="02070309020205020404" pitchFamily="49" charset="0"/>
+              </a:rPr>
+              <a:t>UPDATE </a:t>
+            </a:r>
+            <a:r>
+              <a:rPr lang="nl-NL" sz="2000" dirty="0"/>
+              <a:t>om rijen in een tabel te wijzigen.</a:t>
+            </a:r>
+          </a:p>
+          <a:p>
+            <a:pPr marL="0" indent="0">
+              <a:lnSpc>
+                <a:spcPct val="100000"/>
+              </a:lnSpc>
+              <a:spcBef>
+                <a:spcPts val="600"/>
+              </a:spcBef>
+              <a:buNone/>
+            </a:pPr>
+            <a:endParaRPr lang="nl-NL" sz="2000" dirty="0"/>
+          </a:p>
+          <a:p>
+            <a:pPr marL="0" indent="0">
+              <a:lnSpc>
+                <a:spcPct val="100000"/>
+              </a:lnSpc>
+              <a:spcBef>
+                <a:spcPts val="600"/>
+              </a:spcBef>
+              <a:buFont typeface="Arial" panose="020B0604020202020204" pitchFamily="34" charset="0"/>
+              <a:buNone/>
+            </a:pPr>
+            <a:r>
+              <a:rPr lang="nl-NL" sz="2000" dirty="0"/>
+              <a:t>Geeft achter </a:t>
+            </a:r>
+            <a:r>
+              <a:rPr lang="nl-NL" sz="2000" dirty="0">
+                <a:solidFill>
+                  <a:schemeClr val="accent5">
+                    <a:lumMod val="75000"/>
+                  </a:schemeClr>
+                </a:solidFill>
+                <a:latin typeface="Courier New" panose="02070309020205020404" pitchFamily="49" charset="0"/>
+                <a:cs typeface="Courier New" panose="02070309020205020404" pitchFamily="49" charset="0"/>
+              </a:rPr>
+              <a:t>SET</a:t>
+            </a:r>
+            <a:r>
+              <a:rPr lang="nl-NL" sz="2000" dirty="0"/>
+              <a:t> aan welke kolommen en waardes je wilt wijzigen.</a:t>
+            </a:r>
+          </a:p>
+          <a:p>
+            <a:pPr marL="0" indent="0">
+              <a:lnSpc>
+                <a:spcPct val="100000"/>
+              </a:lnSpc>
+              <a:spcBef>
+                <a:spcPts val="600"/>
+              </a:spcBef>
+              <a:buNone/>
+            </a:pPr>
+            <a:endParaRPr lang="nl-NL" sz="2000" dirty="0"/>
+          </a:p>
+          <a:p>
+            <a:pPr marL="0" indent="0">
+              <a:lnSpc>
+                <a:spcPct val="100000"/>
+              </a:lnSpc>
+              <a:spcBef>
+                <a:spcPts val="600"/>
+              </a:spcBef>
+              <a:buNone/>
+            </a:pPr>
+            <a:r>
+              <a:rPr lang="nl-NL" sz="2000" dirty="0"/>
+              <a:t>Geef met </a:t>
+            </a:r>
+            <a:r>
+              <a:rPr lang="nl-NL" sz="2000" dirty="0">
+                <a:solidFill>
+                  <a:schemeClr val="accent5">
+                    <a:lumMod val="75000"/>
+                  </a:schemeClr>
+                </a:solidFill>
+                <a:latin typeface="Courier New" panose="02070309020205020404" pitchFamily="49" charset="0"/>
+                <a:cs typeface="Courier New" panose="02070309020205020404" pitchFamily="49" charset="0"/>
+              </a:rPr>
+              <a:t>WHERE</a:t>
+            </a:r>
+            <a:r>
+              <a:rPr lang="nl-NL" sz="2000" dirty="0"/>
+              <a:t> aan welke rijen gewijzigd worden.</a:t>
+            </a:r>
+          </a:p>
+          <a:p>
+            <a:pPr marL="0" indent="0">
+              <a:lnSpc>
+                <a:spcPct val="100000"/>
+              </a:lnSpc>
+              <a:spcBef>
+                <a:spcPts val="600"/>
+              </a:spcBef>
+              <a:buNone/>
+            </a:pPr>
+            <a:endParaRPr lang="nl-NL" sz="2000" dirty="0"/>
+          </a:p>
+          <a:p>
+            <a:pPr marL="0" indent="0">
+              <a:lnSpc>
+                <a:spcPct val="100000"/>
+              </a:lnSpc>
+              <a:spcBef>
+                <a:spcPts val="600"/>
+              </a:spcBef>
+              <a:buNone/>
+            </a:pPr>
+            <a:r>
+              <a:rPr lang="nl-NL" sz="2000" dirty="0"/>
+              <a:t>LET OP: Zorg dat je *zeker* weet welke rijen geraakt worden!</a:t>
+            </a:r>
+          </a:p>
+          <a:p>
+            <a:pPr marL="0" indent="0">
+              <a:lnSpc>
+                <a:spcPct val="100000"/>
+              </a:lnSpc>
+              <a:spcBef>
+                <a:spcPts val="600"/>
+              </a:spcBef>
+              <a:buFont typeface="Arial" panose="020B0604020202020204" pitchFamily="34" charset="0"/>
+              <a:buNone/>
+            </a:pPr>
+            <a:endParaRPr lang="nl-NL" sz="2000" dirty="0"/>
+          </a:p>
+        </p:txBody>
+      </p:sp>
+      <p:cxnSp>
+        <p:nvCxnSpPr>
+          <p:cNvPr id="6" name="Straight Connector 5">
+            <a:extLst>
+              <a:ext uri="{FF2B5EF4-FFF2-40B4-BE49-F238E27FC236}">
+                <a16:creationId xmlns:a16="http://schemas.microsoft.com/office/drawing/2014/main" id="{6966B974-073D-9CC9-EFA8-2248391C7E2D}"/>
+              </a:ext>
+            </a:extLst>
+          </p:cNvPr>
+          <p:cNvCxnSpPr/>
+          <p:nvPr/>
+        </p:nvCxnSpPr>
+        <p:spPr>
+          <a:xfrm>
+            <a:off x="6096000" y="1864311"/>
+            <a:ext cx="0" cy="4351338"/>
+          </a:xfrm>
+          <a:prstGeom prst="line">
+            <a:avLst/>
+          </a:prstGeom>
+        </p:spPr>
+        <p:style>
+          <a:lnRef idx="3">
+            <a:schemeClr val="dk1"/>
+          </a:lnRef>
+          <a:fillRef idx="0">
+            <a:schemeClr val="dk1"/>
+          </a:fillRef>
+          <a:effectRef idx="2">
+            <a:schemeClr val="dk1"/>
+          </a:effectRef>
+          <a:fontRef idx="minor">
+            <a:schemeClr val="tx1"/>
+          </a:fontRef>
+        </p:style>
+      </p:cxnSp>
+      <p:sp>
+        <p:nvSpPr>
+          <p:cNvPr id="8" name="TextBox 7">
+            <a:extLst>
+              <a:ext uri="{FF2B5EF4-FFF2-40B4-BE49-F238E27FC236}">
+                <a16:creationId xmlns:a16="http://schemas.microsoft.com/office/drawing/2014/main" id="{7E70E8F7-FD0F-3750-A77D-7020DAC8E4AF}"/>
+              </a:ext>
+            </a:extLst>
+          </p:cNvPr>
+          <p:cNvSpPr txBox="1"/>
+          <p:nvPr/>
+        </p:nvSpPr>
+        <p:spPr>
+          <a:xfrm>
+            <a:off x="838200" y="4916659"/>
+            <a:ext cx="4584892" cy="861774"/>
+          </a:xfrm>
+          <a:prstGeom prst="rect">
+            <a:avLst/>
+          </a:prstGeom>
+          <a:noFill/>
+          <a:ln>
+            <a:solidFill>
+              <a:schemeClr val="tx1"/>
+            </a:solidFill>
+          </a:ln>
+        </p:spPr>
+        <p:txBody>
+          <a:bodyPr wrap="square" rtlCol="0">
+            <a:spAutoFit/>
+          </a:bodyPr>
+          <a:lstStyle/>
+          <a:p>
+            <a:r>
+              <a:rPr lang="en-US" sz="1600" dirty="0">
+                <a:effectLst/>
+                <a:latin typeface="Courier New" panose="02070309020205020404" pitchFamily="49" charset="0"/>
+                <a:cs typeface="Courier New" panose="02070309020205020404" pitchFamily="49" charset="0"/>
+              </a:rPr>
+              <a:t>Execution finished without errors.</a:t>
+            </a:r>
+          </a:p>
+          <a:p>
+            <a:r>
+              <a:rPr lang="en-US" sz="1600" dirty="0">
+                <a:effectLst/>
+                <a:latin typeface="Courier New" panose="02070309020205020404" pitchFamily="49" charset="0"/>
+                <a:cs typeface="Courier New" panose="02070309020205020404" pitchFamily="49" charset="0"/>
+              </a:rPr>
+              <a:t>Result: query executed successfully.</a:t>
+            </a:r>
+          </a:p>
+          <a:p>
+            <a:r>
+              <a:rPr lang="en-US" sz="1600" dirty="0">
+                <a:effectLst/>
+                <a:latin typeface="Courier New" panose="02070309020205020404" pitchFamily="49" charset="0"/>
+                <a:cs typeface="Courier New" panose="02070309020205020404" pitchFamily="49" charset="0"/>
+              </a:rPr>
+              <a:t>Took 0ms, </a:t>
+            </a:r>
+            <a:r>
+              <a:rPr lang="en-US" sz="1600" b="1" dirty="0">
+                <a:effectLst/>
+                <a:latin typeface="Courier New" panose="02070309020205020404" pitchFamily="49" charset="0"/>
+                <a:cs typeface="Courier New" panose="02070309020205020404" pitchFamily="49" charset="0"/>
+              </a:rPr>
+              <a:t>2 rows affected</a:t>
+            </a:r>
+            <a:endParaRPr lang="nl-NL" sz="1600" b="1" dirty="0">
+              <a:latin typeface="Courier New" panose="02070309020205020404" pitchFamily="49" charset="0"/>
+              <a:cs typeface="Courier New" panose="02070309020205020404" pitchFamily="49" charset="0"/>
+            </a:endParaRPr>
+          </a:p>
+        </p:txBody>
+      </p:sp>
+    </p:spTree>
+    <p:extLst>
+      <p:ext uri="{BB962C8B-B14F-4D97-AF65-F5344CB8AC3E}">
+        <p14:creationId xmlns:p14="http://schemas.microsoft.com/office/powerpoint/2010/main" val="3870573558"/>
+      </p:ext>
+    </p:extLst>
+  </p:cSld>
+  <p:clrMapOvr>
+    <a:masterClrMapping/>
+  </p:clrMapOvr>
+</p:sld>
+</file>
+
+<file path=ppt/slides/slide57.xml><?xml version="1.0" encoding="utf-8"?>
+<p:sld xmlns:a="http://schemas.openxmlformats.org/drawingml/2006/main" xmlns:r="http://schemas.openxmlformats.org/officeDocument/2006/relationships" xmlns:p="http://schemas.openxmlformats.org/presentationml/2006/main">
+  <p:cSld>
+    <p:spTree>
+      <p:nvGrpSpPr>
+        <p:cNvPr id="1" name="">
+          <a:extLst>
+            <a:ext uri="{FF2B5EF4-FFF2-40B4-BE49-F238E27FC236}">
+              <a16:creationId xmlns:a16="http://schemas.microsoft.com/office/drawing/2014/main" id="{BB9FFEEB-A356-D487-55F4-97BBA010C9B2}"/>
+            </a:ext>
+          </a:extLst>
+        </p:cNvPr>
+        <p:cNvGrpSpPr/>
+        <p:nvPr/>
+      </p:nvGrpSpPr>
+      <p:grpSpPr>
+        <a:xfrm>
+          <a:off x="0" y="0"/>
+          <a:ext cx="0" cy="0"/>
+          <a:chOff x="0" y="0"/>
+          <a:chExt cx="0" cy="0"/>
+        </a:xfrm>
+      </p:grpSpPr>
+      <p:sp>
+        <p:nvSpPr>
+          <p:cNvPr id="2" name="Title 1">
+            <a:extLst>
+              <a:ext uri="{FF2B5EF4-FFF2-40B4-BE49-F238E27FC236}">
+                <a16:creationId xmlns:a16="http://schemas.microsoft.com/office/drawing/2014/main" id="{03345C65-AB70-D8F4-82C3-5FB50ABE107E}"/>
+              </a:ext>
+            </a:extLst>
+          </p:cNvPr>
+          <p:cNvSpPr>
+            <a:spLocks noGrp="1"/>
+          </p:cNvSpPr>
+          <p:nvPr>
+            <p:ph type="title"/>
+          </p:nvPr>
+        </p:nvSpPr>
+        <p:spPr/>
+        <p:txBody>
+          <a:bodyPr>
+            <a:normAutofit/>
+          </a:bodyPr>
+          <a:lstStyle/>
+          <a:p>
+            <a:r>
+              <a:rPr lang="nl-NL" sz="3600" dirty="0"/>
+              <a:t>Toevoegen of wijzigen</a:t>
+            </a:r>
+          </a:p>
+        </p:txBody>
+      </p:sp>
+      <p:sp>
+        <p:nvSpPr>
+          <p:cNvPr id="3" name="Content Placeholder 2">
+            <a:extLst>
+              <a:ext uri="{FF2B5EF4-FFF2-40B4-BE49-F238E27FC236}">
+                <a16:creationId xmlns:a16="http://schemas.microsoft.com/office/drawing/2014/main" id="{D2AB54BD-F465-45FE-EC59-2C5D5ACA7ABC}"/>
+              </a:ext>
+            </a:extLst>
+          </p:cNvPr>
+          <p:cNvSpPr>
+            <a:spLocks noGrp="1"/>
+          </p:cNvSpPr>
+          <p:nvPr>
+            <p:ph idx="1"/>
+          </p:nvPr>
+        </p:nvSpPr>
+        <p:spPr>
+          <a:xfrm>
+            <a:off x="838201" y="1825625"/>
+            <a:ext cx="5030367" cy="4351338"/>
+          </a:xfrm>
+        </p:spPr>
+        <p:txBody>
+          <a:bodyPr>
+            <a:normAutofit/>
+          </a:bodyPr>
+          <a:lstStyle/>
+          <a:p>
+            <a:pPr marL="0" indent="0">
+              <a:lnSpc>
+                <a:spcPct val="100000"/>
+              </a:lnSpc>
+              <a:spcBef>
+                <a:spcPts val="600"/>
+              </a:spcBef>
+              <a:buNone/>
+            </a:pPr>
+            <a:r>
+              <a:rPr lang="nl-NL" sz="1800" dirty="0">
+                <a:solidFill>
+                  <a:schemeClr val="accent5">
+                    <a:lumMod val="75000"/>
+                  </a:schemeClr>
+                </a:solidFill>
+                <a:latin typeface="Courier New" panose="02070309020205020404" pitchFamily="49" charset="0"/>
+                <a:cs typeface="Courier New" panose="02070309020205020404" pitchFamily="49" charset="0"/>
+              </a:rPr>
+              <a:t>INSERT OR REPLACE</a:t>
+            </a:r>
+          </a:p>
+          <a:p>
+            <a:pPr marL="0" indent="0">
+              <a:lnSpc>
+                <a:spcPct val="100000"/>
+              </a:lnSpc>
+              <a:spcBef>
+                <a:spcPts val="600"/>
+              </a:spcBef>
+              <a:buNone/>
+            </a:pPr>
+            <a:r>
+              <a:rPr lang="nl-NL" sz="1800" dirty="0">
+                <a:solidFill>
+                  <a:schemeClr val="accent5">
+                    <a:lumMod val="75000"/>
+                  </a:schemeClr>
+                </a:solidFill>
+                <a:latin typeface="Courier New" panose="02070309020205020404" pitchFamily="49" charset="0"/>
+                <a:cs typeface="Courier New" panose="02070309020205020404" pitchFamily="49" charset="0"/>
+              </a:rPr>
+              <a:t>INTO</a:t>
+            </a:r>
+            <a:r>
+              <a:rPr lang="nl-NL" sz="1800" dirty="0">
+                <a:latin typeface="Courier New" panose="02070309020205020404" pitchFamily="49" charset="0"/>
+                <a:cs typeface="Courier New" panose="02070309020205020404" pitchFamily="49" charset="0"/>
+              </a:rPr>
+              <a:t> Klanten</a:t>
+            </a:r>
+          </a:p>
+          <a:p>
+            <a:pPr marL="0" indent="0">
+              <a:lnSpc>
+                <a:spcPct val="100000"/>
+              </a:lnSpc>
+              <a:spcBef>
+                <a:spcPts val="600"/>
+              </a:spcBef>
+              <a:buNone/>
+            </a:pPr>
+            <a:r>
+              <a:rPr lang="nl-NL" sz="1800" dirty="0">
+                <a:latin typeface="Courier New" panose="02070309020205020404" pitchFamily="49" charset="0"/>
+                <a:cs typeface="Courier New" panose="02070309020205020404" pitchFamily="49" charset="0"/>
+              </a:rPr>
+              <a:t>  (</a:t>
+            </a:r>
+            <a:r>
+              <a:rPr lang="nl-NL" sz="1800" dirty="0" err="1">
+                <a:latin typeface="Courier New" panose="02070309020205020404" pitchFamily="49" charset="0"/>
+                <a:cs typeface="Courier New" panose="02070309020205020404" pitchFamily="49" charset="0"/>
+              </a:rPr>
+              <a:t>Id</a:t>
+            </a:r>
+            <a:r>
+              <a:rPr lang="nl-NL" sz="1800" dirty="0">
+                <a:latin typeface="Courier New" panose="02070309020205020404" pitchFamily="49" charset="0"/>
+                <a:cs typeface="Courier New" panose="02070309020205020404" pitchFamily="49" charset="0"/>
+              </a:rPr>
+              <a:t>, Naam, Achternaam, Leeftijd)</a:t>
+            </a:r>
+          </a:p>
+          <a:p>
+            <a:pPr marL="0" indent="0">
+              <a:lnSpc>
+                <a:spcPct val="100000"/>
+              </a:lnSpc>
+              <a:spcBef>
+                <a:spcPts val="600"/>
+              </a:spcBef>
+              <a:buNone/>
+            </a:pPr>
+            <a:r>
+              <a:rPr lang="nl-NL" sz="1800" dirty="0">
+                <a:solidFill>
+                  <a:schemeClr val="accent5">
+                    <a:lumMod val="75000"/>
+                  </a:schemeClr>
+                </a:solidFill>
+                <a:latin typeface="Courier New" panose="02070309020205020404" pitchFamily="49" charset="0"/>
+                <a:cs typeface="Courier New" panose="02070309020205020404" pitchFamily="49" charset="0"/>
+              </a:rPr>
+              <a:t>VALUES</a:t>
+            </a:r>
+            <a:endParaRPr lang="nl-NL" sz="1800" dirty="0">
+              <a:latin typeface="Courier New" panose="02070309020205020404" pitchFamily="49" charset="0"/>
+              <a:cs typeface="Courier New" panose="02070309020205020404" pitchFamily="49" charset="0"/>
+            </a:endParaRPr>
+          </a:p>
+          <a:p>
+            <a:pPr marL="0" indent="0">
+              <a:lnSpc>
+                <a:spcPct val="100000"/>
+              </a:lnSpc>
+              <a:spcBef>
+                <a:spcPts val="600"/>
+              </a:spcBef>
+              <a:buNone/>
+            </a:pPr>
+            <a:r>
+              <a:rPr lang="nl-NL" sz="1800" dirty="0">
+                <a:latin typeface="Courier New" panose="02070309020205020404" pitchFamily="49" charset="0"/>
+                <a:cs typeface="Courier New" panose="02070309020205020404" pitchFamily="49" charset="0"/>
+              </a:rPr>
+              <a:t>  (</a:t>
+            </a:r>
+            <a:r>
+              <a:rPr lang="nl-NL" sz="1800" b="1" dirty="0">
+                <a:latin typeface="Courier New" panose="02070309020205020404" pitchFamily="49" charset="0"/>
+                <a:cs typeface="Courier New" panose="02070309020205020404" pitchFamily="49" charset="0"/>
+              </a:rPr>
+              <a:t>NULL</a:t>
+            </a:r>
+            <a:r>
+              <a:rPr lang="nl-NL" sz="1800" dirty="0">
+                <a:latin typeface="Courier New" panose="02070309020205020404" pitchFamily="49" charset="0"/>
+                <a:cs typeface="Courier New" panose="02070309020205020404" pitchFamily="49" charset="0"/>
+              </a:rPr>
+              <a:t>, </a:t>
+            </a:r>
+            <a:r>
+              <a:rPr lang="nl-NL" sz="1800" dirty="0">
+                <a:solidFill>
+                  <a:srgbClr val="C00000"/>
+                </a:solidFill>
+                <a:latin typeface="Courier New" panose="02070309020205020404" pitchFamily="49" charset="0"/>
+                <a:cs typeface="Courier New" panose="02070309020205020404" pitchFamily="49" charset="0"/>
+              </a:rPr>
+              <a:t>'Zoë'</a:t>
+            </a:r>
+            <a:r>
+              <a:rPr lang="nl-NL" sz="1800" dirty="0">
+                <a:latin typeface="Courier New" panose="02070309020205020404" pitchFamily="49" charset="0"/>
+                <a:cs typeface="Courier New" panose="02070309020205020404" pitchFamily="49" charset="0"/>
+              </a:rPr>
+              <a:t>, </a:t>
+            </a:r>
+            <a:r>
+              <a:rPr lang="nl-NL" sz="1800" dirty="0">
+                <a:solidFill>
+                  <a:srgbClr val="C00000"/>
+                </a:solidFill>
+                <a:latin typeface="Courier New" panose="02070309020205020404" pitchFamily="49" charset="0"/>
+                <a:cs typeface="Courier New" panose="02070309020205020404" pitchFamily="49" charset="0"/>
+              </a:rPr>
+              <a:t>'Nieuw'</a:t>
+            </a:r>
+            <a:r>
+              <a:rPr lang="nl-NL" sz="1800" dirty="0">
+                <a:latin typeface="Courier New" panose="02070309020205020404" pitchFamily="49" charset="0"/>
+                <a:cs typeface="Courier New" panose="02070309020205020404" pitchFamily="49" charset="0"/>
+              </a:rPr>
+              <a:t>, 54),</a:t>
+            </a:r>
+          </a:p>
+          <a:p>
+            <a:pPr marL="0" indent="0">
+              <a:lnSpc>
+                <a:spcPct val="100000"/>
+              </a:lnSpc>
+              <a:spcBef>
+                <a:spcPts val="600"/>
+              </a:spcBef>
+              <a:buNone/>
+            </a:pPr>
+            <a:r>
+              <a:rPr lang="nl-NL" sz="1800" dirty="0">
+                <a:latin typeface="Courier New" panose="02070309020205020404" pitchFamily="49" charset="0"/>
+                <a:cs typeface="Courier New" panose="02070309020205020404" pitchFamily="49" charset="0"/>
+              </a:rPr>
+              <a:t>  (</a:t>
+            </a:r>
+            <a:r>
+              <a:rPr lang="nl-NL" sz="1800" b="1" dirty="0">
+                <a:latin typeface="Courier New" panose="02070309020205020404" pitchFamily="49" charset="0"/>
+                <a:cs typeface="Courier New" panose="02070309020205020404" pitchFamily="49" charset="0"/>
+              </a:rPr>
+              <a:t>1</a:t>
+            </a:r>
+            <a:r>
+              <a:rPr lang="nl-NL" sz="1800" dirty="0">
+                <a:latin typeface="Courier New" panose="02070309020205020404" pitchFamily="49" charset="0"/>
+                <a:cs typeface="Courier New" panose="02070309020205020404" pitchFamily="49" charset="0"/>
+              </a:rPr>
+              <a:t>, </a:t>
+            </a:r>
+            <a:r>
+              <a:rPr lang="nl-NL" sz="1800" dirty="0">
+                <a:solidFill>
+                  <a:srgbClr val="C00000"/>
+                </a:solidFill>
+                <a:latin typeface="Courier New" panose="02070309020205020404" pitchFamily="49" charset="0"/>
+                <a:cs typeface="Courier New" panose="02070309020205020404" pitchFamily="49" charset="0"/>
+              </a:rPr>
+              <a:t>'Ingrid'</a:t>
+            </a:r>
+            <a:r>
+              <a:rPr lang="nl-NL" sz="1800" dirty="0">
+                <a:latin typeface="Courier New" panose="02070309020205020404" pitchFamily="49" charset="0"/>
+                <a:cs typeface="Courier New" panose="02070309020205020404" pitchFamily="49" charset="0"/>
+              </a:rPr>
+              <a:t>, </a:t>
+            </a:r>
+            <a:r>
+              <a:rPr lang="nl-NL" sz="1800" dirty="0">
+                <a:solidFill>
+                  <a:srgbClr val="C00000"/>
+                </a:solidFill>
+                <a:latin typeface="Courier New" panose="02070309020205020404" pitchFamily="49" charset="0"/>
+                <a:cs typeface="Courier New" panose="02070309020205020404" pitchFamily="49" charset="0"/>
+              </a:rPr>
+              <a:t>'Jansen'</a:t>
+            </a:r>
+            <a:r>
+              <a:rPr lang="nl-NL" sz="1800" dirty="0">
+                <a:latin typeface="Courier New" panose="02070309020205020404" pitchFamily="49" charset="0"/>
+                <a:cs typeface="Courier New" panose="02070309020205020404" pitchFamily="49" charset="0"/>
+              </a:rPr>
+              <a:t>, 33)</a:t>
+            </a:r>
+          </a:p>
+          <a:p>
+            <a:pPr marL="0" indent="0">
+              <a:lnSpc>
+                <a:spcPct val="100000"/>
+              </a:lnSpc>
+              <a:spcBef>
+                <a:spcPts val="600"/>
+              </a:spcBef>
+              <a:buNone/>
+            </a:pPr>
+            <a:r>
+              <a:rPr lang="nl-NL" sz="1800" dirty="0">
+                <a:latin typeface="Courier New" panose="02070309020205020404" pitchFamily="49" charset="0"/>
+                <a:cs typeface="Courier New" panose="02070309020205020404" pitchFamily="49" charset="0"/>
+              </a:rPr>
+              <a:t>;</a:t>
+            </a:r>
+          </a:p>
+          <a:p>
+            <a:pPr marL="0" indent="0">
+              <a:lnSpc>
+                <a:spcPct val="100000"/>
+              </a:lnSpc>
+              <a:spcBef>
+                <a:spcPts val="600"/>
+              </a:spcBef>
+              <a:buNone/>
+            </a:pPr>
+            <a:endParaRPr lang="nl-NL" sz="1800" dirty="0">
+              <a:latin typeface="Courier New" panose="02070309020205020404" pitchFamily="49" charset="0"/>
+              <a:cs typeface="Courier New" panose="02070309020205020404" pitchFamily="49" charset="0"/>
+            </a:endParaRPr>
+          </a:p>
+          <a:p>
+            <a:pPr marL="0" indent="0">
+              <a:lnSpc>
+                <a:spcPct val="100000"/>
+              </a:lnSpc>
+              <a:spcBef>
+                <a:spcPts val="600"/>
+              </a:spcBef>
+              <a:buNone/>
+            </a:pPr>
+            <a:endParaRPr lang="nl-NL" sz="1800" dirty="0">
+              <a:latin typeface="Courier New" panose="02070309020205020404" pitchFamily="49" charset="0"/>
+              <a:cs typeface="Courier New" panose="02070309020205020404" pitchFamily="49" charset="0"/>
+            </a:endParaRPr>
+          </a:p>
+          <a:p>
+            <a:pPr marL="0" indent="0">
+              <a:lnSpc>
+                <a:spcPct val="100000"/>
+              </a:lnSpc>
+              <a:spcBef>
+                <a:spcPts val="600"/>
+              </a:spcBef>
+              <a:buNone/>
+            </a:pPr>
+            <a:endParaRPr lang="nl-NL" sz="1800" dirty="0">
+              <a:latin typeface="Courier New" panose="02070309020205020404" pitchFamily="49" charset="0"/>
+              <a:cs typeface="Courier New" panose="02070309020205020404" pitchFamily="49" charset="0"/>
+            </a:endParaRPr>
+          </a:p>
+          <a:p>
+            <a:pPr marL="0" indent="0">
+              <a:lnSpc>
+                <a:spcPct val="100000"/>
+              </a:lnSpc>
+              <a:spcBef>
+                <a:spcPts val="600"/>
+              </a:spcBef>
+              <a:buNone/>
+            </a:pPr>
+            <a:endParaRPr lang="nl-NL" sz="1800" dirty="0">
+              <a:latin typeface="Courier New" panose="02070309020205020404" pitchFamily="49" charset="0"/>
+              <a:cs typeface="Courier New" panose="02070309020205020404" pitchFamily="49" charset="0"/>
+            </a:endParaRPr>
+          </a:p>
+        </p:txBody>
+      </p:sp>
+      <p:sp>
+        <p:nvSpPr>
+          <p:cNvPr id="5" name="Content Placeholder 2">
+            <a:extLst>
+              <a:ext uri="{FF2B5EF4-FFF2-40B4-BE49-F238E27FC236}">
+                <a16:creationId xmlns:a16="http://schemas.microsoft.com/office/drawing/2014/main" id="{FAE78809-08BD-BBA4-3E70-01A145FC34B3}"/>
+              </a:ext>
+            </a:extLst>
+          </p:cNvPr>
+          <p:cNvSpPr txBox="1">
+            <a:spLocks/>
+          </p:cNvSpPr>
+          <p:nvPr/>
+        </p:nvSpPr>
+        <p:spPr>
+          <a:xfrm>
+            <a:off x="6323428" y="1825625"/>
+            <a:ext cx="5030371" cy="4351338"/>
+          </a:xfrm>
+          <a:prstGeom prst="rect">
+            <a:avLst/>
+          </a:prstGeom>
+        </p:spPr>
+        <p:txBody>
+          <a:bodyPr vert="horz" lIns="91440" tIns="45720" rIns="91440" bIns="45720" rtlCol="0">
+            <a:normAutofit/>
+          </a:bodyPr>
+          <a:lstStyle>
+            <a:lvl1pPr marL="228600" indent="-228600" algn="l" defTabSz="914400" rtl="0" eaLnBrk="1" latinLnBrk="0" hangingPunct="1">
+              <a:lnSpc>
+                <a:spcPct val="90000"/>
+              </a:lnSpc>
+              <a:spcBef>
+                <a:spcPts val="1000"/>
+              </a:spcBef>
+              <a:buFont typeface="Arial" panose="020B0604020202020204" pitchFamily="34" charset="0"/>
+              <a:buChar char="•"/>
+              <a:defRPr sz="2800" kern="1200">
+                <a:solidFill>
+                  <a:schemeClr val="tx1"/>
+                </a:solidFill>
+                <a:latin typeface="+mn-lt"/>
+                <a:ea typeface="+mn-ea"/>
+                <a:cs typeface="+mn-cs"/>
+              </a:defRPr>
+            </a:lvl1pPr>
+            <a:lvl2pPr marL="685800" indent="-228600" algn="l" defTabSz="914400" rtl="0" eaLnBrk="1" latinLnBrk="0" hangingPunct="1">
+              <a:lnSpc>
+                <a:spcPct val="90000"/>
+              </a:lnSpc>
+              <a:spcBef>
+                <a:spcPts val="500"/>
+              </a:spcBef>
+              <a:buFont typeface="Arial" panose="020B0604020202020204" pitchFamily="34" charset="0"/>
+              <a:buChar char="•"/>
+              <a:defRPr sz="2400" kern="1200">
+                <a:solidFill>
+                  <a:schemeClr val="tx1"/>
+                </a:solidFill>
+                <a:latin typeface="+mn-lt"/>
+                <a:ea typeface="+mn-ea"/>
+                <a:cs typeface="+mn-cs"/>
+              </a:defRPr>
+            </a:lvl2pPr>
+            <a:lvl3pPr marL="1143000" indent="-228600" algn="l" defTabSz="914400" rtl="0" eaLnBrk="1" latinLnBrk="0" hangingPunct="1">
+              <a:lnSpc>
+                <a:spcPct val="90000"/>
+              </a:lnSpc>
+              <a:spcBef>
+                <a:spcPts val="500"/>
+              </a:spcBef>
+              <a:buFont typeface="Arial" panose="020B0604020202020204" pitchFamily="34" charset="0"/>
+              <a:buChar char="•"/>
+              <a:defRPr sz="2000" kern="1200">
+                <a:solidFill>
+                  <a:schemeClr val="tx1"/>
+                </a:solidFill>
+                <a:latin typeface="+mn-lt"/>
+                <a:ea typeface="+mn-ea"/>
+                <a:cs typeface="+mn-cs"/>
+              </a:defRPr>
+            </a:lvl3pPr>
+            <a:lvl4pPr marL="1600200" indent="-228600" algn="l" defTabSz="914400" rtl="0" eaLnBrk="1" latinLnBrk="0" hangingPunct="1">
+              <a:lnSpc>
+                <a:spcPct val="90000"/>
+              </a:lnSpc>
+              <a:spcBef>
+                <a:spcPts val="500"/>
+              </a:spcBef>
+              <a:buFont typeface="Arial" panose="020B0604020202020204" pitchFamily="34" charset="0"/>
+              <a:buChar char="•"/>
+              <a:defRPr sz="1800" kern="1200">
+                <a:solidFill>
+                  <a:schemeClr val="tx1"/>
+                </a:solidFill>
+                <a:latin typeface="+mn-lt"/>
+                <a:ea typeface="+mn-ea"/>
+                <a:cs typeface="+mn-cs"/>
+              </a:defRPr>
+            </a:lvl4pPr>
+            <a:lvl5pPr marL="2057400" indent="-228600" algn="l" defTabSz="914400" rtl="0" eaLnBrk="1" latinLnBrk="0" hangingPunct="1">
+              <a:lnSpc>
+                <a:spcPct val="90000"/>
+              </a:lnSpc>
+              <a:spcBef>
+                <a:spcPts val="500"/>
+              </a:spcBef>
+              <a:buFont typeface="Arial" panose="020B0604020202020204" pitchFamily="34" charset="0"/>
+              <a:buChar char="•"/>
+              <a:defRPr sz="1800" kern="1200">
+                <a:solidFill>
+                  <a:schemeClr val="tx1"/>
+                </a:solidFill>
+                <a:latin typeface="+mn-lt"/>
+                <a:ea typeface="+mn-ea"/>
+                <a:cs typeface="+mn-cs"/>
+              </a:defRPr>
+            </a:lvl5pPr>
+            <a:lvl6pPr marL="2514600" indent="-228600" algn="l" defTabSz="914400" rtl="0" eaLnBrk="1" latinLnBrk="0" hangingPunct="1">
+              <a:lnSpc>
+                <a:spcPct val="90000"/>
+              </a:lnSpc>
+              <a:spcBef>
+                <a:spcPts val="500"/>
+              </a:spcBef>
+              <a:buFont typeface="Arial" panose="020B0604020202020204" pitchFamily="34" charset="0"/>
+              <a:buChar char="•"/>
+              <a:defRPr sz="1800" kern="1200">
+                <a:solidFill>
+                  <a:schemeClr val="tx1"/>
+                </a:solidFill>
+                <a:latin typeface="+mn-lt"/>
+                <a:ea typeface="+mn-ea"/>
+                <a:cs typeface="+mn-cs"/>
+              </a:defRPr>
+            </a:lvl6pPr>
+            <a:lvl7pPr marL="2971800" indent="-228600" algn="l" defTabSz="914400" rtl="0" eaLnBrk="1" latinLnBrk="0" hangingPunct="1">
+              <a:lnSpc>
+                <a:spcPct val="90000"/>
+              </a:lnSpc>
+              <a:spcBef>
+                <a:spcPts val="500"/>
+              </a:spcBef>
+              <a:buFont typeface="Arial" panose="020B0604020202020204" pitchFamily="34" charset="0"/>
+              <a:buChar char="•"/>
+              <a:defRPr sz="1800" kern="1200">
+                <a:solidFill>
+                  <a:schemeClr val="tx1"/>
+                </a:solidFill>
+                <a:latin typeface="+mn-lt"/>
+                <a:ea typeface="+mn-ea"/>
+                <a:cs typeface="+mn-cs"/>
+              </a:defRPr>
+            </a:lvl7pPr>
+            <a:lvl8pPr marL="3429000" indent="-228600" algn="l" defTabSz="914400" rtl="0" eaLnBrk="1" latinLnBrk="0" hangingPunct="1">
+              <a:lnSpc>
+                <a:spcPct val="90000"/>
+              </a:lnSpc>
+              <a:spcBef>
+                <a:spcPts val="500"/>
+              </a:spcBef>
+              <a:buFont typeface="Arial" panose="020B0604020202020204" pitchFamily="34" charset="0"/>
+              <a:buChar char="•"/>
+              <a:defRPr sz="1800" kern="1200">
+                <a:solidFill>
+                  <a:schemeClr val="tx1"/>
+                </a:solidFill>
+                <a:latin typeface="+mn-lt"/>
+                <a:ea typeface="+mn-ea"/>
+                <a:cs typeface="+mn-cs"/>
+              </a:defRPr>
+            </a:lvl8pPr>
+            <a:lvl9pPr marL="3886200" indent="-228600" algn="l" defTabSz="914400" rtl="0" eaLnBrk="1" latinLnBrk="0" hangingPunct="1">
+              <a:lnSpc>
+                <a:spcPct val="90000"/>
+              </a:lnSpc>
+              <a:spcBef>
+                <a:spcPts val="500"/>
+              </a:spcBef>
+              <a:buFont typeface="Arial" panose="020B0604020202020204" pitchFamily="34" charset="0"/>
+              <a:buChar char="•"/>
+              <a:defRPr sz="1800" kern="1200">
+                <a:solidFill>
+                  <a:schemeClr val="tx1"/>
+                </a:solidFill>
+                <a:latin typeface="+mn-lt"/>
+                <a:ea typeface="+mn-ea"/>
+                <a:cs typeface="+mn-cs"/>
+              </a:defRPr>
+            </a:lvl9pPr>
+          </a:lstStyle>
+          <a:p>
+            <a:pPr marL="0" indent="0">
+              <a:lnSpc>
+                <a:spcPct val="100000"/>
+              </a:lnSpc>
+              <a:spcBef>
+                <a:spcPts val="600"/>
+              </a:spcBef>
+              <a:buNone/>
+            </a:pPr>
+            <a:r>
+              <a:rPr lang="nl-NL" sz="2000" dirty="0"/>
+              <a:t>Gebruik </a:t>
+            </a:r>
+            <a:r>
+              <a:rPr lang="nl-NL" sz="2000" dirty="0">
+                <a:solidFill>
+                  <a:schemeClr val="accent5">
+                    <a:lumMod val="75000"/>
+                  </a:schemeClr>
+                </a:solidFill>
+                <a:latin typeface="Courier New" panose="02070309020205020404" pitchFamily="49" charset="0"/>
+                <a:cs typeface="Courier New" panose="02070309020205020404" pitchFamily="49" charset="0"/>
+              </a:rPr>
+              <a:t>INSERT OR REPLACE INTO </a:t>
+            </a:r>
+            <a:r>
+              <a:rPr lang="nl-NL" sz="2000" dirty="0"/>
+              <a:t>om rijen toe te voegen of te wijzigen.</a:t>
+            </a:r>
+          </a:p>
+          <a:p>
+            <a:pPr marL="0" indent="0">
+              <a:lnSpc>
+                <a:spcPct val="100000"/>
+              </a:lnSpc>
+              <a:spcBef>
+                <a:spcPts val="600"/>
+              </a:spcBef>
+              <a:buNone/>
+            </a:pPr>
+            <a:endParaRPr lang="nl-NL" sz="2000" dirty="0"/>
+          </a:p>
+          <a:p>
+            <a:pPr marL="0" indent="0">
+              <a:lnSpc>
+                <a:spcPct val="100000"/>
+              </a:lnSpc>
+              <a:spcBef>
+                <a:spcPts val="600"/>
+              </a:spcBef>
+              <a:buNone/>
+            </a:pPr>
+            <a:r>
+              <a:rPr lang="nl-NL" sz="2000" dirty="0"/>
+              <a:t>Probeer de rij eerst toe te voegen.</a:t>
+            </a:r>
+          </a:p>
+          <a:p>
+            <a:pPr marL="0" indent="0">
+              <a:lnSpc>
+                <a:spcPct val="100000"/>
+              </a:lnSpc>
+              <a:spcBef>
+                <a:spcPts val="600"/>
+              </a:spcBef>
+              <a:buNone/>
+            </a:pPr>
+            <a:endParaRPr lang="nl-NL" sz="2000" dirty="0"/>
+          </a:p>
+          <a:p>
+            <a:pPr marL="0" indent="0">
+              <a:lnSpc>
+                <a:spcPct val="100000"/>
+              </a:lnSpc>
+              <a:spcBef>
+                <a:spcPts val="600"/>
+              </a:spcBef>
+              <a:buNone/>
+            </a:pPr>
+            <a:r>
+              <a:rPr lang="nl-NL" sz="2000" dirty="0"/>
+              <a:t>Wijzig bestaande rij bij conflict:</a:t>
+            </a:r>
+          </a:p>
+          <a:p>
+            <a:pPr>
+              <a:lnSpc>
+                <a:spcPct val="100000"/>
+              </a:lnSpc>
+              <a:spcBef>
+                <a:spcPts val="600"/>
+              </a:spcBef>
+              <a:buFontTx/>
+              <a:buChar char="-"/>
+            </a:pPr>
+            <a:r>
+              <a:rPr lang="nl-NL" sz="2000" dirty="0"/>
+              <a:t>Primaire sleutel die al bestaat.</a:t>
+            </a:r>
+          </a:p>
+          <a:p>
+            <a:pPr>
+              <a:lnSpc>
+                <a:spcPct val="100000"/>
+              </a:lnSpc>
+              <a:spcBef>
+                <a:spcPts val="600"/>
+              </a:spcBef>
+              <a:buFontTx/>
+              <a:buChar char="-"/>
+            </a:pPr>
+            <a:r>
+              <a:rPr lang="nl-NL" sz="2000" dirty="0"/>
+              <a:t>Unieke waarde die al bestaat.</a:t>
+            </a:r>
+          </a:p>
+          <a:p>
+            <a:pPr marL="0" indent="0">
+              <a:lnSpc>
+                <a:spcPct val="100000"/>
+              </a:lnSpc>
+              <a:spcBef>
+                <a:spcPts val="600"/>
+              </a:spcBef>
+              <a:buNone/>
+            </a:pPr>
+            <a:endParaRPr lang="nl-NL" sz="2000" dirty="0"/>
+          </a:p>
+          <a:p>
+            <a:pPr marL="0" indent="0">
+              <a:lnSpc>
+                <a:spcPct val="100000"/>
+              </a:lnSpc>
+              <a:spcBef>
+                <a:spcPts val="600"/>
+              </a:spcBef>
+              <a:buNone/>
+            </a:pPr>
+            <a:r>
+              <a:rPr lang="nl-NL" sz="2000" dirty="0"/>
+              <a:t>LET OP: Geef alle kolommen mee!</a:t>
+            </a:r>
+          </a:p>
+        </p:txBody>
+      </p:sp>
+      <p:cxnSp>
+        <p:nvCxnSpPr>
+          <p:cNvPr id="6" name="Straight Connector 5">
+            <a:extLst>
+              <a:ext uri="{FF2B5EF4-FFF2-40B4-BE49-F238E27FC236}">
+                <a16:creationId xmlns:a16="http://schemas.microsoft.com/office/drawing/2014/main" id="{08D67882-0D9A-8B7A-E037-455166F891B0}"/>
+              </a:ext>
+            </a:extLst>
+          </p:cNvPr>
+          <p:cNvCxnSpPr/>
+          <p:nvPr/>
+        </p:nvCxnSpPr>
+        <p:spPr>
+          <a:xfrm>
+            <a:off x="6096000" y="1864311"/>
+            <a:ext cx="0" cy="4351338"/>
+          </a:xfrm>
+          <a:prstGeom prst="line">
+            <a:avLst/>
+          </a:prstGeom>
+        </p:spPr>
+        <p:style>
+          <a:lnRef idx="3">
+            <a:schemeClr val="dk1"/>
+          </a:lnRef>
+          <a:fillRef idx="0">
+            <a:schemeClr val="dk1"/>
+          </a:fillRef>
+          <a:effectRef idx="2">
+            <a:schemeClr val="dk1"/>
+          </a:effectRef>
+          <a:fontRef idx="minor">
+            <a:schemeClr val="tx1"/>
+          </a:fontRef>
+        </p:style>
+      </p:cxnSp>
+    </p:spTree>
+    <p:extLst>
+      <p:ext uri="{BB962C8B-B14F-4D97-AF65-F5344CB8AC3E}">
+        <p14:creationId xmlns:p14="http://schemas.microsoft.com/office/powerpoint/2010/main" val="1632045338"/>
+      </p:ext>
+    </p:extLst>
+  </p:cSld>
+  <p:clrMapOvr>
+    <a:masterClrMapping/>
+  </p:clrMapOvr>
+</p:sld>
+</file>
+
+<file path=ppt/slides/slide58.xml><?xml version="1.0" encoding="utf-8"?>
+<p:sld xmlns:a="http://schemas.openxmlformats.org/drawingml/2006/main" xmlns:r="http://schemas.openxmlformats.org/officeDocument/2006/relationships" xmlns:p="http://schemas.openxmlformats.org/presentationml/2006/main">
+  <p:cSld>
+    <p:spTree>
+      <p:nvGrpSpPr>
+        <p:cNvPr id="1" name="">
+          <a:extLst>
+            <a:ext uri="{FF2B5EF4-FFF2-40B4-BE49-F238E27FC236}">
+              <a16:creationId xmlns:a16="http://schemas.microsoft.com/office/drawing/2014/main" id="{3DA51D73-8DEA-D45B-6E92-D05C50BD5789}"/>
+            </a:ext>
+          </a:extLst>
+        </p:cNvPr>
+        <p:cNvGrpSpPr/>
+        <p:nvPr/>
+      </p:nvGrpSpPr>
+      <p:grpSpPr>
+        <a:xfrm>
+          <a:off x="0" y="0"/>
+          <a:ext cx="0" cy="0"/>
+          <a:chOff x="0" y="0"/>
+          <a:chExt cx="0" cy="0"/>
+        </a:xfrm>
+      </p:grpSpPr>
+      <p:sp>
+        <p:nvSpPr>
+          <p:cNvPr id="2" name="Title 1">
+            <a:extLst>
+              <a:ext uri="{FF2B5EF4-FFF2-40B4-BE49-F238E27FC236}">
+                <a16:creationId xmlns:a16="http://schemas.microsoft.com/office/drawing/2014/main" id="{1F6F0926-CDC1-6077-3CEE-3EB52AB8FC13}"/>
+              </a:ext>
+            </a:extLst>
+          </p:cNvPr>
+          <p:cNvSpPr>
+            <a:spLocks noGrp="1"/>
+          </p:cNvSpPr>
+          <p:nvPr>
+            <p:ph type="title"/>
+          </p:nvPr>
+        </p:nvSpPr>
+        <p:spPr/>
+        <p:txBody>
+          <a:bodyPr>
+            <a:normAutofit/>
+          </a:bodyPr>
+          <a:lstStyle/>
+          <a:p>
+            <a:r>
+              <a:rPr lang="nl-NL" sz="3600" dirty="0"/>
+              <a:t>Toevoegen of wijzigen</a:t>
+            </a:r>
+          </a:p>
+        </p:txBody>
+      </p:sp>
+      <p:sp>
+        <p:nvSpPr>
+          <p:cNvPr id="3" name="Content Placeholder 2">
+            <a:extLst>
+              <a:ext uri="{FF2B5EF4-FFF2-40B4-BE49-F238E27FC236}">
+                <a16:creationId xmlns:a16="http://schemas.microsoft.com/office/drawing/2014/main" id="{CEF21F78-3030-BCE6-97E3-77712A20E9E7}"/>
+              </a:ext>
+            </a:extLst>
+          </p:cNvPr>
+          <p:cNvSpPr>
+            <a:spLocks noGrp="1"/>
+          </p:cNvSpPr>
+          <p:nvPr>
+            <p:ph idx="1"/>
+          </p:nvPr>
+        </p:nvSpPr>
+        <p:spPr>
+          <a:xfrm>
+            <a:off x="838201" y="1825625"/>
+            <a:ext cx="5030367" cy="4351338"/>
+          </a:xfrm>
+        </p:spPr>
+        <p:txBody>
+          <a:bodyPr>
+            <a:normAutofit/>
+          </a:bodyPr>
+          <a:lstStyle/>
+          <a:p>
+            <a:pPr marL="0" indent="0">
+              <a:lnSpc>
+                <a:spcPct val="100000"/>
+              </a:lnSpc>
+              <a:spcBef>
+                <a:spcPts val="600"/>
+              </a:spcBef>
+              <a:buNone/>
+            </a:pPr>
+            <a:r>
+              <a:rPr lang="nl-NL" sz="1800" dirty="0">
+                <a:solidFill>
+                  <a:schemeClr val="accent5">
+                    <a:lumMod val="75000"/>
+                  </a:schemeClr>
+                </a:solidFill>
+                <a:latin typeface="Courier New" panose="02070309020205020404" pitchFamily="49" charset="0"/>
+                <a:cs typeface="Courier New" panose="02070309020205020404" pitchFamily="49" charset="0"/>
+              </a:rPr>
+              <a:t>INSERT OR REPLACE</a:t>
+            </a:r>
+          </a:p>
+          <a:p>
+            <a:pPr marL="0" indent="0">
+              <a:lnSpc>
+                <a:spcPct val="100000"/>
+              </a:lnSpc>
+              <a:spcBef>
+                <a:spcPts val="600"/>
+              </a:spcBef>
+              <a:buNone/>
+            </a:pPr>
+            <a:r>
+              <a:rPr lang="nl-NL" sz="1800" dirty="0">
+                <a:solidFill>
+                  <a:schemeClr val="accent5">
+                    <a:lumMod val="75000"/>
+                  </a:schemeClr>
+                </a:solidFill>
+                <a:latin typeface="Courier New" panose="02070309020205020404" pitchFamily="49" charset="0"/>
+                <a:cs typeface="Courier New" panose="02070309020205020404" pitchFamily="49" charset="0"/>
+              </a:rPr>
+              <a:t>INTO</a:t>
+            </a:r>
+            <a:r>
+              <a:rPr lang="nl-NL" sz="1800" dirty="0">
+                <a:latin typeface="Courier New" panose="02070309020205020404" pitchFamily="49" charset="0"/>
+                <a:cs typeface="Courier New" panose="02070309020205020404" pitchFamily="49" charset="0"/>
+              </a:rPr>
+              <a:t> Klanten</a:t>
+            </a:r>
+          </a:p>
+          <a:p>
+            <a:pPr marL="0" indent="0">
+              <a:lnSpc>
+                <a:spcPct val="100000"/>
+              </a:lnSpc>
+              <a:spcBef>
+                <a:spcPts val="600"/>
+              </a:spcBef>
+              <a:buNone/>
+            </a:pPr>
+            <a:r>
+              <a:rPr lang="nl-NL" sz="1800" dirty="0">
+                <a:latin typeface="Courier New" panose="02070309020205020404" pitchFamily="49" charset="0"/>
+                <a:cs typeface="Courier New" panose="02070309020205020404" pitchFamily="49" charset="0"/>
+              </a:rPr>
+              <a:t>  (</a:t>
+            </a:r>
+            <a:r>
+              <a:rPr lang="nl-NL" sz="1800" dirty="0" err="1">
+                <a:latin typeface="Courier New" panose="02070309020205020404" pitchFamily="49" charset="0"/>
+                <a:cs typeface="Courier New" panose="02070309020205020404" pitchFamily="49" charset="0"/>
+              </a:rPr>
+              <a:t>Id</a:t>
+            </a:r>
+            <a:r>
+              <a:rPr lang="nl-NL" sz="1800" dirty="0">
+                <a:latin typeface="Courier New" panose="02070309020205020404" pitchFamily="49" charset="0"/>
+                <a:cs typeface="Courier New" panose="02070309020205020404" pitchFamily="49" charset="0"/>
+              </a:rPr>
+              <a:t>, Naam, Achternaam, Leeftijd)</a:t>
+            </a:r>
+          </a:p>
+          <a:p>
+            <a:pPr marL="0" indent="0">
+              <a:lnSpc>
+                <a:spcPct val="100000"/>
+              </a:lnSpc>
+              <a:spcBef>
+                <a:spcPts val="600"/>
+              </a:spcBef>
+              <a:buNone/>
+            </a:pPr>
+            <a:r>
+              <a:rPr lang="nl-NL" sz="1800" dirty="0">
+                <a:solidFill>
+                  <a:schemeClr val="accent5">
+                    <a:lumMod val="75000"/>
+                  </a:schemeClr>
+                </a:solidFill>
+                <a:latin typeface="Courier New" panose="02070309020205020404" pitchFamily="49" charset="0"/>
+                <a:cs typeface="Courier New" panose="02070309020205020404" pitchFamily="49" charset="0"/>
+              </a:rPr>
+              <a:t>VALUES</a:t>
+            </a:r>
+            <a:endParaRPr lang="nl-NL" sz="1800" dirty="0">
+              <a:latin typeface="Courier New" panose="02070309020205020404" pitchFamily="49" charset="0"/>
+              <a:cs typeface="Courier New" panose="02070309020205020404" pitchFamily="49" charset="0"/>
+            </a:endParaRPr>
+          </a:p>
+          <a:p>
+            <a:pPr marL="0" indent="0">
+              <a:lnSpc>
+                <a:spcPct val="100000"/>
+              </a:lnSpc>
+              <a:spcBef>
+                <a:spcPts val="600"/>
+              </a:spcBef>
+              <a:buNone/>
+            </a:pPr>
+            <a:r>
+              <a:rPr lang="nl-NL" sz="1800" dirty="0">
+                <a:latin typeface="Courier New" panose="02070309020205020404" pitchFamily="49" charset="0"/>
+                <a:cs typeface="Courier New" panose="02070309020205020404" pitchFamily="49" charset="0"/>
+              </a:rPr>
+              <a:t>  (</a:t>
+            </a:r>
+            <a:r>
+              <a:rPr lang="nl-NL" sz="1800" b="1" dirty="0">
+                <a:latin typeface="Courier New" panose="02070309020205020404" pitchFamily="49" charset="0"/>
+                <a:cs typeface="Courier New" panose="02070309020205020404" pitchFamily="49" charset="0"/>
+              </a:rPr>
+              <a:t>NULL</a:t>
+            </a:r>
+            <a:r>
+              <a:rPr lang="nl-NL" sz="1800" dirty="0">
+                <a:latin typeface="Courier New" panose="02070309020205020404" pitchFamily="49" charset="0"/>
+                <a:cs typeface="Courier New" panose="02070309020205020404" pitchFamily="49" charset="0"/>
+              </a:rPr>
+              <a:t>, </a:t>
+            </a:r>
+            <a:r>
+              <a:rPr lang="nl-NL" sz="1800" dirty="0">
+                <a:solidFill>
+                  <a:srgbClr val="C00000"/>
+                </a:solidFill>
+                <a:latin typeface="Courier New" panose="02070309020205020404" pitchFamily="49" charset="0"/>
+                <a:cs typeface="Courier New" panose="02070309020205020404" pitchFamily="49" charset="0"/>
+              </a:rPr>
+              <a:t>'Zoë'</a:t>
+            </a:r>
+            <a:r>
+              <a:rPr lang="nl-NL" sz="1800" dirty="0">
+                <a:latin typeface="Courier New" panose="02070309020205020404" pitchFamily="49" charset="0"/>
+                <a:cs typeface="Courier New" panose="02070309020205020404" pitchFamily="49" charset="0"/>
+              </a:rPr>
+              <a:t>, </a:t>
+            </a:r>
+            <a:r>
+              <a:rPr lang="nl-NL" sz="1800" dirty="0">
+                <a:solidFill>
+                  <a:srgbClr val="C00000"/>
+                </a:solidFill>
+                <a:latin typeface="Courier New" panose="02070309020205020404" pitchFamily="49" charset="0"/>
+                <a:cs typeface="Courier New" panose="02070309020205020404" pitchFamily="49" charset="0"/>
+              </a:rPr>
+              <a:t>'Nieuw'</a:t>
+            </a:r>
+            <a:r>
+              <a:rPr lang="nl-NL" sz="1800" dirty="0">
+                <a:latin typeface="Courier New" panose="02070309020205020404" pitchFamily="49" charset="0"/>
+                <a:cs typeface="Courier New" panose="02070309020205020404" pitchFamily="49" charset="0"/>
+              </a:rPr>
+              <a:t>, 54),</a:t>
+            </a:r>
+          </a:p>
+          <a:p>
+            <a:pPr marL="0" indent="0">
+              <a:lnSpc>
+                <a:spcPct val="100000"/>
+              </a:lnSpc>
+              <a:spcBef>
+                <a:spcPts val="600"/>
+              </a:spcBef>
+              <a:buNone/>
+            </a:pPr>
+            <a:r>
+              <a:rPr lang="nl-NL" sz="1800" dirty="0">
+                <a:latin typeface="Courier New" panose="02070309020205020404" pitchFamily="49" charset="0"/>
+                <a:cs typeface="Courier New" panose="02070309020205020404" pitchFamily="49" charset="0"/>
+              </a:rPr>
+              <a:t>  (</a:t>
+            </a:r>
+            <a:r>
+              <a:rPr lang="nl-NL" sz="1800" b="1" dirty="0">
+                <a:latin typeface="Courier New" panose="02070309020205020404" pitchFamily="49" charset="0"/>
+                <a:cs typeface="Courier New" panose="02070309020205020404" pitchFamily="49" charset="0"/>
+              </a:rPr>
+              <a:t>1</a:t>
+            </a:r>
+            <a:r>
+              <a:rPr lang="nl-NL" sz="1800" dirty="0">
+                <a:latin typeface="Courier New" panose="02070309020205020404" pitchFamily="49" charset="0"/>
+                <a:cs typeface="Courier New" panose="02070309020205020404" pitchFamily="49" charset="0"/>
+              </a:rPr>
+              <a:t>, </a:t>
+            </a:r>
+            <a:r>
+              <a:rPr lang="nl-NL" sz="1800" dirty="0">
+                <a:solidFill>
+                  <a:srgbClr val="C00000"/>
+                </a:solidFill>
+                <a:latin typeface="Courier New" panose="02070309020205020404" pitchFamily="49" charset="0"/>
+                <a:cs typeface="Courier New" panose="02070309020205020404" pitchFamily="49" charset="0"/>
+              </a:rPr>
+              <a:t>'Ingrid'</a:t>
+            </a:r>
+            <a:r>
+              <a:rPr lang="nl-NL" sz="1800" dirty="0">
+                <a:latin typeface="Courier New" panose="02070309020205020404" pitchFamily="49" charset="0"/>
+                <a:cs typeface="Courier New" panose="02070309020205020404" pitchFamily="49" charset="0"/>
+              </a:rPr>
+              <a:t>, </a:t>
+            </a:r>
+            <a:r>
+              <a:rPr lang="nl-NL" sz="1800" dirty="0">
+                <a:solidFill>
+                  <a:srgbClr val="C00000"/>
+                </a:solidFill>
+                <a:latin typeface="Courier New" panose="02070309020205020404" pitchFamily="49" charset="0"/>
+                <a:cs typeface="Courier New" panose="02070309020205020404" pitchFamily="49" charset="0"/>
+              </a:rPr>
+              <a:t>'Jansen'</a:t>
+            </a:r>
+            <a:r>
+              <a:rPr lang="nl-NL" sz="1800" dirty="0">
+                <a:latin typeface="Courier New" panose="02070309020205020404" pitchFamily="49" charset="0"/>
+                <a:cs typeface="Courier New" panose="02070309020205020404" pitchFamily="49" charset="0"/>
+              </a:rPr>
+              <a:t>, 33)</a:t>
+            </a:r>
+          </a:p>
+          <a:p>
+            <a:pPr marL="0" indent="0">
+              <a:lnSpc>
+                <a:spcPct val="100000"/>
+              </a:lnSpc>
+              <a:spcBef>
+                <a:spcPts val="600"/>
+              </a:spcBef>
+              <a:buNone/>
+            </a:pPr>
+            <a:r>
+              <a:rPr lang="nl-NL" sz="1800" dirty="0">
+                <a:latin typeface="Courier New" panose="02070309020205020404" pitchFamily="49" charset="0"/>
+                <a:cs typeface="Courier New" panose="02070309020205020404" pitchFamily="49" charset="0"/>
+              </a:rPr>
+              <a:t>;</a:t>
+            </a:r>
+          </a:p>
+          <a:p>
+            <a:pPr marL="0" indent="0">
+              <a:lnSpc>
+                <a:spcPct val="100000"/>
+              </a:lnSpc>
+              <a:spcBef>
+                <a:spcPts val="600"/>
+              </a:spcBef>
+              <a:buNone/>
+            </a:pPr>
+            <a:endParaRPr lang="nl-NL" sz="1800" dirty="0">
+              <a:latin typeface="Courier New" panose="02070309020205020404" pitchFamily="49" charset="0"/>
+              <a:cs typeface="Courier New" panose="02070309020205020404" pitchFamily="49" charset="0"/>
+            </a:endParaRPr>
+          </a:p>
+          <a:p>
+            <a:pPr marL="0" indent="0">
+              <a:lnSpc>
+                <a:spcPct val="100000"/>
+              </a:lnSpc>
+              <a:spcBef>
+                <a:spcPts val="600"/>
+              </a:spcBef>
+              <a:buNone/>
+            </a:pPr>
+            <a:endParaRPr lang="nl-NL" sz="1800" dirty="0">
+              <a:latin typeface="Courier New" panose="02070309020205020404" pitchFamily="49" charset="0"/>
+              <a:cs typeface="Courier New" panose="02070309020205020404" pitchFamily="49" charset="0"/>
+            </a:endParaRPr>
+          </a:p>
+          <a:p>
+            <a:pPr marL="0" indent="0">
+              <a:lnSpc>
+                <a:spcPct val="100000"/>
+              </a:lnSpc>
+              <a:spcBef>
+                <a:spcPts val="600"/>
+              </a:spcBef>
+              <a:buNone/>
+            </a:pPr>
+            <a:endParaRPr lang="nl-NL" sz="1800" dirty="0">
+              <a:latin typeface="Courier New" panose="02070309020205020404" pitchFamily="49" charset="0"/>
+              <a:cs typeface="Courier New" panose="02070309020205020404" pitchFamily="49" charset="0"/>
+            </a:endParaRPr>
+          </a:p>
+          <a:p>
+            <a:pPr marL="0" indent="0">
+              <a:lnSpc>
+                <a:spcPct val="100000"/>
+              </a:lnSpc>
+              <a:spcBef>
+                <a:spcPts val="600"/>
+              </a:spcBef>
+              <a:buNone/>
+            </a:pPr>
+            <a:endParaRPr lang="nl-NL" sz="1800" dirty="0">
+              <a:latin typeface="Courier New" panose="02070309020205020404" pitchFamily="49" charset="0"/>
+              <a:cs typeface="Courier New" panose="02070309020205020404" pitchFamily="49" charset="0"/>
+            </a:endParaRPr>
+          </a:p>
+        </p:txBody>
+      </p:sp>
+      <p:sp>
+        <p:nvSpPr>
+          <p:cNvPr id="5" name="Content Placeholder 2">
+            <a:extLst>
+              <a:ext uri="{FF2B5EF4-FFF2-40B4-BE49-F238E27FC236}">
+                <a16:creationId xmlns:a16="http://schemas.microsoft.com/office/drawing/2014/main" id="{6927142F-095F-CA01-D78D-857EE23A647A}"/>
+              </a:ext>
+            </a:extLst>
+          </p:cNvPr>
+          <p:cNvSpPr txBox="1">
+            <a:spLocks/>
+          </p:cNvSpPr>
+          <p:nvPr/>
+        </p:nvSpPr>
+        <p:spPr>
+          <a:xfrm>
+            <a:off x="6323428" y="1825625"/>
+            <a:ext cx="5030371" cy="4351338"/>
+          </a:xfrm>
+          <a:prstGeom prst="rect">
+            <a:avLst/>
+          </a:prstGeom>
+        </p:spPr>
+        <p:txBody>
+          <a:bodyPr vert="horz" lIns="91440" tIns="45720" rIns="91440" bIns="45720" rtlCol="0">
+            <a:normAutofit/>
+          </a:bodyPr>
+          <a:lstStyle>
+            <a:lvl1pPr marL="228600" indent="-228600" algn="l" defTabSz="914400" rtl="0" eaLnBrk="1" latinLnBrk="0" hangingPunct="1">
+              <a:lnSpc>
+                <a:spcPct val="90000"/>
+              </a:lnSpc>
+              <a:spcBef>
+                <a:spcPts val="1000"/>
+              </a:spcBef>
+              <a:buFont typeface="Arial" panose="020B0604020202020204" pitchFamily="34" charset="0"/>
+              <a:buChar char="•"/>
+              <a:defRPr sz="2800" kern="1200">
+                <a:solidFill>
+                  <a:schemeClr val="tx1"/>
+                </a:solidFill>
+                <a:latin typeface="+mn-lt"/>
+                <a:ea typeface="+mn-ea"/>
+                <a:cs typeface="+mn-cs"/>
+              </a:defRPr>
+            </a:lvl1pPr>
+            <a:lvl2pPr marL="685800" indent="-228600" algn="l" defTabSz="914400" rtl="0" eaLnBrk="1" latinLnBrk="0" hangingPunct="1">
+              <a:lnSpc>
+                <a:spcPct val="90000"/>
+              </a:lnSpc>
+              <a:spcBef>
+                <a:spcPts val="500"/>
+              </a:spcBef>
+              <a:buFont typeface="Arial" panose="020B0604020202020204" pitchFamily="34" charset="0"/>
+              <a:buChar char="•"/>
+              <a:defRPr sz="2400" kern="1200">
+                <a:solidFill>
+                  <a:schemeClr val="tx1"/>
+                </a:solidFill>
+                <a:latin typeface="+mn-lt"/>
+                <a:ea typeface="+mn-ea"/>
+                <a:cs typeface="+mn-cs"/>
+              </a:defRPr>
+            </a:lvl2pPr>
+            <a:lvl3pPr marL="1143000" indent="-228600" algn="l" defTabSz="914400" rtl="0" eaLnBrk="1" latinLnBrk="0" hangingPunct="1">
+              <a:lnSpc>
+                <a:spcPct val="90000"/>
+              </a:lnSpc>
+              <a:spcBef>
+                <a:spcPts val="500"/>
+              </a:spcBef>
+              <a:buFont typeface="Arial" panose="020B0604020202020204" pitchFamily="34" charset="0"/>
+              <a:buChar char="•"/>
+              <a:defRPr sz="2000" kern="1200">
+                <a:solidFill>
+                  <a:schemeClr val="tx1"/>
+                </a:solidFill>
+                <a:latin typeface="+mn-lt"/>
+                <a:ea typeface="+mn-ea"/>
+                <a:cs typeface="+mn-cs"/>
+              </a:defRPr>
+            </a:lvl3pPr>
+            <a:lvl4pPr marL="1600200" indent="-228600" algn="l" defTabSz="914400" rtl="0" eaLnBrk="1" latinLnBrk="0" hangingPunct="1">
+              <a:lnSpc>
+                <a:spcPct val="90000"/>
+              </a:lnSpc>
+              <a:spcBef>
+                <a:spcPts val="500"/>
+              </a:spcBef>
+              <a:buFont typeface="Arial" panose="020B0604020202020204" pitchFamily="34" charset="0"/>
+              <a:buChar char="•"/>
+              <a:defRPr sz="1800" kern="1200">
+                <a:solidFill>
+                  <a:schemeClr val="tx1"/>
+                </a:solidFill>
+                <a:latin typeface="+mn-lt"/>
+                <a:ea typeface="+mn-ea"/>
+                <a:cs typeface="+mn-cs"/>
+              </a:defRPr>
+            </a:lvl4pPr>
+            <a:lvl5pPr marL="2057400" indent="-228600" algn="l" defTabSz="914400" rtl="0" eaLnBrk="1" latinLnBrk="0" hangingPunct="1">
+              <a:lnSpc>
+                <a:spcPct val="90000"/>
+              </a:lnSpc>
+              <a:spcBef>
+                <a:spcPts val="500"/>
+              </a:spcBef>
+              <a:buFont typeface="Arial" panose="020B0604020202020204" pitchFamily="34" charset="0"/>
+              <a:buChar char="•"/>
+              <a:defRPr sz="1800" kern="1200">
+                <a:solidFill>
+                  <a:schemeClr val="tx1"/>
+                </a:solidFill>
+                <a:latin typeface="+mn-lt"/>
+                <a:ea typeface="+mn-ea"/>
+                <a:cs typeface="+mn-cs"/>
+              </a:defRPr>
+            </a:lvl5pPr>
+            <a:lvl6pPr marL="2514600" indent="-228600" algn="l" defTabSz="914400" rtl="0" eaLnBrk="1" latinLnBrk="0" hangingPunct="1">
+              <a:lnSpc>
+                <a:spcPct val="90000"/>
+              </a:lnSpc>
+              <a:spcBef>
+                <a:spcPts val="500"/>
+              </a:spcBef>
+              <a:buFont typeface="Arial" panose="020B0604020202020204" pitchFamily="34" charset="0"/>
+              <a:buChar char="•"/>
+              <a:defRPr sz="1800" kern="1200">
+                <a:solidFill>
+                  <a:schemeClr val="tx1"/>
+                </a:solidFill>
+                <a:latin typeface="+mn-lt"/>
+                <a:ea typeface="+mn-ea"/>
+                <a:cs typeface="+mn-cs"/>
+              </a:defRPr>
+            </a:lvl6pPr>
+            <a:lvl7pPr marL="2971800" indent="-228600" algn="l" defTabSz="914400" rtl="0" eaLnBrk="1" latinLnBrk="0" hangingPunct="1">
+              <a:lnSpc>
+                <a:spcPct val="90000"/>
+              </a:lnSpc>
+              <a:spcBef>
+                <a:spcPts val="500"/>
+              </a:spcBef>
+              <a:buFont typeface="Arial" panose="020B0604020202020204" pitchFamily="34" charset="0"/>
+              <a:buChar char="•"/>
+              <a:defRPr sz="1800" kern="1200">
+                <a:solidFill>
+                  <a:schemeClr val="tx1"/>
+                </a:solidFill>
+                <a:latin typeface="+mn-lt"/>
+                <a:ea typeface="+mn-ea"/>
+                <a:cs typeface="+mn-cs"/>
+              </a:defRPr>
+            </a:lvl7pPr>
+            <a:lvl8pPr marL="3429000" indent="-228600" algn="l" defTabSz="914400" rtl="0" eaLnBrk="1" latinLnBrk="0" hangingPunct="1">
+              <a:lnSpc>
+                <a:spcPct val="90000"/>
+              </a:lnSpc>
+              <a:spcBef>
+                <a:spcPts val="500"/>
+              </a:spcBef>
+              <a:buFont typeface="Arial" panose="020B0604020202020204" pitchFamily="34" charset="0"/>
+              <a:buChar char="•"/>
+              <a:defRPr sz="1800" kern="1200">
+                <a:solidFill>
+                  <a:schemeClr val="tx1"/>
+                </a:solidFill>
+                <a:latin typeface="+mn-lt"/>
+                <a:ea typeface="+mn-ea"/>
+                <a:cs typeface="+mn-cs"/>
+              </a:defRPr>
+            </a:lvl8pPr>
+            <a:lvl9pPr marL="3886200" indent="-228600" algn="l" defTabSz="914400" rtl="0" eaLnBrk="1" latinLnBrk="0" hangingPunct="1">
+              <a:lnSpc>
+                <a:spcPct val="90000"/>
+              </a:lnSpc>
+              <a:spcBef>
+                <a:spcPts val="500"/>
+              </a:spcBef>
+              <a:buFont typeface="Arial" panose="020B0604020202020204" pitchFamily="34" charset="0"/>
+              <a:buChar char="•"/>
+              <a:defRPr sz="1800" kern="1200">
+                <a:solidFill>
+                  <a:schemeClr val="tx1"/>
+                </a:solidFill>
+                <a:latin typeface="+mn-lt"/>
+                <a:ea typeface="+mn-ea"/>
+                <a:cs typeface="+mn-cs"/>
+              </a:defRPr>
+            </a:lvl9pPr>
+          </a:lstStyle>
+          <a:p>
+            <a:pPr marL="0" indent="0">
+              <a:lnSpc>
+                <a:spcPct val="100000"/>
+              </a:lnSpc>
+              <a:spcBef>
+                <a:spcPts val="600"/>
+              </a:spcBef>
+              <a:buNone/>
+            </a:pPr>
+            <a:r>
+              <a:rPr lang="nl-NL" sz="2000" dirty="0"/>
+              <a:t>Gebruik </a:t>
+            </a:r>
+            <a:r>
+              <a:rPr lang="nl-NL" sz="2000" dirty="0">
+                <a:solidFill>
+                  <a:schemeClr val="accent5">
+                    <a:lumMod val="75000"/>
+                  </a:schemeClr>
+                </a:solidFill>
+                <a:latin typeface="Courier New" panose="02070309020205020404" pitchFamily="49" charset="0"/>
+                <a:cs typeface="Courier New" panose="02070309020205020404" pitchFamily="49" charset="0"/>
+              </a:rPr>
+              <a:t>INSERT OR REPLACE INTO </a:t>
+            </a:r>
+            <a:r>
+              <a:rPr lang="nl-NL" sz="2000" dirty="0"/>
+              <a:t>om rijen toe te voegen of te wijzigen.</a:t>
+            </a:r>
+          </a:p>
+          <a:p>
+            <a:pPr marL="0" indent="0">
+              <a:lnSpc>
+                <a:spcPct val="100000"/>
+              </a:lnSpc>
+              <a:spcBef>
+                <a:spcPts val="600"/>
+              </a:spcBef>
+              <a:buNone/>
+            </a:pPr>
+            <a:endParaRPr lang="nl-NL" sz="2000" dirty="0"/>
+          </a:p>
+          <a:p>
+            <a:pPr marL="0" indent="0">
+              <a:lnSpc>
+                <a:spcPct val="100000"/>
+              </a:lnSpc>
+              <a:spcBef>
+                <a:spcPts val="600"/>
+              </a:spcBef>
+              <a:buNone/>
+            </a:pPr>
+            <a:r>
+              <a:rPr lang="nl-NL" sz="2000" dirty="0"/>
+              <a:t>Probeer de rij eerst toe te voegen.</a:t>
+            </a:r>
+          </a:p>
+          <a:p>
+            <a:pPr marL="0" indent="0">
+              <a:lnSpc>
+                <a:spcPct val="100000"/>
+              </a:lnSpc>
+              <a:spcBef>
+                <a:spcPts val="600"/>
+              </a:spcBef>
+              <a:buNone/>
+            </a:pPr>
+            <a:endParaRPr lang="nl-NL" sz="2000" dirty="0"/>
+          </a:p>
+          <a:p>
+            <a:pPr marL="0" indent="0">
+              <a:lnSpc>
+                <a:spcPct val="100000"/>
+              </a:lnSpc>
+              <a:spcBef>
+                <a:spcPts val="600"/>
+              </a:spcBef>
+              <a:buNone/>
+            </a:pPr>
+            <a:r>
+              <a:rPr lang="nl-NL" sz="2000" dirty="0"/>
+              <a:t>Wijzig bestaande rij bij conflict:</a:t>
+            </a:r>
+          </a:p>
+          <a:p>
+            <a:pPr>
+              <a:lnSpc>
+                <a:spcPct val="100000"/>
+              </a:lnSpc>
+              <a:spcBef>
+                <a:spcPts val="600"/>
+              </a:spcBef>
+              <a:buFontTx/>
+              <a:buChar char="-"/>
+            </a:pPr>
+            <a:r>
+              <a:rPr lang="nl-NL" sz="2000" dirty="0"/>
+              <a:t>Primaire sleutel die al bestaat.</a:t>
+            </a:r>
+          </a:p>
+          <a:p>
+            <a:pPr>
+              <a:lnSpc>
+                <a:spcPct val="100000"/>
+              </a:lnSpc>
+              <a:spcBef>
+                <a:spcPts val="600"/>
+              </a:spcBef>
+              <a:buFontTx/>
+              <a:buChar char="-"/>
+            </a:pPr>
+            <a:r>
+              <a:rPr lang="nl-NL" sz="2000" dirty="0"/>
+              <a:t>Unieke waarde die al bestaat.</a:t>
+            </a:r>
+          </a:p>
+          <a:p>
+            <a:pPr marL="0" indent="0">
+              <a:lnSpc>
+                <a:spcPct val="100000"/>
+              </a:lnSpc>
+              <a:spcBef>
+                <a:spcPts val="600"/>
+              </a:spcBef>
+              <a:buNone/>
+            </a:pPr>
+            <a:endParaRPr lang="nl-NL" sz="2000" dirty="0"/>
+          </a:p>
+          <a:p>
+            <a:pPr marL="0" indent="0">
+              <a:lnSpc>
+                <a:spcPct val="100000"/>
+              </a:lnSpc>
+              <a:spcBef>
+                <a:spcPts val="600"/>
+              </a:spcBef>
+              <a:buNone/>
+            </a:pPr>
+            <a:r>
+              <a:rPr lang="nl-NL" sz="2000" dirty="0"/>
+              <a:t>LET OP: Geef alle kolommen mee!</a:t>
+            </a:r>
+          </a:p>
+        </p:txBody>
+      </p:sp>
+      <p:cxnSp>
+        <p:nvCxnSpPr>
+          <p:cNvPr id="6" name="Straight Connector 5">
+            <a:extLst>
+              <a:ext uri="{FF2B5EF4-FFF2-40B4-BE49-F238E27FC236}">
+                <a16:creationId xmlns:a16="http://schemas.microsoft.com/office/drawing/2014/main" id="{8F39A6D7-3642-BE98-91BB-8599D5EB33E1}"/>
+              </a:ext>
+            </a:extLst>
+          </p:cNvPr>
+          <p:cNvCxnSpPr/>
+          <p:nvPr/>
+        </p:nvCxnSpPr>
+        <p:spPr>
+          <a:xfrm>
+            <a:off x="6096000" y="1864311"/>
+            <a:ext cx="0" cy="4351338"/>
+          </a:xfrm>
+          <a:prstGeom prst="line">
+            <a:avLst/>
+          </a:prstGeom>
+        </p:spPr>
+        <p:style>
+          <a:lnRef idx="3">
+            <a:schemeClr val="dk1"/>
+          </a:lnRef>
+          <a:fillRef idx="0">
+            <a:schemeClr val="dk1"/>
+          </a:fillRef>
+          <a:effectRef idx="2">
+            <a:schemeClr val="dk1"/>
+          </a:effectRef>
+          <a:fontRef idx="minor">
+            <a:schemeClr val="tx1"/>
+          </a:fontRef>
+        </p:style>
+      </p:cxnSp>
+      <p:sp>
+        <p:nvSpPr>
+          <p:cNvPr id="4" name="Rectangle: Rounded Corners 3">
+            <a:extLst>
+              <a:ext uri="{FF2B5EF4-FFF2-40B4-BE49-F238E27FC236}">
+                <a16:creationId xmlns:a16="http://schemas.microsoft.com/office/drawing/2014/main" id="{CC9F4483-3CB3-B7AD-31CF-653D9E4BB0DA}"/>
+              </a:ext>
+            </a:extLst>
+          </p:cNvPr>
+          <p:cNvSpPr/>
+          <p:nvPr/>
+        </p:nvSpPr>
+        <p:spPr>
+          <a:xfrm rot="20227609">
+            <a:off x="3089030" y="2805826"/>
+            <a:ext cx="6013939" cy="1364566"/>
+          </a:xfrm>
+          <a:prstGeom prst="roundRect">
+            <a:avLst/>
+          </a:prstGeom>
+          <a:solidFill>
+            <a:schemeClr val="bg1"/>
+          </a:solidFill>
+          <a:ln w="57150">
+            <a:solidFill>
+              <a:srgbClr val="FF0000"/>
+            </a:solidFill>
+          </a:ln>
+        </p:spPr>
+        <p:style>
+          <a:lnRef idx="2">
+            <a:schemeClr val="accent1">
+              <a:shade val="15000"/>
+            </a:schemeClr>
+          </a:lnRef>
+          <a:fillRef idx="1">
+            <a:schemeClr val="accent1"/>
+          </a:fillRef>
+          <a:effectRef idx="0">
+            <a:schemeClr val="accent1"/>
+          </a:effectRef>
+          <a:fontRef idx="minor">
+            <a:schemeClr val="lt1"/>
+          </a:fontRef>
+        </p:style>
+        <p:txBody>
+          <a:bodyPr rtlCol="0" anchor="ctr"/>
+          <a:lstStyle/>
+          <a:p>
+            <a:pPr algn="ctr"/>
+            <a:r>
+              <a:rPr lang="nl-NL" sz="3200" dirty="0">
+                <a:solidFill>
+                  <a:srgbClr val="FF0000"/>
+                </a:solidFill>
+              </a:rPr>
+              <a:t>MATIG IDEE!</a:t>
+            </a:r>
+          </a:p>
+        </p:txBody>
+      </p:sp>
+    </p:spTree>
+    <p:extLst>
+      <p:ext uri="{BB962C8B-B14F-4D97-AF65-F5344CB8AC3E}">
+        <p14:creationId xmlns:p14="http://schemas.microsoft.com/office/powerpoint/2010/main" val="1710932891"/>
+      </p:ext>
+    </p:extLst>
+  </p:cSld>
+  <p:clrMapOvr>
+    <a:masterClrMapping/>
+  </p:clrMapOvr>
+</p:sld>
+</file>
+
+<file path=ppt/slides/slide59.xml><?xml version="1.0" encoding="utf-8"?>
+<p:sld xmlns:a="http://schemas.openxmlformats.org/drawingml/2006/main" xmlns:r="http://schemas.openxmlformats.org/officeDocument/2006/relationships" xmlns:p="http://schemas.openxmlformats.org/presentationml/2006/main">
+  <p:cSld>
+    <p:spTree>
+      <p:nvGrpSpPr>
+        <p:cNvPr id="1" name="">
+          <a:extLst>
+            <a:ext uri="{FF2B5EF4-FFF2-40B4-BE49-F238E27FC236}">
+              <a16:creationId xmlns:a16="http://schemas.microsoft.com/office/drawing/2014/main" id="{B64A923A-9174-4C02-D8A4-99DF44A71232}"/>
+            </a:ext>
+          </a:extLst>
+        </p:cNvPr>
+        <p:cNvGrpSpPr/>
+        <p:nvPr/>
+      </p:nvGrpSpPr>
+      <p:grpSpPr>
+        <a:xfrm>
+          <a:off x="0" y="0"/>
+          <a:ext cx="0" cy="0"/>
+          <a:chOff x="0" y="0"/>
+          <a:chExt cx="0" cy="0"/>
+        </a:xfrm>
+      </p:grpSpPr>
+      <p:sp>
+        <p:nvSpPr>
+          <p:cNvPr id="2" name="Title 1">
+            <a:extLst>
+              <a:ext uri="{FF2B5EF4-FFF2-40B4-BE49-F238E27FC236}">
+                <a16:creationId xmlns:a16="http://schemas.microsoft.com/office/drawing/2014/main" id="{38EB51B3-604D-5EAD-AB6E-5A43471B3564}"/>
+              </a:ext>
+            </a:extLst>
+          </p:cNvPr>
+          <p:cNvSpPr>
+            <a:spLocks noGrp="1"/>
+          </p:cNvSpPr>
+          <p:nvPr>
+            <p:ph type="title"/>
+          </p:nvPr>
+        </p:nvSpPr>
+        <p:spPr/>
+        <p:txBody>
+          <a:bodyPr>
+            <a:normAutofit/>
+          </a:bodyPr>
+          <a:lstStyle/>
+          <a:p>
+            <a:r>
+              <a:rPr lang="nl-NL" sz="3600" dirty="0"/>
+              <a:t>Toevoegen of wijzigen</a:t>
+            </a:r>
+          </a:p>
+        </p:txBody>
+      </p:sp>
+      <p:sp>
+        <p:nvSpPr>
+          <p:cNvPr id="3" name="Content Placeholder 2">
+            <a:extLst>
+              <a:ext uri="{FF2B5EF4-FFF2-40B4-BE49-F238E27FC236}">
+                <a16:creationId xmlns:a16="http://schemas.microsoft.com/office/drawing/2014/main" id="{E2E7EFA7-151A-D5FC-7A52-9D96F985E215}"/>
+              </a:ext>
+            </a:extLst>
+          </p:cNvPr>
+          <p:cNvSpPr>
+            <a:spLocks noGrp="1"/>
+          </p:cNvSpPr>
+          <p:nvPr>
+            <p:ph idx="1"/>
+          </p:nvPr>
+        </p:nvSpPr>
+        <p:spPr>
+          <a:xfrm>
+            <a:off x="838201" y="1825625"/>
+            <a:ext cx="5030367" cy="4351338"/>
+          </a:xfrm>
+        </p:spPr>
+        <p:txBody>
+          <a:bodyPr>
+            <a:normAutofit/>
+          </a:bodyPr>
+          <a:lstStyle/>
+          <a:p>
+            <a:pPr marL="0" indent="0">
+              <a:lnSpc>
+                <a:spcPct val="100000"/>
+              </a:lnSpc>
+              <a:spcBef>
+                <a:spcPts val="600"/>
+              </a:spcBef>
+              <a:buNone/>
+            </a:pPr>
+            <a:r>
+              <a:rPr lang="nl-NL" sz="1800" dirty="0">
+                <a:solidFill>
+                  <a:schemeClr val="accent5">
+                    <a:lumMod val="75000"/>
+                  </a:schemeClr>
+                </a:solidFill>
+                <a:latin typeface="Courier New" panose="02070309020205020404" pitchFamily="49" charset="0"/>
+                <a:cs typeface="Courier New" panose="02070309020205020404" pitchFamily="49" charset="0"/>
+              </a:rPr>
+              <a:t>INSERT INTO</a:t>
+            </a:r>
+            <a:r>
+              <a:rPr lang="nl-NL" sz="1800" dirty="0">
+                <a:latin typeface="Courier New" panose="02070309020205020404" pitchFamily="49" charset="0"/>
+                <a:cs typeface="Courier New" panose="02070309020205020404" pitchFamily="49" charset="0"/>
+              </a:rPr>
+              <a:t> Klanten</a:t>
+            </a:r>
+          </a:p>
+          <a:p>
+            <a:pPr marL="0" indent="0">
+              <a:lnSpc>
+                <a:spcPct val="100000"/>
+              </a:lnSpc>
+              <a:spcBef>
+                <a:spcPts val="600"/>
+              </a:spcBef>
+              <a:buNone/>
+            </a:pPr>
+            <a:r>
+              <a:rPr lang="nl-NL" sz="1800" dirty="0">
+                <a:latin typeface="Courier New" panose="02070309020205020404" pitchFamily="49" charset="0"/>
+                <a:cs typeface="Courier New" panose="02070309020205020404" pitchFamily="49" charset="0"/>
+              </a:rPr>
+              <a:t>  (Naam, Achternaam, Leeftijd)</a:t>
+            </a:r>
+          </a:p>
+          <a:p>
+            <a:pPr marL="0" indent="0">
+              <a:lnSpc>
+                <a:spcPct val="100000"/>
+              </a:lnSpc>
+              <a:spcBef>
+                <a:spcPts val="600"/>
+              </a:spcBef>
+              <a:buNone/>
+            </a:pPr>
+            <a:r>
+              <a:rPr lang="nl-NL" sz="1800" dirty="0">
+                <a:solidFill>
+                  <a:schemeClr val="accent5">
+                    <a:lumMod val="75000"/>
+                  </a:schemeClr>
+                </a:solidFill>
+                <a:latin typeface="Courier New" panose="02070309020205020404" pitchFamily="49" charset="0"/>
+                <a:cs typeface="Courier New" panose="02070309020205020404" pitchFamily="49" charset="0"/>
+              </a:rPr>
+              <a:t>VALUES</a:t>
+            </a:r>
+            <a:endParaRPr lang="nl-NL" sz="1800" dirty="0">
+              <a:latin typeface="Courier New" panose="02070309020205020404" pitchFamily="49" charset="0"/>
+              <a:cs typeface="Courier New" panose="02070309020205020404" pitchFamily="49" charset="0"/>
+            </a:endParaRPr>
+          </a:p>
+          <a:p>
+            <a:pPr marL="0" indent="0">
+              <a:lnSpc>
+                <a:spcPct val="100000"/>
+              </a:lnSpc>
+              <a:spcBef>
+                <a:spcPts val="600"/>
+              </a:spcBef>
+              <a:buNone/>
+            </a:pPr>
+            <a:r>
+              <a:rPr lang="nl-NL" sz="1800" dirty="0">
+                <a:latin typeface="Courier New" panose="02070309020205020404" pitchFamily="49" charset="0"/>
+                <a:cs typeface="Courier New" panose="02070309020205020404" pitchFamily="49" charset="0"/>
+              </a:rPr>
+              <a:t>  (</a:t>
+            </a:r>
+            <a:r>
+              <a:rPr lang="nl-NL" sz="1800" dirty="0">
+                <a:solidFill>
+                  <a:srgbClr val="C00000"/>
+                </a:solidFill>
+                <a:latin typeface="Courier New" panose="02070309020205020404" pitchFamily="49" charset="0"/>
+                <a:cs typeface="Courier New" panose="02070309020205020404" pitchFamily="49" charset="0"/>
+              </a:rPr>
+              <a:t>'Zoë'</a:t>
+            </a:r>
+            <a:r>
+              <a:rPr lang="nl-NL" sz="1800" dirty="0">
+                <a:latin typeface="Courier New" panose="02070309020205020404" pitchFamily="49" charset="0"/>
+                <a:cs typeface="Courier New" panose="02070309020205020404" pitchFamily="49" charset="0"/>
+              </a:rPr>
+              <a:t>, </a:t>
+            </a:r>
+            <a:r>
+              <a:rPr lang="nl-NL" sz="1800" dirty="0">
+                <a:solidFill>
+                  <a:srgbClr val="C00000"/>
+                </a:solidFill>
+                <a:latin typeface="Courier New" panose="02070309020205020404" pitchFamily="49" charset="0"/>
+                <a:cs typeface="Courier New" panose="02070309020205020404" pitchFamily="49" charset="0"/>
+              </a:rPr>
+              <a:t>'Nieuw'</a:t>
+            </a:r>
+            <a:r>
+              <a:rPr lang="nl-NL" sz="1800" dirty="0">
+                <a:latin typeface="Courier New" panose="02070309020205020404" pitchFamily="49" charset="0"/>
+                <a:cs typeface="Courier New" panose="02070309020205020404" pitchFamily="49" charset="0"/>
+              </a:rPr>
+              <a:t>, 54),</a:t>
+            </a:r>
+          </a:p>
+          <a:p>
+            <a:pPr marL="0" indent="0">
+              <a:lnSpc>
+                <a:spcPct val="100000"/>
+              </a:lnSpc>
+              <a:spcBef>
+                <a:spcPts val="600"/>
+              </a:spcBef>
+              <a:buNone/>
+            </a:pPr>
+            <a:r>
+              <a:rPr lang="nl-NL" sz="1800" dirty="0">
+                <a:latin typeface="Courier New" panose="02070309020205020404" pitchFamily="49" charset="0"/>
+                <a:cs typeface="Courier New" panose="02070309020205020404" pitchFamily="49" charset="0"/>
+              </a:rPr>
+              <a:t>  (</a:t>
+            </a:r>
+            <a:r>
+              <a:rPr lang="nl-NL" sz="1800" dirty="0">
+                <a:solidFill>
+                  <a:srgbClr val="C00000"/>
+                </a:solidFill>
+                <a:latin typeface="Courier New" panose="02070309020205020404" pitchFamily="49" charset="0"/>
+                <a:cs typeface="Courier New" panose="02070309020205020404" pitchFamily="49" charset="0"/>
+              </a:rPr>
+              <a:t>'Ingrid'</a:t>
+            </a:r>
+            <a:r>
+              <a:rPr lang="nl-NL" sz="1800" dirty="0">
+                <a:latin typeface="Courier New" panose="02070309020205020404" pitchFamily="49" charset="0"/>
+                <a:cs typeface="Courier New" panose="02070309020205020404" pitchFamily="49" charset="0"/>
+              </a:rPr>
+              <a:t>, </a:t>
+            </a:r>
+            <a:r>
+              <a:rPr lang="nl-NL" sz="1800" dirty="0">
+                <a:solidFill>
+                  <a:srgbClr val="C00000"/>
+                </a:solidFill>
+                <a:latin typeface="Courier New" panose="02070309020205020404" pitchFamily="49" charset="0"/>
+                <a:cs typeface="Courier New" panose="02070309020205020404" pitchFamily="49" charset="0"/>
+              </a:rPr>
+              <a:t>'Jansen'</a:t>
+            </a:r>
+            <a:r>
+              <a:rPr lang="nl-NL" sz="1800" dirty="0">
+                <a:latin typeface="Courier New" panose="02070309020205020404" pitchFamily="49" charset="0"/>
+                <a:cs typeface="Courier New" panose="02070309020205020404" pitchFamily="49" charset="0"/>
+              </a:rPr>
+              <a:t>, 33)</a:t>
+            </a:r>
+          </a:p>
+          <a:p>
+            <a:pPr marL="0" indent="0">
+              <a:lnSpc>
+                <a:spcPct val="100000"/>
+              </a:lnSpc>
+              <a:spcBef>
+                <a:spcPts val="600"/>
+              </a:spcBef>
+              <a:buNone/>
+            </a:pPr>
+            <a:r>
+              <a:rPr lang="nl-NL" sz="1800" dirty="0">
+                <a:solidFill>
+                  <a:schemeClr val="accent5">
+                    <a:lumMod val="75000"/>
+                  </a:schemeClr>
+                </a:solidFill>
+                <a:latin typeface="Courier New" panose="02070309020205020404" pitchFamily="49" charset="0"/>
+                <a:cs typeface="Courier New" panose="02070309020205020404" pitchFamily="49" charset="0"/>
+              </a:rPr>
+              <a:t>ON CONFLICT </a:t>
+            </a:r>
+            <a:r>
+              <a:rPr lang="nl-NL" sz="1800" dirty="0">
+                <a:latin typeface="Courier New" panose="02070309020205020404" pitchFamily="49" charset="0"/>
+                <a:cs typeface="Courier New" panose="02070309020205020404" pitchFamily="49" charset="0"/>
+              </a:rPr>
+              <a:t>(Naam, Achternaam)</a:t>
+            </a:r>
+          </a:p>
+          <a:p>
+            <a:pPr marL="0" indent="0">
+              <a:lnSpc>
+                <a:spcPct val="100000"/>
+              </a:lnSpc>
+              <a:spcBef>
+                <a:spcPts val="600"/>
+              </a:spcBef>
+              <a:buNone/>
+            </a:pPr>
+            <a:r>
+              <a:rPr lang="nl-NL" sz="1800" dirty="0">
+                <a:solidFill>
+                  <a:schemeClr val="accent5">
+                    <a:lumMod val="75000"/>
+                  </a:schemeClr>
+                </a:solidFill>
+                <a:latin typeface="Courier New" panose="02070309020205020404" pitchFamily="49" charset="0"/>
+                <a:cs typeface="Courier New" panose="02070309020205020404" pitchFamily="49" charset="0"/>
+              </a:rPr>
+              <a:t>DO UPDATE</a:t>
+            </a:r>
+          </a:p>
+          <a:p>
+            <a:pPr marL="0" indent="0">
+              <a:lnSpc>
+                <a:spcPct val="100000"/>
+              </a:lnSpc>
+              <a:spcBef>
+                <a:spcPts val="600"/>
+              </a:spcBef>
+              <a:buNone/>
+            </a:pPr>
+            <a:r>
+              <a:rPr lang="nl-NL" sz="1800" dirty="0">
+                <a:solidFill>
+                  <a:schemeClr val="accent5">
+                    <a:lumMod val="75000"/>
+                  </a:schemeClr>
+                </a:solidFill>
+                <a:latin typeface="Courier New" panose="02070309020205020404" pitchFamily="49" charset="0"/>
+                <a:cs typeface="Courier New" panose="02070309020205020404" pitchFamily="49" charset="0"/>
+              </a:rPr>
+              <a:t>SET</a:t>
+            </a:r>
+            <a:r>
+              <a:rPr lang="nl-NL" sz="1800" dirty="0">
+                <a:latin typeface="Courier New" panose="02070309020205020404" pitchFamily="49" charset="0"/>
+                <a:cs typeface="Courier New" panose="02070309020205020404" pitchFamily="49" charset="0"/>
+              </a:rPr>
+              <a:t> Leeftijd = </a:t>
+            </a:r>
+            <a:r>
+              <a:rPr lang="nl-NL" sz="1800" dirty="0" err="1">
+                <a:latin typeface="Courier New" panose="02070309020205020404" pitchFamily="49" charset="0"/>
+                <a:cs typeface="Courier New" panose="02070309020205020404" pitchFamily="49" charset="0"/>
+              </a:rPr>
+              <a:t>excluded.Leeftijd</a:t>
+            </a:r>
+            <a:endParaRPr lang="nl-NL" sz="1800" dirty="0">
+              <a:latin typeface="Courier New" panose="02070309020205020404" pitchFamily="49" charset="0"/>
+              <a:cs typeface="Courier New" panose="02070309020205020404" pitchFamily="49" charset="0"/>
+            </a:endParaRPr>
+          </a:p>
+          <a:p>
+            <a:pPr marL="0" indent="0">
+              <a:lnSpc>
+                <a:spcPct val="100000"/>
+              </a:lnSpc>
+              <a:spcBef>
+                <a:spcPts val="600"/>
+              </a:spcBef>
+              <a:buNone/>
+            </a:pPr>
+            <a:r>
+              <a:rPr lang="nl-NL" sz="1800" dirty="0">
+                <a:latin typeface="Courier New" panose="02070309020205020404" pitchFamily="49" charset="0"/>
+                <a:cs typeface="Courier New" panose="02070309020205020404" pitchFamily="49" charset="0"/>
+              </a:rPr>
+              <a:t>;</a:t>
+            </a:r>
+          </a:p>
+          <a:p>
+            <a:pPr marL="0" indent="0">
+              <a:lnSpc>
+                <a:spcPct val="100000"/>
+              </a:lnSpc>
+              <a:spcBef>
+                <a:spcPts val="600"/>
+              </a:spcBef>
+              <a:buNone/>
+            </a:pPr>
+            <a:endParaRPr lang="nl-NL" sz="1800" dirty="0">
+              <a:latin typeface="Courier New" panose="02070309020205020404" pitchFamily="49" charset="0"/>
+              <a:cs typeface="Courier New" panose="02070309020205020404" pitchFamily="49" charset="0"/>
+            </a:endParaRPr>
+          </a:p>
+          <a:p>
+            <a:pPr marL="0" indent="0">
+              <a:lnSpc>
+                <a:spcPct val="100000"/>
+              </a:lnSpc>
+              <a:spcBef>
+                <a:spcPts val="600"/>
+              </a:spcBef>
+              <a:buNone/>
+            </a:pPr>
+            <a:endParaRPr lang="nl-NL" sz="1800" dirty="0">
+              <a:latin typeface="Courier New" panose="02070309020205020404" pitchFamily="49" charset="0"/>
+              <a:cs typeface="Courier New" panose="02070309020205020404" pitchFamily="49" charset="0"/>
+            </a:endParaRPr>
+          </a:p>
+          <a:p>
+            <a:pPr marL="0" indent="0">
+              <a:lnSpc>
+                <a:spcPct val="100000"/>
+              </a:lnSpc>
+              <a:spcBef>
+                <a:spcPts val="600"/>
+              </a:spcBef>
+              <a:buNone/>
+            </a:pPr>
+            <a:endParaRPr lang="nl-NL" sz="1800" dirty="0">
+              <a:latin typeface="Courier New" panose="02070309020205020404" pitchFamily="49" charset="0"/>
+              <a:cs typeface="Courier New" panose="02070309020205020404" pitchFamily="49" charset="0"/>
+            </a:endParaRPr>
+          </a:p>
+          <a:p>
+            <a:pPr marL="0" indent="0">
+              <a:lnSpc>
+                <a:spcPct val="100000"/>
+              </a:lnSpc>
+              <a:spcBef>
+                <a:spcPts val="600"/>
+              </a:spcBef>
+              <a:buNone/>
+            </a:pPr>
+            <a:endParaRPr lang="nl-NL" sz="1800" dirty="0">
+              <a:latin typeface="Courier New" panose="02070309020205020404" pitchFamily="49" charset="0"/>
+              <a:cs typeface="Courier New" panose="02070309020205020404" pitchFamily="49" charset="0"/>
+            </a:endParaRPr>
+          </a:p>
+        </p:txBody>
+      </p:sp>
+      <p:sp>
+        <p:nvSpPr>
+          <p:cNvPr id="5" name="Content Placeholder 2">
+            <a:extLst>
+              <a:ext uri="{FF2B5EF4-FFF2-40B4-BE49-F238E27FC236}">
+                <a16:creationId xmlns:a16="http://schemas.microsoft.com/office/drawing/2014/main" id="{5714F6B4-3FE7-CD7D-32D7-F272331B6429}"/>
+              </a:ext>
+            </a:extLst>
+          </p:cNvPr>
+          <p:cNvSpPr txBox="1">
+            <a:spLocks/>
+          </p:cNvSpPr>
+          <p:nvPr/>
+        </p:nvSpPr>
+        <p:spPr>
+          <a:xfrm>
+            <a:off x="6323428" y="1825625"/>
+            <a:ext cx="5030371" cy="4351338"/>
+          </a:xfrm>
+          <a:prstGeom prst="rect">
+            <a:avLst/>
+          </a:prstGeom>
+        </p:spPr>
+        <p:txBody>
+          <a:bodyPr vert="horz" lIns="91440" tIns="45720" rIns="91440" bIns="45720" rtlCol="0">
+            <a:normAutofit/>
+          </a:bodyPr>
+          <a:lstStyle>
+            <a:lvl1pPr marL="228600" indent="-228600" algn="l" defTabSz="914400" rtl="0" eaLnBrk="1" latinLnBrk="0" hangingPunct="1">
+              <a:lnSpc>
+                <a:spcPct val="90000"/>
+              </a:lnSpc>
+              <a:spcBef>
+                <a:spcPts val="1000"/>
+              </a:spcBef>
+              <a:buFont typeface="Arial" panose="020B0604020202020204" pitchFamily="34" charset="0"/>
+              <a:buChar char="•"/>
+              <a:defRPr sz="2800" kern="1200">
+                <a:solidFill>
+                  <a:schemeClr val="tx1"/>
+                </a:solidFill>
+                <a:latin typeface="+mn-lt"/>
+                <a:ea typeface="+mn-ea"/>
+                <a:cs typeface="+mn-cs"/>
+              </a:defRPr>
+            </a:lvl1pPr>
+            <a:lvl2pPr marL="685800" indent="-228600" algn="l" defTabSz="914400" rtl="0" eaLnBrk="1" latinLnBrk="0" hangingPunct="1">
+              <a:lnSpc>
+                <a:spcPct val="90000"/>
+              </a:lnSpc>
+              <a:spcBef>
+                <a:spcPts val="500"/>
+              </a:spcBef>
+              <a:buFont typeface="Arial" panose="020B0604020202020204" pitchFamily="34" charset="0"/>
+              <a:buChar char="•"/>
+              <a:defRPr sz="2400" kern="1200">
+                <a:solidFill>
+                  <a:schemeClr val="tx1"/>
+                </a:solidFill>
+                <a:latin typeface="+mn-lt"/>
+                <a:ea typeface="+mn-ea"/>
+                <a:cs typeface="+mn-cs"/>
+              </a:defRPr>
+            </a:lvl2pPr>
+            <a:lvl3pPr marL="1143000" indent="-228600" algn="l" defTabSz="914400" rtl="0" eaLnBrk="1" latinLnBrk="0" hangingPunct="1">
+              <a:lnSpc>
+                <a:spcPct val="90000"/>
+              </a:lnSpc>
+              <a:spcBef>
+                <a:spcPts val="500"/>
+              </a:spcBef>
+              <a:buFont typeface="Arial" panose="020B0604020202020204" pitchFamily="34" charset="0"/>
+              <a:buChar char="•"/>
+              <a:defRPr sz="2000" kern="1200">
+                <a:solidFill>
+                  <a:schemeClr val="tx1"/>
+                </a:solidFill>
+                <a:latin typeface="+mn-lt"/>
+                <a:ea typeface="+mn-ea"/>
+                <a:cs typeface="+mn-cs"/>
+              </a:defRPr>
+            </a:lvl3pPr>
+            <a:lvl4pPr marL="1600200" indent="-228600" algn="l" defTabSz="914400" rtl="0" eaLnBrk="1" latinLnBrk="0" hangingPunct="1">
+              <a:lnSpc>
+                <a:spcPct val="90000"/>
+              </a:lnSpc>
+              <a:spcBef>
+                <a:spcPts val="500"/>
+              </a:spcBef>
+              <a:buFont typeface="Arial" panose="020B0604020202020204" pitchFamily="34" charset="0"/>
+              <a:buChar char="•"/>
+              <a:defRPr sz="1800" kern="1200">
+                <a:solidFill>
+                  <a:schemeClr val="tx1"/>
+                </a:solidFill>
+                <a:latin typeface="+mn-lt"/>
+                <a:ea typeface="+mn-ea"/>
+                <a:cs typeface="+mn-cs"/>
+              </a:defRPr>
+            </a:lvl4pPr>
+            <a:lvl5pPr marL="2057400" indent="-228600" algn="l" defTabSz="914400" rtl="0" eaLnBrk="1" latinLnBrk="0" hangingPunct="1">
+              <a:lnSpc>
+                <a:spcPct val="90000"/>
+              </a:lnSpc>
+              <a:spcBef>
+                <a:spcPts val="500"/>
+              </a:spcBef>
+              <a:buFont typeface="Arial" panose="020B0604020202020204" pitchFamily="34" charset="0"/>
+              <a:buChar char="•"/>
+              <a:defRPr sz="1800" kern="1200">
+                <a:solidFill>
+                  <a:schemeClr val="tx1"/>
+                </a:solidFill>
+                <a:latin typeface="+mn-lt"/>
+                <a:ea typeface="+mn-ea"/>
+                <a:cs typeface="+mn-cs"/>
+              </a:defRPr>
+            </a:lvl5pPr>
+            <a:lvl6pPr marL="2514600" indent="-228600" algn="l" defTabSz="914400" rtl="0" eaLnBrk="1" latinLnBrk="0" hangingPunct="1">
+              <a:lnSpc>
+                <a:spcPct val="90000"/>
+              </a:lnSpc>
+              <a:spcBef>
+                <a:spcPts val="500"/>
+              </a:spcBef>
+              <a:buFont typeface="Arial" panose="020B0604020202020204" pitchFamily="34" charset="0"/>
+              <a:buChar char="•"/>
+              <a:defRPr sz="1800" kern="1200">
+                <a:solidFill>
+                  <a:schemeClr val="tx1"/>
+                </a:solidFill>
+                <a:latin typeface="+mn-lt"/>
+                <a:ea typeface="+mn-ea"/>
+                <a:cs typeface="+mn-cs"/>
+              </a:defRPr>
+            </a:lvl6pPr>
+            <a:lvl7pPr marL="2971800" indent="-228600" algn="l" defTabSz="914400" rtl="0" eaLnBrk="1" latinLnBrk="0" hangingPunct="1">
+              <a:lnSpc>
+                <a:spcPct val="90000"/>
+              </a:lnSpc>
+              <a:spcBef>
+                <a:spcPts val="500"/>
+              </a:spcBef>
+              <a:buFont typeface="Arial" panose="020B0604020202020204" pitchFamily="34" charset="0"/>
+              <a:buChar char="•"/>
+              <a:defRPr sz="1800" kern="1200">
+                <a:solidFill>
+                  <a:schemeClr val="tx1"/>
+                </a:solidFill>
+                <a:latin typeface="+mn-lt"/>
+                <a:ea typeface="+mn-ea"/>
+                <a:cs typeface="+mn-cs"/>
+              </a:defRPr>
+            </a:lvl7pPr>
+            <a:lvl8pPr marL="3429000" indent="-228600" algn="l" defTabSz="914400" rtl="0" eaLnBrk="1" latinLnBrk="0" hangingPunct="1">
+              <a:lnSpc>
+                <a:spcPct val="90000"/>
+              </a:lnSpc>
+              <a:spcBef>
+                <a:spcPts val="500"/>
+              </a:spcBef>
+              <a:buFont typeface="Arial" panose="020B0604020202020204" pitchFamily="34" charset="0"/>
+              <a:buChar char="•"/>
+              <a:defRPr sz="1800" kern="1200">
+                <a:solidFill>
+                  <a:schemeClr val="tx1"/>
+                </a:solidFill>
+                <a:latin typeface="+mn-lt"/>
+                <a:ea typeface="+mn-ea"/>
+                <a:cs typeface="+mn-cs"/>
+              </a:defRPr>
+            </a:lvl8pPr>
+            <a:lvl9pPr marL="3886200" indent="-228600" algn="l" defTabSz="914400" rtl="0" eaLnBrk="1" latinLnBrk="0" hangingPunct="1">
+              <a:lnSpc>
+                <a:spcPct val="90000"/>
+              </a:lnSpc>
+              <a:spcBef>
+                <a:spcPts val="500"/>
+              </a:spcBef>
+              <a:buFont typeface="Arial" panose="020B0604020202020204" pitchFamily="34" charset="0"/>
+              <a:buChar char="•"/>
+              <a:defRPr sz="1800" kern="1200">
+                <a:solidFill>
+                  <a:schemeClr val="tx1"/>
+                </a:solidFill>
+                <a:latin typeface="+mn-lt"/>
+                <a:ea typeface="+mn-ea"/>
+                <a:cs typeface="+mn-cs"/>
+              </a:defRPr>
+            </a:lvl9pPr>
+          </a:lstStyle>
+          <a:p>
+            <a:pPr marL="0" indent="0">
+              <a:lnSpc>
+                <a:spcPct val="100000"/>
+              </a:lnSpc>
+              <a:spcBef>
+                <a:spcPts val="600"/>
+              </a:spcBef>
+              <a:buNone/>
+            </a:pPr>
+            <a:r>
+              <a:rPr lang="nl-NL" sz="2000" dirty="0"/>
+              <a:t>Gebruik een standaard </a:t>
+            </a:r>
+            <a:r>
+              <a:rPr lang="nl-NL" sz="2000" dirty="0">
+                <a:solidFill>
+                  <a:schemeClr val="accent5">
+                    <a:lumMod val="75000"/>
+                  </a:schemeClr>
+                </a:solidFill>
+                <a:latin typeface="Courier New" panose="02070309020205020404" pitchFamily="49" charset="0"/>
+                <a:cs typeface="Courier New" panose="02070309020205020404" pitchFamily="49" charset="0"/>
+              </a:rPr>
+              <a:t>INSERT </a:t>
+            </a:r>
+            <a:r>
+              <a:rPr lang="nl-NL" sz="2000" dirty="0"/>
+              <a:t>statement.</a:t>
+            </a:r>
+          </a:p>
+          <a:p>
+            <a:pPr marL="0" indent="0">
+              <a:lnSpc>
+                <a:spcPct val="100000"/>
+              </a:lnSpc>
+              <a:spcBef>
+                <a:spcPts val="600"/>
+              </a:spcBef>
+              <a:buNone/>
+            </a:pPr>
+            <a:endParaRPr lang="nl-NL" sz="2000" dirty="0"/>
+          </a:p>
+          <a:p>
+            <a:pPr marL="0" indent="0">
+              <a:lnSpc>
+                <a:spcPct val="100000"/>
+              </a:lnSpc>
+              <a:spcBef>
+                <a:spcPts val="600"/>
+              </a:spcBef>
+              <a:buNone/>
+            </a:pPr>
+            <a:r>
+              <a:rPr lang="nl-NL" sz="2000" dirty="0"/>
+              <a:t>Geef met </a:t>
+            </a:r>
+            <a:r>
+              <a:rPr lang="nl-NL" sz="2000" dirty="0">
+                <a:solidFill>
+                  <a:schemeClr val="accent5">
+                    <a:lumMod val="75000"/>
+                  </a:schemeClr>
+                </a:solidFill>
+                <a:latin typeface="Courier New" panose="02070309020205020404" pitchFamily="49" charset="0"/>
+                <a:cs typeface="Courier New" panose="02070309020205020404" pitchFamily="49" charset="0"/>
+              </a:rPr>
+              <a:t>ON CONFLICT</a:t>
+            </a:r>
+            <a:r>
+              <a:rPr lang="nl-NL" sz="2000" dirty="0"/>
+              <a:t> op welke kolommen niet mogen conflicteren.</a:t>
+            </a:r>
+          </a:p>
+          <a:p>
+            <a:pPr marL="0" indent="0">
+              <a:lnSpc>
+                <a:spcPct val="100000"/>
+              </a:lnSpc>
+              <a:spcBef>
+                <a:spcPts val="600"/>
+              </a:spcBef>
+              <a:buNone/>
+            </a:pPr>
+            <a:endParaRPr lang="nl-NL" sz="2000" dirty="0"/>
+          </a:p>
+          <a:p>
+            <a:pPr marL="0" indent="0">
+              <a:lnSpc>
+                <a:spcPct val="100000"/>
+              </a:lnSpc>
+              <a:spcBef>
+                <a:spcPts val="600"/>
+              </a:spcBef>
+              <a:buNone/>
+            </a:pPr>
+            <a:r>
+              <a:rPr lang="nl-NL" sz="2000" dirty="0"/>
+              <a:t>Geef bij </a:t>
+            </a:r>
+            <a:r>
+              <a:rPr lang="nl-NL" sz="2000" dirty="0">
+                <a:solidFill>
+                  <a:schemeClr val="accent5">
+                    <a:lumMod val="75000"/>
+                  </a:schemeClr>
+                </a:solidFill>
+                <a:latin typeface="Courier New" panose="02070309020205020404" pitchFamily="49" charset="0"/>
+                <a:cs typeface="Courier New" panose="02070309020205020404" pitchFamily="49" charset="0"/>
+              </a:rPr>
+              <a:t>DO</a:t>
+            </a:r>
+            <a:r>
+              <a:rPr lang="nl-NL" sz="2000" dirty="0"/>
+              <a:t> aan wat er bij conflicten moet gebeuren; </a:t>
+            </a:r>
+            <a:r>
+              <a:rPr lang="nl-NL" sz="2000" dirty="0">
+                <a:solidFill>
+                  <a:schemeClr val="accent5">
+                    <a:lumMod val="75000"/>
+                  </a:schemeClr>
+                </a:solidFill>
+                <a:latin typeface="Courier New" panose="02070309020205020404" pitchFamily="49" charset="0"/>
+                <a:cs typeface="Courier New" panose="02070309020205020404" pitchFamily="49" charset="0"/>
+              </a:rPr>
+              <a:t>NOTHING</a:t>
+            </a:r>
+            <a:r>
+              <a:rPr lang="nl-NL" sz="2000" dirty="0"/>
+              <a:t> of </a:t>
+            </a:r>
+            <a:r>
+              <a:rPr lang="nl-NL" sz="2000" dirty="0">
+                <a:solidFill>
+                  <a:schemeClr val="accent5">
+                    <a:lumMod val="75000"/>
+                  </a:schemeClr>
+                </a:solidFill>
+                <a:latin typeface="Courier New" panose="02070309020205020404" pitchFamily="49" charset="0"/>
+                <a:cs typeface="Courier New" panose="02070309020205020404" pitchFamily="49" charset="0"/>
+              </a:rPr>
+              <a:t>UPDATE</a:t>
+            </a:r>
+            <a:r>
+              <a:rPr lang="nl-NL" sz="2000" dirty="0"/>
+              <a:t>.</a:t>
+            </a:r>
+          </a:p>
+          <a:p>
+            <a:pPr marL="0" indent="0">
+              <a:lnSpc>
+                <a:spcPct val="100000"/>
+              </a:lnSpc>
+              <a:spcBef>
+                <a:spcPts val="600"/>
+              </a:spcBef>
+              <a:buNone/>
+            </a:pPr>
+            <a:endParaRPr lang="nl-NL" sz="2000" dirty="0"/>
+          </a:p>
+          <a:p>
+            <a:pPr marL="0" indent="0">
+              <a:lnSpc>
+                <a:spcPct val="100000"/>
+              </a:lnSpc>
+              <a:spcBef>
+                <a:spcPts val="600"/>
+              </a:spcBef>
+              <a:buNone/>
+            </a:pPr>
+            <a:r>
+              <a:rPr lang="nl-NL" sz="2000" dirty="0"/>
+              <a:t>Geef met </a:t>
+            </a:r>
+            <a:r>
+              <a:rPr lang="nl-NL" sz="2000" dirty="0">
+                <a:solidFill>
+                  <a:schemeClr val="accent5">
+                    <a:lumMod val="75000"/>
+                  </a:schemeClr>
+                </a:solidFill>
+                <a:latin typeface="Courier New" panose="02070309020205020404" pitchFamily="49" charset="0"/>
+                <a:cs typeface="Courier New" panose="02070309020205020404" pitchFamily="49" charset="0"/>
+              </a:rPr>
+              <a:t>SET</a:t>
+            </a:r>
+            <a:r>
+              <a:rPr lang="nl-NL" sz="2000" dirty="0"/>
+              <a:t> aan welke kolommen bijgewerkt moeten worden.</a:t>
+            </a:r>
+          </a:p>
+          <a:p>
+            <a:pPr marL="0" indent="0">
+              <a:lnSpc>
+                <a:spcPct val="100000"/>
+              </a:lnSpc>
+              <a:spcBef>
+                <a:spcPts val="600"/>
+              </a:spcBef>
+              <a:buNone/>
+            </a:pPr>
+            <a:endParaRPr lang="nl-NL" sz="2000" dirty="0"/>
+          </a:p>
+          <a:p>
+            <a:pPr marL="0" indent="0">
+              <a:lnSpc>
+                <a:spcPct val="100000"/>
+              </a:lnSpc>
+              <a:spcBef>
+                <a:spcPts val="600"/>
+              </a:spcBef>
+              <a:buNone/>
+            </a:pPr>
+            <a:endParaRPr lang="nl-NL" sz="2000" dirty="0"/>
+          </a:p>
+        </p:txBody>
+      </p:sp>
+      <p:cxnSp>
+        <p:nvCxnSpPr>
+          <p:cNvPr id="6" name="Straight Connector 5">
+            <a:extLst>
+              <a:ext uri="{FF2B5EF4-FFF2-40B4-BE49-F238E27FC236}">
+                <a16:creationId xmlns:a16="http://schemas.microsoft.com/office/drawing/2014/main" id="{ED027DA2-6E66-754C-3982-D9BF1803B4EB}"/>
+              </a:ext>
+            </a:extLst>
+          </p:cNvPr>
+          <p:cNvCxnSpPr/>
+          <p:nvPr/>
+        </p:nvCxnSpPr>
+        <p:spPr>
+          <a:xfrm>
+            <a:off x="6096000" y="1864311"/>
+            <a:ext cx="0" cy="4351338"/>
+          </a:xfrm>
+          <a:prstGeom prst="line">
+            <a:avLst/>
+          </a:prstGeom>
+        </p:spPr>
+        <p:style>
+          <a:lnRef idx="3">
+            <a:schemeClr val="dk1"/>
+          </a:lnRef>
+          <a:fillRef idx="0">
+            <a:schemeClr val="dk1"/>
+          </a:fillRef>
+          <a:effectRef idx="2">
+            <a:schemeClr val="dk1"/>
+          </a:effectRef>
+          <a:fontRef idx="minor">
+            <a:schemeClr val="tx1"/>
+          </a:fontRef>
+        </p:style>
+      </p:cxnSp>
+    </p:spTree>
+    <p:extLst>
+      <p:ext uri="{BB962C8B-B14F-4D97-AF65-F5344CB8AC3E}">
+        <p14:creationId xmlns:p14="http://schemas.microsoft.com/office/powerpoint/2010/main" val="968438516"/>
       </p:ext>
     </p:extLst>
   </p:cSld>
@@ -41360,6 +47877,2594 @@
     <p:extLst>
       <p:ext uri="{BB962C8B-B14F-4D97-AF65-F5344CB8AC3E}">
         <p14:creationId xmlns:p14="http://schemas.microsoft.com/office/powerpoint/2010/main" val="3913380629"/>
+      </p:ext>
+    </p:extLst>
+  </p:cSld>
+  <p:clrMapOvr>
+    <a:masterClrMapping/>
+  </p:clrMapOvr>
+</p:sld>
+</file>
+
+<file path=ppt/slides/slide60.xml><?xml version="1.0" encoding="utf-8"?>
+<p:sld xmlns:a="http://schemas.openxmlformats.org/drawingml/2006/main" xmlns:r="http://schemas.openxmlformats.org/officeDocument/2006/relationships" xmlns:p="http://schemas.openxmlformats.org/presentationml/2006/main">
+  <p:cSld>
+    <p:spTree>
+      <p:nvGrpSpPr>
+        <p:cNvPr id="1" name="">
+          <a:extLst>
+            <a:ext uri="{FF2B5EF4-FFF2-40B4-BE49-F238E27FC236}">
+              <a16:creationId xmlns:a16="http://schemas.microsoft.com/office/drawing/2014/main" id="{EF1F9625-5601-6E9C-8DD4-CAE2317EC125}"/>
+            </a:ext>
+          </a:extLst>
+        </p:cNvPr>
+        <p:cNvGrpSpPr/>
+        <p:nvPr/>
+      </p:nvGrpSpPr>
+      <p:grpSpPr>
+        <a:xfrm>
+          <a:off x="0" y="0"/>
+          <a:ext cx="0" cy="0"/>
+          <a:chOff x="0" y="0"/>
+          <a:chExt cx="0" cy="0"/>
+        </a:xfrm>
+      </p:grpSpPr>
+      <p:sp>
+        <p:nvSpPr>
+          <p:cNvPr id="2" name="Title 1">
+            <a:extLst>
+              <a:ext uri="{FF2B5EF4-FFF2-40B4-BE49-F238E27FC236}">
+                <a16:creationId xmlns:a16="http://schemas.microsoft.com/office/drawing/2014/main" id="{E0C74116-1430-492A-3D7B-B23074363F20}"/>
+              </a:ext>
+            </a:extLst>
+          </p:cNvPr>
+          <p:cNvSpPr>
+            <a:spLocks noGrp="1"/>
+          </p:cNvSpPr>
+          <p:nvPr>
+            <p:ph type="title"/>
+          </p:nvPr>
+        </p:nvSpPr>
+        <p:spPr/>
+        <p:txBody>
+          <a:bodyPr>
+            <a:normAutofit/>
+          </a:bodyPr>
+          <a:lstStyle/>
+          <a:p>
+            <a:r>
+              <a:rPr lang="nl-NL" sz="3600" dirty="0"/>
+              <a:t>Toevoegen of wijzigen</a:t>
+            </a:r>
+          </a:p>
+        </p:txBody>
+      </p:sp>
+      <p:sp>
+        <p:nvSpPr>
+          <p:cNvPr id="3" name="Content Placeholder 2">
+            <a:extLst>
+              <a:ext uri="{FF2B5EF4-FFF2-40B4-BE49-F238E27FC236}">
+                <a16:creationId xmlns:a16="http://schemas.microsoft.com/office/drawing/2014/main" id="{AC23C9A6-DDE2-3BE4-F450-2B2FD4D9EA3C}"/>
+              </a:ext>
+            </a:extLst>
+          </p:cNvPr>
+          <p:cNvSpPr>
+            <a:spLocks noGrp="1"/>
+          </p:cNvSpPr>
+          <p:nvPr>
+            <p:ph idx="1"/>
+          </p:nvPr>
+        </p:nvSpPr>
+        <p:spPr>
+          <a:xfrm>
+            <a:off x="838201" y="1825625"/>
+            <a:ext cx="5030367" cy="4351338"/>
+          </a:xfrm>
+        </p:spPr>
+        <p:txBody>
+          <a:bodyPr>
+            <a:normAutofit/>
+          </a:bodyPr>
+          <a:lstStyle/>
+          <a:p>
+            <a:pPr marL="0" indent="0">
+              <a:lnSpc>
+                <a:spcPct val="100000"/>
+              </a:lnSpc>
+              <a:spcBef>
+                <a:spcPts val="600"/>
+              </a:spcBef>
+              <a:buNone/>
+            </a:pPr>
+            <a:r>
+              <a:rPr lang="nl-NL" sz="1800" dirty="0">
+                <a:solidFill>
+                  <a:schemeClr val="accent5">
+                    <a:lumMod val="75000"/>
+                  </a:schemeClr>
+                </a:solidFill>
+                <a:latin typeface="Courier New" panose="02070309020205020404" pitchFamily="49" charset="0"/>
+                <a:cs typeface="Courier New" panose="02070309020205020404" pitchFamily="49" charset="0"/>
+              </a:rPr>
+              <a:t>INSERT INTO</a:t>
+            </a:r>
+            <a:r>
+              <a:rPr lang="nl-NL" sz="1800" dirty="0">
+                <a:latin typeface="Courier New" panose="02070309020205020404" pitchFamily="49" charset="0"/>
+                <a:cs typeface="Courier New" panose="02070309020205020404" pitchFamily="49" charset="0"/>
+              </a:rPr>
+              <a:t> Klanten</a:t>
+            </a:r>
+          </a:p>
+          <a:p>
+            <a:pPr marL="0" indent="0">
+              <a:lnSpc>
+                <a:spcPct val="100000"/>
+              </a:lnSpc>
+              <a:spcBef>
+                <a:spcPts val="600"/>
+              </a:spcBef>
+              <a:buNone/>
+            </a:pPr>
+            <a:r>
+              <a:rPr lang="nl-NL" sz="1800" dirty="0">
+                <a:latin typeface="Courier New" panose="02070309020205020404" pitchFamily="49" charset="0"/>
+                <a:cs typeface="Courier New" panose="02070309020205020404" pitchFamily="49" charset="0"/>
+              </a:rPr>
+              <a:t>  (Naam, Achternaam, Leeftijd)</a:t>
+            </a:r>
+          </a:p>
+          <a:p>
+            <a:pPr marL="0" indent="0">
+              <a:lnSpc>
+                <a:spcPct val="100000"/>
+              </a:lnSpc>
+              <a:spcBef>
+                <a:spcPts val="600"/>
+              </a:spcBef>
+              <a:buNone/>
+            </a:pPr>
+            <a:r>
+              <a:rPr lang="nl-NL" sz="1800" dirty="0">
+                <a:solidFill>
+                  <a:schemeClr val="accent5">
+                    <a:lumMod val="75000"/>
+                  </a:schemeClr>
+                </a:solidFill>
+                <a:latin typeface="Courier New" panose="02070309020205020404" pitchFamily="49" charset="0"/>
+                <a:cs typeface="Courier New" panose="02070309020205020404" pitchFamily="49" charset="0"/>
+              </a:rPr>
+              <a:t>VALUES</a:t>
+            </a:r>
+            <a:endParaRPr lang="nl-NL" sz="1800" dirty="0">
+              <a:latin typeface="Courier New" panose="02070309020205020404" pitchFamily="49" charset="0"/>
+              <a:cs typeface="Courier New" panose="02070309020205020404" pitchFamily="49" charset="0"/>
+            </a:endParaRPr>
+          </a:p>
+          <a:p>
+            <a:pPr marL="0" indent="0">
+              <a:lnSpc>
+                <a:spcPct val="100000"/>
+              </a:lnSpc>
+              <a:spcBef>
+                <a:spcPts val="600"/>
+              </a:spcBef>
+              <a:buNone/>
+            </a:pPr>
+            <a:r>
+              <a:rPr lang="nl-NL" sz="1800" dirty="0">
+                <a:latin typeface="Courier New" panose="02070309020205020404" pitchFamily="49" charset="0"/>
+                <a:cs typeface="Courier New" panose="02070309020205020404" pitchFamily="49" charset="0"/>
+              </a:rPr>
+              <a:t>  (</a:t>
+            </a:r>
+            <a:r>
+              <a:rPr lang="nl-NL" sz="1800" dirty="0">
+                <a:solidFill>
+                  <a:srgbClr val="C00000"/>
+                </a:solidFill>
+                <a:latin typeface="Courier New" panose="02070309020205020404" pitchFamily="49" charset="0"/>
+                <a:cs typeface="Courier New" panose="02070309020205020404" pitchFamily="49" charset="0"/>
+              </a:rPr>
+              <a:t>'Zoë'</a:t>
+            </a:r>
+            <a:r>
+              <a:rPr lang="nl-NL" sz="1800" dirty="0">
+                <a:latin typeface="Courier New" panose="02070309020205020404" pitchFamily="49" charset="0"/>
+                <a:cs typeface="Courier New" panose="02070309020205020404" pitchFamily="49" charset="0"/>
+              </a:rPr>
+              <a:t>, </a:t>
+            </a:r>
+            <a:r>
+              <a:rPr lang="nl-NL" sz="1800" dirty="0">
+                <a:solidFill>
+                  <a:srgbClr val="C00000"/>
+                </a:solidFill>
+                <a:latin typeface="Courier New" panose="02070309020205020404" pitchFamily="49" charset="0"/>
+                <a:cs typeface="Courier New" panose="02070309020205020404" pitchFamily="49" charset="0"/>
+              </a:rPr>
+              <a:t>'Nieuw'</a:t>
+            </a:r>
+            <a:r>
+              <a:rPr lang="nl-NL" sz="1800" dirty="0">
+                <a:latin typeface="Courier New" panose="02070309020205020404" pitchFamily="49" charset="0"/>
+                <a:cs typeface="Courier New" panose="02070309020205020404" pitchFamily="49" charset="0"/>
+              </a:rPr>
+              <a:t>, 54),</a:t>
+            </a:r>
+          </a:p>
+          <a:p>
+            <a:pPr marL="0" indent="0">
+              <a:lnSpc>
+                <a:spcPct val="100000"/>
+              </a:lnSpc>
+              <a:spcBef>
+                <a:spcPts val="600"/>
+              </a:spcBef>
+              <a:buNone/>
+            </a:pPr>
+            <a:r>
+              <a:rPr lang="nl-NL" sz="1800" dirty="0">
+                <a:latin typeface="Courier New" panose="02070309020205020404" pitchFamily="49" charset="0"/>
+                <a:cs typeface="Courier New" panose="02070309020205020404" pitchFamily="49" charset="0"/>
+              </a:rPr>
+              <a:t>  (</a:t>
+            </a:r>
+            <a:r>
+              <a:rPr lang="nl-NL" sz="1800" dirty="0">
+                <a:solidFill>
+                  <a:srgbClr val="C00000"/>
+                </a:solidFill>
+                <a:latin typeface="Courier New" panose="02070309020205020404" pitchFamily="49" charset="0"/>
+                <a:cs typeface="Courier New" panose="02070309020205020404" pitchFamily="49" charset="0"/>
+              </a:rPr>
+              <a:t>'Ingrid'</a:t>
+            </a:r>
+            <a:r>
+              <a:rPr lang="nl-NL" sz="1800" dirty="0">
+                <a:latin typeface="Courier New" panose="02070309020205020404" pitchFamily="49" charset="0"/>
+                <a:cs typeface="Courier New" panose="02070309020205020404" pitchFamily="49" charset="0"/>
+              </a:rPr>
+              <a:t>, </a:t>
+            </a:r>
+            <a:r>
+              <a:rPr lang="nl-NL" sz="1800" dirty="0">
+                <a:solidFill>
+                  <a:srgbClr val="C00000"/>
+                </a:solidFill>
+                <a:latin typeface="Courier New" panose="02070309020205020404" pitchFamily="49" charset="0"/>
+                <a:cs typeface="Courier New" panose="02070309020205020404" pitchFamily="49" charset="0"/>
+              </a:rPr>
+              <a:t>'Jansen'</a:t>
+            </a:r>
+            <a:r>
+              <a:rPr lang="nl-NL" sz="1800" dirty="0">
+                <a:latin typeface="Courier New" panose="02070309020205020404" pitchFamily="49" charset="0"/>
+                <a:cs typeface="Courier New" panose="02070309020205020404" pitchFamily="49" charset="0"/>
+              </a:rPr>
+              <a:t>, 33)</a:t>
+            </a:r>
+          </a:p>
+          <a:p>
+            <a:pPr marL="0" indent="0">
+              <a:lnSpc>
+                <a:spcPct val="100000"/>
+              </a:lnSpc>
+              <a:spcBef>
+                <a:spcPts val="600"/>
+              </a:spcBef>
+              <a:buNone/>
+            </a:pPr>
+            <a:r>
+              <a:rPr lang="nl-NL" sz="1800" dirty="0">
+                <a:solidFill>
+                  <a:schemeClr val="accent5">
+                    <a:lumMod val="75000"/>
+                  </a:schemeClr>
+                </a:solidFill>
+                <a:latin typeface="Courier New" panose="02070309020205020404" pitchFamily="49" charset="0"/>
+                <a:cs typeface="Courier New" panose="02070309020205020404" pitchFamily="49" charset="0"/>
+              </a:rPr>
+              <a:t>ON CONFLICT </a:t>
+            </a:r>
+            <a:r>
+              <a:rPr lang="nl-NL" sz="1800" dirty="0">
+                <a:latin typeface="Courier New" panose="02070309020205020404" pitchFamily="49" charset="0"/>
+                <a:cs typeface="Courier New" panose="02070309020205020404" pitchFamily="49" charset="0"/>
+              </a:rPr>
+              <a:t>(Naam, Achternaam)</a:t>
+            </a:r>
+          </a:p>
+          <a:p>
+            <a:pPr marL="0" indent="0">
+              <a:lnSpc>
+                <a:spcPct val="100000"/>
+              </a:lnSpc>
+              <a:spcBef>
+                <a:spcPts val="600"/>
+              </a:spcBef>
+              <a:buNone/>
+            </a:pPr>
+            <a:r>
+              <a:rPr lang="nl-NL" sz="1800" dirty="0">
+                <a:solidFill>
+                  <a:schemeClr val="accent5">
+                    <a:lumMod val="75000"/>
+                  </a:schemeClr>
+                </a:solidFill>
+                <a:latin typeface="Courier New" panose="02070309020205020404" pitchFamily="49" charset="0"/>
+                <a:cs typeface="Courier New" panose="02070309020205020404" pitchFamily="49" charset="0"/>
+              </a:rPr>
+              <a:t>DO UPDATE</a:t>
+            </a:r>
+          </a:p>
+          <a:p>
+            <a:pPr marL="0" indent="0">
+              <a:lnSpc>
+                <a:spcPct val="100000"/>
+              </a:lnSpc>
+              <a:spcBef>
+                <a:spcPts val="600"/>
+              </a:spcBef>
+              <a:buNone/>
+            </a:pPr>
+            <a:r>
+              <a:rPr lang="nl-NL" sz="1800" dirty="0">
+                <a:solidFill>
+                  <a:schemeClr val="accent5">
+                    <a:lumMod val="75000"/>
+                  </a:schemeClr>
+                </a:solidFill>
+                <a:latin typeface="Courier New" panose="02070309020205020404" pitchFamily="49" charset="0"/>
+                <a:cs typeface="Courier New" panose="02070309020205020404" pitchFamily="49" charset="0"/>
+              </a:rPr>
+              <a:t>SET</a:t>
+            </a:r>
+            <a:r>
+              <a:rPr lang="nl-NL" sz="1800" dirty="0">
+                <a:latin typeface="Courier New" panose="02070309020205020404" pitchFamily="49" charset="0"/>
+                <a:cs typeface="Courier New" panose="02070309020205020404" pitchFamily="49" charset="0"/>
+              </a:rPr>
+              <a:t> Leeftijd = </a:t>
+            </a:r>
+            <a:r>
+              <a:rPr lang="nl-NL" sz="1800" dirty="0" err="1">
+                <a:latin typeface="Courier New" panose="02070309020205020404" pitchFamily="49" charset="0"/>
+                <a:cs typeface="Courier New" panose="02070309020205020404" pitchFamily="49" charset="0"/>
+              </a:rPr>
+              <a:t>excluded.Leeftijd</a:t>
+            </a:r>
+            <a:endParaRPr lang="nl-NL" sz="1800" dirty="0">
+              <a:latin typeface="Courier New" panose="02070309020205020404" pitchFamily="49" charset="0"/>
+              <a:cs typeface="Courier New" panose="02070309020205020404" pitchFamily="49" charset="0"/>
+            </a:endParaRPr>
+          </a:p>
+          <a:p>
+            <a:pPr marL="0" indent="0">
+              <a:lnSpc>
+                <a:spcPct val="100000"/>
+              </a:lnSpc>
+              <a:spcBef>
+                <a:spcPts val="600"/>
+              </a:spcBef>
+              <a:buNone/>
+            </a:pPr>
+            <a:r>
+              <a:rPr lang="nl-NL" sz="1800" dirty="0">
+                <a:latin typeface="Courier New" panose="02070309020205020404" pitchFamily="49" charset="0"/>
+                <a:cs typeface="Courier New" panose="02070309020205020404" pitchFamily="49" charset="0"/>
+              </a:rPr>
+              <a:t>;</a:t>
+            </a:r>
+          </a:p>
+          <a:p>
+            <a:pPr marL="0" indent="0">
+              <a:lnSpc>
+                <a:spcPct val="100000"/>
+              </a:lnSpc>
+              <a:spcBef>
+                <a:spcPts val="600"/>
+              </a:spcBef>
+              <a:buNone/>
+            </a:pPr>
+            <a:endParaRPr lang="nl-NL" sz="1800" dirty="0">
+              <a:latin typeface="Courier New" panose="02070309020205020404" pitchFamily="49" charset="0"/>
+              <a:cs typeface="Courier New" panose="02070309020205020404" pitchFamily="49" charset="0"/>
+            </a:endParaRPr>
+          </a:p>
+          <a:p>
+            <a:pPr marL="0" indent="0">
+              <a:lnSpc>
+                <a:spcPct val="100000"/>
+              </a:lnSpc>
+              <a:spcBef>
+                <a:spcPts val="600"/>
+              </a:spcBef>
+              <a:buNone/>
+            </a:pPr>
+            <a:endParaRPr lang="nl-NL" sz="1800" dirty="0">
+              <a:latin typeface="Courier New" panose="02070309020205020404" pitchFamily="49" charset="0"/>
+              <a:cs typeface="Courier New" panose="02070309020205020404" pitchFamily="49" charset="0"/>
+            </a:endParaRPr>
+          </a:p>
+          <a:p>
+            <a:pPr marL="0" indent="0">
+              <a:lnSpc>
+                <a:spcPct val="100000"/>
+              </a:lnSpc>
+              <a:spcBef>
+                <a:spcPts val="600"/>
+              </a:spcBef>
+              <a:buNone/>
+            </a:pPr>
+            <a:endParaRPr lang="nl-NL" sz="1800" dirty="0">
+              <a:latin typeface="Courier New" panose="02070309020205020404" pitchFamily="49" charset="0"/>
+              <a:cs typeface="Courier New" panose="02070309020205020404" pitchFamily="49" charset="0"/>
+            </a:endParaRPr>
+          </a:p>
+        </p:txBody>
+      </p:sp>
+      <p:sp>
+        <p:nvSpPr>
+          <p:cNvPr id="5" name="Content Placeholder 2">
+            <a:extLst>
+              <a:ext uri="{FF2B5EF4-FFF2-40B4-BE49-F238E27FC236}">
+                <a16:creationId xmlns:a16="http://schemas.microsoft.com/office/drawing/2014/main" id="{AF1F7926-1A27-9F54-36C2-203C723AF562}"/>
+              </a:ext>
+            </a:extLst>
+          </p:cNvPr>
+          <p:cNvSpPr txBox="1">
+            <a:spLocks/>
+          </p:cNvSpPr>
+          <p:nvPr/>
+        </p:nvSpPr>
+        <p:spPr>
+          <a:xfrm>
+            <a:off x="6323428" y="1825625"/>
+            <a:ext cx="5030371" cy="4351338"/>
+          </a:xfrm>
+          <a:prstGeom prst="rect">
+            <a:avLst/>
+          </a:prstGeom>
+        </p:spPr>
+        <p:txBody>
+          <a:bodyPr vert="horz" lIns="91440" tIns="45720" rIns="91440" bIns="45720" rtlCol="0">
+            <a:normAutofit/>
+          </a:bodyPr>
+          <a:lstStyle>
+            <a:lvl1pPr marL="228600" indent="-228600" algn="l" defTabSz="914400" rtl="0" eaLnBrk="1" latinLnBrk="0" hangingPunct="1">
+              <a:lnSpc>
+                <a:spcPct val="90000"/>
+              </a:lnSpc>
+              <a:spcBef>
+                <a:spcPts val="1000"/>
+              </a:spcBef>
+              <a:buFont typeface="Arial" panose="020B0604020202020204" pitchFamily="34" charset="0"/>
+              <a:buChar char="•"/>
+              <a:defRPr sz="2800" kern="1200">
+                <a:solidFill>
+                  <a:schemeClr val="tx1"/>
+                </a:solidFill>
+                <a:latin typeface="+mn-lt"/>
+                <a:ea typeface="+mn-ea"/>
+                <a:cs typeface="+mn-cs"/>
+              </a:defRPr>
+            </a:lvl1pPr>
+            <a:lvl2pPr marL="685800" indent="-228600" algn="l" defTabSz="914400" rtl="0" eaLnBrk="1" latinLnBrk="0" hangingPunct="1">
+              <a:lnSpc>
+                <a:spcPct val="90000"/>
+              </a:lnSpc>
+              <a:spcBef>
+                <a:spcPts val="500"/>
+              </a:spcBef>
+              <a:buFont typeface="Arial" panose="020B0604020202020204" pitchFamily="34" charset="0"/>
+              <a:buChar char="•"/>
+              <a:defRPr sz="2400" kern="1200">
+                <a:solidFill>
+                  <a:schemeClr val="tx1"/>
+                </a:solidFill>
+                <a:latin typeface="+mn-lt"/>
+                <a:ea typeface="+mn-ea"/>
+                <a:cs typeface="+mn-cs"/>
+              </a:defRPr>
+            </a:lvl2pPr>
+            <a:lvl3pPr marL="1143000" indent="-228600" algn="l" defTabSz="914400" rtl="0" eaLnBrk="1" latinLnBrk="0" hangingPunct="1">
+              <a:lnSpc>
+                <a:spcPct val="90000"/>
+              </a:lnSpc>
+              <a:spcBef>
+                <a:spcPts val="500"/>
+              </a:spcBef>
+              <a:buFont typeface="Arial" panose="020B0604020202020204" pitchFamily="34" charset="0"/>
+              <a:buChar char="•"/>
+              <a:defRPr sz="2000" kern="1200">
+                <a:solidFill>
+                  <a:schemeClr val="tx1"/>
+                </a:solidFill>
+                <a:latin typeface="+mn-lt"/>
+                <a:ea typeface="+mn-ea"/>
+                <a:cs typeface="+mn-cs"/>
+              </a:defRPr>
+            </a:lvl3pPr>
+            <a:lvl4pPr marL="1600200" indent="-228600" algn="l" defTabSz="914400" rtl="0" eaLnBrk="1" latinLnBrk="0" hangingPunct="1">
+              <a:lnSpc>
+                <a:spcPct val="90000"/>
+              </a:lnSpc>
+              <a:spcBef>
+                <a:spcPts val="500"/>
+              </a:spcBef>
+              <a:buFont typeface="Arial" panose="020B0604020202020204" pitchFamily="34" charset="0"/>
+              <a:buChar char="•"/>
+              <a:defRPr sz="1800" kern="1200">
+                <a:solidFill>
+                  <a:schemeClr val="tx1"/>
+                </a:solidFill>
+                <a:latin typeface="+mn-lt"/>
+                <a:ea typeface="+mn-ea"/>
+                <a:cs typeface="+mn-cs"/>
+              </a:defRPr>
+            </a:lvl4pPr>
+            <a:lvl5pPr marL="2057400" indent="-228600" algn="l" defTabSz="914400" rtl="0" eaLnBrk="1" latinLnBrk="0" hangingPunct="1">
+              <a:lnSpc>
+                <a:spcPct val="90000"/>
+              </a:lnSpc>
+              <a:spcBef>
+                <a:spcPts val="500"/>
+              </a:spcBef>
+              <a:buFont typeface="Arial" panose="020B0604020202020204" pitchFamily="34" charset="0"/>
+              <a:buChar char="•"/>
+              <a:defRPr sz="1800" kern="1200">
+                <a:solidFill>
+                  <a:schemeClr val="tx1"/>
+                </a:solidFill>
+                <a:latin typeface="+mn-lt"/>
+                <a:ea typeface="+mn-ea"/>
+                <a:cs typeface="+mn-cs"/>
+              </a:defRPr>
+            </a:lvl5pPr>
+            <a:lvl6pPr marL="2514600" indent="-228600" algn="l" defTabSz="914400" rtl="0" eaLnBrk="1" latinLnBrk="0" hangingPunct="1">
+              <a:lnSpc>
+                <a:spcPct val="90000"/>
+              </a:lnSpc>
+              <a:spcBef>
+                <a:spcPts val="500"/>
+              </a:spcBef>
+              <a:buFont typeface="Arial" panose="020B0604020202020204" pitchFamily="34" charset="0"/>
+              <a:buChar char="•"/>
+              <a:defRPr sz="1800" kern="1200">
+                <a:solidFill>
+                  <a:schemeClr val="tx1"/>
+                </a:solidFill>
+                <a:latin typeface="+mn-lt"/>
+                <a:ea typeface="+mn-ea"/>
+                <a:cs typeface="+mn-cs"/>
+              </a:defRPr>
+            </a:lvl6pPr>
+            <a:lvl7pPr marL="2971800" indent="-228600" algn="l" defTabSz="914400" rtl="0" eaLnBrk="1" latinLnBrk="0" hangingPunct="1">
+              <a:lnSpc>
+                <a:spcPct val="90000"/>
+              </a:lnSpc>
+              <a:spcBef>
+                <a:spcPts val="500"/>
+              </a:spcBef>
+              <a:buFont typeface="Arial" panose="020B0604020202020204" pitchFamily="34" charset="0"/>
+              <a:buChar char="•"/>
+              <a:defRPr sz="1800" kern="1200">
+                <a:solidFill>
+                  <a:schemeClr val="tx1"/>
+                </a:solidFill>
+                <a:latin typeface="+mn-lt"/>
+                <a:ea typeface="+mn-ea"/>
+                <a:cs typeface="+mn-cs"/>
+              </a:defRPr>
+            </a:lvl7pPr>
+            <a:lvl8pPr marL="3429000" indent="-228600" algn="l" defTabSz="914400" rtl="0" eaLnBrk="1" latinLnBrk="0" hangingPunct="1">
+              <a:lnSpc>
+                <a:spcPct val="90000"/>
+              </a:lnSpc>
+              <a:spcBef>
+                <a:spcPts val="500"/>
+              </a:spcBef>
+              <a:buFont typeface="Arial" panose="020B0604020202020204" pitchFamily="34" charset="0"/>
+              <a:buChar char="•"/>
+              <a:defRPr sz="1800" kern="1200">
+                <a:solidFill>
+                  <a:schemeClr val="tx1"/>
+                </a:solidFill>
+                <a:latin typeface="+mn-lt"/>
+                <a:ea typeface="+mn-ea"/>
+                <a:cs typeface="+mn-cs"/>
+              </a:defRPr>
+            </a:lvl8pPr>
+            <a:lvl9pPr marL="3886200" indent="-228600" algn="l" defTabSz="914400" rtl="0" eaLnBrk="1" latinLnBrk="0" hangingPunct="1">
+              <a:lnSpc>
+                <a:spcPct val="90000"/>
+              </a:lnSpc>
+              <a:spcBef>
+                <a:spcPts val="500"/>
+              </a:spcBef>
+              <a:buFont typeface="Arial" panose="020B0604020202020204" pitchFamily="34" charset="0"/>
+              <a:buChar char="•"/>
+              <a:defRPr sz="1800" kern="1200">
+                <a:solidFill>
+                  <a:schemeClr val="tx1"/>
+                </a:solidFill>
+                <a:latin typeface="+mn-lt"/>
+                <a:ea typeface="+mn-ea"/>
+                <a:cs typeface="+mn-cs"/>
+              </a:defRPr>
+            </a:lvl9pPr>
+          </a:lstStyle>
+          <a:p>
+            <a:pPr marL="0" indent="0">
+              <a:lnSpc>
+                <a:spcPct val="100000"/>
+              </a:lnSpc>
+              <a:spcBef>
+                <a:spcPts val="600"/>
+              </a:spcBef>
+              <a:buNone/>
+            </a:pPr>
+            <a:r>
+              <a:rPr lang="nl-NL" sz="2000" dirty="0"/>
+              <a:t>Gebruik een standaard </a:t>
+            </a:r>
+            <a:r>
+              <a:rPr lang="nl-NL" sz="2000" dirty="0">
+                <a:solidFill>
+                  <a:schemeClr val="accent5">
+                    <a:lumMod val="75000"/>
+                  </a:schemeClr>
+                </a:solidFill>
+                <a:latin typeface="Courier New" panose="02070309020205020404" pitchFamily="49" charset="0"/>
+                <a:cs typeface="Courier New" panose="02070309020205020404" pitchFamily="49" charset="0"/>
+              </a:rPr>
+              <a:t>INSERT </a:t>
+            </a:r>
+            <a:r>
+              <a:rPr lang="nl-NL" sz="2000" dirty="0"/>
+              <a:t>statement.</a:t>
+            </a:r>
+          </a:p>
+          <a:p>
+            <a:pPr marL="0" indent="0">
+              <a:lnSpc>
+                <a:spcPct val="100000"/>
+              </a:lnSpc>
+              <a:spcBef>
+                <a:spcPts val="600"/>
+              </a:spcBef>
+              <a:buNone/>
+            </a:pPr>
+            <a:endParaRPr lang="nl-NL" sz="2000" dirty="0"/>
+          </a:p>
+          <a:p>
+            <a:pPr marL="0" indent="0">
+              <a:lnSpc>
+                <a:spcPct val="100000"/>
+              </a:lnSpc>
+              <a:spcBef>
+                <a:spcPts val="600"/>
+              </a:spcBef>
+              <a:buNone/>
+            </a:pPr>
+            <a:r>
+              <a:rPr lang="nl-NL" sz="2000" dirty="0"/>
+              <a:t>Geef met </a:t>
+            </a:r>
+            <a:r>
+              <a:rPr lang="nl-NL" sz="2000" dirty="0">
+                <a:solidFill>
+                  <a:schemeClr val="accent5">
+                    <a:lumMod val="75000"/>
+                  </a:schemeClr>
+                </a:solidFill>
+                <a:latin typeface="Courier New" panose="02070309020205020404" pitchFamily="49" charset="0"/>
+                <a:cs typeface="Courier New" panose="02070309020205020404" pitchFamily="49" charset="0"/>
+              </a:rPr>
+              <a:t>ON CONFLICT</a:t>
+            </a:r>
+            <a:r>
+              <a:rPr lang="nl-NL" sz="2000" dirty="0"/>
+              <a:t> op welke kolommen niet mogen conflicteren.</a:t>
+            </a:r>
+          </a:p>
+          <a:p>
+            <a:pPr marL="0" indent="0">
+              <a:lnSpc>
+                <a:spcPct val="100000"/>
+              </a:lnSpc>
+              <a:spcBef>
+                <a:spcPts val="600"/>
+              </a:spcBef>
+              <a:buNone/>
+            </a:pPr>
+            <a:endParaRPr lang="nl-NL" sz="2000" dirty="0"/>
+          </a:p>
+          <a:p>
+            <a:pPr marL="0" indent="0">
+              <a:lnSpc>
+                <a:spcPct val="100000"/>
+              </a:lnSpc>
+              <a:spcBef>
+                <a:spcPts val="600"/>
+              </a:spcBef>
+              <a:buNone/>
+            </a:pPr>
+            <a:r>
+              <a:rPr lang="nl-NL" sz="2000" dirty="0"/>
+              <a:t>Geef bij </a:t>
+            </a:r>
+            <a:r>
+              <a:rPr lang="nl-NL" sz="2000" dirty="0">
+                <a:solidFill>
+                  <a:schemeClr val="accent5">
+                    <a:lumMod val="75000"/>
+                  </a:schemeClr>
+                </a:solidFill>
+                <a:latin typeface="Courier New" panose="02070309020205020404" pitchFamily="49" charset="0"/>
+                <a:cs typeface="Courier New" panose="02070309020205020404" pitchFamily="49" charset="0"/>
+              </a:rPr>
+              <a:t>DO</a:t>
+            </a:r>
+            <a:r>
+              <a:rPr lang="nl-NL" sz="2000" dirty="0"/>
+              <a:t> aan wat er bij conflicten moet gebeuren; </a:t>
+            </a:r>
+            <a:r>
+              <a:rPr lang="nl-NL" sz="2000" dirty="0">
+                <a:solidFill>
+                  <a:schemeClr val="accent5">
+                    <a:lumMod val="75000"/>
+                  </a:schemeClr>
+                </a:solidFill>
+                <a:latin typeface="Courier New" panose="02070309020205020404" pitchFamily="49" charset="0"/>
+                <a:cs typeface="Courier New" panose="02070309020205020404" pitchFamily="49" charset="0"/>
+              </a:rPr>
+              <a:t>NOTHING</a:t>
+            </a:r>
+            <a:r>
+              <a:rPr lang="nl-NL" sz="2000" dirty="0"/>
+              <a:t> of </a:t>
+            </a:r>
+            <a:r>
+              <a:rPr lang="nl-NL" sz="2000" dirty="0">
+                <a:solidFill>
+                  <a:schemeClr val="accent5">
+                    <a:lumMod val="75000"/>
+                  </a:schemeClr>
+                </a:solidFill>
+                <a:latin typeface="Courier New" panose="02070309020205020404" pitchFamily="49" charset="0"/>
+                <a:cs typeface="Courier New" panose="02070309020205020404" pitchFamily="49" charset="0"/>
+              </a:rPr>
+              <a:t>UPDATE</a:t>
+            </a:r>
+            <a:r>
+              <a:rPr lang="nl-NL" sz="2000" dirty="0"/>
+              <a:t>.</a:t>
+            </a:r>
+          </a:p>
+          <a:p>
+            <a:pPr marL="0" indent="0">
+              <a:lnSpc>
+                <a:spcPct val="100000"/>
+              </a:lnSpc>
+              <a:spcBef>
+                <a:spcPts val="600"/>
+              </a:spcBef>
+              <a:buNone/>
+            </a:pPr>
+            <a:endParaRPr lang="nl-NL" sz="2000" dirty="0"/>
+          </a:p>
+          <a:p>
+            <a:pPr marL="0" indent="0">
+              <a:lnSpc>
+                <a:spcPct val="100000"/>
+              </a:lnSpc>
+              <a:spcBef>
+                <a:spcPts val="600"/>
+              </a:spcBef>
+              <a:buNone/>
+            </a:pPr>
+            <a:r>
+              <a:rPr lang="nl-NL" sz="2000" dirty="0"/>
+              <a:t>Geef met </a:t>
+            </a:r>
+            <a:r>
+              <a:rPr lang="nl-NL" sz="2000" dirty="0">
+                <a:solidFill>
+                  <a:schemeClr val="accent5">
+                    <a:lumMod val="75000"/>
+                  </a:schemeClr>
+                </a:solidFill>
+                <a:latin typeface="Courier New" panose="02070309020205020404" pitchFamily="49" charset="0"/>
+                <a:cs typeface="Courier New" panose="02070309020205020404" pitchFamily="49" charset="0"/>
+              </a:rPr>
+              <a:t>SET</a:t>
+            </a:r>
+            <a:r>
+              <a:rPr lang="nl-NL" sz="2000" dirty="0"/>
+              <a:t> aan welke kolommen bijgewerkt moeten worden.</a:t>
+            </a:r>
+          </a:p>
+        </p:txBody>
+      </p:sp>
+      <p:cxnSp>
+        <p:nvCxnSpPr>
+          <p:cNvPr id="6" name="Straight Connector 5">
+            <a:extLst>
+              <a:ext uri="{FF2B5EF4-FFF2-40B4-BE49-F238E27FC236}">
+                <a16:creationId xmlns:a16="http://schemas.microsoft.com/office/drawing/2014/main" id="{10D4135D-0390-C3BD-E177-1E6DA7229319}"/>
+              </a:ext>
+            </a:extLst>
+          </p:cNvPr>
+          <p:cNvCxnSpPr/>
+          <p:nvPr/>
+        </p:nvCxnSpPr>
+        <p:spPr>
+          <a:xfrm>
+            <a:off x="6096000" y="1864311"/>
+            <a:ext cx="0" cy="4351338"/>
+          </a:xfrm>
+          <a:prstGeom prst="line">
+            <a:avLst/>
+          </a:prstGeom>
+        </p:spPr>
+        <p:style>
+          <a:lnRef idx="3">
+            <a:schemeClr val="dk1"/>
+          </a:lnRef>
+          <a:fillRef idx="0">
+            <a:schemeClr val="dk1"/>
+          </a:fillRef>
+          <a:effectRef idx="2">
+            <a:schemeClr val="dk1"/>
+          </a:effectRef>
+          <a:fontRef idx="minor">
+            <a:schemeClr val="tx1"/>
+          </a:fontRef>
+        </p:style>
+      </p:cxnSp>
+      <p:sp>
+        <p:nvSpPr>
+          <p:cNvPr id="4" name="Rectangle: Rounded Corners 3">
+            <a:extLst>
+              <a:ext uri="{FF2B5EF4-FFF2-40B4-BE49-F238E27FC236}">
+                <a16:creationId xmlns:a16="http://schemas.microsoft.com/office/drawing/2014/main" id="{C4DBCE8A-CC33-FD76-03CE-4E6A7AD11BBD}"/>
+              </a:ext>
+            </a:extLst>
+          </p:cNvPr>
+          <p:cNvSpPr/>
+          <p:nvPr/>
+        </p:nvSpPr>
+        <p:spPr>
+          <a:xfrm rot="20227609">
+            <a:off x="3089030" y="2805826"/>
+            <a:ext cx="6013939" cy="1364566"/>
+          </a:xfrm>
+          <a:prstGeom prst="roundRect">
+            <a:avLst/>
+          </a:prstGeom>
+          <a:solidFill>
+            <a:schemeClr val="bg1"/>
+          </a:solidFill>
+          <a:ln w="57150">
+            <a:solidFill>
+              <a:srgbClr val="FF0000"/>
+            </a:solidFill>
+          </a:ln>
+        </p:spPr>
+        <p:style>
+          <a:lnRef idx="2">
+            <a:schemeClr val="accent1">
+              <a:shade val="15000"/>
+            </a:schemeClr>
+          </a:lnRef>
+          <a:fillRef idx="1">
+            <a:schemeClr val="accent1"/>
+          </a:fillRef>
+          <a:effectRef idx="0">
+            <a:schemeClr val="accent1"/>
+          </a:effectRef>
+          <a:fontRef idx="minor">
+            <a:schemeClr val="lt1"/>
+          </a:fontRef>
+        </p:style>
+        <p:txBody>
+          <a:bodyPr rtlCol="0" anchor="ctr"/>
+          <a:lstStyle/>
+          <a:p>
+            <a:pPr algn="ctr"/>
+            <a:r>
+              <a:rPr lang="nl-NL" sz="3200" dirty="0">
+                <a:solidFill>
+                  <a:srgbClr val="FF0000"/>
+                </a:solidFill>
+              </a:rPr>
+              <a:t>NIET STANDAARD SQL</a:t>
+            </a:r>
+          </a:p>
+        </p:txBody>
+      </p:sp>
+    </p:spTree>
+    <p:extLst>
+      <p:ext uri="{BB962C8B-B14F-4D97-AF65-F5344CB8AC3E}">
+        <p14:creationId xmlns:p14="http://schemas.microsoft.com/office/powerpoint/2010/main" val="2008547526"/>
+      </p:ext>
+    </p:extLst>
+  </p:cSld>
+  <p:clrMapOvr>
+    <a:masterClrMapping/>
+  </p:clrMapOvr>
+</p:sld>
+</file>
+
+<file path=ppt/slides/slide61.xml><?xml version="1.0" encoding="utf-8"?>
+<p:sld xmlns:a="http://schemas.openxmlformats.org/drawingml/2006/main" xmlns:r="http://schemas.openxmlformats.org/officeDocument/2006/relationships" xmlns:p="http://schemas.openxmlformats.org/presentationml/2006/main">
+  <p:cSld>
+    <p:spTree>
+      <p:nvGrpSpPr>
+        <p:cNvPr id="1" name="">
+          <a:extLst>
+            <a:ext uri="{FF2B5EF4-FFF2-40B4-BE49-F238E27FC236}">
+              <a16:creationId xmlns:a16="http://schemas.microsoft.com/office/drawing/2014/main" id="{A3F99054-E8F2-47D8-1B0D-566FBAE9F936}"/>
+            </a:ext>
+          </a:extLst>
+        </p:cNvPr>
+        <p:cNvGrpSpPr/>
+        <p:nvPr/>
+      </p:nvGrpSpPr>
+      <p:grpSpPr>
+        <a:xfrm>
+          <a:off x="0" y="0"/>
+          <a:ext cx="0" cy="0"/>
+          <a:chOff x="0" y="0"/>
+          <a:chExt cx="0" cy="0"/>
+        </a:xfrm>
+      </p:grpSpPr>
+      <p:sp>
+        <p:nvSpPr>
+          <p:cNvPr id="2" name="Title 1">
+            <a:extLst>
+              <a:ext uri="{FF2B5EF4-FFF2-40B4-BE49-F238E27FC236}">
+                <a16:creationId xmlns:a16="http://schemas.microsoft.com/office/drawing/2014/main" id="{5F35915A-C9FA-BDD4-465F-D9BA390F4672}"/>
+              </a:ext>
+            </a:extLst>
+          </p:cNvPr>
+          <p:cNvSpPr>
+            <a:spLocks noGrp="1"/>
+          </p:cNvSpPr>
+          <p:nvPr>
+            <p:ph type="title"/>
+          </p:nvPr>
+        </p:nvSpPr>
+        <p:spPr/>
+        <p:txBody>
+          <a:bodyPr>
+            <a:normAutofit/>
+          </a:bodyPr>
+          <a:lstStyle/>
+          <a:p>
+            <a:r>
+              <a:rPr lang="nl-NL" sz="3600" dirty="0"/>
+              <a:t>Rijen verwijderen</a:t>
+            </a:r>
+          </a:p>
+        </p:txBody>
+      </p:sp>
+      <p:sp>
+        <p:nvSpPr>
+          <p:cNvPr id="3" name="Content Placeholder 2">
+            <a:extLst>
+              <a:ext uri="{FF2B5EF4-FFF2-40B4-BE49-F238E27FC236}">
+                <a16:creationId xmlns:a16="http://schemas.microsoft.com/office/drawing/2014/main" id="{0FAE3B11-E79B-FAFA-5E79-5425C6181133}"/>
+              </a:ext>
+            </a:extLst>
+          </p:cNvPr>
+          <p:cNvSpPr>
+            <a:spLocks noGrp="1"/>
+          </p:cNvSpPr>
+          <p:nvPr>
+            <p:ph idx="1"/>
+          </p:nvPr>
+        </p:nvSpPr>
+        <p:spPr>
+          <a:xfrm>
+            <a:off x="838201" y="1825625"/>
+            <a:ext cx="5030367" cy="4351338"/>
+          </a:xfrm>
+        </p:spPr>
+        <p:txBody>
+          <a:bodyPr>
+            <a:normAutofit/>
+          </a:bodyPr>
+          <a:lstStyle/>
+          <a:p>
+            <a:pPr marL="0" indent="0">
+              <a:lnSpc>
+                <a:spcPct val="100000"/>
+              </a:lnSpc>
+              <a:spcBef>
+                <a:spcPts val="600"/>
+              </a:spcBef>
+              <a:buNone/>
+            </a:pPr>
+            <a:r>
+              <a:rPr lang="nl-NL" sz="1800" dirty="0">
+                <a:solidFill>
+                  <a:schemeClr val="accent5">
+                    <a:lumMod val="75000"/>
+                  </a:schemeClr>
+                </a:solidFill>
+                <a:latin typeface="Courier New" panose="02070309020205020404" pitchFamily="49" charset="0"/>
+                <a:cs typeface="Courier New" panose="02070309020205020404" pitchFamily="49" charset="0"/>
+              </a:rPr>
+              <a:t>DELETE FROM </a:t>
+            </a:r>
+            <a:r>
+              <a:rPr lang="nl-NL" sz="1800" dirty="0">
+                <a:latin typeface="Courier New" panose="02070309020205020404" pitchFamily="49" charset="0"/>
+                <a:cs typeface="Courier New" panose="02070309020205020404" pitchFamily="49" charset="0"/>
+              </a:rPr>
+              <a:t>Klanten</a:t>
+            </a:r>
+          </a:p>
+          <a:p>
+            <a:pPr marL="0" indent="0">
+              <a:lnSpc>
+                <a:spcPct val="100000"/>
+              </a:lnSpc>
+              <a:spcBef>
+                <a:spcPts val="600"/>
+              </a:spcBef>
+              <a:buNone/>
+            </a:pPr>
+            <a:r>
+              <a:rPr lang="nl-NL" sz="1800" dirty="0">
+                <a:solidFill>
+                  <a:schemeClr val="accent5">
+                    <a:lumMod val="75000"/>
+                  </a:schemeClr>
+                </a:solidFill>
+                <a:latin typeface="Courier New" panose="02070309020205020404" pitchFamily="49" charset="0"/>
+                <a:cs typeface="Courier New" panose="02070309020205020404" pitchFamily="49" charset="0"/>
+              </a:rPr>
+              <a:t>WHERE</a:t>
+            </a:r>
+            <a:r>
+              <a:rPr lang="nl-NL" sz="1800" dirty="0">
+                <a:latin typeface="Courier New" panose="02070309020205020404" pitchFamily="49" charset="0"/>
+                <a:cs typeface="Courier New" panose="02070309020205020404" pitchFamily="49" charset="0"/>
+              </a:rPr>
+              <a:t> </a:t>
+            </a:r>
+            <a:r>
+              <a:rPr lang="nl-NL" sz="1800" dirty="0" err="1">
+                <a:latin typeface="Courier New" panose="02070309020205020404" pitchFamily="49" charset="0"/>
+                <a:cs typeface="Courier New" panose="02070309020205020404" pitchFamily="49" charset="0"/>
+              </a:rPr>
+              <a:t>Id</a:t>
+            </a:r>
+            <a:r>
+              <a:rPr lang="nl-NL" sz="1800" dirty="0">
+                <a:latin typeface="Courier New" panose="02070309020205020404" pitchFamily="49" charset="0"/>
+                <a:cs typeface="Courier New" panose="02070309020205020404" pitchFamily="49" charset="0"/>
+              </a:rPr>
+              <a:t> = 1;</a:t>
+            </a:r>
+          </a:p>
+          <a:p>
+            <a:pPr marL="0" indent="0">
+              <a:lnSpc>
+                <a:spcPct val="100000"/>
+              </a:lnSpc>
+              <a:spcBef>
+                <a:spcPts val="600"/>
+              </a:spcBef>
+              <a:buNone/>
+            </a:pPr>
+            <a:endParaRPr lang="nl-NL" sz="1800" dirty="0">
+              <a:latin typeface="Courier New" panose="02070309020205020404" pitchFamily="49" charset="0"/>
+              <a:cs typeface="Courier New" panose="02070309020205020404" pitchFamily="49" charset="0"/>
+            </a:endParaRPr>
+          </a:p>
+          <a:p>
+            <a:pPr marL="0" indent="0">
+              <a:lnSpc>
+                <a:spcPct val="100000"/>
+              </a:lnSpc>
+              <a:spcBef>
+                <a:spcPts val="600"/>
+              </a:spcBef>
+              <a:buNone/>
+            </a:pPr>
+            <a:endParaRPr lang="nl-NL" sz="1800" dirty="0">
+              <a:latin typeface="Courier New" panose="02070309020205020404" pitchFamily="49" charset="0"/>
+              <a:cs typeface="Courier New" panose="02070309020205020404" pitchFamily="49" charset="0"/>
+            </a:endParaRPr>
+          </a:p>
+          <a:p>
+            <a:pPr marL="0" indent="0">
+              <a:lnSpc>
+                <a:spcPct val="100000"/>
+              </a:lnSpc>
+              <a:spcBef>
+                <a:spcPts val="600"/>
+              </a:spcBef>
+              <a:buNone/>
+            </a:pPr>
+            <a:endParaRPr lang="nl-NL" sz="1800" dirty="0">
+              <a:latin typeface="Courier New" panose="02070309020205020404" pitchFamily="49" charset="0"/>
+              <a:cs typeface="Courier New" panose="02070309020205020404" pitchFamily="49" charset="0"/>
+            </a:endParaRPr>
+          </a:p>
+          <a:p>
+            <a:pPr marL="0" indent="0">
+              <a:lnSpc>
+                <a:spcPct val="100000"/>
+              </a:lnSpc>
+              <a:spcBef>
+                <a:spcPts val="600"/>
+              </a:spcBef>
+              <a:buNone/>
+            </a:pPr>
+            <a:endParaRPr lang="nl-NL" sz="1800" dirty="0">
+              <a:latin typeface="Courier New" panose="02070309020205020404" pitchFamily="49" charset="0"/>
+              <a:cs typeface="Courier New" panose="02070309020205020404" pitchFamily="49" charset="0"/>
+            </a:endParaRPr>
+          </a:p>
+          <a:p>
+            <a:pPr marL="0" indent="0">
+              <a:lnSpc>
+                <a:spcPct val="100000"/>
+              </a:lnSpc>
+              <a:spcBef>
+                <a:spcPts val="600"/>
+              </a:spcBef>
+              <a:buNone/>
+            </a:pPr>
+            <a:endParaRPr lang="nl-NL" sz="1800" dirty="0">
+              <a:latin typeface="Courier New" panose="02070309020205020404" pitchFamily="49" charset="0"/>
+              <a:cs typeface="Courier New" panose="02070309020205020404" pitchFamily="49" charset="0"/>
+            </a:endParaRPr>
+          </a:p>
+          <a:p>
+            <a:pPr marL="0" indent="0">
+              <a:lnSpc>
+                <a:spcPct val="100000"/>
+              </a:lnSpc>
+              <a:spcBef>
+                <a:spcPts val="600"/>
+              </a:spcBef>
+              <a:buNone/>
+            </a:pPr>
+            <a:endParaRPr lang="nl-NL" sz="1800" dirty="0">
+              <a:latin typeface="Courier New" panose="02070309020205020404" pitchFamily="49" charset="0"/>
+              <a:cs typeface="Courier New" panose="02070309020205020404" pitchFamily="49" charset="0"/>
+            </a:endParaRPr>
+          </a:p>
+          <a:p>
+            <a:pPr marL="0" indent="0">
+              <a:lnSpc>
+                <a:spcPct val="100000"/>
+              </a:lnSpc>
+              <a:spcBef>
+                <a:spcPts val="600"/>
+              </a:spcBef>
+              <a:buNone/>
+            </a:pPr>
+            <a:endParaRPr lang="nl-NL" sz="1800" dirty="0">
+              <a:latin typeface="Courier New" panose="02070309020205020404" pitchFamily="49" charset="0"/>
+              <a:cs typeface="Courier New" panose="02070309020205020404" pitchFamily="49" charset="0"/>
+            </a:endParaRPr>
+          </a:p>
+        </p:txBody>
+      </p:sp>
+      <p:sp>
+        <p:nvSpPr>
+          <p:cNvPr id="5" name="Content Placeholder 2">
+            <a:extLst>
+              <a:ext uri="{FF2B5EF4-FFF2-40B4-BE49-F238E27FC236}">
+                <a16:creationId xmlns:a16="http://schemas.microsoft.com/office/drawing/2014/main" id="{46BE2ED8-3C50-21D7-0C20-3F10A8693E25}"/>
+              </a:ext>
+            </a:extLst>
+          </p:cNvPr>
+          <p:cNvSpPr txBox="1">
+            <a:spLocks/>
+          </p:cNvSpPr>
+          <p:nvPr/>
+        </p:nvSpPr>
+        <p:spPr>
+          <a:xfrm>
+            <a:off x="6323428" y="1825625"/>
+            <a:ext cx="5030371" cy="4351338"/>
+          </a:xfrm>
+          <a:prstGeom prst="rect">
+            <a:avLst/>
+          </a:prstGeom>
+        </p:spPr>
+        <p:txBody>
+          <a:bodyPr vert="horz" lIns="91440" tIns="45720" rIns="91440" bIns="45720" rtlCol="0">
+            <a:normAutofit/>
+          </a:bodyPr>
+          <a:lstStyle>
+            <a:lvl1pPr marL="228600" indent="-228600" algn="l" defTabSz="914400" rtl="0" eaLnBrk="1" latinLnBrk="0" hangingPunct="1">
+              <a:lnSpc>
+                <a:spcPct val="90000"/>
+              </a:lnSpc>
+              <a:spcBef>
+                <a:spcPts val="1000"/>
+              </a:spcBef>
+              <a:buFont typeface="Arial" panose="020B0604020202020204" pitchFamily="34" charset="0"/>
+              <a:buChar char="•"/>
+              <a:defRPr sz="2800" kern="1200">
+                <a:solidFill>
+                  <a:schemeClr val="tx1"/>
+                </a:solidFill>
+                <a:latin typeface="+mn-lt"/>
+                <a:ea typeface="+mn-ea"/>
+                <a:cs typeface="+mn-cs"/>
+              </a:defRPr>
+            </a:lvl1pPr>
+            <a:lvl2pPr marL="685800" indent="-228600" algn="l" defTabSz="914400" rtl="0" eaLnBrk="1" latinLnBrk="0" hangingPunct="1">
+              <a:lnSpc>
+                <a:spcPct val="90000"/>
+              </a:lnSpc>
+              <a:spcBef>
+                <a:spcPts val="500"/>
+              </a:spcBef>
+              <a:buFont typeface="Arial" panose="020B0604020202020204" pitchFamily="34" charset="0"/>
+              <a:buChar char="•"/>
+              <a:defRPr sz="2400" kern="1200">
+                <a:solidFill>
+                  <a:schemeClr val="tx1"/>
+                </a:solidFill>
+                <a:latin typeface="+mn-lt"/>
+                <a:ea typeface="+mn-ea"/>
+                <a:cs typeface="+mn-cs"/>
+              </a:defRPr>
+            </a:lvl2pPr>
+            <a:lvl3pPr marL="1143000" indent="-228600" algn="l" defTabSz="914400" rtl="0" eaLnBrk="1" latinLnBrk="0" hangingPunct="1">
+              <a:lnSpc>
+                <a:spcPct val="90000"/>
+              </a:lnSpc>
+              <a:spcBef>
+                <a:spcPts val="500"/>
+              </a:spcBef>
+              <a:buFont typeface="Arial" panose="020B0604020202020204" pitchFamily="34" charset="0"/>
+              <a:buChar char="•"/>
+              <a:defRPr sz="2000" kern="1200">
+                <a:solidFill>
+                  <a:schemeClr val="tx1"/>
+                </a:solidFill>
+                <a:latin typeface="+mn-lt"/>
+                <a:ea typeface="+mn-ea"/>
+                <a:cs typeface="+mn-cs"/>
+              </a:defRPr>
+            </a:lvl3pPr>
+            <a:lvl4pPr marL="1600200" indent="-228600" algn="l" defTabSz="914400" rtl="0" eaLnBrk="1" latinLnBrk="0" hangingPunct="1">
+              <a:lnSpc>
+                <a:spcPct val="90000"/>
+              </a:lnSpc>
+              <a:spcBef>
+                <a:spcPts val="500"/>
+              </a:spcBef>
+              <a:buFont typeface="Arial" panose="020B0604020202020204" pitchFamily="34" charset="0"/>
+              <a:buChar char="•"/>
+              <a:defRPr sz="1800" kern="1200">
+                <a:solidFill>
+                  <a:schemeClr val="tx1"/>
+                </a:solidFill>
+                <a:latin typeface="+mn-lt"/>
+                <a:ea typeface="+mn-ea"/>
+                <a:cs typeface="+mn-cs"/>
+              </a:defRPr>
+            </a:lvl4pPr>
+            <a:lvl5pPr marL="2057400" indent="-228600" algn="l" defTabSz="914400" rtl="0" eaLnBrk="1" latinLnBrk="0" hangingPunct="1">
+              <a:lnSpc>
+                <a:spcPct val="90000"/>
+              </a:lnSpc>
+              <a:spcBef>
+                <a:spcPts val="500"/>
+              </a:spcBef>
+              <a:buFont typeface="Arial" panose="020B0604020202020204" pitchFamily="34" charset="0"/>
+              <a:buChar char="•"/>
+              <a:defRPr sz="1800" kern="1200">
+                <a:solidFill>
+                  <a:schemeClr val="tx1"/>
+                </a:solidFill>
+                <a:latin typeface="+mn-lt"/>
+                <a:ea typeface="+mn-ea"/>
+                <a:cs typeface="+mn-cs"/>
+              </a:defRPr>
+            </a:lvl5pPr>
+            <a:lvl6pPr marL="2514600" indent="-228600" algn="l" defTabSz="914400" rtl="0" eaLnBrk="1" latinLnBrk="0" hangingPunct="1">
+              <a:lnSpc>
+                <a:spcPct val="90000"/>
+              </a:lnSpc>
+              <a:spcBef>
+                <a:spcPts val="500"/>
+              </a:spcBef>
+              <a:buFont typeface="Arial" panose="020B0604020202020204" pitchFamily="34" charset="0"/>
+              <a:buChar char="•"/>
+              <a:defRPr sz="1800" kern="1200">
+                <a:solidFill>
+                  <a:schemeClr val="tx1"/>
+                </a:solidFill>
+                <a:latin typeface="+mn-lt"/>
+                <a:ea typeface="+mn-ea"/>
+                <a:cs typeface="+mn-cs"/>
+              </a:defRPr>
+            </a:lvl6pPr>
+            <a:lvl7pPr marL="2971800" indent="-228600" algn="l" defTabSz="914400" rtl="0" eaLnBrk="1" latinLnBrk="0" hangingPunct="1">
+              <a:lnSpc>
+                <a:spcPct val="90000"/>
+              </a:lnSpc>
+              <a:spcBef>
+                <a:spcPts val="500"/>
+              </a:spcBef>
+              <a:buFont typeface="Arial" panose="020B0604020202020204" pitchFamily="34" charset="0"/>
+              <a:buChar char="•"/>
+              <a:defRPr sz="1800" kern="1200">
+                <a:solidFill>
+                  <a:schemeClr val="tx1"/>
+                </a:solidFill>
+                <a:latin typeface="+mn-lt"/>
+                <a:ea typeface="+mn-ea"/>
+                <a:cs typeface="+mn-cs"/>
+              </a:defRPr>
+            </a:lvl7pPr>
+            <a:lvl8pPr marL="3429000" indent="-228600" algn="l" defTabSz="914400" rtl="0" eaLnBrk="1" latinLnBrk="0" hangingPunct="1">
+              <a:lnSpc>
+                <a:spcPct val="90000"/>
+              </a:lnSpc>
+              <a:spcBef>
+                <a:spcPts val="500"/>
+              </a:spcBef>
+              <a:buFont typeface="Arial" panose="020B0604020202020204" pitchFamily="34" charset="0"/>
+              <a:buChar char="•"/>
+              <a:defRPr sz="1800" kern="1200">
+                <a:solidFill>
+                  <a:schemeClr val="tx1"/>
+                </a:solidFill>
+                <a:latin typeface="+mn-lt"/>
+                <a:ea typeface="+mn-ea"/>
+                <a:cs typeface="+mn-cs"/>
+              </a:defRPr>
+            </a:lvl8pPr>
+            <a:lvl9pPr marL="3886200" indent="-228600" algn="l" defTabSz="914400" rtl="0" eaLnBrk="1" latinLnBrk="0" hangingPunct="1">
+              <a:lnSpc>
+                <a:spcPct val="90000"/>
+              </a:lnSpc>
+              <a:spcBef>
+                <a:spcPts val="500"/>
+              </a:spcBef>
+              <a:buFont typeface="Arial" panose="020B0604020202020204" pitchFamily="34" charset="0"/>
+              <a:buChar char="•"/>
+              <a:defRPr sz="1800" kern="1200">
+                <a:solidFill>
+                  <a:schemeClr val="tx1"/>
+                </a:solidFill>
+                <a:latin typeface="+mn-lt"/>
+                <a:ea typeface="+mn-ea"/>
+                <a:cs typeface="+mn-cs"/>
+              </a:defRPr>
+            </a:lvl9pPr>
+          </a:lstStyle>
+          <a:p>
+            <a:pPr marL="0" indent="0">
+              <a:lnSpc>
+                <a:spcPct val="100000"/>
+              </a:lnSpc>
+              <a:spcBef>
+                <a:spcPts val="600"/>
+              </a:spcBef>
+              <a:buNone/>
+            </a:pPr>
+            <a:r>
+              <a:rPr lang="nl-NL" sz="2000" dirty="0"/>
+              <a:t>Gebruik </a:t>
+            </a:r>
+            <a:r>
+              <a:rPr lang="nl-NL" sz="2000" dirty="0">
+                <a:solidFill>
+                  <a:schemeClr val="accent5">
+                    <a:lumMod val="75000"/>
+                  </a:schemeClr>
+                </a:solidFill>
+                <a:latin typeface="Courier New" panose="02070309020205020404" pitchFamily="49" charset="0"/>
+                <a:cs typeface="Courier New" panose="02070309020205020404" pitchFamily="49" charset="0"/>
+              </a:rPr>
+              <a:t>DELETE </a:t>
+            </a:r>
+            <a:r>
+              <a:rPr lang="nl-NL" sz="2000" dirty="0"/>
+              <a:t>om rijen te verwijderen.</a:t>
+            </a:r>
+          </a:p>
+          <a:p>
+            <a:pPr marL="0" indent="0">
+              <a:lnSpc>
+                <a:spcPct val="100000"/>
+              </a:lnSpc>
+              <a:spcBef>
+                <a:spcPts val="600"/>
+              </a:spcBef>
+              <a:buNone/>
+            </a:pPr>
+            <a:endParaRPr lang="nl-NL" sz="2000" dirty="0"/>
+          </a:p>
+          <a:p>
+            <a:pPr marL="0" indent="0">
+              <a:lnSpc>
+                <a:spcPct val="100000"/>
+              </a:lnSpc>
+              <a:spcBef>
+                <a:spcPts val="600"/>
+              </a:spcBef>
+              <a:buNone/>
+            </a:pPr>
+            <a:r>
+              <a:rPr lang="nl-NL" sz="2000" dirty="0"/>
+              <a:t>Geef met </a:t>
+            </a:r>
+            <a:r>
+              <a:rPr lang="nl-NL" sz="2000" dirty="0">
+                <a:solidFill>
+                  <a:schemeClr val="accent1"/>
+                </a:solidFill>
+                <a:latin typeface="Courier New" panose="02070309020205020404" pitchFamily="49" charset="0"/>
+                <a:cs typeface="Courier New" panose="02070309020205020404" pitchFamily="49" charset="0"/>
+              </a:rPr>
+              <a:t>FROM </a:t>
+            </a:r>
+            <a:r>
+              <a:rPr lang="nl-NL" sz="2000" dirty="0"/>
+              <a:t>aan uit welke tabel rijen verwijderd moeten worden.</a:t>
+            </a:r>
+          </a:p>
+          <a:p>
+            <a:pPr marL="0" indent="0">
+              <a:lnSpc>
+                <a:spcPct val="100000"/>
+              </a:lnSpc>
+              <a:spcBef>
+                <a:spcPts val="600"/>
+              </a:spcBef>
+              <a:buNone/>
+            </a:pPr>
+            <a:endParaRPr lang="nl-NL" sz="2000" dirty="0"/>
+          </a:p>
+          <a:p>
+            <a:pPr marL="0" indent="0">
+              <a:lnSpc>
+                <a:spcPct val="100000"/>
+              </a:lnSpc>
+              <a:spcBef>
+                <a:spcPts val="600"/>
+              </a:spcBef>
+              <a:buNone/>
+            </a:pPr>
+            <a:r>
+              <a:rPr lang="nl-NL" sz="2000" dirty="0"/>
+              <a:t>Geef met </a:t>
+            </a:r>
+            <a:r>
+              <a:rPr lang="nl-NL" sz="2000" dirty="0">
+                <a:solidFill>
+                  <a:schemeClr val="accent1"/>
+                </a:solidFill>
+                <a:latin typeface="Courier New" panose="02070309020205020404" pitchFamily="49" charset="0"/>
+                <a:cs typeface="Courier New" panose="02070309020205020404" pitchFamily="49" charset="0"/>
+              </a:rPr>
+              <a:t>WHERE</a:t>
+            </a:r>
+            <a:r>
+              <a:rPr lang="nl-NL" sz="2000" dirty="0"/>
+              <a:t> aan welke rijen verwijderd moeten worden.</a:t>
+            </a:r>
+          </a:p>
+        </p:txBody>
+      </p:sp>
+      <p:cxnSp>
+        <p:nvCxnSpPr>
+          <p:cNvPr id="6" name="Straight Connector 5">
+            <a:extLst>
+              <a:ext uri="{FF2B5EF4-FFF2-40B4-BE49-F238E27FC236}">
+                <a16:creationId xmlns:a16="http://schemas.microsoft.com/office/drawing/2014/main" id="{CEA49FF8-E27C-29E1-5073-C6F4FAE4C7E1}"/>
+              </a:ext>
+            </a:extLst>
+          </p:cNvPr>
+          <p:cNvCxnSpPr/>
+          <p:nvPr/>
+        </p:nvCxnSpPr>
+        <p:spPr>
+          <a:xfrm>
+            <a:off x="6096000" y="1864311"/>
+            <a:ext cx="0" cy="4351338"/>
+          </a:xfrm>
+          <a:prstGeom prst="line">
+            <a:avLst/>
+          </a:prstGeom>
+        </p:spPr>
+        <p:style>
+          <a:lnRef idx="3">
+            <a:schemeClr val="dk1"/>
+          </a:lnRef>
+          <a:fillRef idx="0">
+            <a:schemeClr val="dk1"/>
+          </a:fillRef>
+          <a:effectRef idx="2">
+            <a:schemeClr val="dk1"/>
+          </a:effectRef>
+          <a:fontRef idx="minor">
+            <a:schemeClr val="tx1"/>
+          </a:fontRef>
+        </p:style>
+      </p:cxnSp>
+    </p:spTree>
+    <p:extLst>
+      <p:ext uri="{BB962C8B-B14F-4D97-AF65-F5344CB8AC3E}">
+        <p14:creationId xmlns:p14="http://schemas.microsoft.com/office/powerpoint/2010/main" val="1733980654"/>
+      </p:ext>
+    </p:extLst>
+  </p:cSld>
+  <p:clrMapOvr>
+    <a:masterClrMapping/>
+  </p:clrMapOvr>
+</p:sld>
+</file>
+
+<file path=ppt/slides/slide62.xml><?xml version="1.0" encoding="utf-8"?>
+<p:sld xmlns:a="http://schemas.openxmlformats.org/drawingml/2006/main" xmlns:r="http://schemas.openxmlformats.org/officeDocument/2006/relationships" xmlns:p="http://schemas.openxmlformats.org/presentationml/2006/main">
+  <p:cSld>
+    <p:spTree>
+      <p:nvGrpSpPr>
+        <p:cNvPr id="1" name="">
+          <a:extLst>
+            <a:ext uri="{FF2B5EF4-FFF2-40B4-BE49-F238E27FC236}">
+              <a16:creationId xmlns:a16="http://schemas.microsoft.com/office/drawing/2014/main" id="{845C46D1-4C90-8865-42E8-E57C2193598C}"/>
+            </a:ext>
+          </a:extLst>
+        </p:cNvPr>
+        <p:cNvGrpSpPr/>
+        <p:nvPr/>
+      </p:nvGrpSpPr>
+      <p:grpSpPr>
+        <a:xfrm>
+          <a:off x="0" y="0"/>
+          <a:ext cx="0" cy="0"/>
+          <a:chOff x="0" y="0"/>
+          <a:chExt cx="0" cy="0"/>
+        </a:xfrm>
+      </p:grpSpPr>
+      <p:sp>
+        <p:nvSpPr>
+          <p:cNvPr id="2" name="Title 1">
+            <a:extLst>
+              <a:ext uri="{FF2B5EF4-FFF2-40B4-BE49-F238E27FC236}">
+                <a16:creationId xmlns:a16="http://schemas.microsoft.com/office/drawing/2014/main" id="{F8E12B5E-C586-F6E8-F994-433AA8860854}"/>
+              </a:ext>
+            </a:extLst>
+          </p:cNvPr>
+          <p:cNvSpPr>
+            <a:spLocks noGrp="1"/>
+          </p:cNvSpPr>
+          <p:nvPr>
+            <p:ph type="title"/>
+          </p:nvPr>
+        </p:nvSpPr>
+        <p:spPr/>
+        <p:txBody>
+          <a:bodyPr>
+            <a:normAutofit/>
+          </a:bodyPr>
+          <a:lstStyle/>
+          <a:p>
+            <a:r>
+              <a:rPr lang="nl-NL" sz="3600" dirty="0"/>
+              <a:t>Rijen verwijderen</a:t>
+            </a:r>
+          </a:p>
+        </p:txBody>
+      </p:sp>
+      <p:sp>
+        <p:nvSpPr>
+          <p:cNvPr id="3" name="Content Placeholder 2">
+            <a:extLst>
+              <a:ext uri="{FF2B5EF4-FFF2-40B4-BE49-F238E27FC236}">
+                <a16:creationId xmlns:a16="http://schemas.microsoft.com/office/drawing/2014/main" id="{02E3DAFE-D797-AE2A-653E-FEDF62901AE0}"/>
+              </a:ext>
+            </a:extLst>
+          </p:cNvPr>
+          <p:cNvSpPr>
+            <a:spLocks noGrp="1"/>
+          </p:cNvSpPr>
+          <p:nvPr>
+            <p:ph idx="1"/>
+          </p:nvPr>
+        </p:nvSpPr>
+        <p:spPr>
+          <a:xfrm>
+            <a:off x="838201" y="1825625"/>
+            <a:ext cx="5030367" cy="4351338"/>
+          </a:xfrm>
+        </p:spPr>
+        <p:txBody>
+          <a:bodyPr>
+            <a:normAutofit/>
+          </a:bodyPr>
+          <a:lstStyle/>
+          <a:p>
+            <a:pPr marL="0" indent="0">
+              <a:lnSpc>
+                <a:spcPct val="100000"/>
+              </a:lnSpc>
+              <a:spcBef>
+                <a:spcPts val="600"/>
+              </a:spcBef>
+              <a:buNone/>
+            </a:pPr>
+            <a:r>
+              <a:rPr lang="nl-NL" sz="1800" dirty="0">
+                <a:solidFill>
+                  <a:schemeClr val="accent5">
+                    <a:lumMod val="75000"/>
+                  </a:schemeClr>
+                </a:solidFill>
+                <a:latin typeface="Courier New" panose="02070309020205020404" pitchFamily="49" charset="0"/>
+                <a:cs typeface="Courier New" panose="02070309020205020404" pitchFamily="49" charset="0"/>
+              </a:rPr>
+              <a:t>DELETE FROM </a:t>
+            </a:r>
+            <a:r>
+              <a:rPr lang="nl-NL" sz="1800" dirty="0">
+                <a:latin typeface="Courier New" panose="02070309020205020404" pitchFamily="49" charset="0"/>
+                <a:cs typeface="Courier New" panose="02070309020205020404" pitchFamily="49" charset="0"/>
+              </a:rPr>
+              <a:t>Klanten</a:t>
+            </a:r>
+          </a:p>
+          <a:p>
+            <a:pPr marL="0" indent="0">
+              <a:lnSpc>
+                <a:spcPct val="100000"/>
+              </a:lnSpc>
+              <a:spcBef>
+                <a:spcPts val="600"/>
+              </a:spcBef>
+              <a:buNone/>
+            </a:pPr>
+            <a:r>
+              <a:rPr lang="nl-NL" sz="1800" dirty="0">
+                <a:solidFill>
+                  <a:schemeClr val="accent5">
+                    <a:lumMod val="75000"/>
+                  </a:schemeClr>
+                </a:solidFill>
+                <a:latin typeface="Courier New" panose="02070309020205020404" pitchFamily="49" charset="0"/>
+                <a:cs typeface="Courier New" panose="02070309020205020404" pitchFamily="49" charset="0"/>
+              </a:rPr>
+              <a:t>WHERE</a:t>
+            </a:r>
+            <a:r>
+              <a:rPr lang="nl-NL" sz="1800" dirty="0">
+                <a:latin typeface="Courier New" panose="02070309020205020404" pitchFamily="49" charset="0"/>
+                <a:cs typeface="Courier New" panose="02070309020205020404" pitchFamily="49" charset="0"/>
+              </a:rPr>
+              <a:t> </a:t>
+            </a:r>
+            <a:r>
+              <a:rPr lang="nl-NL" sz="1800" dirty="0" err="1">
+                <a:latin typeface="Courier New" panose="02070309020205020404" pitchFamily="49" charset="0"/>
+                <a:cs typeface="Courier New" panose="02070309020205020404" pitchFamily="49" charset="0"/>
+              </a:rPr>
+              <a:t>Id</a:t>
+            </a:r>
+            <a:r>
+              <a:rPr lang="nl-NL" sz="1800" dirty="0">
+                <a:latin typeface="Courier New" panose="02070309020205020404" pitchFamily="49" charset="0"/>
+                <a:cs typeface="Courier New" panose="02070309020205020404" pitchFamily="49" charset="0"/>
+              </a:rPr>
+              <a:t> = 1;</a:t>
+            </a:r>
+          </a:p>
+          <a:p>
+            <a:pPr marL="0" indent="0">
+              <a:lnSpc>
+                <a:spcPct val="100000"/>
+              </a:lnSpc>
+              <a:spcBef>
+                <a:spcPts val="600"/>
+              </a:spcBef>
+              <a:buNone/>
+            </a:pPr>
+            <a:endParaRPr lang="nl-NL" sz="1800" dirty="0">
+              <a:latin typeface="Courier New" panose="02070309020205020404" pitchFamily="49" charset="0"/>
+              <a:cs typeface="Courier New" panose="02070309020205020404" pitchFamily="49" charset="0"/>
+            </a:endParaRPr>
+          </a:p>
+          <a:p>
+            <a:pPr marL="0" indent="0">
+              <a:lnSpc>
+                <a:spcPct val="100000"/>
+              </a:lnSpc>
+              <a:spcBef>
+                <a:spcPts val="600"/>
+              </a:spcBef>
+              <a:buNone/>
+            </a:pPr>
+            <a:endParaRPr lang="nl-NL" sz="1800" dirty="0">
+              <a:latin typeface="Courier New" panose="02070309020205020404" pitchFamily="49" charset="0"/>
+              <a:cs typeface="Courier New" panose="02070309020205020404" pitchFamily="49" charset="0"/>
+            </a:endParaRPr>
+          </a:p>
+          <a:p>
+            <a:pPr marL="0" indent="0">
+              <a:lnSpc>
+                <a:spcPct val="100000"/>
+              </a:lnSpc>
+              <a:spcBef>
+                <a:spcPts val="600"/>
+              </a:spcBef>
+              <a:buNone/>
+            </a:pPr>
+            <a:endParaRPr lang="nl-NL" sz="1800" dirty="0">
+              <a:latin typeface="Courier New" panose="02070309020205020404" pitchFamily="49" charset="0"/>
+              <a:cs typeface="Courier New" panose="02070309020205020404" pitchFamily="49" charset="0"/>
+            </a:endParaRPr>
+          </a:p>
+          <a:p>
+            <a:pPr marL="0" indent="0">
+              <a:lnSpc>
+                <a:spcPct val="100000"/>
+              </a:lnSpc>
+              <a:spcBef>
+                <a:spcPts val="600"/>
+              </a:spcBef>
+              <a:buNone/>
+            </a:pPr>
+            <a:endParaRPr lang="nl-NL" sz="1800" dirty="0">
+              <a:solidFill>
+                <a:schemeClr val="accent5">
+                  <a:lumMod val="75000"/>
+                </a:schemeClr>
+              </a:solidFill>
+              <a:latin typeface="Courier New" panose="02070309020205020404" pitchFamily="49" charset="0"/>
+              <a:cs typeface="Courier New" panose="02070309020205020404" pitchFamily="49" charset="0"/>
+            </a:endParaRPr>
+          </a:p>
+          <a:p>
+            <a:pPr marL="0" indent="0">
+              <a:lnSpc>
+                <a:spcPct val="100000"/>
+              </a:lnSpc>
+              <a:spcBef>
+                <a:spcPts val="600"/>
+              </a:spcBef>
+              <a:buNone/>
+            </a:pPr>
+            <a:endParaRPr lang="nl-NL" sz="1800" dirty="0">
+              <a:solidFill>
+                <a:schemeClr val="accent5">
+                  <a:lumMod val="75000"/>
+                </a:schemeClr>
+              </a:solidFill>
+              <a:latin typeface="Courier New" panose="02070309020205020404" pitchFamily="49" charset="0"/>
+              <a:cs typeface="Courier New" panose="02070309020205020404" pitchFamily="49" charset="0"/>
+            </a:endParaRPr>
+          </a:p>
+          <a:p>
+            <a:pPr marL="0" indent="0">
+              <a:lnSpc>
+                <a:spcPct val="100000"/>
+              </a:lnSpc>
+              <a:spcBef>
+                <a:spcPts val="600"/>
+              </a:spcBef>
+              <a:buNone/>
+            </a:pPr>
+            <a:endParaRPr lang="nl-NL" sz="1800" dirty="0">
+              <a:solidFill>
+                <a:schemeClr val="accent5">
+                  <a:lumMod val="75000"/>
+                </a:schemeClr>
+              </a:solidFill>
+              <a:latin typeface="Courier New" panose="02070309020205020404" pitchFamily="49" charset="0"/>
+              <a:cs typeface="Courier New" panose="02070309020205020404" pitchFamily="49" charset="0"/>
+            </a:endParaRPr>
+          </a:p>
+          <a:p>
+            <a:pPr marL="0" indent="0">
+              <a:lnSpc>
+                <a:spcPct val="100000"/>
+              </a:lnSpc>
+              <a:spcBef>
+                <a:spcPts val="600"/>
+              </a:spcBef>
+              <a:buNone/>
+            </a:pPr>
+            <a:r>
+              <a:rPr lang="nl-NL" sz="1800" dirty="0">
+                <a:solidFill>
+                  <a:schemeClr val="accent5">
+                    <a:lumMod val="75000"/>
+                  </a:schemeClr>
+                </a:solidFill>
+                <a:latin typeface="Courier New" panose="02070309020205020404" pitchFamily="49" charset="0"/>
+                <a:cs typeface="Courier New" panose="02070309020205020404" pitchFamily="49" charset="0"/>
+              </a:rPr>
+              <a:t>DELETE FROM </a:t>
+            </a:r>
+            <a:r>
+              <a:rPr lang="nl-NL" sz="1800" dirty="0">
+                <a:latin typeface="Courier New" panose="02070309020205020404" pitchFamily="49" charset="0"/>
+                <a:cs typeface="Courier New" panose="02070309020205020404" pitchFamily="49" charset="0"/>
+              </a:rPr>
+              <a:t>Klanten;</a:t>
+            </a:r>
+          </a:p>
+          <a:p>
+            <a:pPr marL="0" indent="0">
+              <a:lnSpc>
+                <a:spcPct val="100000"/>
+              </a:lnSpc>
+              <a:spcBef>
+                <a:spcPts val="600"/>
+              </a:spcBef>
+              <a:buNone/>
+            </a:pPr>
+            <a:endParaRPr lang="nl-NL" sz="1800" dirty="0">
+              <a:latin typeface="Courier New" panose="02070309020205020404" pitchFamily="49" charset="0"/>
+              <a:cs typeface="Courier New" panose="02070309020205020404" pitchFamily="49" charset="0"/>
+            </a:endParaRPr>
+          </a:p>
+          <a:p>
+            <a:pPr marL="0" indent="0">
+              <a:lnSpc>
+                <a:spcPct val="100000"/>
+              </a:lnSpc>
+              <a:spcBef>
+                <a:spcPts val="600"/>
+              </a:spcBef>
+              <a:buNone/>
+            </a:pPr>
+            <a:endParaRPr lang="nl-NL" sz="1800" dirty="0">
+              <a:latin typeface="Courier New" panose="02070309020205020404" pitchFamily="49" charset="0"/>
+              <a:cs typeface="Courier New" panose="02070309020205020404" pitchFamily="49" charset="0"/>
+            </a:endParaRPr>
+          </a:p>
+          <a:p>
+            <a:pPr marL="0" indent="0">
+              <a:lnSpc>
+                <a:spcPct val="100000"/>
+              </a:lnSpc>
+              <a:spcBef>
+                <a:spcPts val="600"/>
+              </a:spcBef>
+              <a:buNone/>
+            </a:pPr>
+            <a:endParaRPr lang="nl-NL" sz="1800" dirty="0">
+              <a:latin typeface="Courier New" panose="02070309020205020404" pitchFamily="49" charset="0"/>
+              <a:cs typeface="Courier New" panose="02070309020205020404" pitchFamily="49" charset="0"/>
+            </a:endParaRPr>
+          </a:p>
+          <a:p>
+            <a:pPr marL="0" indent="0">
+              <a:lnSpc>
+                <a:spcPct val="100000"/>
+              </a:lnSpc>
+              <a:spcBef>
+                <a:spcPts val="600"/>
+              </a:spcBef>
+              <a:buNone/>
+            </a:pPr>
+            <a:endParaRPr lang="nl-NL" sz="1800" dirty="0">
+              <a:latin typeface="Courier New" panose="02070309020205020404" pitchFamily="49" charset="0"/>
+              <a:cs typeface="Courier New" panose="02070309020205020404" pitchFamily="49" charset="0"/>
+            </a:endParaRPr>
+          </a:p>
+        </p:txBody>
+      </p:sp>
+      <p:sp>
+        <p:nvSpPr>
+          <p:cNvPr id="5" name="Content Placeholder 2">
+            <a:extLst>
+              <a:ext uri="{FF2B5EF4-FFF2-40B4-BE49-F238E27FC236}">
+                <a16:creationId xmlns:a16="http://schemas.microsoft.com/office/drawing/2014/main" id="{2406BC6F-F954-2E6E-5442-636185F2E445}"/>
+              </a:ext>
+            </a:extLst>
+          </p:cNvPr>
+          <p:cNvSpPr txBox="1">
+            <a:spLocks/>
+          </p:cNvSpPr>
+          <p:nvPr/>
+        </p:nvSpPr>
+        <p:spPr>
+          <a:xfrm>
+            <a:off x="6323428" y="1825625"/>
+            <a:ext cx="5030371" cy="4351338"/>
+          </a:xfrm>
+          <a:prstGeom prst="rect">
+            <a:avLst/>
+          </a:prstGeom>
+        </p:spPr>
+        <p:txBody>
+          <a:bodyPr vert="horz" lIns="91440" tIns="45720" rIns="91440" bIns="45720" rtlCol="0">
+            <a:normAutofit/>
+          </a:bodyPr>
+          <a:lstStyle>
+            <a:lvl1pPr marL="228600" indent="-228600" algn="l" defTabSz="914400" rtl="0" eaLnBrk="1" latinLnBrk="0" hangingPunct="1">
+              <a:lnSpc>
+                <a:spcPct val="90000"/>
+              </a:lnSpc>
+              <a:spcBef>
+                <a:spcPts val="1000"/>
+              </a:spcBef>
+              <a:buFont typeface="Arial" panose="020B0604020202020204" pitchFamily="34" charset="0"/>
+              <a:buChar char="•"/>
+              <a:defRPr sz="2800" kern="1200">
+                <a:solidFill>
+                  <a:schemeClr val="tx1"/>
+                </a:solidFill>
+                <a:latin typeface="+mn-lt"/>
+                <a:ea typeface="+mn-ea"/>
+                <a:cs typeface="+mn-cs"/>
+              </a:defRPr>
+            </a:lvl1pPr>
+            <a:lvl2pPr marL="685800" indent="-228600" algn="l" defTabSz="914400" rtl="0" eaLnBrk="1" latinLnBrk="0" hangingPunct="1">
+              <a:lnSpc>
+                <a:spcPct val="90000"/>
+              </a:lnSpc>
+              <a:spcBef>
+                <a:spcPts val="500"/>
+              </a:spcBef>
+              <a:buFont typeface="Arial" panose="020B0604020202020204" pitchFamily="34" charset="0"/>
+              <a:buChar char="•"/>
+              <a:defRPr sz="2400" kern="1200">
+                <a:solidFill>
+                  <a:schemeClr val="tx1"/>
+                </a:solidFill>
+                <a:latin typeface="+mn-lt"/>
+                <a:ea typeface="+mn-ea"/>
+                <a:cs typeface="+mn-cs"/>
+              </a:defRPr>
+            </a:lvl2pPr>
+            <a:lvl3pPr marL="1143000" indent="-228600" algn="l" defTabSz="914400" rtl="0" eaLnBrk="1" latinLnBrk="0" hangingPunct="1">
+              <a:lnSpc>
+                <a:spcPct val="90000"/>
+              </a:lnSpc>
+              <a:spcBef>
+                <a:spcPts val="500"/>
+              </a:spcBef>
+              <a:buFont typeface="Arial" panose="020B0604020202020204" pitchFamily="34" charset="0"/>
+              <a:buChar char="•"/>
+              <a:defRPr sz="2000" kern="1200">
+                <a:solidFill>
+                  <a:schemeClr val="tx1"/>
+                </a:solidFill>
+                <a:latin typeface="+mn-lt"/>
+                <a:ea typeface="+mn-ea"/>
+                <a:cs typeface="+mn-cs"/>
+              </a:defRPr>
+            </a:lvl3pPr>
+            <a:lvl4pPr marL="1600200" indent="-228600" algn="l" defTabSz="914400" rtl="0" eaLnBrk="1" latinLnBrk="0" hangingPunct="1">
+              <a:lnSpc>
+                <a:spcPct val="90000"/>
+              </a:lnSpc>
+              <a:spcBef>
+                <a:spcPts val="500"/>
+              </a:spcBef>
+              <a:buFont typeface="Arial" panose="020B0604020202020204" pitchFamily="34" charset="0"/>
+              <a:buChar char="•"/>
+              <a:defRPr sz="1800" kern="1200">
+                <a:solidFill>
+                  <a:schemeClr val="tx1"/>
+                </a:solidFill>
+                <a:latin typeface="+mn-lt"/>
+                <a:ea typeface="+mn-ea"/>
+                <a:cs typeface="+mn-cs"/>
+              </a:defRPr>
+            </a:lvl4pPr>
+            <a:lvl5pPr marL="2057400" indent="-228600" algn="l" defTabSz="914400" rtl="0" eaLnBrk="1" latinLnBrk="0" hangingPunct="1">
+              <a:lnSpc>
+                <a:spcPct val="90000"/>
+              </a:lnSpc>
+              <a:spcBef>
+                <a:spcPts val="500"/>
+              </a:spcBef>
+              <a:buFont typeface="Arial" panose="020B0604020202020204" pitchFamily="34" charset="0"/>
+              <a:buChar char="•"/>
+              <a:defRPr sz="1800" kern="1200">
+                <a:solidFill>
+                  <a:schemeClr val="tx1"/>
+                </a:solidFill>
+                <a:latin typeface="+mn-lt"/>
+                <a:ea typeface="+mn-ea"/>
+                <a:cs typeface="+mn-cs"/>
+              </a:defRPr>
+            </a:lvl5pPr>
+            <a:lvl6pPr marL="2514600" indent="-228600" algn="l" defTabSz="914400" rtl="0" eaLnBrk="1" latinLnBrk="0" hangingPunct="1">
+              <a:lnSpc>
+                <a:spcPct val="90000"/>
+              </a:lnSpc>
+              <a:spcBef>
+                <a:spcPts val="500"/>
+              </a:spcBef>
+              <a:buFont typeface="Arial" panose="020B0604020202020204" pitchFamily="34" charset="0"/>
+              <a:buChar char="•"/>
+              <a:defRPr sz="1800" kern="1200">
+                <a:solidFill>
+                  <a:schemeClr val="tx1"/>
+                </a:solidFill>
+                <a:latin typeface="+mn-lt"/>
+                <a:ea typeface="+mn-ea"/>
+                <a:cs typeface="+mn-cs"/>
+              </a:defRPr>
+            </a:lvl6pPr>
+            <a:lvl7pPr marL="2971800" indent="-228600" algn="l" defTabSz="914400" rtl="0" eaLnBrk="1" latinLnBrk="0" hangingPunct="1">
+              <a:lnSpc>
+                <a:spcPct val="90000"/>
+              </a:lnSpc>
+              <a:spcBef>
+                <a:spcPts val="500"/>
+              </a:spcBef>
+              <a:buFont typeface="Arial" panose="020B0604020202020204" pitchFamily="34" charset="0"/>
+              <a:buChar char="•"/>
+              <a:defRPr sz="1800" kern="1200">
+                <a:solidFill>
+                  <a:schemeClr val="tx1"/>
+                </a:solidFill>
+                <a:latin typeface="+mn-lt"/>
+                <a:ea typeface="+mn-ea"/>
+                <a:cs typeface="+mn-cs"/>
+              </a:defRPr>
+            </a:lvl7pPr>
+            <a:lvl8pPr marL="3429000" indent="-228600" algn="l" defTabSz="914400" rtl="0" eaLnBrk="1" latinLnBrk="0" hangingPunct="1">
+              <a:lnSpc>
+                <a:spcPct val="90000"/>
+              </a:lnSpc>
+              <a:spcBef>
+                <a:spcPts val="500"/>
+              </a:spcBef>
+              <a:buFont typeface="Arial" panose="020B0604020202020204" pitchFamily="34" charset="0"/>
+              <a:buChar char="•"/>
+              <a:defRPr sz="1800" kern="1200">
+                <a:solidFill>
+                  <a:schemeClr val="tx1"/>
+                </a:solidFill>
+                <a:latin typeface="+mn-lt"/>
+                <a:ea typeface="+mn-ea"/>
+                <a:cs typeface="+mn-cs"/>
+              </a:defRPr>
+            </a:lvl8pPr>
+            <a:lvl9pPr marL="3886200" indent="-228600" algn="l" defTabSz="914400" rtl="0" eaLnBrk="1" latinLnBrk="0" hangingPunct="1">
+              <a:lnSpc>
+                <a:spcPct val="90000"/>
+              </a:lnSpc>
+              <a:spcBef>
+                <a:spcPts val="500"/>
+              </a:spcBef>
+              <a:buFont typeface="Arial" panose="020B0604020202020204" pitchFamily="34" charset="0"/>
+              <a:buChar char="•"/>
+              <a:defRPr sz="1800" kern="1200">
+                <a:solidFill>
+                  <a:schemeClr val="tx1"/>
+                </a:solidFill>
+                <a:latin typeface="+mn-lt"/>
+                <a:ea typeface="+mn-ea"/>
+                <a:cs typeface="+mn-cs"/>
+              </a:defRPr>
+            </a:lvl9pPr>
+          </a:lstStyle>
+          <a:p>
+            <a:pPr marL="0" indent="0">
+              <a:lnSpc>
+                <a:spcPct val="100000"/>
+              </a:lnSpc>
+              <a:spcBef>
+                <a:spcPts val="600"/>
+              </a:spcBef>
+              <a:buNone/>
+            </a:pPr>
+            <a:r>
+              <a:rPr lang="nl-NL" sz="2000" dirty="0"/>
+              <a:t>Gebruik </a:t>
+            </a:r>
+            <a:r>
+              <a:rPr lang="nl-NL" sz="2000" dirty="0">
+                <a:solidFill>
+                  <a:schemeClr val="accent5">
+                    <a:lumMod val="75000"/>
+                  </a:schemeClr>
+                </a:solidFill>
+                <a:latin typeface="Courier New" panose="02070309020205020404" pitchFamily="49" charset="0"/>
+                <a:cs typeface="Courier New" panose="02070309020205020404" pitchFamily="49" charset="0"/>
+              </a:rPr>
+              <a:t>DELETE </a:t>
+            </a:r>
+            <a:r>
+              <a:rPr lang="nl-NL" sz="2000" dirty="0"/>
+              <a:t>om rijen te verwijderen.</a:t>
+            </a:r>
+          </a:p>
+          <a:p>
+            <a:pPr marL="0" indent="0">
+              <a:lnSpc>
+                <a:spcPct val="100000"/>
+              </a:lnSpc>
+              <a:spcBef>
+                <a:spcPts val="600"/>
+              </a:spcBef>
+              <a:buNone/>
+            </a:pPr>
+            <a:endParaRPr lang="nl-NL" sz="2000" dirty="0"/>
+          </a:p>
+          <a:p>
+            <a:pPr marL="0" indent="0">
+              <a:lnSpc>
+                <a:spcPct val="100000"/>
+              </a:lnSpc>
+              <a:spcBef>
+                <a:spcPts val="600"/>
+              </a:spcBef>
+              <a:buNone/>
+            </a:pPr>
+            <a:r>
+              <a:rPr lang="nl-NL" sz="2000" dirty="0"/>
+              <a:t>Geef met </a:t>
+            </a:r>
+            <a:r>
+              <a:rPr lang="nl-NL" sz="2000" dirty="0">
+                <a:solidFill>
+                  <a:schemeClr val="accent1"/>
+                </a:solidFill>
+                <a:latin typeface="Courier New" panose="02070309020205020404" pitchFamily="49" charset="0"/>
+                <a:cs typeface="Courier New" panose="02070309020205020404" pitchFamily="49" charset="0"/>
+              </a:rPr>
+              <a:t>FROM </a:t>
+            </a:r>
+            <a:r>
+              <a:rPr lang="nl-NL" sz="2000" dirty="0"/>
+              <a:t>aan uit welke tabel rijen verwijderd moeten worden.</a:t>
+            </a:r>
+          </a:p>
+          <a:p>
+            <a:pPr marL="0" indent="0">
+              <a:lnSpc>
+                <a:spcPct val="100000"/>
+              </a:lnSpc>
+              <a:spcBef>
+                <a:spcPts val="600"/>
+              </a:spcBef>
+              <a:buNone/>
+            </a:pPr>
+            <a:endParaRPr lang="nl-NL" sz="2000" dirty="0"/>
+          </a:p>
+          <a:p>
+            <a:pPr marL="0" indent="0">
+              <a:lnSpc>
+                <a:spcPct val="100000"/>
+              </a:lnSpc>
+              <a:spcBef>
+                <a:spcPts val="600"/>
+              </a:spcBef>
+              <a:buNone/>
+            </a:pPr>
+            <a:r>
+              <a:rPr lang="nl-NL" sz="2000" dirty="0"/>
+              <a:t>Geef met </a:t>
+            </a:r>
+            <a:r>
+              <a:rPr lang="nl-NL" sz="2000" dirty="0">
+                <a:solidFill>
+                  <a:schemeClr val="accent1"/>
+                </a:solidFill>
+                <a:latin typeface="Courier New" panose="02070309020205020404" pitchFamily="49" charset="0"/>
+                <a:cs typeface="Courier New" panose="02070309020205020404" pitchFamily="49" charset="0"/>
+              </a:rPr>
+              <a:t>WHERE</a:t>
+            </a:r>
+            <a:r>
+              <a:rPr lang="nl-NL" sz="2000" dirty="0"/>
+              <a:t> aan welke rijen verwijderd moeten worden.</a:t>
+            </a:r>
+          </a:p>
+          <a:p>
+            <a:pPr marL="0" indent="0">
+              <a:lnSpc>
+                <a:spcPct val="100000"/>
+              </a:lnSpc>
+              <a:spcBef>
+                <a:spcPts val="600"/>
+              </a:spcBef>
+              <a:buNone/>
+            </a:pPr>
+            <a:endParaRPr lang="nl-NL" sz="2000" dirty="0"/>
+          </a:p>
+          <a:p>
+            <a:pPr marL="0" indent="0">
+              <a:lnSpc>
+                <a:spcPct val="100000"/>
+              </a:lnSpc>
+              <a:spcBef>
+                <a:spcPts val="600"/>
+              </a:spcBef>
+              <a:buNone/>
+            </a:pPr>
+            <a:r>
+              <a:rPr lang="nl-NL" sz="2000" dirty="0"/>
+              <a:t>LET OP: Zonder </a:t>
+            </a:r>
+            <a:r>
+              <a:rPr lang="nl-NL" sz="2000" dirty="0">
+                <a:solidFill>
+                  <a:schemeClr val="accent1"/>
+                </a:solidFill>
+                <a:latin typeface="Courier New" panose="02070309020205020404" pitchFamily="49" charset="0"/>
+                <a:cs typeface="Courier New" panose="02070309020205020404" pitchFamily="49" charset="0"/>
+              </a:rPr>
+              <a:t>WHERE</a:t>
+            </a:r>
+            <a:r>
+              <a:rPr lang="nl-NL" sz="2000" dirty="0"/>
+              <a:t> worden *alle* rijen verwijderd!</a:t>
+            </a:r>
+          </a:p>
+        </p:txBody>
+      </p:sp>
+      <p:cxnSp>
+        <p:nvCxnSpPr>
+          <p:cNvPr id="6" name="Straight Connector 5">
+            <a:extLst>
+              <a:ext uri="{FF2B5EF4-FFF2-40B4-BE49-F238E27FC236}">
+                <a16:creationId xmlns:a16="http://schemas.microsoft.com/office/drawing/2014/main" id="{5A9DAAF4-03BC-CB05-A472-C22970C06C0F}"/>
+              </a:ext>
+            </a:extLst>
+          </p:cNvPr>
+          <p:cNvCxnSpPr/>
+          <p:nvPr/>
+        </p:nvCxnSpPr>
+        <p:spPr>
+          <a:xfrm>
+            <a:off x="6096000" y="1864311"/>
+            <a:ext cx="0" cy="4351338"/>
+          </a:xfrm>
+          <a:prstGeom prst="line">
+            <a:avLst/>
+          </a:prstGeom>
+        </p:spPr>
+        <p:style>
+          <a:lnRef idx="3">
+            <a:schemeClr val="dk1"/>
+          </a:lnRef>
+          <a:fillRef idx="0">
+            <a:schemeClr val="dk1"/>
+          </a:fillRef>
+          <a:effectRef idx="2">
+            <a:schemeClr val="dk1"/>
+          </a:effectRef>
+          <a:fontRef idx="minor">
+            <a:schemeClr val="tx1"/>
+          </a:fontRef>
+        </p:style>
+      </p:cxnSp>
+    </p:spTree>
+    <p:extLst>
+      <p:ext uri="{BB962C8B-B14F-4D97-AF65-F5344CB8AC3E}">
+        <p14:creationId xmlns:p14="http://schemas.microsoft.com/office/powerpoint/2010/main" val="2100949717"/>
+      </p:ext>
+    </p:extLst>
+  </p:cSld>
+  <p:clrMapOvr>
+    <a:masterClrMapping/>
+  </p:clrMapOvr>
+</p:sld>
+</file>
+
+<file path=ppt/slides/slide63.xml><?xml version="1.0" encoding="utf-8"?>
+<p:sld xmlns:a="http://schemas.openxmlformats.org/drawingml/2006/main" xmlns:r="http://schemas.openxmlformats.org/officeDocument/2006/relationships" xmlns:p="http://schemas.openxmlformats.org/presentationml/2006/main">
+  <p:cSld>
+    <p:spTree>
+      <p:nvGrpSpPr>
+        <p:cNvPr id="1" name="">
+          <a:extLst>
+            <a:ext uri="{FF2B5EF4-FFF2-40B4-BE49-F238E27FC236}">
+              <a16:creationId xmlns:a16="http://schemas.microsoft.com/office/drawing/2014/main" id="{A781383B-875D-B756-9769-1ACBAE0623F9}"/>
+            </a:ext>
+          </a:extLst>
+        </p:cNvPr>
+        <p:cNvGrpSpPr/>
+        <p:nvPr/>
+      </p:nvGrpSpPr>
+      <p:grpSpPr>
+        <a:xfrm>
+          <a:off x="0" y="0"/>
+          <a:ext cx="0" cy="0"/>
+          <a:chOff x="0" y="0"/>
+          <a:chExt cx="0" cy="0"/>
+        </a:xfrm>
+      </p:grpSpPr>
+      <p:sp>
+        <p:nvSpPr>
+          <p:cNvPr id="2" name="Title 1">
+            <a:extLst>
+              <a:ext uri="{FF2B5EF4-FFF2-40B4-BE49-F238E27FC236}">
+                <a16:creationId xmlns:a16="http://schemas.microsoft.com/office/drawing/2014/main" id="{83E82982-DE8E-0A9F-B45C-A109109226B4}"/>
+              </a:ext>
+            </a:extLst>
+          </p:cNvPr>
+          <p:cNvSpPr>
+            <a:spLocks noGrp="1"/>
+          </p:cNvSpPr>
+          <p:nvPr>
+            <p:ph type="title"/>
+          </p:nvPr>
+        </p:nvSpPr>
+        <p:spPr/>
+        <p:txBody>
+          <a:bodyPr>
+            <a:normAutofit/>
+          </a:bodyPr>
+          <a:lstStyle/>
+          <a:p>
+            <a:r>
+              <a:rPr lang="nl-NL" sz="3600" dirty="0"/>
+              <a:t>Oefeningen 6</a:t>
+            </a:r>
+          </a:p>
+        </p:txBody>
+      </p:sp>
+      <p:sp>
+        <p:nvSpPr>
+          <p:cNvPr id="3" name="Content Placeholder 2">
+            <a:extLst>
+              <a:ext uri="{FF2B5EF4-FFF2-40B4-BE49-F238E27FC236}">
+                <a16:creationId xmlns:a16="http://schemas.microsoft.com/office/drawing/2014/main" id="{7E411C62-2CAA-CF5B-7868-14FAD907D2E5}"/>
+              </a:ext>
+            </a:extLst>
+          </p:cNvPr>
+          <p:cNvSpPr>
+            <a:spLocks noGrp="1"/>
+          </p:cNvSpPr>
+          <p:nvPr>
+            <p:ph idx="1"/>
+          </p:nvPr>
+        </p:nvSpPr>
+        <p:spPr/>
+        <p:txBody>
+          <a:bodyPr>
+            <a:normAutofit/>
+          </a:bodyPr>
+          <a:lstStyle/>
+          <a:p>
+            <a:pPr marL="0" indent="0">
+              <a:lnSpc>
+                <a:spcPct val="100000"/>
+              </a:lnSpc>
+              <a:spcBef>
+                <a:spcPts val="600"/>
+              </a:spcBef>
+              <a:buNone/>
+            </a:pPr>
+            <a:r>
+              <a:rPr lang="nl-NL" sz="2000" dirty="0"/>
+              <a:t>Open </a:t>
+            </a:r>
+            <a:r>
+              <a:rPr lang="nl-NL" sz="2000" dirty="0" err="1">
+                <a:latin typeface="Courier New" panose="02070309020205020404" pitchFamily="49" charset="0"/>
+                <a:cs typeface="Courier New" panose="02070309020205020404" pitchFamily="49" charset="0"/>
+              </a:rPr>
+              <a:t>klanten.db</a:t>
+            </a:r>
+            <a:r>
+              <a:rPr lang="nl-NL" sz="2000" dirty="0"/>
+              <a:t> in DB Browser </a:t>
+            </a:r>
+            <a:r>
+              <a:rPr lang="nl-NL" sz="2000" dirty="0" err="1"/>
+              <a:t>for</a:t>
+            </a:r>
+            <a:r>
+              <a:rPr lang="nl-NL" sz="2000" dirty="0"/>
+              <a:t> </a:t>
+            </a:r>
+            <a:r>
+              <a:rPr lang="nl-NL" sz="2000" dirty="0" err="1"/>
+              <a:t>SQLite</a:t>
+            </a:r>
+            <a:r>
+              <a:rPr lang="nl-NL" sz="2000" dirty="0"/>
+              <a:t>.</a:t>
+            </a:r>
+          </a:p>
+          <a:p>
+            <a:pPr marL="0" indent="0">
+              <a:lnSpc>
+                <a:spcPct val="100000"/>
+              </a:lnSpc>
+              <a:spcBef>
+                <a:spcPts val="600"/>
+              </a:spcBef>
+              <a:buNone/>
+            </a:pPr>
+            <a:endParaRPr lang="nl-NL" sz="2000" dirty="0"/>
+          </a:p>
+          <a:p>
+            <a:pPr marL="457200" indent="-457200">
+              <a:lnSpc>
+                <a:spcPct val="100000"/>
+              </a:lnSpc>
+              <a:spcBef>
+                <a:spcPts val="600"/>
+              </a:spcBef>
+              <a:buAutoNum type="arabicPeriod"/>
+            </a:pPr>
+            <a:r>
+              <a:rPr lang="nl-NL" sz="2000" dirty="0"/>
+              <a:t>Bekijk de bestaande klanten in de </a:t>
+            </a:r>
+            <a:r>
+              <a:rPr lang="nl-NL" sz="2000" dirty="0">
+                <a:latin typeface="Courier New" panose="02070309020205020404" pitchFamily="49" charset="0"/>
+                <a:cs typeface="Courier New" panose="02070309020205020404" pitchFamily="49" charset="0"/>
+              </a:rPr>
+              <a:t>Klanten</a:t>
+            </a:r>
+            <a:r>
+              <a:rPr lang="nl-NL" sz="2000" dirty="0"/>
+              <a:t> tabel.</a:t>
+            </a:r>
+          </a:p>
+          <a:p>
+            <a:pPr marL="457200" indent="-457200">
+              <a:lnSpc>
+                <a:spcPct val="100000"/>
+              </a:lnSpc>
+              <a:spcBef>
+                <a:spcPts val="600"/>
+              </a:spcBef>
+              <a:buAutoNum type="arabicPeriod"/>
+            </a:pPr>
+            <a:endParaRPr lang="nl-NL" sz="2000" dirty="0"/>
+          </a:p>
+          <a:p>
+            <a:pPr marL="457200" indent="-457200">
+              <a:lnSpc>
+                <a:spcPct val="100000"/>
+              </a:lnSpc>
+              <a:spcBef>
+                <a:spcPts val="600"/>
+              </a:spcBef>
+              <a:buAutoNum type="arabicPeriod"/>
+            </a:pPr>
+            <a:r>
+              <a:rPr lang="nl-NL" sz="2000" dirty="0"/>
+              <a:t>Voeg twee klanten toe aan de </a:t>
+            </a:r>
+            <a:r>
+              <a:rPr lang="nl-NL" sz="2000" dirty="0">
+                <a:latin typeface="Courier New" panose="02070309020205020404" pitchFamily="49" charset="0"/>
+                <a:cs typeface="Courier New" panose="02070309020205020404" pitchFamily="49" charset="0"/>
+              </a:rPr>
+              <a:t>Klanten</a:t>
+            </a:r>
+            <a:r>
+              <a:rPr lang="nl-NL" sz="2000" dirty="0"/>
+              <a:t> tabel.</a:t>
+            </a:r>
+          </a:p>
+          <a:p>
+            <a:pPr marL="457200" indent="-457200">
+              <a:lnSpc>
+                <a:spcPct val="100000"/>
+              </a:lnSpc>
+              <a:spcBef>
+                <a:spcPts val="600"/>
+              </a:spcBef>
+              <a:buAutoNum type="arabicPeriod"/>
+            </a:pPr>
+            <a:endParaRPr lang="nl-NL" sz="2000" dirty="0"/>
+          </a:p>
+          <a:p>
+            <a:pPr marL="457200" indent="-457200">
+              <a:lnSpc>
+                <a:spcPct val="100000"/>
+              </a:lnSpc>
+              <a:spcBef>
+                <a:spcPts val="600"/>
+              </a:spcBef>
+              <a:buAutoNum type="arabicPeriod"/>
+            </a:pPr>
+            <a:r>
+              <a:rPr lang="nl-NL" sz="2000" dirty="0"/>
+              <a:t>Wijzig de leeftijd van één van deze nieuwe klanten.</a:t>
+            </a:r>
+          </a:p>
+          <a:p>
+            <a:pPr marL="457200" indent="-457200">
+              <a:lnSpc>
+                <a:spcPct val="100000"/>
+              </a:lnSpc>
+              <a:spcBef>
+                <a:spcPts val="600"/>
+              </a:spcBef>
+              <a:buAutoNum type="arabicPeriod"/>
+            </a:pPr>
+            <a:endParaRPr lang="nl-NL" sz="2000" dirty="0"/>
+          </a:p>
+          <a:p>
+            <a:pPr marL="457200" indent="-457200">
+              <a:lnSpc>
+                <a:spcPct val="100000"/>
+              </a:lnSpc>
+              <a:spcBef>
+                <a:spcPts val="600"/>
+              </a:spcBef>
+              <a:buAutoNum type="arabicPeriod"/>
+            </a:pPr>
+            <a:r>
+              <a:rPr lang="nl-NL" sz="2000" dirty="0"/>
+              <a:t>Gooi alle klanten weg waarvan de leeftijd ontbreekt.</a:t>
+            </a:r>
+          </a:p>
+          <a:p>
+            <a:pPr>
+              <a:lnSpc>
+                <a:spcPct val="100000"/>
+              </a:lnSpc>
+              <a:spcBef>
+                <a:spcPts val="600"/>
+              </a:spcBef>
+              <a:buFontTx/>
+              <a:buChar char="-"/>
+            </a:pPr>
+            <a:endParaRPr lang="nl-NL" sz="2000" dirty="0"/>
+          </a:p>
+          <a:p>
+            <a:pPr>
+              <a:lnSpc>
+                <a:spcPct val="100000"/>
+              </a:lnSpc>
+              <a:spcBef>
+                <a:spcPts val="600"/>
+              </a:spcBef>
+              <a:buFontTx/>
+              <a:buChar char="-"/>
+            </a:pPr>
+            <a:endParaRPr lang="nl-NL" sz="2000" dirty="0"/>
+          </a:p>
+          <a:p>
+            <a:pPr marL="0" indent="0">
+              <a:lnSpc>
+                <a:spcPct val="100000"/>
+              </a:lnSpc>
+              <a:spcBef>
+                <a:spcPts val="600"/>
+              </a:spcBef>
+              <a:buNone/>
+            </a:pPr>
+            <a:endParaRPr lang="nl-NL" sz="2000" dirty="0"/>
+          </a:p>
+          <a:p>
+            <a:pPr marL="0" indent="0">
+              <a:lnSpc>
+                <a:spcPct val="100000"/>
+              </a:lnSpc>
+              <a:spcBef>
+                <a:spcPts val="600"/>
+              </a:spcBef>
+              <a:buNone/>
+            </a:pPr>
+            <a:endParaRPr lang="nl-NL" sz="2000" dirty="0"/>
+          </a:p>
+        </p:txBody>
+      </p:sp>
+    </p:spTree>
+    <p:extLst>
+      <p:ext uri="{BB962C8B-B14F-4D97-AF65-F5344CB8AC3E}">
+        <p14:creationId xmlns:p14="http://schemas.microsoft.com/office/powerpoint/2010/main" val="3052371840"/>
       </p:ext>
     </p:extLst>
   </p:cSld>

--- a/sql_course/1_basics/1_basics.pptx
+++ b/sql_course/1_basics/1_basics.pptx
@@ -5,7 +5,7 @@
     <p:sldMasterId id="2147483648" r:id="rId1"/>
   </p:sldMasterIdLst>
   <p:notesMasterIdLst>
-    <p:notesMasterId r:id="rId65"/>
+    <p:notesMasterId r:id="rId66"/>
   </p:notesMasterIdLst>
   <p:sldIdLst>
     <p:sldId id="256" r:id="rId2"/>
@@ -19,58 +19,59 @@
     <p:sldId id="344" r:id="rId10"/>
     <p:sldId id="271" r:id="rId11"/>
     <p:sldId id="360" r:id="rId12"/>
-    <p:sldId id="274" r:id="rId13"/>
-    <p:sldId id="275" r:id="rId14"/>
-    <p:sldId id="365" r:id="rId15"/>
-    <p:sldId id="315" r:id="rId16"/>
-    <p:sldId id="362" r:id="rId17"/>
+    <p:sldId id="362" r:id="rId13"/>
+    <p:sldId id="274" r:id="rId14"/>
+    <p:sldId id="275" r:id="rId15"/>
+    <p:sldId id="365" r:id="rId16"/>
+    <p:sldId id="315" r:id="rId17"/>
     <p:sldId id="272" r:id="rId18"/>
     <p:sldId id="273" r:id="rId19"/>
-    <p:sldId id="363" r:id="rId20"/>
+    <p:sldId id="402" r:id="rId20"/>
     <p:sldId id="276" r:id="rId21"/>
-    <p:sldId id="364" r:id="rId22"/>
-    <p:sldId id="317" r:id="rId23"/>
-    <p:sldId id="318" r:id="rId24"/>
-    <p:sldId id="361" r:id="rId25"/>
-    <p:sldId id="345" r:id="rId26"/>
-    <p:sldId id="277" r:id="rId27"/>
-    <p:sldId id="278" r:id="rId28"/>
-    <p:sldId id="289" r:id="rId29"/>
-    <p:sldId id="366" r:id="rId30"/>
-    <p:sldId id="367" r:id="rId31"/>
-    <p:sldId id="368" r:id="rId32"/>
-    <p:sldId id="369" r:id="rId33"/>
-    <p:sldId id="287" r:id="rId34"/>
-    <p:sldId id="346" r:id="rId35"/>
-    <p:sldId id="279" r:id="rId36"/>
-    <p:sldId id="370" r:id="rId37"/>
-    <p:sldId id="371" r:id="rId38"/>
-    <p:sldId id="375" r:id="rId39"/>
-    <p:sldId id="378" r:id="rId40"/>
-    <p:sldId id="377" r:id="rId41"/>
-    <p:sldId id="376" r:id="rId42"/>
-    <p:sldId id="285" r:id="rId43"/>
-    <p:sldId id="331" r:id="rId44"/>
-    <p:sldId id="280" r:id="rId45"/>
-    <p:sldId id="379" r:id="rId46"/>
-    <p:sldId id="354" r:id="rId47"/>
-    <p:sldId id="380" r:id="rId48"/>
-    <p:sldId id="328" r:id="rId49"/>
-    <p:sldId id="284" r:id="rId50"/>
-    <p:sldId id="381" r:id="rId51"/>
-    <p:sldId id="382" r:id="rId52"/>
-    <p:sldId id="386" r:id="rId53"/>
-    <p:sldId id="387" r:id="rId54"/>
-    <p:sldId id="392" r:id="rId55"/>
-    <p:sldId id="393" r:id="rId56"/>
-    <p:sldId id="394" r:id="rId57"/>
-    <p:sldId id="395" r:id="rId58"/>
-    <p:sldId id="398" r:id="rId59"/>
-    <p:sldId id="400" r:id="rId60"/>
-    <p:sldId id="399" r:id="rId61"/>
-    <p:sldId id="397" r:id="rId62"/>
-    <p:sldId id="401" r:id="rId63"/>
-    <p:sldId id="396" r:id="rId64"/>
+    <p:sldId id="363" r:id="rId22"/>
+    <p:sldId id="364" r:id="rId23"/>
+    <p:sldId id="317" r:id="rId24"/>
+    <p:sldId id="318" r:id="rId25"/>
+    <p:sldId id="361" r:id="rId26"/>
+    <p:sldId id="345" r:id="rId27"/>
+    <p:sldId id="277" r:id="rId28"/>
+    <p:sldId id="278" r:id="rId29"/>
+    <p:sldId id="289" r:id="rId30"/>
+    <p:sldId id="366" r:id="rId31"/>
+    <p:sldId id="367" r:id="rId32"/>
+    <p:sldId id="368" r:id="rId33"/>
+    <p:sldId id="369" r:id="rId34"/>
+    <p:sldId id="287" r:id="rId35"/>
+    <p:sldId id="346" r:id="rId36"/>
+    <p:sldId id="279" r:id="rId37"/>
+    <p:sldId id="370" r:id="rId38"/>
+    <p:sldId id="371" r:id="rId39"/>
+    <p:sldId id="375" r:id="rId40"/>
+    <p:sldId id="378" r:id="rId41"/>
+    <p:sldId id="377" r:id="rId42"/>
+    <p:sldId id="376" r:id="rId43"/>
+    <p:sldId id="285" r:id="rId44"/>
+    <p:sldId id="331" r:id="rId45"/>
+    <p:sldId id="280" r:id="rId46"/>
+    <p:sldId id="379" r:id="rId47"/>
+    <p:sldId id="354" r:id="rId48"/>
+    <p:sldId id="380" r:id="rId49"/>
+    <p:sldId id="328" r:id="rId50"/>
+    <p:sldId id="284" r:id="rId51"/>
+    <p:sldId id="381" r:id="rId52"/>
+    <p:sldId id="382" r:id="rId53"/>
+    <p:sldId id="386" r:id="rId54"/>
+    <p:sldId id="387" r:id="rId55"/>
+    <p:sldId id="392" r:id="rId56"/>
+    <p:sldId id="393" r:id="rId57"/>
+    <p:sldId id="394" r:id="rId58"/>
+    <p:sldId id="395" r:id="rId59"/>
+    <p:sldId id="398" r:id="rId60"/>
+    <p:sldId id="400" r:id="rId61"/>
+    <p:sldId id="399" r:id="rId62"/>
+    <p:sldId id="397" r:id="rId63"/>
+    <p:sldId id="401" r:id="rId64"/>
+    <p:sldId id="396" r:id="rId65"/>
   </p:sldIdLst>
   <p:sldSz cx="12192000" cy="6858000"/>
   <p:notesSz cx="6858000" cy="9144000"/>
@@ -259,7 +260,7 @@
           <a:p>
             <a:fld id="{61CE90D0-176A-4BE5-B54F-392F0A16E3B3}" type="datetimeFigureOut">
               <a:rPr lang="en-NL" smtClean="0"/>
-              <a:t>07/01/2025</a:t>
+              <a:t>16/01/2025</a:t>
             </a:fld>
             <a:endParaRPr lang="en-NL"/>
           </a:p>
@@ -620,7 +621,7 @@
           <a:p>
             <a:fld id="{F847AAA1-0A2D-4E17-BD7E-ECD1F2F24FF1}" type="slidenum">
               <a:rPr lang="en-NL" smtClean="0"/>
-              <a:t>12</a:t>
+              <a:t>13</a:t>
             </a:fld>
             <a:endParaRPr lang="en-NL"/>
           </a:p>
@@ -728,7 +729,7 @@
           <a:p>
             <a:fld id="{F847AAA1-0A2D-4E17-BD7E-ECD1F2F24FF1}" type="slidenum">
               <a:rPr lang="en-NL" smtClean="0"/>
-              <a:t>40</a:t>
+              <a:t>41</a:t>
             </a:fld>
             <a:endParaRPr lang="en-NL"/>
           </a:p>
@@ -836,7 +837,7 @@
           <a:p>
             <a:fld id="{F847AAA1-0A2D-4E17-BD7E-ECD1F2F24FF1}" type="slidenum">
               <a:rPr lang="en-NL" smtClean="0"/>
-              <a:t>41</a:t>
+              <a:t>42</a:t>
             </a:fld>
             <a:endParaRPr lang="en-NL"/>
           </a:p>
@@ -920,7 +921,7 @@
           <a:p>
             <a:fld id="{F847AAA1-0A2D-4E17-BD7E-ECD1F2F24FF1}" type="slidenum">
               <a:rPr lang="en-NL" smtClean="0"/>
-              <a:t>42</a:t>
+              <a:t>43</a:t>
             </a:fld>
             <a:endParaRPr lang="en-NL"/>
           </a:p>
@@ -1004,7 +1005,7 @@
           <a:p>
             <a:fld id="{F847AAA1-0A2D-4E17-BD7E-ECD1F2F24FF1}" type="slidenum">
               <a:rPr lang="en-NL" smtClean="0"/>
-              <a:t>43</a:t>
+              <a:t>44</a:t>
             </a:fld>
             <a:endParaRPr lang="en-NL"/>
           </a:p>
@@ -1088,7 +1089,7 @@
           <a:p>
             <a:fld id="{F847AAA1-0A2D-4E17-BD7E-ECD1F2F24FF1}" type="slidenum">
               <a:rPr lang="en-NL" smtClean="0"/>
-              <a:t>44</a:t>
+              <a:t>45</a:t>
             </a:fld>
             <a:endParaRPr lang="en-NL"/>
           </a:p>
@@ -1196,7 +1197,7 @@
           <a:p>
             <a:fld id="{F847AAA1-0A2D-4E17-BD7E-ECD1F2F24FF1}" type="slidenum">
               <a:rPr lang="en-NL" smtClean="0"/>
-              <a:t>45</a:t>
+              <a:t>46</a:t>
             </a:fld>
             <a:endParaRPr lang="en-NL"/>
           </a:p>
@@ -1280,7 +1281,7 @@
           <a:p>
             <a:fld id="{F847AAA1-0A2D-4E17-BD7E-ECD1F2F24FF1}" type="slidenum">
               <a:rPr lang="en-NL" smtClean="0"/>
-              <a:t>46</a:t>
+              <a:t>47</a:t>
             </a:fld>
             <a:endParaRPr lang="en-NL"/>
           </a:p>
@@ -1388,7 +1389,7 @@
           <a:p>
             <a:fld id="{F847AAA1-0A2D-4E17-BD7E-ECD1F2F24FF1}" type="slidenum">
               <a:rPr lang="en-NL" smtClean="0"/>
-              <a:t>47</a:t>
+              <a:t>48</a:t>
             </a:fld>
             <a:endParaRPr lang="en-NL"/>
           </a:p>
@@ -1472,7 +1473,7 @@
           <a:p>
             <a:fld id="{F847AAA1-0A2D-4E17-BD7E-ECD1F2F24FF1}" type="slidenum">
               <a:rPr lang="en-NL" smtClean="0"/>
-              <a:t>48</a:t>
+              <a:t>49</a:t>
             </a:fld>
             <a:endParaRPr lang="en-NL"/>
           </a:p>
@@ -1556,7 +1557,7 @@
           <a:p>
             <a:fld id="{F847AAA1-0A2D-4E17-BD7E-ECD1F2F24FF1}" type="slidenum">
               <a:rPr lang="en-NL" smtClean="0"/>
-              <a:t>13</a:t>
+              <a:t>14</a:t>
             </a:fld>
             <a:endParaRPr lang="en-NL"/>
           </a:p>
@@ -1664,7 +1665,7 @@
           <a:p>
             <a:fld id="{F847AAA1-0A2D-4E17-BD7E-ECD1F2F24FF1}" type="slidenum">
               <a:rPr lang="en-NL" smtClean="0"/>
-              <a:t>14</a:t>
+              <a:t>15</a:t>
             </a:fld>
             <a:endParaRPr lang="en-NL"/>
           </a:p>
@@ -1748,7 +1749,7 @@
           <a:p>
             <a:fld id="{F847AAA1-0A2D-4E17-BD7E-ECD1F2F24FF1}" type="slidenum">
               <a:rPr lang="en-NL" smtClean="0"/>
-              <a:t>27</a:t>
+              <a:t>28</a:t>
             </a:fld>
             <a:endParaRPr lang="en-NL"/>
           </a:p>
@@ -1832,7 +1833,7 @@
           <a:p>
             <a:fld id="{F847AAA1-0A2D-4E17-BD7E-ECD1F2F24FF1}" type="slidenum">
               <a:rPr lang="en-NL" smtClean="0"/>
-              <a:t>35</a:t>
+              <a:t>36</a:t>
             </a:fld>
             <a:endParaRPr lang="en-NL"/>
           </a:p>
@@ -1940,7 +1941,7 @@
           <a:p>
             <a:fld id="{F847AAA1-0A2D-4E17-BD7E-ECD1F2F24FF1}" type="slidenum">
               <a:rPr lang="en-NL" smtClean="0"/>
-              <a:t>36</a:t>
+              <a:t>37</a:t>
             </a:fld>
             <a:endParaRPr lang="en-NL"/>
           </a:p>
@@ -2048,7 +2049,7 @@
           <a:p>
             <a:fld id="{F847AAA1-0A2D-4E17-BD7E-ECD1F2F24FF1}" type="slidenum">
               <a:rPr lang="en-NL" smtClean="0"/>
-              <a:t>37</a:t>
+              <a:t>38</a:t>
             </a:fld>
             <a:endParaRPr lang="en-NL"/>
           </a:p>
@@ -2156,7 +2157,7 @@
           <a:p>
             <a:fld id="{F847AAA1-0A2D-4E17-BD7E-ECD1F2F24FF1}" type="slidenum">
               <a:rPr lang="en-NL" smtClean="0"/>
-              <a:t>38</a:t>
+              <a:t>39</a:t>
             </a:fld>
             <a:endParaRPr lang="en-NL"/>
           </a:p>
@@ -2264,7 +2265,7 @@
           <a:p>
             <a:fld id="{F847AAA1-0A2D-4E17-BD7E-ECD1F2F24FF1}" type="slidenum">
               <a:rPr lang="en-NL" smtClean="0"/>
-              <a:t>39</a:t>
+              <a:t>40</a:t>
             </a:fld>
             <a:endParaRPr lang="en-NL"/>
           </a:p>
@@ -2432,7 +2433,7 @@
           <a:p>
             <a:fld id="{7B15CBDA-B49C-4B0F-9869-5B15867EA611}" type="datetimeFigureOut">
               <a:rPr lang="en-NL" smtClean="0"/>
-              <a:t>07/01/2025</a:t>
+              <a:t>16/01/2025</a:t>
             </a:fld>
             <a:endParaRPr lang="en-NL"/>
           </a:p>
@@ -2632,7 +2633,7 @@
           <a:p>
             <a:fld id="{7B15CBDA-B49C-4B0F-9869-5B15867EA611}" type="datetimeFigureOut">
               <a:rPr lang="en-NL" smtClean="0"/>
-              <a:t>07/01/2025</a:t>
+              <a:t>16/01/2025</a:t>
             </a:fld>
             <a:endParaRPr lang="en-NL"/>
           </a:p>
@@ -2842,7 +2843,7 @@
           <a:p>
             <a:fld id="{7B15CBDA-B49C-4B0F-9869-5B15867EA611}" type="datetimeFigureOut">
               <a:rPr lang="en-NL" smtClean="0"/>
-              <a:t>07/01/2025</a:t>
+              <a:t>16/01/2025</a:t>
             </a:fld>
             <a:endParaRPr lang="en-NL"/>
           </a:p>
@@ -3042,7 +3043,7 @@
           <a:p>
             <a:fld id="{7B15CBDA-B49C-4B0F-9869-5B15867EA611}" type="datetimeFigureOut">
               <a:rPr lang="en-NL" smtClean="0"/>
-              <a:t>07/01/2025</a:t>
+              <a:t>16/01/2025</a:t>
             </a:fld>
             <a:endParaRPr lang="en-NL"/>
           </a:p>
@@ -3318,7 +3319,7 @@
           <a:p>
             <a:fld id="{7B15CBDA-B49C-4B0F-9869-5B15867EA611}" type="datetimeFigureOut">
               <a:rPr lang="en-NL" smtClean="0"/>
-              <a:t>07/01/2025</a:t>
+              <a:t>16/01/2025</a:t>
             </a:fld>
             <a:endParaRPr lang="en-NL"/>
           </a:p>
@@ -3586,7 +3587,7 @@
           <a:p>
             <a:fld id="{7B15CBDA-B49C-4B0F-9869-5B15867EA611}" type="datetimeFigureOut">
               <a:rPr lang="en-NL" smtClean="0"/>
-              <a:t>07/01/2025</a:t>
+              <a:t>16/01/2025</a:t>
             </a:fld>
             <a:endParaRPr lang="en-NL"/>
           </a:p>
@@ -4001,7 +4002,7 @@
           <a:p>
             <a:fld id="{7B15CBDA-B49C-4B0F-9869-5B15867EA611}" type="datetimeFigureOut">
               <a:rPr lang="en-NL" smtClean="0"/>
-              <a:t>07/01/2025</a:t>
+              <a:t>16/01/2025</a:t>
             </a:fld>
             <a:endParaRPr lang="en-NL"/>
           </a:p>
@@ -4143,7 +4144,7 @@
           <a:p>
             <a:fld id="{7B15CBDA-B49C-4B0F-9869-5B15867EA611}" type="datetimeFigureOut">
               <a:rPr lang="en-NL" smtClean="0"/>
-              <a:t>07/01/2025</a:t>
+              <a:t>16/01/2025</a:t>
             </a:fld>
             <a:endParaRPr lang="en-NL"/>
           </a:p>
@@ -4256,7 +4257,7 @@
           <a:p>
             <a:fld id="{7B15CBDA-B49C-4B0F-9869-5B15867EA611}" type="datetimeFigureOut">
               <a:rPr lang="en-NL" smtClean="0"/>
-              <a:t>07/01/2025</a:t>
+              <a:t>16/01/2025</a:t>
             </a:fld>
             <a:endParaRPr lang="en-NL"/>
           </a:p>
@@ -4569,7 +4570,7 @@
           <a:p>
             <a:fld id="{7B15CBDA-B49C-4B0F-9869-5B15867EA611}" type="datetimeFigureOut">
               <a:rPr lang="en-NL" smtClean="0"/>
-              <a:t>07/01/2025</a:t>
+              <a:t>16/01/2025</a:t>
             </a:fld>
             <a:endParaRPr lang="en-NL"/>
           </a:p>
@@ -4858,7 +4859,7 @@
           <a:p>
             <a:fld id="{7B15CBDA-B49C-4B0F-9869-5B15867EA611}" type="datetimeFigureOut">
               <a:rPr lang="en-NL" smtClean="0"/>
-              <a:t>07/01/2025</a:t>
+              <a:t>16/01/2025</a:t>
             </a:fld>
             <a:endParaRPr lang="en-NL"/>
           </a:p>
@@ -5101,7 +5102,7 @@
           <a:p>
             <a:fld id="{7B15CBDA-B49C-4B0F-9869-5B15867EA611}" type="datetimeFigureOut">
               <a:rPr lang="en-NL" smtClean="0"/>
-              <a:t>07/01/2025</a:t>
+              <a:t>16/01/2025</a:t>
             </a:fld>
             <a:endParaRPr lang="en-NL"/>
           </a:p>
@@ -5784,7 +5785,7 @@
                 <a:latin typeface="Courier New" panose="02070309020205020404" pitchFamily="49" charset="0"/>
                 <a:cs typeface="Courier New" panose="02070309020205020404" pitchFamily="49" charset="0"/>
               </a:rPr>
-              <a:t> Personen;</a:t>
+              <a:t> Klanten;</a:t>
             </a:r>
           </a:p>
         </p:txBody>
@@ -6383,7 +6384,7 @@
                 <a:latin typeface="Courier New" panose="02070309020205020404" pitchFamily="49" charset="0"/>
                 <a:cs typeface="Courier New" panose="02070309020205020404" pitchFamily="49" charset="0"/>
               </a:rPr>
-              <a:t> Personen;</a:t>
+              <a:t> Klanten;</a:t>
             </a:r>
           </a:p>
           <a:p>
@@ -6977,6 +6978,556 @@
   <p:cSld>
     <p:spTree>
       <p:nvGrpSpPr>
+        <p:cNvPr id="1" name="">
+          <a:extLst>
+            <a:ext uri="{FF2B5EF4-FFF2-40B4-BE49-F238E27FC236}">
+              <a16:creationId xmlns:a16="http://schemas.microsoft.com/office/drawing/2014/main" id="{C6BE36DA-E38C-129E-3AB4-72722BA051C8}"/>
+            </a:ext>
+          </a:extLst>
+        </p:cNvPr>
+        <p:cNvGrpSpPr/>
+        <p:nvPr/>
+      </p:nvGrpSpPr>
+      <p:grpSpPr>
+        <a:xfrm>
+          <a:off x="0" y="0"/>
+          <a:ext cx="0" cy="0"/>
+          <a:chOff x="0" y="0"/>
+          <a:chExt cx="0" cy="0"/>
+        </a:xfrm>
+      </p:grpSpPr>
+      <p:sp>
+        <p:nvSpPr>
+          <p:cNvPr id="2" name="Title 1">
+            <a:extLst>
+              <a:ext uri="{FF2B5EF4-FFF2-40B4-BE49-F238E27FC236}">
+                <a16:creationId xmlns:a16="http://schemas.microsoft.com/office/drawing/2014/main" id="{81AEDAA5-64C2-67B7-E6D6-D8CC4C957808}"/>
+              </a:ext>
+            </a:extLst>
+          </p:cNvPr>
+          <p:cNvSpPr>
+            <a:spLocks noGrp="1"/>
+          </p:cNvSpPr>
+          <p:nvPr>
+            <p:ph type="title"/>
+          </p:nvPr>
+        </p:nvSpPr>
+        <p:spPr/>
+        <p:txBody>
+          <a:bodyPr>
+            <a:normAutofit/>
+          </a:bodyPr>
+          <a:lstStyle/>
+          <a:p>
+            <a:r>
+              <a:rPr lang="nl-NL" sz="3600" dirty="0"/>
+              <a:t>Namen en waardes</a:t>
+            </a:r>
+          </a:p>
+        </p:txBody>
+      </p:sp>
+      <p:sp>
+        <p:nvSpPr>
+          <p:cNvPr id="5" name="Content Placeholder 2">
+            <a:extLst>
+              <a:ext uri="{FF2B5EF4-FFF2-40B4-BE49-F238E27FC236}">
+                <a16:creationId xmlns:a16="http://schemas.microsoft.com/office/drawing/2014/main" id="{3F54B13F-4430-FD49-ABC3-ABA9E36192B0}"/>
+              </a:ext>
+            </a:extLst>
+          </p:cNvPr>
+          <p:cNvSpPr txBox="1">
+            <a:spLocks/>
+          </p:cNvSpPr>
+          <p:nvPr/>
+        </p:nvSpPr>
+        <p:spPr>
+          <a:xfrm>
+            <a:off x="838200" y="1825625"/>
+            <a:ext cx="10515600" cy="4351338"/>
+          </a:xfrm>
+          <a:prstGeom prst="rect">
+            <a:avLst/>
+          </a:prstGeom>
+        </p:spPr>
+        <p:txBody>
+          <a:bodyPr vert="horz" lIns="91440" tIns="45720" rIns="91440" bIns="45720" rtlCol="0">
+            <a:normAutofit/>
+          </a:bodyPr>
+          <a:lstStyle>
+            <a:lvl1pPr marL="228600" indent="-228600" algn="l" defTabSz="914400" rtl="0" eaLnBrk="1" latinLnBrk="0" hangingPunct="1">
+              <a:lnSpc>
+                <a:spcPct val="90000"/>
+              </a:lnSpc>
+              <a:spcBef>
+                <a:spcPts val="1000"/>
+              </a:spcBef>
+              <a:buFont typeface="Arial" panose="020B0604020202020204" pitchFamily="34" charset="0"/>
+              <a:buChar char="•"/>
+              <a:defRPr sz="2800" kern="1200">
+                <a:solidFill>
+                  <a:schemeClr val="tx1"/>
+                </a:solidFill>
+                <a:latin typeface="+mn-lt"/>
+                <a:ea typeface="+mn-ea"/>
+                <a:cs typeface="+mn-cs"/>
+              </a:defRPr>
+            </a:lvl1pPr>
+            <a:lvl2pPr marL="685800" indent="-228600" algn="l" defTabSz="914400" rtl="0" eaLnBrk="1" latinLnBrk="0" hangingPunct="1">
+              <a:lnSpc>
+                <a:spcPct val="90000"/>
+              </a:lnSpc>
+              <a:spcBef>
+                <a:spcPts val="500"/>
+              </a:spcBef>
+              <a:buFont typeface="Arial" panose="020B0604020202020204" pitchFamily="34" charset="0"/>
+              <a:buChar char="•"/>
+              <a:defRPr sz="2400" kern="1200">
+                <a:solidFill>
+                  <a:schemeClr val="tx1"/>
+                </a:solidFill>
+                <a:latin typeface="+mn-lt"/>
+                <a:ea typeface="+mn-ea"/>
+                <a:cs typeface="+mn-cs"/>
+              </a:defRPr>
+            </a:lvl2pPr>
+            <a:lvl3pPr marL="1143000" indent="-228600" algn="l" defTabSz="914400" rtl="0" eaLnBrk="1" latinLnBrk="0" hangingPunct="1">
+              <a:lnSpc>
+                <a:spcPct val="90000"/>
+              </a:lnSpc>
+              <a:spcBef>
+                <a:spcPts val="500"/>
+              </a:spcBef>
+              <a:buFont typeface="Arial" panose="020B0604020202020204" pitchFamily="34" charset="0"/>
+              <a:buChar char="•"/>
+              <a:defRPr sz="2000" kern="1200">
+                <a:solidFill>
+                  <a:schemeClr val="tx1"/>
+                </a:solidFill>
+                <a:latin typeface="+mn-lt"/>
+                <a:ea typeface="+mn-ea"/>
+                <a:cs typeface="+mn-cs"/>
+              </a:defRPr>
+            </a:lvl3pPr>
+            <a:lvl4pPr marL="1600200" indent="-228600" algn="l" defTabSz="914400" rtl="0" eaLnBrk="1" latinLnBrk="0" hangingPunct="1">
+              <a:lnSpc>
+                <a:spcPct val="90000"/>
+              </a:lnSpc>
+              <a:spcBef>
+                <a:spcPts val="500"/>
+              </a:spcBef>
+              <a:buFont typeface="Arial" panose="020B0604020202020204" pitchFamily="34" charset="0"/>
+              <a:buChar char="•"/>
+              <a:defRPr sz="1800" kern="1200">
+                <a:solidFill>
+                  <a:schemeClr val="tx1"/>
+                </a:solidFill>
+                <a:latin typeface="+mn-lt"/>
+                <a:ea typeface="+mn-ea"/>
+                <a:cs typeface="+mn-cs"/>
+              </a:defRPr>
+            </a:lvl4pPr>
+            <a:lvl5pPr marL="2057400" indent="-228600" algn="l" defTabSz="914400" rtl="0" eaLnBrk="1" latinLnBrk="0" hangingPunct="1">
+              <a:lnSpc>
+                <a:spcPct val="90000"/>
+              </a:lnSpc>
+              <a:spcBef>
+                <a:spcPts val="500"/>
+              </a:spcBef>
+              <a:buFont typeface="Arial" panose="020B0604020202020204" pitchFamily="34" charset="0"/>
+              <a:buChar char="•"/>
+              <a:defRPr sz="1800" kern="1200">
+                <a:solidFill>
+                  <a:schemeClr val="tx1"/>
+                </a:solidFill>
+                <a:latin typeface="+mn-lt"/>
+                <a:ea typeface="+mn-ea"/>
+                <a:cs typeface="+mn-cs"/>
+              </a:defRPr>
+            </a:lvl5pPr>
+            <a:lvl6pPr marL="2514600" indent="-228600" algn="l" defTabSz="914400" rtl="0" eaLnBrk="1" latinLnBrk="0" hangingPunct="1">
+              <a:lnSpc>
+                <a:spcPct val="90000"/>
+              </a:lnSpc>
+              <a:spcBef>
+                <a:spcPts val="500"/>
+              </a:spcBef>
+              <a:buFont typeface="Arial" panose="020B0604020202020204" pitchFamily="34" charset="0"/>
+              <a:buChar char="•"/>
+              <a:defRPr sz="1800" kern="1200">
+                <a:solidFill>
+                  <a:schemeClr val="tx1"/>
+                </a:solidFill>
+                <a:latin typeface="+mn-lt"/>
+                <a:ea typeface="+mn-ea"/>
+                <a:cs typeface="+mn-cs"/>
+              </a:defRPr>
+            </a:lvl6pPr>
+            <a:lvl7pPr marL="2971800" indent="-228600" algn="l" defTabSz="914400" rtl="0" eaLnBrk="1" latinLnBrk="0" hangingPunct="1">
+              <a:lnSpc>
+                <a:spcPct val="90000"/>
+              </a:lnSpc>
+              <a:spcBef>
+                <a:spcPts val="500"/>
+              </a:spcBef>
+              <a:buFont typeface="Arial" panose="020B0604020202020204" pitchFamily="34" charset="0"/>
+              <a:buChar char="•"/>
+              <a:defRPr sz="1800" kern="1200">
+                <a:solidFill>
+                  <a:schemeClr val="tx1"/>
+                </a:solidFill>
+                <a:latin typeface="+mn-lt"/>
+                <a:ea typeface="+mn-ea"/>
+                <a:cs typeface="+mn-cs"/>
+              </a:defRPr>
+            </a:lvl7pPr>
+            <a:lvl8pPr marL="3429000" indent="-228600" algn="l" defTabSz="914400" rtl="0" eaLnBrk="1" latinLnBrk="0" hangingPunct="1">
+              <a:lnSpc>
+                <a:spcPct val="90000"/>
+              </a:lnSpc>
+              <a:spcBef>
+                <a:spcPts val="500"/>
+              </a:spcBef>
+              <a:buFont typeface="Arial" panose="020B0604020202020204" pitchFamily="34" charset="0"/>
+              <a:buChar char="•"/>
+              <a:defRPr sz="1800" kern="1200">
+                <a:solidFill>
+                  <a:schemeClr val="tx1"/>
+                </a:solidFill>
+                <a:latin typeface="+mn-lt"/>
+                <a:ea typeface="+mn-ea"/>
+                <a:cs typeface="+mn-cs"/>
+              </a:defRPr>
+            </a:lvl8pPr>
+            <a:lvl9pPr marL="3886200" indent="-228600" algn="l" defTabSz="914400" rtl="0" eaLnBrk="1" latinLnBrk="0" hangingPunct="1">
+              <a:lnSpc>
+                <a:spcPct val="90000"/>
+              </a:lnSpc>
+              <a:spcBef>
+                <a:spcPts val="500"/>
+              </a:spcBef>
+              <a:buFont typeface="Arial" panose="020B0604020202020204" pitchFamily="34" charset="0"/>
+              <a:buChar char="•"/>
+              <a:defRPr sz="1800" kern="1200">
+                <a:solidFill>
+                  <a:schemeClr val="tx1"/>
+                </a:solidFill>
+                <a:latin typeface="+mn-lt"/>
+                <a:ea typeface="+mn-ea"/>
+                <a:cs typeface="+mn-cs"/>
+              </a:defRPr>
+            </a:lvl9pPr>
+          </a:lstStyle>
+          <a:p>
+            <a:pPr marL="0" indent="0">
+              <a:lnSpc>
+                <a:spcPct val="100000"/>
+              </a:lnSpc>
+              <a:spcBef>
+                <a:spcPts val="600"/>
+              </a:spcBef>
+              <a:buFont typeface="Arial" panose="020B0604020202020204" pitchFamily="34" charset="0"/>
+              <a:buNone/>
+            </a:pPr>
+            <a:r>
+              <a:rPr lang="nl-NL" sz="2000" dirty="0"/>
+              <a:t>Namen van kolommen / tabellen:</a:t>
+            </a:r>
+          </a:p>
+          <a:p>
+            <a:pPr>
+              <a:lnSpc>
+                <a:spcPct val="100000"/>
+              </a:lnSpc>
+              <a:spcBef>
+                <a:spcPts val="600"/>
+              </a:spcBef>
+              <a:buFontTx/>
+              <a:buChar char="-"/>
+            </a:pPr>
+            <a:r>
+              <a:rPr lang="nl-NL" sz="2000" dirty="0"/>
+              <a:t>Geen quotes:		</a:t>
+            </a:r>
+            <a:r>
+              <a:rPr lang="nl-NL" sz="2000" dirty="0" err="1">
+                <a:solidFill>
+                  <a:srgbClr val="7030A0"/>
+                </a:solidFill>
+                <a:latin typeface="Courier New" panose="02070309020205020404" pitchFamily="49" charset="0"/>
+                <a:cs typeface="Courier New" panose="02070309020205020404" pitchFamily="49" charset="0"/>
+              </a:rPr>
+              <a:t>ObjectNaam</a:t>
+            </a:r>
+            <a:endParaRPr lang="nl-NL" sz="2000" dirty="0">
+              <a:solidFill>
+                <a:srgbClr val="7030A0"/>
+              </a:solidFill>
+              <a:latin typeface="Courier New" panose="02070309020205020404" pitchFamily="49" charset="0"/>
+              <a:cs typeface="Courier New" panose="02070309020205020404" pitchFamily="49" charset="0"/>
+            </a:endParaRPr>
+          </a:p>
+          <a:p>
+            <a:pPr>
+              <a:lnSpc>
+                <a:spcPct val="100000"/>
+              </a:lnSpc>
+              <a:spcBef>
+                <a:spcPts val="600"/>
+              </a:spcBef>
+              <a:buFontTx/>
+              <a:buChar char="-"/>
+            </a:pPr>
+            <a:r>
+              <a:rPr lang="nl-NL" sz="2000" dirty="0"/>
+              <a:t>Double quotes:		</a:t>
+            </a:r>
+            <a:r>
+              <a:rPr lang="nl-NL" sz="2000" dirty="0">
+                <a:solidFill>
+                  <a:srgbClr val="7030A0"/>
+                </a:solidFill>
+                <a:latin typeface="Courier New" panose="02070309020205020404" pitchFamily="49" charset="0"/>
+                <a:cs typeface="Courier New" panose="02070309020205020404" pitchFamily="49" charset="0"/>
+              </a:rPr>
+              <a:t>"</a:t>
+            </a:r>
+            <a:r>
+              <a:rPr lang="nl-NL" sz="2000" dirty="0" err="1">
+                <a:solidFill>
+                  <a:srgbClr val="7030A0"/>
+                </a:solidFill>
+                <a:latin typeface="Courier New" panose="02070309020205020404" pitchFamily="49" charset="0"/>
+                <a:cs typeface="Courier New" panose="02070309020205020404" pitchFamily="49" charset="0"/>
+              </a:rPr>
+              <a:t>ObjectNaam</a:t>
+            </a:r>
+            <a:r>
+              <a:rPr lang="nl-NL" sz="2000" dirty="0">
+                <a:solidFill>
+                  <a:srgbClr val="7030A0"/>
+                </a:solidFill>
+                <a:latin typeface="Courier New" panose="02070309020205020404" pitchFamily="49" charset="0"/>
+                <a:cs typeface="Courier New" panose="02070309020205020404" pitchFamily="49" charset="0"/>
+              </a:rPr>
+              <a:t>"</a:t>
+            </a:r>
+          </a:p>
+          <a:p>
+            <a:pPr>
+              <a:lnSpc>
+                <a:spcPct val="100000"/>
+              </a:lnSpc>
+              <a:spcBef>
+                <a:spcPts val="600"/>
+              </a:spcBef>
+              <a:buFontTx/>
+              <a:buChar char="-"/>
+            </a:pPr>
+            <a:r>
+              <a:rPr lang="nl-NL" sz="2000" dirty="0"/>
+              <a:t>Back </a:t>
+            </a:r>
+            <a:r>
+              <a:rPr lang="nl-NL" sz="2000" dirty="0" err="1"/>
+              <a:t>ticks</a:t>
+            </a:r>
+            <a:r>
+              <a:rPr lang="nl-NL" sz="2000" dirty="0"/>
+              <a:t>:		</a:t>
+            </a:r>
+            <a:r>
+              <a:rPr lang="nl-NL" sz="2000" dirty="0">
+                <a:solidFill>
+                  <a:srgbClr val="7030A0"/>
+                </a:solidFill>
+                <a:latin typeface="Courier New" panose="02070309020205020404" pitchFamily="49" charset="0"/>
+                <a:cs typeface="Courier New" panose="02070309020205020404" pitchFamily="49" charset="0"/>
+              </a:rPr>
+              <a:t>`</a:t>
+            </a:r>
+            <a:r>
+              <a:rPr lang="nl-NL" sz="2000" dirty="0" err="1">
+                <a:solidFill>
+                  <a:srgbClr val="7030A0"/>
+                </a:solidFill>
+                <a:latin typeface="Courier New" panose="02070309020205020404" pitchFamily="49" charset="0"/>
+                <a:cs typeface="Courier New" panose="02070309020205020404" pitchFamily="49" charset="0"/>
+              </a:rPr>
+              <a:t>ObjectNaam</a:t>
+            </a:r>
+            <a:r>
+              <a:rPr lang="nl-NL" sz="2000" dirty="0">
+                <a:solidFill>
+                  <a:srgbClr val="7030A0"/>
+                </a:solidFill>
+                <a:latin typeface="Courier New" panose="02070309020205020404" pitchFamily="49" charset="0"/>
+                <a:cs typeface="Courier New" panose="02070309020205020404" pitchFamily="49" charset="0"/>
+              </a:rPr>
+              <a:t>`</a:t>
+            </a:r>
+          </a:p>
+          <a:p>
+            <a:pPr marL="0" indent="0">
+              <a:lnSpc>
+                <a:spcPct val="100000"/>
+              </a:lnSpc>
+              <a:spcBef>
+                <a:spcPts val="600"/>
+              </a:spcBef>
+              <a:buNone/>
+            </a:pPr>
+            <a:endParaRPr lang="nl-NL" sz="2000" dirty="0"/>
+          </a:p>
+          <a:p>
+            <a:pPr marL="0" indent="0">
+              <a:lnSpc>
+                <a:spcPct val="100000"/>
+              </a:lnSpc>
+              <a:spcBef>
+                <a:spcPts val="600"/>
+              </a:spcBef>
+              <a:buNone/>
+            </a:pPr>
+            <a:endParaRPr lang="nl-NL" sz="2000" dirty="0"/>
+          </a:p>
+          <a:p>
+            <a:pPr marL="0" indent="0">
+              <a:lnSpc>
+                <a:spcPct val="100000"/>
+              </a:lnSpc>
+              <a:spcBef>
+                <a:spcPts val="600"/>
+              </a:spcBef>
+              <a:buNone/>
+            </a:pPr>
+            <a:r>
+              <a:rPr lang="nl-NL" sz="2000" dirty="0"/>
+              <a:t>Waardes:</a:t>
+            </a:r>
+          </a:p>
+          <a:p>
+            <a:pPr>
+              <a:lnSpc>
+                <a:spcPct val="100000"/>
+              </a:lnSpc>
+              <a:spcBef>
+                <a:spcPts val="600"/>
+              </a:spcBef>
+              <a:buFontTx/>
+              <a:buChar char="-"/>
+            </a:pPr>
+            <a:r>
+              <a:rPr lang="nl-NL" sz="2000" dirty="0"/>
+              <a:t>Numeriek:		</a:t>
+            </a:r>
+            <a:r>
+              <a:rPr lang="nl-NL" sz="2000" dirty="0">
+                <a:latin typeface="Courier New" panose="02070309020205020404" pitchFamily="49" charset="0"/>
+                <a:cs typeface="Courier New" panose="02070309020205020404" pitchFamily="49" charset="0"/>
+              </a:rPr>
+              <a:t>42</a:t>
+            </a:r>
+          </a:p>
+          <a:p>
+            <a:pPr>
+              <a:lnSpc>
+                <a:spcPct val="100000"/>
+              </a:lnSpc>
+              <a:spcBef>
+                <a:spcPts val="600"/>
+              </a:spcBef>
+              <a:buFontTx/>
+              <a:buChar char="-"/>
+            </a:pPr>
+            <a:r>
+              <a:rPr lang="nl-NL" sz="2000" dirty="0"/>
+              <a:t>Tekst:			</a:t>
+            </a:r>
+            <a:r>
+              <a:rPr lang="nl-NL" sz="2000" dirty="0">
+                <a:solidFill>
+                  <a:srgbClr val="C00000"/>
+                </a:solidFill>
+              </a:rPr>
+              <a:t>'</a:t>
+            </a:r>
+            <a:r>
+              <a:rPr lang="nl-NL" sz="2000" dirty="0" err="1">
+                <a:solidFill>
+                  <a:srgbClr val="C00000"/>
+                </a:solidFill>
+              </a:rPr>
+              <a:t>hello</a:t>
+            </a:r>
+            <a:r>
+              <a:rPr lang="nl-NL" sz="2000" dirty="0">
+                <a:solidFill>
+                  <a:srgbClr val="C00000"/>
+                </a:solidFill>
+              </a:rPr>
+              <a:t> </a:t>
+            </a:r>
+            <a:r>
+              <a:rPr lang="nl-NL" sz="2000" dirty="0" err="1">
+                <a:solidFill>
+                  <a:srgbClr val="C00000"/>
+                </a:solidFill>
+              </a:rPr>
+              <a:t>world</a:t>
+            </a:r>
+            <a:r>
+              <a:rPr lang="nl-NL" sz="2000" dirty="0">
+                <a:solidFill>
+                  <a:srgbClr val="C00000"/>
+                </a:solidFill>
+              </a:rPr>
+              <a:t>'</a:t>
+            </a:r>
+          </a:p>
+          <a:p>
+            <a:pPr>
+              <a:lnSpc>
+                <a:spcPct val="100000"/>
+              </a:lnSpc>
+              <a:spcBef>
+                <a:spcPts val="600"/>
+              </a:spcBef>
+              <a:buFontTx/>
+              <a:buChar char="-"/>
+            </a:pPr>
+            <a:r>
+              <a:rPr lang="nl-NL" sz="2000" dirty="0"/>
+              <a:t>Datum:		</a:t>
+            </a:r>
+            <a:r>
+              <a:rPr lang="nl-NL" sz="2000" dirty="0">
+                <a:solidFill>
+                  <a:srgbClr val="C00000"/>
+                </a:solidFill>
+              </a:rPr>
+              <a:t>'2025-01-01'</a:t>
+            </a:r>
+          </a:p>
+        </p:txBody>
+      </p:sp>
+    </p:spTree>
+    <p:extLst>
+      <p:ext uri="{BB962C8B-B14F-4D97-AF65-F5344CB8AC3E}">
+        <p14:creationId xmlns:p14="http://schemas.microsoft.com/office/powerpoint/2010/main" val="1371737774"/>
+      </p:ext>
+    </p:extLst>
+  </p:cSld>
+  <p:clrMapOvr>
+    <a:masterClrMapping/>
+  </p:clrMapOvr>
+</p:sld>
+</file>
+
+<file path=ppt/slides/slide13.xml><?xml version="1.0" encoding="utf-8"?>
+<p:sld xmlns:a="http://schemas.openxmlformats.org/drawingml/2006/main" xmlns:r="http://schemas.openxmlformats.org/officeDocument/2006/relationships" xmlns:p="http://schemas.openxmlformats.org/presentationml/2006/main">
+  <p:cSld>
+    <p:spTree>
+      <p:nvGrpSpPr>
         <p:cNvPr id="1" name=""/>
         <p:cNvGrpSpPr/>
         <p:nvPr/>
@@ -7103,7 +7654,7 @@
                 <a:latin typeface="Courier New" panose="02070309020205020404" pitchFamily="49" charset="0"/>
                 <a:cs typeface="Courier New" panose="02070309020205020404" pitchFamily="49" charset="0"/>
               </a:rPr>
-              <a:t> Personen</a:t>
+              <a:t> Klanten</a:t>
             </a:r>
           </a:p>
           <a:p>
@@ -7433,8 +7984,14 @@
               <a:t>*</a:t>
             </a:r>
             <a:r>
+              <a:rPr lang="nl-NL" sz="2000" dirty="0">
+                <a:cs typeface="Courier New" panose="02070309020205020404" pitchFamily="49" charset="0"/>
+              </a:rPr>
+              <a:t> (slecht!</a:t>
+            </a:r>
+            <a:r>
               <a:rPr lang="nl-NL" sz="2000" dirty="0"/>
-              <a:t>.</a:t>
+              <a:t>).</a:t>
             </a:r>
           </a:p>
           <a:p>
@@ -7463,6 +8020,11 @@
             </a:r>
             <a:r>
               <a:rPr lang="nl-NL" sz="2000" dirty="0">
+                <a:solidFill>
+                  <a:schemeClr val="accent5">
+                    <a:lumMod val="75000"/>
+                  </a:schemeClr>
+                </a:solidFill>
                 <a:latin typeface="Courier New" panose="02070309020205020404" pitchFamily="49" charset="0"/>
                 <a:cs typeface="Courier New" panose="02070309020205020404" pitchFamily="49" charset="0"/>
               </a:rPr>
@@ -7524,6 +8086,11 @@
             </a:r>
             <a:r>
               <a:rPr lang="nl-NL" sz="1800" dirty="0">
+                <a:solidFill>
+                  <a:schemeClr val="accent5">
+                    <a:lumMod val="75000"/>
+                  </a:schemeClr>
+                </a:solidFill>
                 <a:latin typeface="Courier New" panose="02070309020205020404" pitchFamily="49" charset="0"/>
                 <a:cs typeface="Courier New" panose="02070309020205020404" pitchFamily="49" charset="0"/>
               </a:rPr>
@@ -7535,6 +8102,11 @@
             </a:r>
             <a:r>
               <a:rPr lang="nl-NL" sz="1800" dirty="0">
+                <a:solidFill>
+                  <a:schemeClr val="accent5">
+                    <a:lumMod val="75000"/>
+                  </a:schemeClr>
+                </a:solidFill>
                 <a:latin typeface="Courier New" panose="02070309020205020404" pitchFamily="49" charset="0"/>
                 <a:cs typeface="Courier New" panose="02070309020205020404" pitchFamily="49" charset="0"/>
               </a:rPr>
@@ -7658,7 +8230,7 @@
 </p:sld>
 </file>
 
-<file path=ppt/slides/slide13.xml><?xml version="1.0" encoding="utf-8"?>
+<file path=ppt/slides/slide14.xml><?xml version="1.0" encoding="utf-8"?>
 <p:sld xmlns:a="http://schemas.openxmlformats.org/drawingml/2006/main" xmlns:r="http://schemas.openxmlformats.org/officeDocument/2006/relationships" xmlns:p="http://schemas.openxmlformats.org/presentationml/2006/main">
   <p:cSld>
     <p:spTree>
@@ -8421,7 +8993,7 @@
 </p:sld>
 </file>
 
-<file path=ppt/slides/slide14.xml><?xml version="1.0" encoding="utf-8"?>
+<file path=ppt/slides/slide15.xml><?xml version="1.0" encoding="utf-8"?>
 <p:sld xmlns:a="http://schemas.openxmlformats.org/drawingml/2006/main" xmlns:r="http://schemas.openxmlformats.org/officeDocument/2006/relationships" xmlns:p="http://schemas.openxmlformats.org/presentationml/2006/main">
   <p:cSld>
     <p:spTree>
@@ -8526,7 +9098,27 @@
                 <a:latin typeface="Courier New" panose="02070309020205020404" pitchFamily="49" charset="0"/>
                 <a:cs typeface="Courier New" panose="02070309020205020404" pitchFamily="49" charset="0"/>
               </a:rPr>
-              <a:t>'Ingrid'</a:t>
+              <a:t>'</a:t>
+            </a:r>
+            <a:r>
+              <a:rPr lang="en-US" sz="2000" dirty="0" err="1">
+                <a:solidFill>
+                  <a:srgbClr val="C00000"/>
+                </a:solidFill>
+                <a:latin typeface="Courier New" panose="02070309020205020404" pitchFamily="49" charset="0"/>
+                <a:cs typeface="Courier New" panose="02070309020205020404" pitchFamily="49" charset="0"/>
+              </a:rPr>
+              <a:t>Kees</a:t>
+            </a:r>
+            <a:r>
+              <a:rPr lang="en-US" sz="2000" dirty="0">
+                <a:solidFill>
+                  <a:srgbClr val="C00000"/>
+                </a:solidFill>
+                <a:latin typeface="Courier New" panose="02070309020205020404" pitchFamily="49" charset="0"/>
+                <a:cs typeface="Courier New" panose="02070309020205020404" pitchFamily="49" charset="0"/>
+              </a:rPr>
+              <a:t>'</a:t>
             </a:r>
           </a:p>
           <a:p>
@@ -8556,6 +9148,13 @@
             </a:pPr>
             <a:r>
               <a:rPr lang="en-US" sz="2000" dirty="0">
+                <a:latin typeface="Courier New" panose="02070309020205020404" pitchFamily="49" charset="0"/>
+                <a:cs typeface="Courier New" panose="02070309020205020404" pitchFamily="49" charset="0"/>
+              </a:rPr>
+              <a:t>Naam </a:t>
+            </a:r>
+            <a:r>
+              <a:rPr lang="en-US" sz="2000" dirty="0">
                 <a:solidFill>
                   <a:schemeClr val="accent5">
                     <a:lumMod val="75000"/>
@@ -8564,14 +9163,14 @@
                 <a:latin typeface="Courier New" panose="02070309020205020404" pitchFamily="49" charset="0"/>
                 <a:cs typeface="Courier New" panose="02070309020205020404" pitchFamily="49" charset="0"/>
               </a:rPr>
-              <a:t>LOWER</a:t>
+              <a:t>LIKE</a:t>
             </a:r>
             <a:r>
               <a:rPr lang="en-US" sz="2000" dirty="0">
                 <a:latin typeface="Courier New" panose="02070309020205020404" pitchFamily="49" charset="0"/>
                 <a:cs typeface="Courier New" panose="02070309020205020404" pitchFamily="49" charset="0"/>
               </a:rPr>
-              <a:t>(Naam) = </a:t>
+              <a:t> </a:t>
             </a:r>
             <a:r>
               <a:rPr lang="en-US" sz="2000" dirty="0">
@@ -8581,69 +9180,27 @@
                 <a:latin typeface="Courier New" panose="02070309020205020404" pitchFamily="49" charset="0"/>
                 <a:cs typeface="Courier New" panose="02070309020205020404" pitchFamily="49" charset="0"/>
               </a:rPr>
-              <a:t>'Ingrid'</a:t>
-            </a:r>
-          </a:p>
-          <a:p>
-            <a:pPr marL="0" indent="0">
-              <a:lnSpc>
-                <a:spcPct val="100000"/>
-              </a:lnSpc>
-              <a:spcBef>
-                <a:spcPts val="600"/>
-              </a:spcBef>
-              <a:buNone/>
-            </a:pPr>
-            <a:endParaRPr lang="en-US" sz="2000" dirty="0">
-              <a:latin typeface="Courier New" panose="02070309020205020404" pitchFamily="49" charset="0"/>
-              <a:cs typeface="Courier New" panose="02070309020205020404" pitchFamily="49" charset="0"/>
-            </a:endParaRPr>
-          </a:p>
-          <a:p>
-            <a:pPr marL="0" indent="0">
-              <a:lnSpc>
-                <a:spcPct val="100000"/>
-              </a:lnSpc>
-              <a:spcBef>
-                <a:spcPts val="600"/>
-              </a:spcBef>
-              <a:buNone/>
-            </a:pPr>
+              <a:t>'</a:t>
+            </a:r>
+            <a:r>
+              <a:rPr lang="en-US" sz="2000" dirty="0" err="1">
+                <a:solidFill>
+                  <a:srgbClr val="C00000"/>
+                </a:solidFill>
+                <a:latin typeface="Courier New" panose="02070309020205020404" pitchFamily="49" charset="0"/>
+                <a:cs typeface="Courier New" panose="02070309020205020404" pitchFamily="49" charset="0"/>
+              </a:rPr>
+              <a:t>Kees</a:t>
+            </a:r>
             <a:r>
               <a:rPr lang="en-US" sz="2000" dirty="0">
-                <a:latin typeface="Courier New" panose="02070309020205020404" pitchFamily="49" charset="0"/>
-                <a:cs typeface="Courier New" panose="02070309020205020404" pitchFamily="49" charset="0"/>
-              </a:rPr>
-              <a:t>Name </a:t>
-            </a:r>
-            <a:r>
-              <a:rPr lang="en-US" sz="2000" dirty="0">
-                <a:solidFill>
-                  <a:schemeClr val="accent5">
-                    <a:lumMod val="75000"/>
-                  </a:schemeClr>
-                </a:solidFill>
-                <a:latin typeface="Courier New" panose="02070309020205020404" pitchFamily="49" charset="0"/>
-                <a:cs typeface="Courier New" panose="02070309020205020404" pitchFamily="49" charset="0"/>
-              </a:rPr>
-              <a:t>LIKE</a:t>
-            </a:r>
-            <a:r>
-              <a:rPr lang="en-US" sz="2000" dirty="0">
-                <a:latin typeface="Courier New" panose="02070309020205020404" pitchFamily="49" charset="0"/>
-                <a:cs typeface="Courier New" panose="02070309020205020404" pitchFamily="49" charset="0"/>
-              </a:rPr>
-              <a:t> </a:t>
-            </a:r>
-            <a:r>
-              <a:rPr lang="en-US" sz="2000" dirty="0">
                 <a:solidFill>
                   <a:srgbClr val="C00000"/>
                 </a:solidFill>
                 <a:latin typeface="Courier New" panose="02070309020205020404" pitchFamily="49" charset="0"/>
                 <a:cs typeface="Courier New" panose="02070309020205020404" pitchFamily="49" charset="0"/>
               </a:rPr>
-              <a:t>'Ingrid%'</a:t>
+              <a:t>%'</a:t>
             </a:r>
           </a:p>
           <a:p>
@@ -8679,7 +9236,7 @@
                 <a:latin typeface="Courier New" panose="02070309020205020404" pitchFamily="49" charset="0"/>
                 <a:cs typeface="Courier New" panose="02070309020205020404" pitchFamily="49" charset="0"/>
               </a:rPr>
-              <a:t>Name </a:t>
+              <a:t>Naam </a:t>
             </a:r>
             <a:r>
               <a:rPr lang="en-US" sz="2000" dirty="0">
@@ -8708,8 +9265,110 @@
                 <a:latin typeface="Courier New" panose="02070309020205020404" pitchFamily="49" charset="0"/>
                 <a:cs typeface="Courier New" panose="02070309020205020404" pitchFamily="49" charset="0"/>
               </a:rPr>
-              <a:t>'%Ingrid%'</a:t>
-            </a:r>
+              <a:t>'%</a:t>
+            </a:r>
+            <a:r>
+              <a:rPr lang="en-US" sz="2000" dirty="0" err="1">
+                <a:solidFill>
+                  <a:srgbClr val="C00000"/>
+                </a:solidFill>
+                <a:latin typeface="Courier New" panose="02070309020205020404" pitchFamily="49" charset="0"/>
+                <a:cs typeface="Courier New" panose="02070309020205020404" pitchFamily="49" charset="0"/>
+              </a:rPr>
+              <a:t>Kees</a:t>
+            </a:r>
+            <a:r>
+              <a:rPr lang="en-US" sz="2000" dirty="0">
+                <a:solidFill>
+                  <a:srgbClr val="C00000"/>
+                </a:solidFill>
+                <a:latin typeface="Courier New" panose="02070309020205020404" pitchFamily="49" charset="0"/>
+                <a:cs typeface="Courier New" panose="02070309020205020404" pitchFamily="49" charset="0"/>
+              </a:rPr>
+              <a:t>%'</a:t>
+            </a:r>
+          </a:p>
+          <a:p>
+            <a:pPr marL="0" indent="0">
+              <a:lnSpc>
+                <a:spcPct val="100000"/>
+              </a:lnSpc>
+              <a:spcBef>
+                <a:spcPts val="600"/>
+              </a:spcBef>
+              <a:buNone/>
+            </a:pPr>
+            <a:endParaRPr lang="en-US" sz="2000" dirty="0">
+              <a:solidFill>
+                <a:srgbClr val="C00000"/>
+              </a:solidFill>
+              <a:latin typeface="Courier New" panose="02070309020205020404" pitchFamily="49" charset="0"/>
+              <a:cs typeface="Courier New" panose="02070309020205020404" pitchFamily="49" charset="0"/>
+            </a:endParaRPr>
+          </a:p>
+          <a:p>
+            <a:pPr marL="0" indent="0">
+              <a:lnSpc>
+                <a:spcPct val="100000"/>
+              </a:lnSpc>
+              <a:spcBef>
+                <a:spcPts val="600"/>
+              </a:spcBef>
+              <a:buNone/>
+            </a:pPr>
+            <a:r>
+              <a:rPr lang="en-US" sz="2000" dirty="0">
+                <a:latin typeface="Courier New" panose="02070309020205020404" pitchFamily="49" charset="0"/>
+                <a:cs typeface="Courier New" panose="02070309020205020404" pitchFamily="49" charset="0"/>
+              </a:rPr>
+              <a:t>Naam </a:t>
+            </a:r>
+            <a:r>
+              <a:rPr lang="en-US" sz="2000" dirty="0">
+                <a:solidFill>
+                  <a:schemeClr val="accent5">
+                    <a:lumMod val="75000"/>
+                  </a:schemeClr>
+                </a:solidFill>
+                <a:latin typeface="Courier New" panose="02070309020205020404" pitchFamily="49" charset="0"/>
+                <a:cs typeface="Courier New" panose="02070309020205020404" pitchFamily="49" charset="0"/>
+              </a:rPr>
+              <a:t>LIKE</a:t>
+            </a:r>
+            <a:r>
+              <a:rPr lang="en-US" sz="2000" dirty="0">
+                <a:latin typeface="Courier New" panose="02070309020205020404" pitchFamily="49" charset="0"/>
+                <a:cs typeface="Courier New" panose="02070309020205020404" pitchFamily="49" charset="0"/>
+              </a:rPr>
+              <a:t> </a:t>
+            </a:r>
+            <a:r>
+              <a:rPr lang="en-US" sz="2000" dirty="0">
+                <a:solidFill>
+                  <a:srgbClr val="C00000"/>
+                </a:solidFill>
+                <a:latin typeface="Courier New" panose="02070309020205020404" pitchFamily="49" charset="0"/>
+                <a:cs typeface="Courier New" panose="02070309020205020404" pitchFamily="49" charset="0"/>
+              </a:rPr>
+              <a:t>'_</a:t>
+            </a:r>
+            <a:r>
+              <a:rPr lang="en-US" sz="2000" dirty="0" err="1">
+                <a:solidFill>
+                  <a:srgbClr val="C00000"/>
+                </a:solidFill>
+                <a:latin typeface="Courier New" panose="02070309020205020404" pitchFamily="49" charset="0"/>
+                <a:cs typeface="Courier New" panose="02070309020205020404" pitchFamily="49" charset="0"/>
+              </a:rPr>
+              <a:t>ees'</a:t>
+            </a:r>
+            <a:endParaRPr lang="en-US" sz="2000" dirty="0">
+              <a:solidFill>
+                <a:srgbClr val="C00000"/>
+              </a:solidFill>
+              <a:latin typeface="Courier New" panose="02070309020205020404" pitchFamily="49" charset="0"/>
+              <a:cs typeface="Courier New" panose="02070309020205020404" pitchFamily="49" charset="0"/>
+            </a:endParaRPr>
           </a:p>
           <a:p>
             <a:pPr marL="0" indent="0">
@@ -8934,17 +9593,18 @@
             </a:pPr>
             <a:r>
               <a:rPr lang="nl-NL" sz="2000" dirty="0"/>
-              <a:t>Exacte match inclusief hoofdletters.</a:t>
-            </a:r>
-          </a:p>
-          <a:p>
-            <a:pPr>
-              <a:lnSpc>
-                <a:spcPct val="100000"/>
-              </a:lnSpc>
-              <a:spcBef>
-                <a:spcPts val="600"/>
-              </a:spcBef>
+              <a:t>Exacte match, hoofdletter gevoelig.</a:t>
+            </a:r>
+          </a:p>
+          <a:p>
+            <a:pPr marL="0" indent="0">
+              <a:lnSpc>
+                <a:spcPct val="100000"/>
+              </a:lnSpc>
+              <a:spcBef>
+                <a:spcPts val="600"/>
+              </a:spcBef>
+              <a:buNone/>
             </a:pPr>
             <a:endParaRPr lang="nl-NL" sz="2000" dirty="0"/>
           </a:p>
@@ -8960,7 +9620,7 @@
             </a:pPr>
             <a:r>
               <a:rPr lang="nl-NL" sz="2000" dirty="0"/>
-              <a:t>Matchen als kleine letters.</a:t>
+              <a:t>Namen die beginnen met Kees.</a:t>
             </a:r>
           </a:p>
           <a:p>
@@ -8987,7 +9647,7 @@
             </a:pPr>
             <a:r>
               <a:rPr lang="nl-NL" sz="2000" dirty="0"/>
-              <a:t>Namen die beginnen met Ingrid.</a:t>
+              <a:t>Namen waar Kees in voorkomt.</a:t>
             </a:r>
           </a:p>
           <a:p>
@@ -9014,7 +9674,7 @@
             </a:pPr>
             <a:r>
               <a:rPr lang="nl-NL" sz="2000" dirty="0"/>
-              <a:t>Namen waar Ingrid in voorkomt.</a:t>
+              <a:t>Eerste letter mag van alles zijn.</a:t>
             </a:r>
           </a:p>
         </p:txBody>
@@ -9068,7 +9728,7 @@
 </p:sld>
 </file>
 
-<file path=ppt/slides/slide15.xml><?xml version="1.0" encoding="utf-8"?>
+<file path=ppt/slides/slide16.xml><?xml version="1.0" encoding="utf-8"?>
 <p:sld xmlns:a="http://schemas.openxmlformats.org/drawingml/2006/main" xmlns:r="http://schemas.openxmlformats.org/officeDocument/2006/relationships" xmlns:p="http://schemas.openxmlformats.org/presentationml/2006/main">
   <p:cSld>
     <p:spTree>
@@ -9188,7 +9848,7 @@
                 <a:latin typeface="Courier New" panose="02070309020205020404" pitchFamily="49" charset="0"/>
                 <a:cs typeface="Courier New" panose="02070309020205020404" pitchFamily="49" charset="0"/>
               </a:rPr>
-              <a:t> Personen</a:t>
+              <a:t> Klanten</a:t>
             </a:r>
           </a:p>
           <a:p>
@@ -9331,7 +9991,7 @@
                 <a:latin typeface="Courier New" panose="02070309020205020404" pitchFamily="49" charset="0"/>
                 <a:cs typeface="Courier New" panose="02070309020205020404" pitchFamily="49" charset="0"/>
               </a:rPr>
-              <a:t> Personen</a:t>
+              <a:t> Klanten</a:t>
             </a:r>
           </a:p>
           <a:p>
@@ -9372,7 +10032,7 @@
                 <a:latin typeface="Courier New" panose="02070309020205020404" pitchFamily="49" charset="0"/>
                 <a:cs typeface="Courier New" panose="02070309020205020404" pitchFamily="49" charset="0"/>
               </a:rPr>
-              <a:t>	Achternaam </a:t>
+              <a:t>  Achternaam </a:t>
             </a:r>
             <a:r>
               <a:rPr lang="nl-NL" sz="2000" dirty="0">
@@ -9386,23 +10046,39 @@
               </a:rPr>
               <a:t>ASC</a:t>
             </a:r>
-          </a:p>
-          <a:p>
-            <a:pPr marL="0" indent="0">
-              <a:lnSpc>
-                <a:spcPct val="100000"/>
-              </a:lnSpc>
-              <a:spcBef>
-                <a:spcPts val="600"/>
-              </a:spcBef>
-              <a:buNone/>
-            </a:pPr>
             <a:r>
               <a:rPr lang="nl-NL" sz="2000" dirty="0">
                 <a:latin typeface="Courier New" panose="02070309020205020404" pitchFamily="49" charset="0"/>
                 <a:cs typeface="Courier New" panose="02070309020205020404" pitchFamily="49" charset="0"/>
               </a:rPr>
-              <a:t>	, Leeftijd </a:t>
+              <a:t>,</a:t>
+            </a:r>
+            <a:endParaRPr lang="nl-NL" sz="2000" dirty="0">
+              <a:solidFill>
+                <a:schemeClr val="accent5">
+                  <a:lumMod val="75000"/>
+                </a:schemeClr>
+              </a:solidFill>
+              <a:latin typeface="Courier New" panose="02070309020205020404" pitchFamily="49" charset="0"/>
+              <a:cs typeface="Courier New" panose="02070309020205020404" pitchFamily="49" charset="0"/>
+            </a:endParaRPr>
+          </a:p>
+          <a:p>
+            <a:pPr marL="0" indent="0">
+              <a:lnSpc>
+                <a:spcPct val="100000"/>
+              </a:lnSpc>
+              <a:spcBef>
+                <a:spcPts val="600"/>
+              </a:spcBef>
+              <a:buNone/>
+            </a:pPr>
+            <a:r>
+              <a:rPr lang="nl-NL" sz="2000" dirty="0">
+                <a:latin typeface="Courier New" panose="02070309020205020404" pitchFamily="49" charset="0"/>
+                <a:cs typeface="Courier New" panose="02070309020205020404" pitchFamily="49" charset="0"/>
+              </a:rPr>
+              <a:t>  Leeftijd </a:t>
             </a:r>
             <a:r>
               <a:rPr lang="nl-NL" sz="2000" dirty="0">
@@ -9914,522 +10590,6 @@
 </p:sld>
 </file>
 
-<file path=ppt/slides/slide16.xml><?xml version="1.0" encoding="utf-8"?>
-<p:sld xmlns:a="http://schemas.openxmlformats.org/drawingml/2006/main" xmlns:r="http://schemas.openxmlformats.org/officeDocument/2006/relationships" xmlns:p="http://schemas.openxmlformats.org/presentationml/2006/main">
-  <p:cSld>
-    <p:spTree>
-      <p:nvGrpSpPr>
-        <p:cNvPr id="1" name="">
-          <a:extLst>
-            <a:ext uri="{FF2B5EF4-FFF2-40B4-BE49-F238E27FC236}">
-              <a16:creationId xmlns:a16="http://schemas.microsoft.com/office/drawing/2014/main" id="{C6BE36DA-E38C-129E-3AB4-72722BA051C8}"/>
-            </a:ext>
-          </a:extLst>
-        </p:cNvPr>
-        <p:cNvGrpSpPr/>
-        <p:nvPr/>
-      </p:nvGrpSpPr>
-      <p:grpSpPr>
-        <a:xfrm>
-          <a:off x="0" y="0"/>
-          <a:ext cx="0" cy="0"/>
-          <a:chOff x="0" y="0"/>
-          <a:chExt cx="0" cy="0"/>
-        </a:xfrm>
-      </p:grpSpPr>
-      <p:sp>
-        <p:nvSpPr>
-          <p:cNvPr id="2" name="Title 1">
-            <a:extLst>
-              <a:ext uri="{FF2B5EF4-FFF2-40B4-BE49-F238E27FC236}">
-                <a16:creationId xmlns:a16="http://schemas.microsoft.com/office/drawing/2014/main" id="{81AEDAA5-64C2-67B7-E6D6-D8CC4C957808}"/>
-              </a:ext>
-            </a:extLst>
-          </p:cNvPr>
-          <p:cNvSpPr>
-            <a:spLocks noGrp="1"/>
-          </p:cNvSpPr>
-          <p:nvPr>
-            <p:ph type="title"/>
-          </p:nvPr>
-        </p:nvSpPr>
-        <p:spPr/>
-        <p:txBody>
-          <a:bodyPr>
-            <a:normAutofit/>
-          </a:bodyPr>
-          <a:lstStyle/>
-          <a:p>
-            <a:r>
-              <a:rPr lang="nl-NL" sz="3600" dirty="0"/>
-              <a:t>Namen en waardes</a:t>
-            </a:r>
-          </a:p>
-        </p:txBody>
-      </p:sp>
-      <p:sp>
-        <p:nvSpPr>
-          <p:cNvPr id="5" name="Content Placeholder 2">
-            <a:extLst>
-              <a:ext uri="{FF2B5EF4-FFF2-40B4-BE49-F238E27FC236}">
-                <a16:creationId xmlns:a16="http://schemas.microsoft.com/office/drawing/2014/main" id="{3F54B13F-4430-FD49-ABC3-ABA9E36192B0}"/>
-              </a:ext>
-            </a:extLst>
-          </p:cNvPr>
-          <p:cNvSpPr txBox="1">
-            <a:spLocks/>
-          </p:cNvSpPr>
-          <p:nvPr/>
-        </p:nvSpPr>
-        <p:spPr>
-          <a:xfrm>
-            <a:off x="838200" y="1825625"/>
-            <a:ext cx="10515600" cy="4351338"/>
-          </a:xfrm>
-          <a:prstGeom prst="rect">
-            <a:avLst/>
-          </a:prstGeom>
-        </p:spPr>
-        <p:txBody>
-          <a:bodyPr vert="horz" lIns="91440" tIns="45720" rIns="91440" bIns="45720" rtlCol="0">
-            <a:normAutofit/>
-          </a:bodyPr>
-          <a:lstStyle>
-            <a:lvl1pPr marL="228600" indent="-228600" algn="l" defTabSz="914400" rtl="0" eaLnBrk="1" latinLnBrk="0" hangingPunct="1">
-              <a:lnSpc>
-                <a:spcPct val="90000"/>
-              </a:lnSpc>
-              <a:spcBef>
-                <a:spcPts val="1000"/>
-              </a:spcBef>
-              <a:buFont typeface="Arial" panose="020B0604020202020204" pitchFamily="34" charset="0"/>
-              <a:buChar char="•"/>
-              <a:defRPr sz="2800" kern="1200">
-                <a:solidFill>
-                  <a:schemeClr val="tx1"/>
-                </a:solidFill>
-                <a:latin typeface="+mn-lt"/>
-                <a:ea typeface="+mn-ea"/>
-                <a:cs typeface="+mn-cs"/>
-              </a:defRPr>
-            </a:lvl1pPr>
-            <a:lvl2pPr marL="685800" indent="-228600" algn="l" defTabSz="914400" rtl="0" eaLnBrk="1" latinLnBrk="0" hangingPunct="1">
-              <a:lnSpc>
-                <a:spcPct val="90000"/>
-              </a:lnSpc>
-              <a:spcBef>
-                <a:spcPts val="500"/>
-              </a:spcBef>
-              <a:buFont typeface="Arial" panose="020B0604020202020204" pitchFamily="34" charset="0"/>
-              <a:buChar char="•"/>
-              <a:defRPr sz="2400" kern="1200">
-                <a:solidFill>
-                  <a:schemeClr val="tx1"/>
-                </a:solidFill>
-                <a:latin typeface="+mn-lt"/>
-                <a:ea typeface="+mn-ea"/>
-                <a:cs typeface="+mn-cs"/>
-              </a:defRPr>
-            </a:lvl2pPr>
-            <a:lvl3pPr marL="1143000" indent="-228600" algn="l" defTabSz="914400" rtl="0" eaLnBrk="1" latinLnBrk="0" hangingPunct="1">
-              <a:lnSpc>
-                <a:spcPct val="90000"/>
-              </a:lnSpc>
-              <a:spcBef>
-                <a:spcPts val="500"/>
-              </a:spcBef>
-              <a:buFont typeface="Arial" panose="020B0604020202020204" pitchFamily="34" charset="0"/>
-              <a:buChar char="•"/>
-              <a:defRPr sz="2000" kern="1200">
-                <a:solidFill>
-                  <a:schemeClr val="tx1"/>
-                </a:solidFill>
-                <a:latin typeface="+mn-lt"/>
-                <a:ea typeface="+mn-ea"/>
-                <a:cs typeface="+mn-cs"/>
-              </a:defRPr>
-            </a:lvl3pPr>
-            <a:lvl4pPr marL="1600200" indent="-228600" algn="l" defTabSz="914400" rtl="0" eaLnBrk="1" latinLnBrk="0" hangingPunct="1">
-              <a:lnSpc>
-                <a:spcPct val="90000"/>
-              </a:lnSpc>
-              <a:spcBef>
-                <a:spcPts val="500"/>
-              </a:spcBef>
-              <a:buFont typeface="Arial" panose="020B0604020202020204" pitchFamily="34" charset="0"/>
-              <a:buChar char="•"/>
-              <a:defRPr sz="1800" kern="1200">
-                <a:solidFill>
-                  <a:schemeClr val="tx1"/>
-                </a:solidFill>
-                <a:latin typeface="+mn-lt"/>
-                <a:ea typeface="+mn-ea"/>
-                <a:cs typeface="+mn-cs"/>
-              </a:defRPr>
-            </a:lvl4pPr>
-            <a:lvl5pPr marL="2057400" indent="-228600" algn="l" defTabSz="914400" rtl="0" eaLnBrk="1" latinLnBrk="0" hangingPunct="1">
-              <a:lnSpc>
-                <a:spcPct val="90000"/>
-              </a:lnSpc>
-              <a:spcBef>
-                <a:spcPts val="500"/>
-              </a:spcBef>
-              <a:buFont typeface="Arial" panose="020B0604020202020204" pitchFamily="34" charset="0"/>
-              <a:buChar char="•"/>
-              <a:defRPr sz="1800" kern="1200">
-                <a:solidFill>
-                  <a:schemeClr val="tx1"/>
-                </a:solidFill>
-                <a:latin typeface="+mn-lt"/>
-                <a:ea typeface="+mn-ea"/>
-                <a:cs typeface="+mn-cs"/>
-              </a:defRPr>
-            </a:lvl5pPr>
-            <a:lvl6pPr marL="2514600" indent="-228600" algn="l" defTabSz="914400" rtl="0" eaLnBrk="1" latinLnBrk="0" hangingPunct="1">
-              <a:lnSpc>
-                <a:spcPct val="90000"/>
-              </a:lnSpc>
-              <a:spcBef>
-                <a:spcPts val="500"/>
-              </a:spcBef>
-              <a:buFont typeface="Arial" panose="020B0604020202020204" pitchFamily="34" charset="0"/>
-              <a:buChar char="•"/>
-              <a:defRPr sz="1800" kern="1200">
-                <a:solidFill>
-                  <a:schemeClr val="tx1"/>
-                </a:solidFill>
-                <a:latin typeface="+mn-lt"/>
-                <a:ea typeface="+mn-ea"/>
-                <a:cs typeface="+mn-cs"/>
-              </a:defRPr>
-            </a:lvl6pPr>
-            <a:lvl7pPr marL="2971800" indent="-228600" algn="l" defTabSz="914400" rtl="0" eaLnBrk="1" latinLnBrk="0" hangingPunct="1">
-              <a:lnSpc>
-                <a:spcPct val="90000"/>
-              </a:lnSpc>
-              <a:spcBef>
-                <a:spcPts val="500"/>
-              </a:spcBef>
-              <a:buFont typeface="Arial" panose="020B0604020202020204" pitchFamily="34" charset="0"/>
-              <a:buChar char="•"/>
-              <a:defRPr sz="1800" kern="1200">
-                <a:solidFill>
-                  <a:schemeClr val="tx1"/>
-                </a:solidFill>
-                <a:latin typeface="+mn-lt"/>
-                <a:ea typeface="+mn-ea"/>
-                <a:cs typeface="+mn-cs"/>
-              </a:defRPr>
-            </a:lvl7pPr>
-            <a:lvl8pPr marL="3429000" indent="-228600" algn="l" defTabSz="914400" rtl="0" eaLnBrk="1" latinLnBrk="0" hangingPunct="1">
-              <a:lnSpc>
-                <a:spcPct val="90000"/>
-              </a:lnSpc>
-              <a:spcBef>
-                <a:spcPts val="500"/>
-              </a:spcBef>
-              <a:buFont typeface="Arial" panose="020B0604020202020204" pitchFamily="34" charset="0"/>
-              <a:buChar char="•"/>
-              <a:defRPr sz="1800" kern="1200">
-                <a:solidFill>
-                  <a:schemeClr val="tx1"/>
-                </a:solidFill>
-                <a:latin typeface="+mn-lt"/>
-                <a:ea typeface="+mn-ea"/>
-                <a:cs typeface="+mn-cs"/>
-              </a:defRPr>
-            </a:lvl8pPr>
-            <a:lvl9pPr marL="3886200" indent="-228600" algn="l" defTabSz="914400" rtl="0" eaLnBrk="1" latinLnBrk="0" hangingPunct="1">
-              <a:lnSpc>
-                <a:spcPct val="90000"/>
-              </a:lnSpc>
-              <a:spcBef>
-                <a:spcPts val="500"/>
-              </a:spcBef>
-              <a:buFont typeface="Arial" panose="020B0604020202020204" pitchFamily="34" charset="0"/>
-              <a:buChar char="•"/>
-              <a:defRPr sz="1800" kern="1200">
-                <a:solidFill>
-                  <a:schemeClr val="tx1"/>
-                </a:solidFill>
-                <a:latin typeface="+mn-lt"/>
-                <a:ea typeface="+mn-ea"/>
-                <a:cs typeface="+mn-cs"/>
-              </a:defRPr>
-            </a:lvl9pPr>
-          </a:lstStyle>
-          <a:p>
-            <a:pPr marL="0" indent="0">
-              <a:lnSpc>
-                <a:spcPct val="100000"/>
-              </a:lnSpc>
-              <a:spcBef>
-                <a:spcPts val="600"/>
-              </a:spcBef>
-              <a:buFont typeface="Arial" panose="020B0604020202020204" pitchFamily="34" charset="0"/>
-              <a:buNone/>
-            </a:pPr>
-            <a:r>
-              <a:rPr lang="nl-NL" sz="2000" dirty="0"/>
-              <a:t>Namen van kolommen / tabellen:</a:t>
-            </a:r>
-          </a:p>
-          <a:p>
-            <a:pPr>
-              <a:lnSpc>
-                <a:spcPct val="100000"/>
-              </a:lnSpc>
-              <a:spcBef>
-                <a:spcPts val="600"/>
-              </a:spcBef>
-              <a:buFontTx/>
-              <a:buChar char="-"/>
-            </a:pPr>
-            <a:endParaRPr lang="nl-NL" sz="2000" dirty="0"/>
-          </a:p>
-          <a:p>
-            <a:pPr>
-              <a:lnSpc>
-                <a:spcPct val="100000"/>
-              </a:lnSpc>
-              <a:spcBef>
-                <a:spcPts val="600"/>
-              </a:spcBef>
-              <a:buFontTx/>
-              <a:buChar char="-"/>
-            </a:pPr>
-            <a:r>
-              <a:rPr lang="nl-NL" sz="2000" dirty="0"/>
-              <a:t>Geen quotes:		</a:t>
-            </a:r>
-            <a:r>
-              <a:rPr lang="nl-NL" sz="2000" dirty="0" err="1">
-                <a:solidFill>
-                  <a:srgbClr val="7030A0"/>
-                </a:solidFill>
-              </a:rPr>
-              <a:t>ObjectNaam</a:t>
-            </a:r>
-            <a:endParaRPr lang="nl-NL" sz="2000" dirty="0">
-              <a:solidFill>
-                <a:srgbClr val="7030A0"/>
-              </a:solidFill>
-            </a:endParaRPr>
-          </a:p>
-          <a:p>
-            <a:pPr>
-              <a:lnSpc>
-                <a:spcPct val="100000"/>
-              </a:lnSpc>
-              <a:spcBef>
-                <a:spcPts val="600"/>
-              </a:spcBef>
-              <a:buFontTx/>
-              <a:buChar char="-"/>
-            </a:pPr>
-            <a:r>
-              <a:rPr lang="nl-NL" sz="2000" dirty="0"/>
-              <a:t>Double quotes:		</a:t>
-            </a:r>
-            <a:r>
-              <a:rPr lang="nl-NL" sz="2000" dirty="0">
-                <a:solidFill>
-                  <a:srgbClr val="7030A0"/>
-                </a:solidFill>
-              </a:rPr>
-              <a:t>"</a:t>
-            </a:r>
-            <a:r>
-              <a:rPr lang="nl-NL" sz="2000" dirty="0" err="1">
-                <a:solidFill>
-                  <a:srgbClr val="7030A0"/>
-                </a:solidFill>
-              </a:rPr>
-              <a:t>ObjectNaam</a:t>
-            </a:r>
-            <a:r>
-              <a:rPr lang="nl-NL" sz="2000" dirty="0">
-                <a:solidFill>
-                  <a:srgbClr val="7030A0"/>
-                </a:solidFill>
-              </a:rPr>
-              <a:t>"</a:t>
-            </a:r>
-          </a:p>
-          <a:p>
-            <a:pPr>
-              <a:lnSpc>
-                <a:spcPct val="100000"/>
-              </a:lnSpc>
-              <a:spcBef>
-                <a:spcPts val="600"/>
-              </a:spcBef>
-              <a:buFontTx/>
-              <a:buChar char="-"/>
-            </a:pPr>
-            <a:r>
-              <a:rPr lang="nl-NL" sz="2000" dirty="0"/>
-              <a:t>Back </a:t>
-            </a:r>
-            <a:r>
-              <a:rPr lang="nl-NL" sz="2000" dirty="0" err="1"/>
-              <a:t>ticks</a:t>
-            </a:r>
-            <a:r>
-              <a:rPr lang="nl-NL" sz="2000" dirty="0"/>
-              <a:t>:		</a:t>
-            </a:r>
-            <a:r>
-              <a:rPr lang="nl-NL" sz="2000" dirty="0">
-                <a:solidFill>
-                  <a:srgbClr val="7030A0"/>
-                </a:solidFill>
-              </a:rPr>
-              <a:t>`</a:t>
-            </a:r>
-            <a:r>
-              <a:rPr lang="nl-NL" sz="2000" dirty="0" err="1">
-                <a:solidFill>
-                  <a:srgbClr val="7030A0"/>
-                </a:solidFill>
-              </a:rPr>
-              <a:t>ObjectNaam</a:t>
-            </a:r>
-            <a:r>
-              <a:rPr lang="nl-NL" sz="2000" dirty="0">
-                <a:solidFill>
-                  <a:srgbClr val="7030A0"/>
-                </a:solidFill>
-              </a:rPr>
-              <a:t>`</a:t>
-            </a:r>
-          </a:p>
-          <a:p>
-            <a:pPr marL="0" indent="0">
-              <a:lnSpc>
-                <a:spcPct val="100000"/>
-              </a:lnSpc>
-              <a:spcBef>
-                <a:spcPts val="600"/>
-              </a:spcBef>
-              <a:buNone/>
-            </a:pPr>
-            <a:endParaRPr lang="nl-NL" sz="2000" dirty="0"/>
-          </a:p>
-          <a:p>
-            <a:pPr marL="0" indent="0">
-              <a:lnSpc>
-                <a:spcPct val="100000"/>
-              </a:lnSpc>
-              <a:spcBef>
-                <a:spcPts val="600"/>
-              </a:spcBef>
-              <a:buNone/>
-            </a:pPr>
-            <a:r>
-              <a:rPr lang="nl-NL" sz="2000" dirty="0"/>
-              <a:t>Waardes:</a:t>
-            </a:r>
-          </a:p>
-          <a:p>
-            <a:pPr>
-              <a:lnSpc>
-                <a:spcPct val="100000"/>
-              </a:lnSpc>
-              <a:spcBef>
-                <a:spcPts val="600"/>
-              </a:spcBef>
-              <a:buFontTx/>
-              <a:buChar char="-"/>
-            </a:pPr>
-            <a:endParaRPr lang="nl-NL" sz="2000" dirty="0"/>
-          </a:p>
-          <a:p>
-            <a:pPr>
-              <a:lnSpc>
-                <a:spcPct val="100000"/>
-              </a:lnSpc>
-              <a:spcBef>
-                <a:spcPts val="600"/>
-              </a:spcBef>
-              <a:buFontTx/>
-              <a:buChar char="-"/>
-            </a:pPr>
-            <a:r>
-              <a:rPr lang="nl-NL" sz="2000" dirty="0"/>
-              <a:t>Numeriek:		</a:t>
-            </a:r>
-            <a:r>
-              <a:rPr lang="nl-NL" sz="2000" dirty="0">
-                <a:latin typeface="Courier New" panose="02070309020205020404" pitchFamily="49" charset="0"/>
-                <a:cs typeface="Courier New" panose="02070309020205020404" pitchFamily="49" charset="0"/>
-              </a:rPr>
-              <a:t>42</a:t>
-            </a:r>
-          </a:p>
-          <a:p>
-            <a:pPr>
-              <a:lnSpc>
-                <a:spcPct val="100000"/>
-              </a:lnSpc>
-              <a:spcBef>
-                <a:spcPts val="600"/>
-              </a:spcBef>
-              <a:buFontTx/>
-              <a:buChar char="-"/>
-            </a:pPr>
-            <a:r>
-              <a:rPr lang="nl-NL" sz="2000" dirty="0"/>
-              <a:t>Tekst:			</a:t>
-            </a:r>
-            <a:r>
-              <a:rPr lang="nl-NL" sz="2000" dirty="0">
-                <a:solidFill>
-                  <a:srgbClr val="C00000"/>
-                </a:solidFill>
-              </a:rPr>
-              <a:t>'tekstwaarde'</a:t>
-            </a:r>
-          </a:p>
-          <a:p>
-            <a:pPr>
-              <a:lnSpc>
-                <a:spcPct val="100000"/>
-              </a:lnSpc>
-              <a:spcBef>
-                <a:spcPts val="600"/>
-              </a:spcBef>
-              <a:buFontTx/>
-              <a:buChar char="-"/>
-            </a:pPr>
-            <a:r>
-              <a:rPr lang="nl-NL" sz="2000" dirty="0"/>
-              <a:t>Datum:		</a:t>
-            </a:r>
-            <a:r>
-              <a:rPr lang="nl-NL" sz="2000" dirty="0">
-                <a:solidFill>
-                  <a:srgbClr val="C00000"/>
-                </a:solidFill>
-              </a:rPr>
-              <a:t>'2025-01-01'</a:t>
-            </a:r>
-          </a:p>
-        </p:txBody>
-      </p:sp>
-    </p:spTree>
-    <p:extLst>
-      <p:ext uri="{BB962C8B-B14F-4D97-AF65-F5344CB8AC3E}">
-        <p14:creationId xmlns:p14="http://schemas.microsoft.com/office/powerpoint/2010/main" val="1371737774"/>
-      </p:ext>
-    </p:extLst>
-  </p:cSld>
-  <p:clrMapOvr>
-    <a:masterClrMapping/>
-  </p:clrMapOvr>
-</p:sld>
-</file>
-
 <file path=ppt/slides/slide17.xml><?xml version="1.0" encoding="utf-8"?>
 <p:sld xmlns:a="http://schemas.openxmlformats.org/drawingml/2006/main" xmlns:r="http://schemas.openxmlformats.org/officeDocument/2006/relationships" xmlns:p="http://schemas.openxmlformats.org/presentationml/2006/main">
   <p:cSld>
@@ -10505,13 +10665,15 @@
           </a:bodyPr>
           <a:lstStyle/>
           <a:p>
-            <a:pPr>
-              <a:lnSpc>
-                <a:spcPct val="100000"/>
-              </a:lnSpc>
-              <a:spcBef>
-                <a:spcPts val="600"/>
-              </a:spcBef>
+            <a:pPr marL="457200" indent="-457200">
+              <a:lnSpc>
+                <a:spcPct val="100000"/>
+              </a:lnSpc>
+              <a:spcBef>
+                <a:spcPts val="600"/>
+              </a:spcBef>
+              <a:buFont typeface="+mj-lt"/>
+              <a:buAutoNum type="arabicPeriod"/>
             </a:pPr>
             <a:r>
               <a:rPr lang="nl-NL" sz="2000" dirty="0"/>
@@ -10546,24 +10708,28 @@
             </a:r>
           </a:p>
           <a:p>
-            <a:pPr>
-              <a:lnSpc>
-                <a:spcPct val="100000"/>
-              </a:lnSpc>
-              <a:spcBef>
-                <a:spcPts val="600"/>
-              </a:spcBef>
+            <a:pPr marL="457200" indent="-457200">
+              <a:lnSpc>
+                <a:spcPct val="100000"/>
+              </a:lnSpc>
+              <a:spcBef>
+                <a:spcPts val="600"/>
+              </a:spcBef>
+              <a:buFont typeface="+mj-lt"/>
+              <a:buAutoNum type="arabicPeriod"/>
             </a:pPr>
             <a:endParaRPr lang="nl-NL" sz="2000" dirty="0"/>
           </a:p>
           <a:p>
-            <a:pPr>
-              <a:lnSpc>
-                <a:spcPct val="100000"/>
-              </a:lnSpc>
-              <a:spcBef>
-                <a:spcPts val="600"/>
-              </a:spcBef>
+            <a:pPr marL="457200" indent="-457200">
+              <a:lnSpc>
+                <a:spcPct val="100000"/>
+              </a:lnSpc>
+              <a:spcBef>
+                <a:spcPts val="600"/>
+              </a:spcBef>
+              <a:buFont typeface="+mj-lt"/>
+              <a:buAutoNum type="arabicPeriod"/>
             </a:pPr>
             <a:r>
               <a:rPr lang="nl-NL" sz="2000" dirty="0"/>
@@ -10579,24 +10745,28 @@
             </a:r>
           </a:p>
           <a:p>
-            <a:pPr>
-              <a:lnSpc>
-                <a:spcPct val="100000"/>
-              </a:lnSpc>
-              <a:spcBef>
-                <a:spcPts val="600"/>
-              </a:spcBef>
+            <a:pPr marL="457200" indent="-457200">
+              <a:lnSpc>
+                <a:spcPct val="100000"/>
+              </a:lnSpc>
+              <a:spcBef>
+                <a:spcPts val="600"/>
+              </a:spcBef>
+              <a:buFont typeface="+mj-lt"/>
+              <a:buAutoNum type="arabicPeriod"/>
             </a:pPr>
             <a:endParaRPr lang="nl-NL" sz="2000" dirty="0"/>
           </a:p>
           <a:p>
-            <a:pPr>
-              <a:lnSpc>
-                <a:spcPct val="100000"/>
-              </a:lnSpc>
-              <a:spcBef>
-                <a:spcPts val="600"/>
-              </a:spcBef>
+            <a:pPr marL="457200" indent="-457200">
+              <a:lnSpc>
+                <a:spcPct val="100000"/>
+              </a:lnSpc>
+              <a:spcBef>
+                <a:spcPts val="600"/>
+              </a:spcBef>
+              <a:buFont typeface="+mj-lt"/>
+              <a:buAutoNum type="arabicPeriod"/>
             </a:pPr>
             <a:r>
               <a:rPr lang="nl-NL" sz="2000" dirty="0"/>
@@ -10615,24 +10785,28 @@
             </a:r>
           </a:p>
           <a:p>
-            <a:pPr>
-              <a:lnSpc>
-                <a:spcPct val="100000"/>
-              </a:lnSpc>
-              <a:spcBef>
-                <a:spcPts val="600"/>
-              </a:spcBef>
+            <a:pPr marL="457200" indent="-457200">
+              <a:lnSpc>
+                <a:spcPct val="100000"/>
+              </a:lnSpc>
+              <a:spcBef>
+                <a:spcPts val="600"/>
+              </a:spcBef>
+              <a:buFont typeface="+mj-lt"/>
+              <a:buAutoNum type="arabicPeriod"/>
             </a:pPr>
             <a:endParaRPr lang="nl-NL" sz="2000" dirty="0"/>
           </a:p>
           <a:p>
-            <a:pPr>
-              <a:lnSpc>
-                <a:spcPct val="100000"/>
-              </a:lnSpc>
-              <a:spcBef>
-                <a:spcPts val="600"/>
-              </a:spcBef>
+            <a:pPr marL="457200" indent="-457200">
+              <a:lnSpc>
+                <a:spcPct val="100000"/>
+              </a:lnSpc>
+              <a:spcBef>
+                <a:spcPts val="600"/>
+              </a:spcBef>
+              <a:buFont typeface="+mj-lt"/>
+              <a:buAutoNum type="arabicPeriod"/>
             </a:pPr>
             <a:r>
               <a:rPr lang="nl-NL" sz="2000" dirty="0"/>
@@ -10660,14 +10834,13 @@
             <a:endParaRPr lang="nl-NL" sz="2000" dirty="0"/>
           </a:p>
           <a:p>
-            <a:pPr marL="914400" lvl="1" indent="-457200">
-              <a:lnSpc>
-                <a:spcPct val="100000"/>
-              </a:lnSpc>
-              <a:spcBef>
-                <a:spcPts val="600"/>
-              </a:spcBef>
-              <a:buAutoNum type="arabicPeriod"/>
+            <a:pPr lvl="1">
+              <a:lnSpc>
+                <a:spcPct val="100000"/>
+              </a:lnSpc>
+              <a:spcBef>
+                <a:spcPts val="600"/>
+              </a:spcBef>
             </a:pPr>
             <a:r>
               <a:rPr lang="nl-NL" sz="2000" dirty="0"/>
@@ -10689,14 +10862,13 @@
             </a:r>
           </a:p>
           <a:p>
-            <a:pPr marL="914400" lvl="1" indent="-457200">
-              <a:lnSpc>
-                <a:spcPct val="100000"/>
-              </a:lnSpc>
-              <a:spcBef>
-                <a:spcPts val="600"/>
-              </a:spcBef>
-              <a:buAutoNum type="arabicPeriod"/>
+            <a:pPr lvl="1">
+              <a:lnSpc>
+                <a:spcPct val="100000"/>
+              </a:lnSpc>
+              <a:spcBef>
+                <a:spcPts val="600"/>
+              </a:spcBef>
             </a:pPr>
             <a:r>
               <a:rPr lang="nl-NL" sz="2000" dirty="0"/>
@@ -10740,14 +10912,13 @@
             </a:r>
           </a:p>
           <a:p>
-            <a:pPr marL="914400" lvl="1" indent="-457200">
-              <a:lnSpc>
-                <a:spcPct val="100000"/>
-              </a:lnSpc>
-              <a:spcBef>
-                <a:spcPts val="600"/>
-              </a:spcBef>
-              <a:buAutoNum type="arabicPeriod"/>
+            <a:pPr lvl="1">
+              <a:lnSpc>
+                <a:spcPct val="100000"/>
+              </a:lnSpc>
+              <a:spcBef>
+                <a:spcPts val="600"/>
+              </a:spcBef>
             </a:pPr>
             <a:r>
               <a:rPr lang="nl-NL" sz="2000" dirty="0"/>
@@ -11566,7 +11737,7 @@
         <p:cNvPr id="1" name="">
           <a:extLst>
             <a:ext uri="{FF2B5EF4-FFF2-40B4-BE49-F238E27FC236}">
-              <a16:creationId xmlns:a16="http://schemas.microsoft.com/office/drawing/2014/main" id="{D87B25AB-D498-212A-A781-06F766C8C8E9}"/>
+              <a16:creationId xmlns:a16="http://schemas.microsoft.com/office/drawing/2014/main" id="{0F95310D-C27C-4E4C-01B3-BCBD9C0C3372}"/>
             </a:ext>
           </a:extLst>
         </p:cNvPr>
@@ -11586,7 +11757,7 @@
           <p:cNvPr id="2" name="Title 1">
             <a:extLst>
               <a:ext uri="{FF2B5EF4-FFF2-40B4-BE49-F238E27FC236}">
-                <a16:creationId xmlns:a16="http://schemas.microsoft.com/office/drawing/2014/main" id="{387D69CC-BBE5-6C1B-ADFA-BE520B69A3F5}"/>
+                <a16:creationId xmlns:a16="http://schemas.microsoft.com/office/drawing/2014/main" id="{5F0D47C6-2775-4E0B-9ABA-234E5EEBF16D}"/>
               </a:ext>
             </a:extLst>
           </p:cNvPr>
@@ -11606,7 +11777,7 @@
           <a:p>
             <a:r>
               <a:rPr lang="nl-NL" sz="3600" dirty="0"/>
-              <a:t>Conditionele berekeningen</a:t>
+              <a:t>Tekst bewerken</a:t>
             </a:r>
           </a:p>
         </p:txBody>
@@ -11616,7 +11787,7 @@
           <p:cNvPr id="3" name="Content Placeholder 2">
             <a:extLst>
               <a:ext uri="{FF2B5EF4-FFF2-40B4-BE49-F238E27FC236}">
-                <a16:creationId xmlns:a16="http://schemas.microsoft.com/office/drawing/2014/main" id="{3F77FF19-037B-E35D-30D7-45F901BA4067}"/>
+                <a16:creationId xmlns:a16="http://schemas.microsoft.com/office/drawing/2014/main" id="{69B0D886-42A2-90E1-1782-573D8D127BC9}"/>
               </a:ext>
             </a:extLst>
           </p:cNvPr>
@@ -11629,8 +11800,8 @@
         </p:nvSpPr>
         <p:spPr>
           <a:xfrm>
-            <a:off x="838198" y="1825625"/>
-            <a:ext cx="5590736" cy="4351338"/>
+            <a:off x="838199" y="1825625"/>
+            <a:ext cx="5079715" cy="4351338"/>
           </a:xfrm>
         </p:spPr>
         <p:txBody>
@@ -11649,7 +11820,7 @@
               <a:buNone/>
             </a:pPr>
             <a:r>
-              <a:rPr lang="nl-NL" sz="1600" dirty="0">
+              <a:rPr lang="nl-NL" sz="2000" dirty="0">
                 <a:solidFill>
                   <a:schemeClr val="accent5">
                     <a:lumMod val="75000"/>
@@ -11658,20 +11829,131 @@
                 <a:latin typeface="Courier New" panose="02070309020205020404" pitchFamily="49" charset="0"/>
                 <a:cs typeface="Courier New" panose="02070309020205020404" pitchFamily="49" charset="0"/>
               </a:rPr>
-              <a:t>SELECT</a:t>
-            </a:r>
-          </a:p>
-          <a:p>
-            <a:pPr marL="0" indent="0">
-              <a:lnSpc>
-                <a:spcPct val="100000"/>
-              </a:lnSpc>
-              <a:spcBef>
-                <a:spcPts val="600"/>
-              </a:spcBef>
-              <a:buNone/>
-            </a:pPr>
-            <a:endParaRPr lang="nl-NL" sz="1600" dirty="0">
+              <a:t>UPPER</a:t>
+            </a:r>
+            <a:r>
+              <a:rPr lang="nl-NL" sz="2000" dirty="0">
+                <a:latin typeface="Courier New" panose="02070309020205020404" pitchFamily="49" charset="0"/>
+                <a:cs typeface="Courier New" panose="02070309020205020404" pitchFamily="49" charset="0"/>
+              </a:rPr>
+              <a:t>(</a:t>
+            </a:r>
+            <a:r>
+              <a:rPr lang="nl-NL" sz="2000" dirty="0">
+                <a:solidFill>
+                  <a:srgbClr val="C00000"/>
+                </a:solidFill>
+                <a:latin typeface="Courier New" panose="02070309020205020404" pitchFamily="49" charset="0"/>
+                <a:cs typeface="Courier New" panose="02070309020205020404" pitchFamily="49" charset="0"/>
+              </a:rPr>
+              <a:t>'</a:t>
+            </a:r>
+            <a:r>
+              <a:rPr lang="nl-NL" sz="2000" dirty="0" err="1">
+                <a:solidFill>
+                  <a:srgbClr val="C00000"/>
+                </a:solidFill>
+                <a:latin typeface="Courier New" panose="02070309020205020404" pitchFamily="49" charset="0"/>
+                <a:cs typeface="Courier New" panose="02070309020205020404" pitchFamily="49" charset="0"/>
+              </a:rPr>
+              <a:t>Hello</a:t>
+            </a:r>
+            <a:r>
+              <a:rPr lang="nl-NL" sz="2000" dirty="0">
+                <a:solidFill>
+                  <a:srgbClr val="C00000"/>
+                </a:solidFill>
+                <a:latin typeface="Courier New" panose="02070309020205020404" pitchFamily="49" charset="0"/>
+                <a:cs typeface="Courier New" panose="02070309020205020404" pitchFamily="49" charset="0"/>
+              </a:rPr>
+              <a:t> World'</a:t>
+            </a:r>
+            <a:r>
+              <a:rPr lang="nl-NL" sz="2000" dirty="0">
+                <a:latin typeface="Courier New" panose="02070309020205020404" pitchFamily="49" charset="0"/>
+                <a:cs typeface="Courier New" panose="02070309020205020404" pitchFamily="49" charset="0"/>
+              </a:rPr>
+              <a:t>)</a:t>
+            </a:r>
+          </a:p>
+          <a:p>
+            <a:pPr marL="0" indent="0">
+              <a:lnSpc>
+                <a:spcPct val="100000"/>
+              </a:lnSpc>
+              <a:spcBef>
+                <a:spcPts val="600"/>
+              </a:spcBef>
+              <a:buNone/>
+            </a:pPr>
+            <a:r>
+              <a:rPr lang="nl-NL" sz="2000" dirty="0">
+                <a:solidFill>
+                  <a:schemeClr val="accent5">
+                    <a:lumMod val="75000"/>
+                  </a:schemeClr>
+                </a:solidFill>
+                <a:latin typeface="Courier New" panose="02070309020205020404" pitchFamily="49" charset="0"/>
+                <a:cs typeface="Courier New" panose="02070309020205020404" pitchFamily="49" charset="0"/>
+              </a:rPr>
+              <a:t>LOWER</a:t>
+            </a:r>
+            <a:r>
+              <a:rPr lang="nl-NL" sz="2000" dirty="0">
+                <a:latin typeface="Courier New" panose="02070309020205020404" pitchFamily="49" charset="0"/>
+                <a:cs typeface="Courier New" panose="02070309020205020404" pitchFamily="49" charset="0"/>
+              </a:rPr>
+              <a:t>(</a:t>
+            </a:r>
+            <a:r>
+              <a:rPr lang="nl-NL" sz="2000" dirty="0">
+                <a:solidFill>
+                  <a:srgbClr val="C00000"/>
+                </a:solidFill>
+                <a:latin typeface="Courier New" panose="02070309020205020404" pitchFamily="49" charset="0"/>
+                <a:cs typeface="Courier New" panose="02070309020205020404" pitchFamily="49" charset="0"/>
+              </a:rPr>
+              <a:t>'</a:t>
+            </a:r>
+            <a:r>
+              <a:rPr lang="nl-NL" sz="2000" dirty="0" err="1">
+                <a:solidFill>
+                  <a:srgbClr val="C00000"/>
+                </a:solidFill>
+                <a:latin typeface="Courier New" panose="02070309020205020404" pitchFamily="49" charset="0"/>
+                <a:cs typeface="Courier New" panose="02070309020205020404" pitchFamily="49" charset="0"/>
+              </a:rPr>
+              <a:t>Hello</a:t>
+            </a:r>
+            <a:r>
+              <a:rPr lang="nl-NL" sz="2000" dirty="0">
+                <a:solidFill>
+                  <a:srgbClr val="C00000"/>
+                </a:solidFill>
+                <a:latin typeface="Courier New" panose="02070309020205020404" pitchFamily="49" charset="0"/>
+                <a:cs typeface="Courier New" panose="02070309020205020404" pitchFamily="49" charset="0"/>
+              </a:rPr>
+              <a:t> World'</a:t>
+            </a:r>
+            <a:r>
+              <a:rPr lang="nl-NL" sz="2000" dirty="0">
+                <a:latin typeface="Courier New" panose="02070309020205020404" pitchFamily="49" charset="0"/>
+                <a:cs typeface="Courier New" panose="02070309020205020404" pitchFamily="49" charset="0"/>
+              </a:rPr>
+              <a:t>)</a:t>
+            </a:r>
+          </a:p>
+          <a:p>
+            <a:pPr marL="0" indent="0">
+              <a:lnSpc>
+                <a:spcPct val="100000"/>
+              </a:lnSpc>
+              <a:spcBef>
+                <a:spcPts val="600"/>
+              </a:spcBef>
+              <a:buNone/>
+            </a:pPr>
+            <a:endParaRPr lang="nl-NL" sz="2000" dirty="0">
               <a:latin typeface="Courier New" panose="02070309020205020404" pitchFamily="49" charset="0"/>
               <a:cs typeface="Courier New" panose="02070309020205020404" pitchFamily="49" charset="0"/>
             </a:endParaRPr>
@@ -11687,14 +11969,7 @@
               <a:buNone/>
             </a:pPr>
             <a:r>
-              <a:rPr lang="nl-NL" sz="1600" dirty="0">
-                <a:latin typeface="Courier New" panose="02070309020205020404" pitchFamily="49" charset="0"/>
-                <a:cs typeface="Courier New" panose="02070309020205020404" pitchFamily="49" charset="0"/>
-              </a:rPr>
-              <a:t>  </a:t>
-            </a:r>
-            <a:r>
-              <a:rPr lang="nl-NL" sz="1600" dirty="0">
+              <a:rPr lang="nl-NL" sz="2000" dirty="0">
                 <a:solidFill>
                   <a:schemeClr val="accent5">
                     <a:lumMod val="75000"/>
@@ -11703,28 +11978,65 @@
                 <a:latin typeface="Courier New" panose="02070309020205020404" pitchFamily="49" charset="0"/>
                 <a:cs typeface="Courier New" panose="02070309020205020404" pitchFamily="49" charset="0"/>
               </a:rPr>
-              <a:t>CASE</a:t>
-            </a:r>
-          </a:p>
-          <a:p>
-            <a:pPr marL="0" indent="0">
-              <a:lnSpc>
-                <a:spcPct val="100000"/>
-              </a:lnSpc>
-              <a:spcBef>
-                <a:spcPts val="600"/>
-              </a:spcBef>
-              <a:buNone/>
-            </a:pPr>
-            <a:r>
-              <a:rPr lang="nl-NL" sz="1600" dirty="0">
-                <a:latin typeface="Courier New" panose="02070309020205020404" pitchFamily="49" charset="0"/>
-                <a:cs typeface="Courier New" panose="02070309020205020404" pitchFamily="49" charset="0"/>
-              </a:rPr>
-              <a:t>    </a:t>
-            </a:r>
-            <a:r>
-              <a:rPr lang="nl-NL" sz="1600" dirty="0">
+              <a:t>TRIM</a:t>
+            </a:r>
+            <a:r>
+              <a:rPr lang="nl-NL" sz="2000" dirty="0">
+                <a:latin typeface="Courier New" panose="02070309020205020404" pitchFamily="49" charset="0"/>
+                <a:cs typeface="Courier New" panose="02070309020205020404" pitchFamily="49" charset="0"/>
+              </a:rPr>
+              <a:t>(</a:t>
+            </a:r>
+            <a:r>
+              <a:rPr lang="nl-NL" sz="2000" dirty="0">
+                <a:solidFill>
+                  <a:srgbClr val="C00000"/>
+                </a:solidFill>
+                <a:latin typeface="Courier New" panose="02070309020205020404" pitchFamily="49" charset="0"/>
+                <a:cs typeface="Courier New" panose="02070309020205020404" pitchFamily="49" charset="0"/>
+              </a:rPr>
+              <a:t>' </a:t>
+            </a:r>
+            <a:r>
+              <a:rPr lang="nl-NL" sz="2000" dirty="0" err="1">
+                <a:solidFill>
+                  <a:srgbClr val="C00000"/>
+                </a:solidFill>
+                <a:latin typeface="Courier New" panose="02070309020205020404" pitchFamily="49" charset="0"/>
+                <a:cs typeface="Courier New" panose="02070309020205020404" pitchFamily="49" charset="0"/>
+              </a:rPr>
+              <a:t>Hello</a:t>
+            </a:r>
+            <a:r>
+              <a:rPr lang="nl-NL" sz="2000" dirty="0">
+                <a:solidFill>
+                  <a:srgbClr val="C00000"/>
+                </a:solidFill>
+                <a:latin typeface="Courier New" panose="02070309020205020404" pitchFamily="49" charset="0"/>
+                <a:cs typeface="Courier New" panose="02070309020205020404" pitchFamily="49" charset="0"/>
+              </a:rPr>
+              <a:t> World '</a:t>
+            </a:r>
+            <a:r>
+              <a:rPr lang="nl-NL" sz="2000" dirty="0">
+                <a:latin typeface="Courier New" panose="02070309020205020404" pitchFamily="49" charset="0"/>
+                <a:cs typeface="Courier New" panose="02070309020205020404" pitchFamily="49" charset="0"/>
+              </a:rPr>
+              <a:t>)</a:t>
+            </a:r>
+          </a:p>
+          <a:p>
+            <a:pPr marL="0" indent="0">
+              <a:lnSpc>
+                <a:spcPct val="100000"/>
+              </a:lnSpc>
+              <a:spcBef>
+                <a:spcPts val="600"/>
+              </a:spcBef>
+              <a:buNone/>
+            </a:pPr>
+            <a:r>
+              <a:rPr lang="nl-NL" sz="2000" dirty="0">
                 <a:solidFill>
                   <a:schemeClr val="accent5">
                     <a:lumMod val="75000"/>
@@ -11733,17 +12045,17 @@
                 <a:latin typeface="Courier New" panose="02070309020205020404" pitchFamily="49" charset="0"/>
                 <a:cs typeface="Courier New" panose="02070309020205020404" pitchFamily="49" charset="0"/>
               </a:rPr>
-              <a:t>WHEN</a:t>
-            </a:r>
-            <a:r>
-              <a:rPr lang="nl-NL" sz="1600" dirty="0">
-                <a:latin typeface="Courier New" panose="02070309020205020404" pitchFamily="49" charset="0"/>
-                <a:cs typeface="Courier New" panose="02070309020205020404" pitchFamily="49" charset="0"/>
-              </a:rPr>
-              <a:t> Leeftijd &lt; 18 </a:t>
-            </a:r>
-            <a:r>
-              <a:rPr lang="nl-NL" sz="1600" dirty="0">
+              <a:t>LTRIM</a:t>
+            </a:r>
+            <a:r>
+              <a:rPr lang="nl-NL" sz="2000" dirty="0">
+                <a:latin typeface="Courier New" panose="02070309020205020404" pitchFamily="49" charset="0"/>
+                <a:cs typeface="Courier New" panose="02070309020205020404" pitchFamily="49" charset="0"/>
+              </a:rPr>
+              <a:t> / </a:t>
+            </a:r>
+            <a:r>
+              <a:rPr lang="nl-NL" sz="2000" dirty="0">
                 <a:solidFill>
                   <a:schemeClr val="accent5">
                     <a:lumMod val="75000"/>
@@ -11752,45 +12064,36 @@
                 <a:latin typeface="Courier New" panose="02070309020205020404" pitchFamily="49" charset="0"/>
                 <a:cs typeface="Courier New" panose="02070309020205020404" pitchFamily="49" charset="0"/>
               </a:rPr>
-              <a:t>THEN</a:t>
-            </a:r>
-            <a:r>
-              <a:rPr lang="nl-NL" sz="1600" dirty="0">
-                <a:latin typeface="Courier New" panose="02070309020205020404" pitchFamily="49" charset="0"/>
-                <a:cs typeface="Courier New" panose="02070309020205020404" pitchFamily="49" charset="0"/>
-              </a:rPr>
-              <a:t> </a:t>
-            </a:r>
-            <a:r>
-              <a:rPr lang="nl-NL" sz="1600" dirty="0">
-                <a:solidFill>
-                  <a:srgbClr val="C00000"/>
-                </a:solidFill>
-                <a:latin typeface="Courier New" panose="02070309020205020404" pitchFamily="49" charset="0"/>
-                <a:cs typeface="Courier New" panose="02070309020205020404" pitchFamily="49" charset="0"/>
-              </a:rPr>
-              <a:t>'minderjarig'</a:t>
-            </a:r>
-          </a:p>
-          <a:p>
-            <a:pPr marL="0" indent="0">
-              <a:lnSpc>
-                <a:spcPct val="100000"/>
-              </a:lnSpc>
-              <a:spcBef>
-                <a:spcPts val="600"/>
-              </a:spcBef>
-              <a:buNone/>
-            </a:pPr>
-            <a:r>
-              <a:rPr lang="nl-NL" sz="1600" dirty="0">
-                <a:latin typeface="Courier New" panose="02070309020205020404" pitchFamily="49" charset="0"/>
-                <a:cs typeface="Courier New" panose="02070309020205020404" pitchFamily="49" charset="0"/>
-              </a:rPr>
-              <a:t>    </a:t>
-            </a:r>
-            <a:r>
-              <a:rPr lang="nl-NL" sz="1600" dirty="0">
+              <a:t>RTRIM</a:t>
+            </a:r>
+          </a:p>
+          <a:p>
+            <a:pPr marL="0" indent="0">
+              <a:lnSpc>
+                <a:spcPct val="100000"/>
+              </a:lnSpc>
+              <a:spcBef>
+                <a:spcPts val="600"/>
+              </a:spcBef>
+              <a:buNone/>
+            </a:pPr>
+            <a:endParaRPr lang="nl-NL" sz="2000" dirty="0">
+              <a:latin typeface="Courier New" panose="02070309020205020404" pitchFamily="49" charset="0"/>
+              <a:cs typeface="Courier New" panose="02070309020205020404" pitchFamily="49" charset="0"/>
+            </a:endParaRPr>
+          </a:p>
+          <a:p>
+            <a:pPr marL="0" indent="0">
+              <a:lnSpc>
+                <a:spcPct val="100000"/>
+              </a:lnSpc>
+              <a:spcBef>
+                <a:spcPts val="600"/>
+              </a:spcBef>
+              <a:buNone/>
+            </a:pPr>
+            <a:r>
+              <a:rPr lang="nl-NL" sz="2000" dirty="0">
                 <a:solidFill>
                   <a:schemeClr val="accent5">
                     <a:lumMod val="75000"/>
@@ -11799,17 +12102,114 @@
                 <a:latin typeface="Courier New" panose="02070309020205020404" pitchFamily="49" charset="0"/>
                 <a:cs typeface="Courier New" panose="02070309020205020404" pitchFamily="49" charset="0"/>
               </a:rPr>
-              <a:t>WHEN</a:t>
-            </a:r>
-            <a:r>
-              <a:rPr lang="nl-NL" sz="1600" dirty="0">
-                <a:latin typeface="Courier New" panose="02070309020205020404" pitchFamily="49" charset="0"/>
-                <a:cs typeface="Courier New" panose="02070309020205020404" pitchFamily="49" charset="0"/>
-              </a:rPr>
-              <a:t> Leeftijd &lt; 25 </a:t>
-            </a:r>
-            <a:r>
-              <a:rPr lang="nl-NL" sz="1600" dirty="0">
+              <a:t>CONCAT</a:t>
+            </a:r>
+            <a:r>
+              <a:rPr lang="nl-NL" sz="2000" dirty="0">
+                <a:latin typeface="Courier New" panose="02070309020205020404" pitchFamily="49" charset="0"/>
+                <a:cs typeface="Courier New" panose="02070309020205020404" pitchFamily="49" charset="0"/>
+              </a:rPr>
+              <a:t>(</a:t>
+            </a:r>
+            <a:r>
+              <a:rPr lang="nl-NL" sz="2000" dirty="0">
+                <a:solidFill>
+                  <a:srgbClr val="C00000"/>
+                </a:solidFill>
+                <a:latin typeface="Courier New" panose="02070309020205020404" pitchFamily="49" charset="0"/>
+                <a:cs typeface="Courier New" panose="02070309020205020404" pitchFamily="49" charset="0"/>
+              </a:rPr>
+              <a:t>'</a:t>
+            </a:r>
+            <a:r>
+              <a:rPr lang="nl-NL" sz="2000" dirty="0" err="1">
+                <a:solidFill>
+                  <a:srgbClr val="C00000"/>
+                </a:solidFill>
+                <a:latin typeface="Courier New" panose="02070309020205020404" pitchFamily="49" charset="0"/>
+                <a:cs typeface="Courier New" panose="02070309020205020404" pitchFamily="49" charset="0"/>
+              </a:rPr>
+              <a:t>Hello</a:t>
+            </a:r>
+            <a:r>
+              <a:rPr lang="nl-NL" sz="2000" dirty="0">
+                <a:solidFill>
+                  <a:srgbClr val="C00000"/>
+                </a:solidFill>
+                <a:latin typeface="Courier New" panose="02070309020205020404" pitchFamily="49" charset="0"/>
+                <a:cs typeface="Courier New" panose="02070309020205020404" pitchFamily="49" charset="0"/>
+              </a:rPr>
+              <a:t>'</a:t>
+            </a:r>
+            <a:r>
+              <a:rPr lang="nl-NL" sz="2000" dirty="0">
+                <a:latin typeface="Courier New" panose="02070309020205020404" pitchFamily="49" charset="0"/>
+                <a:cs typeface="Courier New" panose="02070309020205020404" pitchFamily="49" charset="0"/>
+              </a:rPr>
+              <a:t>, </a:t>
+            </a:r>
+            <a:r>
+              <a:rPr lang="nl-NL" sz="2000" dirty="0">
+                <a:solidFill>
+                  <a:srgbClr val="C00000"/>
+                </a:solidFill>
+                <a:latin typeface="Courier New" panose="02070309020205020404" pitchFamily="49" charset="0"/>
+                <a:cs typeface="Courier New" panose="02070309020205020404" pitchFamily="49" charset="0"/>
+              </a:rPr>
+              <a:t>' '</a:t>
+            </a:r>
+            <a:r>
+              <a:rPr lang="nl-NL" sz="2000" dirty="0">
+                <a:latin typeface="Courier New" panose="02070309020205020404" pitchFamily="49" charset="0"/>
+                <a:cs typeface="Courier New" panose="02070309020205020404" pitchFamily="49" charset="0"/>
+              </a:rPr>
+              <a:t>, </a:t>
+            </a:r>
+            <a:r>
+              <a:rPr lang="nl-NL" sz="2000" dirty="0">
+                <a:solidFill>
+                  <a:srgbClr val="C00000"/>
+                </a:solidFill>
+                <a:latin typeface="Courier New" panose="02070309020205020404" pitchFamily="49" charset="0"/>
+                <a:cs typeface="Courier New" panose="02070309020205020404" pitchFamily="49" charset="0"/>
+              </a:rPr>
+              <a:t>'World'</a:t>
+            </a:r>
+            <a:r>
+              <a:rPr lang="nl-NL" sz="2000" dirty="0">
+                <a:latin typeface="Courier New" panose="02070309020205020404" pitchFamily="49" charset="0"/>
+                <a:cs typeface="Courier New" panose="02070309020205020404" pitchFamily="49" charset="0"/>
+              </a:rPr>
+              <a:t>)</a:t>
+            </a:r>
+          </a:p>
+          <a:p>
+            <a:pPr marL="0" indent="0">
+              <a:lnSpc>
+                <a:spcPct val="100000"/>
+              </a:lnSpc>
+              <a:spcBef>
+                <a:spcPts val="600"/>
+              </a:spcBef>
+              <a:buNone/>
+            </a:pPr>
+            <a:endParaRPr lang="nl-NL" sz="2000" dirty="0">
+              <a:latin typeface="Courier New" panose="02070309020205020404" pitchFamily="49" charset="0"/>
+              <a:cs typeface="Courier New" panose="02070309020205020404" pitchFamily="49" charset="0"/>
+            </a:endParaRPr>
+          </a:p>
+          <a:p>
+            <a:pPr marL="0" indent="0">
+              <a:lnSpc>
+                <a:spcPct val="100000"/>
+              </a:lnSpc>
+              <a:spcBef>
+                <a:spcPts val="600"/>
+              </a:spcBef>
+              <a:buNone/>
+            </a:pPr>
+            <a:r>
+              <a:rPr lang="nl-NL" sz="2000" dirty="0">
                 <a:solidFill>
                   <a:schemeClr val="accent5">
                     <a:lumMod val="75000"/>
@@ -11818,45 +12218,85 @@
                 <a:latin typeface="Courier New" panose="02070309020205020404" pitchFamily="49" charset="0"/>
                 <a:cs typeface="Courier New" panose="02070309020205020404" pitchFamily="49" charset="0"/>
               </a:rPr>
-              <a:t>THEN</a:t>
-            </a:r>
-            <a:r>
-              <a:rPr lang="nl-NL" sz="1600" dirty="0">
-                <a:latin typeface="Courier New" panose="02070309020205020404" pitchFamily="49" charset="0"/>
-                <a:cs typeface="Courier New" panose="02070309020205020404" pitchFamily="49" charset="0"/>
-              </a:rPr>
-              <a:t> </a:t>
-            </a:r>
-            <a:r>
-              <a:rPr lang="nl-NL" sz="1600" dirty="0">
+              <a:t>SUBSTR</a:t>
+            </a:r>
+            <a:r>
+              <a:rPr lang="nl-NL" sz="2000" dirty="0">
+                <a:latin typeface="Courier New" panose="02070309020205020404" pitchFamily="49" charset="0"/>
+                <a:cs typeface="Courier New" panose="02070309020205020404" pitchFamily="49" charset="0"/>
+              </a:rPr>
+              <a:t>(</a:t>
+            </a:r>
+            <a:r>
+              <a:rPr lang="nl-NL" sz="2000" dirty="0">
                 <a:solidFill>
                   <a:srgbClr val="C00000"/>
                 </a:solidFill>
                 <a:latin typeface="Courier New" panose="02070309020205020404" pitchFamily="49" charset="0"/>
                 <a:cs typeface="Courier New" panose="02070309020205020404" pitchFamily="49" charset="0"/>
               </a:rPr>
-              <a:t>'adolescent'</a:t>
-            </a:r>
-          </a:p>
-          <a:p>
-            <a:pPr marL="0" indent="0">
-              <a:lnSpc>
-                <a:spcPct val="100000"/>
-              </a:lnSpc>
-              <a:spcBef>
-                <a:spcPts val="600"/>
-              </a:spcBef>
-              <a:buNone/>
-            </a:pPr>
-            <a:r>
-              <a:rPr lang="nl-NL" sz="1600" dirty="0">
-                <a:latin typeface="Courier New" panose="02070309020205020404" pitchFamily="49" charset="0"/>
-                <a:cs typeface="Courier New" panose="02070309020205020404" pitchFamily="49" charset="0"/>
-              </a:rPr>
-              <a:t>    </a:t>
-            </a:r>
-            <a:r>
-              <a:rPr lang="nl-NL" sz="1600" dirty="0">
+              <a:t>'</a:t>
+            </a:r>
+            <a:r>
+              <a:rPr lang="nl-NL" sz="2000" dirty="0" err="1">
+                <a:solidFill>
+                  <a:srgbClr val="C00000"/>
+                </a:solidFill>
+                <a:latin typeface="Courier New" panose="02070309020205020404" pitchFamily="49" charset="0"/>
+                <a:cs typeface="Courier New" panose="02070309020205020404" pitchFamily="49" charset="0"/>
+              </a:rPr>
+              <a:t>Hello</a:t>
+            </a:r>
+            <a:r>
+              <a:rPr lang="nl-NL" sz="2000" dirty="0">
+                <a:solidFill>
+                  <a:srgbClr val="C00000"/>
+                </a:solidFill>
+                <a:latin typeface="Courier New" panose="02070309020205020404" pitchFamily="49" charset="0"/>
+                <a:cs typeface="Courier New" panose="02070309020205020404" pitchFamily="49" charset="0"/>
+              </a:rPr>
+              <a:t>'</a:t>
+            </a:r>
+            <a:r>
+              <a:rPr lang="nl-NL" sz="2000" dirty="0">
+                <a:latin typeface="Courier New" panose="02070309020205020404" pitchFamily="49" charset="0"/>
+                <a:cs typeface="Courier New" panose="02070309020205020404" pitchFamily="49" charset="0"/>
+              </a:rPr>
+              <a:t>, 1, 4)</a:t>
+            </a:r>
+          </a:p>
+          <a:p>
+            <a:pPr marL="0" indent="0">
+              <a:lnSpc>
+                <a:spcPct val="100000"/>
+              </a:lnSpc>
+              <a:spcBef>
+                <a:spcPts val="600"/>
+              </a:spcBef>
+              <a:buNone/>
+            </a:pPr>
+            <a:endParaRPr lang="nl-NL" sz="2000" dirty="0">
+              <a:solidFill>
+                <a:schemeClr val="accent5">
+                  <a:lumMod val="75000"/>
+                </a:schemeClr>
+              </a:solidFill>
+              <a:latin typeface="Courier New" panose="02070309020205020404" pitchFamily="49" charset="0"/>
+              <a:cs typeface="Courier New" panose="02070309020205020404" pitchFamily="49" charset="0"/>
+            </a:endParaRPr>
+          </a:p>
+          <a:p>
+            <a:pPr marL="0" indent="0">
+              <a:lnSpc>
+                <a:spcPct val="100000"/>
+              </a:lnSpc>
+              <a:spcBef>
+                <a:spcPts val="600"/>
+              </a:spcBef>
+              <a:buNone/>
+            </a:pPr>
+            <a:r>
+              <a:rPr lang="nl-NL" sz="2000" dirty="0">
                 <a:solidFill>
                   <a:schemeClr val="accent5">
                     <a:lumMod val="75000"/>
@@ -11865,213 +12305,31 @@
                 <a:latin typeface="Courier New" panose="02070309020205020404" pitchFamily="49" charset="0"/>
                 <a:cs typeface="Courier New" panose="02070309020205020404" pitchFamily="49" charset="0"/>
               </a:rPr>
-              <a:t>WHEN</a:t>
-            </a:r>
-            <a:r>
-              <a:rPr lang="nl-NL" sz="1600" dirty="0">
-                <a:latin typeface="Courier New" panose="02070309020205020404" pitchFamily="49" charset="0"/>
-                <a:cs typeface="Courier New" panose="02070309020205020404" pitchFamily="49" charset="0"/>
-              </a:rPr>
-              <a:t> Leeftijd &lt; 65 </a:t>
-            </a:r>
-            <a:r>
-              <a:rPr lang="nl-NL" sz="1600" dirty="0">
-                <a:solidFill>
-                  <a:schemeClr val="accent5">
-                    <a:lumMod val="75000"/>
-                  </a:schemeClr>
-                </a:solidFill>
-                <a:latin typeface="Courier New" panose="02070309020205020404" pitchFamily="49" charset="0"/>
-                <a:cs typeface="Courier New" panose="02070309020205020404" pitchFamily="49" charset="0"/>
-              </a:rPr>
-              <a:t>THEN</a:t>
-            </a:r>
-            <a:r>
-              <a:rPr lang="nl-NL" sz="1600" dirty="0">
-                <a:latin typeface="Courier New" panose="02070309020205020404" pitchFamily="49" charset="0"/>
-                <a:cs typeface="Courier New" panose="02070309020205020404" pitchFamily="49" charset="0"/>
-              </a:rPr>
-              <a:t> </a:t>
-            </a:r>
-            <a:r>
-              <a:rPr lang="nl-NL" sz="1600" dirty="0">
+              <a:t>FORMAT</a:t>
+            </a:r>
+            <a:r>
+              <a:rPr lang="nl-NL" sz="2000" dirty="0">
+                <a:latin typeface="Courier New" panose="02070309020205020404" pitchFamily="49" charset="0"/>
+                <a:cs typeface="Courier New" panose="02070309020205020404" pitchFamily="49" charset="0"/>
+              </a:rPr>
+              <a:t>(</a:t>
+            </a:r>
+            <a:r>
+              <a:rPr lang="nl-NL" sz="2000" dirty="0">
                 <a:solidFill>
                   <a:srgbClr val="C00000"/>
                 </a:solidFill>
                 <a:latin typeface="Courier New" panose="02070309020205020404" pitchFamily="49" charset="0"/>
                 <a:cs typeface="Courier New" panose="02070309020205020404" pitchFamily="49" charset="0"/>
               </a:rPr>
-              <a:t>'volwassen'</a:t>
-            </a:r>
-          </a:p>
-          <a:p>
-            <a:pPr marL="0" indent="0">
-              <a:lnSpc>
-                <a:spcPct val="100000"/>
-              </a:lnSpc>
-              <a:spcBef>
-                <a:spcPts val="600"/>
-              </a:spcBef>
-              <a:buNone/>
-            </a:pPr>
-            <a:r>
-              <a:rPr lang="nl-NL" sz="1600" dirty="0">
-                <a:latin typeface="Courier New" panose="02070309020205020404" pitchFamily="49" charset="0"/>
-                <a:cs typeface="Courier New" panose="02070309020205020404" pitchFamily="49" charset="0"/>
-              </a:rPr>
-              <a:t>    </a:t>
-            </a:r>
-            <a:r>
-              <a:rPr lang="nl-NL" sz="1600" dirty="0">
-                <a:solidFill>
-                  <a:schemeClr val="accent5">
-                    <a:lumMod val="75000"/>
-                  </a:schemeClr>
-                </a:solidFill>
-                <a:latin typeface="Courier New" panose="02070309020205020404" pitchFamily="49" charset="0"/>
-                <a:cs typeface="Courier New" panose="02070309020205020404" pitchFamily="49" charset="0"/>
-              </a:rPr>
-              <a:t>ELSE</a:t>
-            </a:r>
-            <a:r>
-              <a:rPr lang="nl-NL" sz="1600" dirty="0">
-                <a:latin typeface="Courier New" panose="02070309020205020404" pitchFamily="49" charset="0"/>
-                <a:cs typeface="Courier New" panose="02070309020205020404" pitchFamily="49" charset="0"/>
-              </a:rPr>
-              <a:t> </a:t>
-            </a:r>
-            <a:r>
-              <a:rPr lang="nl-NL" sz="1600" dirty="0">
-                <a:solidFill>
-                  <a:srgbClr val="C00000"/>
-                </a:solidFill>
-                <a:latin typeface="Courier New" panose="02070309020205020404" pitchFamily="49" charset="0"/>
-                <a:cs typeface="Courier New" panose="02070309020205020404" pitchFamily="49" charset="0"/>
-              </a:rPr>
-              <a:t>'senior'</a:t>
-            </a:r>
-          </a:p>
-          <a:p>
-            <a:pPr marL="0" indent="0">
-              <a:lnSpc>
-                <a:spcPct val="100000"/>
-              </a:lnSpc>
-              <a:spcBef>
-                <a:spcPts val="600"/>
-              </a:spcBef>
-              <a:buNone/>
-            </a:pPr>
-            <a:r>
-              <a:rPr lang="nl-NL" sz="1600" dirty="0">
-                <a:latin typeface="Courier New" panose="02070309020205020404" pitchFamily="49" charset="0"/>
-                <a:cs typeface="Courier New" panose="02070309020205020404" pitchFamily="49" charset="0"/>
-              </a:rPr>
-              <a:t>  </a:t>
-            </a:r>
-            <a:r>
-              <a:rPr lang="nl-NL" sz="1600" dirty="0">
-                <a:solidFill>
-                  <a:schemeClr val="accent5">
-                    <a:lumMod val="75000"/>
-                  </a:schemeClr>
-                </a:solidFill>
-                <a:latin typeface="Courier New" panose="02070309020205020404" pitchFamily="49" charset="0"/>
-                <a:cs typeface="Courier New" panose="02070309020205020404" pitchFamily="49" charset="0"/>
-              </a:rPr>
-              <a:t>END</a:t>
-            </a:r>
-          </a:p>
-          <a:p>
-            <a:pPr marL="0" indent="0">
-              <a:lnSpc>
-                <a:spcPct val="100000"/>
-              </a:lnSpc>
-              <a:spcBef>
-                <a:spcPts val="600"/>
-              </a:spcBef>
-              <a:buNone/>
-            </a:pPr>
-            <a:r>
-              <a:rPr lang="nl-NL" sz="1600" dirty="0">
-                <a:latin typeface="Courier New" panose="02070309020205020404" pitchFamily="49" charset="0"/>
-                <a:cs typeface="Courier New" panose="02070309020205020404" pitchFamily="49" charset="0"/>
-              </a:rPr>
-              <a:t>  </a:t>
-            </a:r>
-            <a:r>
-              <a:rPr lang="nl-NL" sz="1600" dirty="0">
-                <a:solidFill>
-                  <a:schemeClr val="accent5">
-                    <a:lumMod val="75000"/>
-                  </a:schemeClr>
-                </a:solidFill>
-                <a:latin typeface="Courier New" panose="02070309020205020404" pitchFamily="49" charset="0"/>
-                <a:cs typeface="Courier New" panose="02070309020205020404" pitchFamily="49" charset="0"/>
-              </a:rPr>
-              <a:t>AS</a:t>
-            </a:r>
-            <a:r>
-              <a:rPr lang="nl-NL" sz="1600" dirty="0">
-                <a:latin typeface="Courier New" panose="02070309020205020404" pitchFamily="49" charset="0"/>
-                <a:cs typeface="Courier New" panose="02070309020205020404" pitchFamily="49" charset="0"/>
-              </a:rPr>
-              <a:t> </a:t>
-            </a:r>
-            <a:r>
-              <a:rPr lang="nl-NL" sz="1600" dirty="0" err="1">
-                <a:latin typeface="Courier New" panose="02070309020205020404" pitchFamily="49" charset="0"/>
-                <a:cs typeface="Courier New" panose="02070309020205020404" pitchFamily="49" charset="0"/>
-              </a:rPr>
-              <a:t>LeeftijdCategorie</a:t>
-            </a:r>
-            <a:endParaRPr lang="nl-NL" sz="1600" dirty="0">
-              <a:latin typeface="Courier New" panose="02070309020205020404" pitchFamily="49" charset="0"/>
-              <a:cs typeface="Courier New" panose="02070309020205020404" pitchFamily="49" charset="0"/>
-            </a:endParaRPr>
-          </a:p>
-          <a:p>
-            <a:pPr marL="0" indent="0">
-              <a:lnSpc>
-                <a:spcPct val="100000"/>
-              </a:lnSpc>
-              <a:spcBef>
-                <a:spcPts val="600"/>
-              </a:spcBef>
-              <a:buNone/>
-            </a:pPr>
-            <a:endParaRPr lang="nl-NL" sz="1600" dirty="0">
-              <a:latin typeface="Courier New" panose="02070309020205020404" pitchFamily="49" charset="0"/>
-              <a:cs typeface="Courier New" panose="02070309020205020404" pitchFamily="49" charset="0"/>
-            </a:endParaRPr>
-          </a:p>
-          <a:p>
-            <a:pPr marL="0" indent="0">
-              <a:lnSpc>
-                <a:spcPct val="100000"/>
-              </a:lnSpc>
-              <a:spcBef>
-                <a:spcPts val="600"/>
-              </a:spcBef>
-              <a:buNone/>
-            </a:pPr>
-            <a:r>
-              <a:rPr lang="nl-NL" sz="1600" dirty="0">
-                <a:solidFill>
-                  <a:schemeClr val="accent5">
-                    <a:lumMod val="75000"/>
-                  </a:schemeClr>
-                </a:solidFill>
-                <a:latin typeface="Courier New" panose="02070309020205020404" pitchFamily="49" charset="0"/>
-                <a:cs typeface="Courier New" panose="02070309020205020404" pitchFamily="49" charset="0"/>
-              </a:rPr>
-              <a:t>FROM</a:t>
-            </a:r>
-            <a:r>
-              <a:rPr lang="nl-NL" sz="1600" dirty="0">
-                <a:latin typeface="Courier New" panose="02070309020205020404" pitchFamily="49" charset="0"/>
-                <a:cs typeface="Courier New" panose="02070309020205020404" pitchFamily="49" charset="0"/>
-              </a:rPr>
-              <a:t> Personen;</a:t>
+              <a:t>'%0.2f'</a:t>
+            </a:r>
+            <a:r>
+              <a:rPr lang="nl-NL" sz="2000" dirty="0">
+                <a:latin typeface="Courier New" panose="02070309020205020404" pitchFamily="49" charset="0"/>
+                <a:cs typeface="Courier New" panose="02070309020205020404" pitchFamily="49" charset="0"/>
+              </a:rPr>
+              <a:t>, 0.12345)</a:t>
             </a:r>
           </a:p>
         </p:txBody>
@@ -12081,7 +12339,7 @@
           <p:cNvPr id="5" name="Content Placeholder 2">
             <a:extLst>
               <a:ext uri="{FF2B5EF4-FFF2-40B4-BE49-F238E27FC236}">
-                <a16:creationId xmlns:a16="http://schemas.microsoft.com/office/drawing/2014/main" id="{0F75BAED-8CE7-F130-935A-31FBA7E51B5D}"/>
+                <a16:creationId xmlns:a16="http://schemas.microsoft.com/office/drawing/2014/main" id="{708BD2FB-5B36-8BDE-D119-81D6C562089E}"/>
               </a:ext>
             </a:extLst>
           </p:cNvPr>
@@ -12101,7 +12359,7 @@
         </p:spPr>
         <p:txBody>
           <a:bodyPr vert="horz" lIns="91440" tIns="45720" rIns="91440" bIns="45720" rtlCol="0">
-            <a:normAutofit/>
+            <a:noAutofit/>
           </a:bodyPr>
           <a:lstStyle>
             <a:lvl1pPr marL="228600" indent="-228600" algn="l" defTabSz="914400" rtl="0" eaLnBrk="1" latinLnBrk="0" hangingPunct="1">
@@ -12277,6 +12535,21 @@
               </a:spcBef>
               <a:buNone/>
             </a:pPr>
+            <a:r>
+              <a:rPr lang="nl-NL" sz="2000" dirty="0"/>
+              <a:t>Converteer naar hoofd / kleine letters.</a:t>
+            </a:r>
+          </a:p>
+          <a:p>
+            <a:pPr marL="0" indent="0">
+              <a:lnSpc>
+                <a:spcPct val="100000"/>
+              </a:lnSpc>
+              <a:spcBef>
+                <a:spcPts val="600"/>
+              </a:spcBef>
+              <a:buNone/>
+            </a:pPr>
             <a:endParaRPr lang="nl-NL" sz="2000" dirty="0"/>
           </a:p>
           <a:p>
@@ -12289,25 +12562,60 @@
               </a:spcBef>
               <a:buNone/>
             </a:pPr>
+            <a:endParaRPr lang="nl-NL" sz="2000" dirty="0"/>
+          </a:p>
+          <a:p>
+            <a:pPr marL="0" indent="0">
+              <a:lnSpc>
+                <a:spcPct val="100000"/>
+              </a:lnSpc>
+              <a:spcBef>
+                <a:spcPts val="600"/>
+              </a:spcBef>
+              <a:buNone/>
+            </a:pPr>
             <a:r>
               <a:rPr lang="nl-NL" sz="2000" dirty="0"/>
-              <a:t>Gebruik </a:t>
-            </a:r>
-            <a:r>
-              <a:rPr lang="nl-NL" sz="2000" dirty="0">
-                <a:solidFill>
-                  <a:schemeClr val="accent5">
-                    <a:lumMod val="75000"/>
-                  </a:schemeClr>
-                </a:solidFill>
-                <a:latin typeface="Courier New" panose="02070309020205020404" pitchFamily="49" charset="0"/>
-                <a:cs typeface="Courier New" panose="02070309020205020404" pitchFamily="49" charset="0"/>
-              </a:rPr>
-              <a:t>CASE</a:t>
-            </a:r>
+              <a:t>Verwijder spaties aan begin of einde.</a:t>
+            </a:r>
+          </a:p>
+          <a:p>
+            <a:pPr marL="0" indent="0">
+              <a:lnSpc>
+                <a:spcPct val="100000"/>
+              </a:lnSpc>
+              <a:spcBef>
+                <a:spcPts val="600"/>
+              </a:spcBef>
+              <a:buNone/>
+            </a:pPr>
+            <a:endParaRPr lang="nl-NL" sz="2000" dirty="0"/>
+          </a:p>
+          <a:p>
+            <a:pPr marL="0" indent="0">
+              <a:lnSpc>
+                <a:spcPct val="100000"/>
+              </a:lnSpc>
+              <a:spcBef>
+                <a:spcPts val="600"/>
+              </a:spcBef>
+              <a:buNone/>
+            </a:pPr>
+            <a:endParaRPr lang="nl-NL" sz="2000" dirty="0"/>
+          </a:p>
+          <a:p>
+            <a:pPr marL="0" indent="0">
+              <a:lnSpc>
+                <a:spcPct val="100000"/>
+              </a:lnSpc>
+              <a:spcBef>
+                <a:spcPts val="600"/>
+              </a:spcBef>
+              <a:buNone/>
+            </a:pPr>
             <a:r>
               <a:rPr lang="nl-NL" sz="2000" dirty="0"/>
-              <a:t> voor conditionele logica:</a:t>
+              <a:t>Plak teksten aan elkaar.</a:t>
             </a:r>
           </a:p>
           <a:p>
@@ -12323,150 +12631,45 @@
             <a:endParaRPr lang="nl-NL" sz="2000" dirty="0"/>
           </a:p>
           <a:p>
-            <a:pPr>
-              <a:lnSpc>
-                <a:spcPct val="100000"/>
-              </a:lnSpc>
-              <a:spcBef>
-                <a:spcPts val="600"/>
-              </a:spcBef>
-              <a:buFontTx/>
-              <a:buChar char="-"/>
+            <a:pPr marL="0" indent="0">
+              <a:lnSpc>
+                <a:spcPct val="100000"/>
+              </a:lnSpc>
+              <a:spcBef>
+                <a:spcPts val="600"/>
+              </a:spcBef>
+              <a:buNone/>
             </a:pPr>
             <a:r>
               <a:rPr lang="nl-NL" sz="2000" dirty="0"/>
-              <a:t>Geef condities op met </a:t>
-            </a:r>
-            <a:r>
-              <a:rPr lang="nl-NL" sz="2000" dirty="0">
-                <a:solidFill>
-                  <a:schemeClr val="accent5">
-                    <a:lumMod val="75000"/>
-                  </a:schemeClr>
-                </a:solidFill>
-                <a:latin typeface="Courier New" panose="02070309020205020404" pitchFamily="49" charset="0"/>
-                <a:cs typeface="Courier New" panose="02070309020205020404" pitchFamily="49" charset="0"/>
-              </a:rPr>
-              <a:t>WHEN … THEN</a:t>
-            </a:r>
-          </a:p>
-          <a:p>
-            <a:pPr>
-              <a:lnSpc>
-                <a:spcPct val="100000"/>
-              </a:lnSpc>
-              <a:spcBef>
-                <a:spcPts val="600"/>
-              </a:spcBef>
-              <a:buFontTx/>
-              <a:buChar char="-"/>
+              <a:t>Deel van een tekst (vanaf - tot).</a:t>
+            </a:r>
+          </a:p>
+          <a:p>
+            <a:pPr marL="0" indent="0">
+              <a:lnSpc>
+                <a:spcPct val="100000"/>
+              </a:lnSpc>
+              <a:spcBef>
+                <a:spcPts val="600"/>
+              </a:spcBef>
+              <a:buNone/>
+            </a:pPr>
+            <a:endParaRPr lang="nl-NL" sz="2000" dirty="0"/>
+          </a:p>
+          <a:p>
+            <a:pPr marL="0" indent="0">
+              <a:lnSpc>
+                <a:spcPct val="100000"/>
+              </a:lnSpc>
+              <a:spcBef>
+                <a:spcPts val="600"/>
+              </a:spcBef>
+              <a:buNone/>
             </a:pPr>
             <a:r>
               <a:rPr lang="nl-NL" sz="2000" dirty="0"/>
-              <a:t>Gebruik </a:t>
-            </a:r>
-            <a:r>
-              <a:rPr lang="nl-NL" sz="2000" dirty="0">
-                <a:solidFill>
-                  <a:schemeClr val="accent5">
-                    <a:lumMod val="75000"/>
-                  </a:schemeClr>
-                </a:solidFill>
-                <a:latin typeface="Courier New" panose="02070309020205020404" pitchFamily="49" charset="0"/>
-                <a:cs typeface="Courier New" panose="02070309020205020404" pitchFamily="49" charset="0"/>
-              </a:rPr>
-              <a:t>ELSE</a:t>
-            </a:r>
-            <a:r>
-              <a:rPr lang="nl-NL" sz="2000" dirty="0"/>
-              <a:t> als standaard waarde.</a:t>
-            </a:r>
-          </a:p>
-          <a:p>
-            <a:pPr>
-              <a:lnSpc>
-                <a:spcPct val="100000"/>
-              </a:lnSpc>
-              <a:spcBef>
-                <a:spcPts val="600"/>
-              </a:spcBef>
-              <a:buFontTx/>
-              <a:buChar char="-"/>
-            </a:pPr>
-            <a:endParaRPr lang="nl-NL" sz="2000" dirty="0"/>
-          </a:p>
-          <a:p>
-            <a:pPr marL="0" indent="0">
-              <a:lnSpc>
-                <a:spcPct val="100000"/>
-              </a:lnSpc>
-              <a:spcBef>
-                <a:spcPts val="600"/>
-              </a:spcBef>
-              <a:buNone/>
-            </a:pPr>
-            <a:r>
-              <a:rPr lang="nl-NL" sz="2000" dirty="0"/>
-              <a:t>Sluit conditionele logica af met </a:t>
-            </a:r>
-            <a:r>
-              <a:rPr lang="nl-NL" sz="2000" dirty="0">
-                <a:solidFill>
-                  <a:schemeClr val="accent5">
-                    <a:lumMod val="75000"/>
-                  </a:schemeClr>
-                </a:solidFill>
-                <a:latin typeface="Courier New" panose="02070309020205020404" pitchFamily="49" charset="0"/>
-                <a:cs typeface="Courier New" panose="02070309020205020404" pitchFamily="49" charset="0"/>
-              </a:rPr>
-              <a:t>END</a:t>
-            </a:r>
-            <a:r>
-              <a:rPr lang="nl-NL" sz="2000" dirty="0"/>
-              <a:t>.</a:t>
-            </a:r>
-          </a:p>
-          <a:p>
-            <a:pPr marL="0" indent="0">
-              <a:lnSpc>
-                <a:spcPct val="100000"/>
-              </a:lnSpc>
-              <a:spcBef>
-                <a:spcPts val="600"/>
-              </a:spcBef>
-              <a:buNone/>
-            </a:pPr>
-            <a:endParaRPr lang="nl-NL" sz="2000" dirty="0"/>
-          </a:p>
-          <a:p>
-            <a:pPr marL="0" indent="0">
-              <a:lnSpc>
-                <a:spcPct val="100000"/>
-              </a:lnSpc>
-              <a:spcBef>
-                <a:spcPts val="600"/>
-              </a:spcBef>
-              <a:buNone/>
-            </a:pPr>
-            <a:r>
-              <a:rPr lang="nl-NL" sz="2000" dirty="0"/>
-              <a:t>Geef een alias op met </a:t>
-            </a:r>
-            <a:r>
-              <a:rPr lang="nl-NL" sz="2000" dirty="0">
-                <a:solidFill>
-                  <a:schemeClr val="accent5">
-                    <a:lumMod val="75000"/>
-                  </a:schemeClr>
-                </a:solidFill>
-                <a:latin typeface="Courier New" panose="02070309020205020404" pitchFamily="49" charset="0"/>
-                <a:cs typeface="Courier New" panose="02070309020205020404" pitchFamily="49" charset="0"/>
-              </a:rPr>
-              <a:t>AS</a:t>
-            </a:r>
-            <a:r>
-              <a:rPr lang="nl-NL" sz="2000" dirty="0"/>
-              <a:t>.</a:t>
+              <a:t>Maak getal op als tekst.</a:t>
             </a:r>
           </a:p>
         </p:txBody>
@@ -12476,7 +12679,7 @@
           <p:cNvPr id="6" name="Straight Connector 5">
             <a:extLst>
               <a:ext uri="{FF2B5EF4-FFF2-40B4-BE49-F238E27FC236}">
-                <a16:creationId xmlns:a16="http://schemas.microsoft.com/office/drawing/2014/main" id="{86ABBEF9-C511-5699-9DC9-8BBCC83B071E}"/>
+                <a16:creationId xmlns:a16="http://schemas.microsoft.com/office/drawing/2014/main" id="{822EDC06-B9A2-BB3A-1C8A-578D67761B51}"/>
               </a:ext>
             </a:extLst>
           </p:cNvPr>
@@ -12510,7 +12713,7 @@
     </p:spTree>
     <p:extLst>
       <p:ext uri="{BB962C8B-B14F-4D97-AF65-F5344CB8AC3E}">
-        <p14:creationId xmlns:p14="http://schemas.microsoft.com/office/powerpoint/2010/main" val="4105147829"/>
+        <p14:creationId xmlns:p14="http://schemas.microsoft.com/office/powerpoint/2010/main" val="2695403744"/>
       </p:ext>
     </p:extLst>
   </p:cSld>
@@ -13652,6 +13855,968 @@
         <p:cNvPr id="1" name="">
           <a:extLst>
             <a:ext uri="{FF2B5EF4-FFF2-40B4-BE49-F238E27FC236}">
+              <a16:creationId xmlns:a16="http://schemas.microsoft.com/office/drawing/2014/main" id="{D87B25AB-D498-212A-A781-06F766C8C8E9}"/>
+            </a:ext>
+          </a:extLst>
+        </p:cNvPr>
+        <p:cNvGrpSpPr/>
+        <p:nvPr/>
+      </p:nvGrpSpPr>
+      <p:grpSpPr>
+        <a:xfrm>
+          <a:off x="0" y="0"/>
+          <a:ext cx="0" cy="0"/>
+          <a:chOff x="0" y="0"/>
+          <a:chExt cx="0" cy="0"/>
+        </a:xfrm>
+      </p:grpSpPr>
+      <p:sp>
+        <p:nvSpPr>
+          <p:cNvPr id="2" name="Title 1">
+            <a:extLst>
+              <a:ext uri="{FF2B5EF4-FFF2-40B4-BE49-F238E27FC236}">
+                <a16:creationId xmlns:a16="http://schemas.microsoft.com/office/drawing/2014/main" id="{387D69CC-BBE5-6C1B-ADFA-BE520B69A3F5}"/>
+              </a:ext>
+            </a:extLst>
+          </p:cNvPr>
+          <p:cNvSpPr>
+            <a:spLocks noGrp="1"/>
+          </p:cNvSpPr>
+          <p:nvPr>
+            <p:ph type="title"/>
+          </p:nvPr>
+        </p:nvSpPr>
+        <p:spPr/>
+        <p:txBody>
+          <a:bodyPr>
+            <a:normAutofit/>
+          </a:bodyPr>
+          <a:lstStyle/>
+          <a:p>
+            <a:r>
+              <a:rPr lang="nl-NL" sz="3600" dirty="0"/>
+              <a:t>Conditionele berekeningen</a:t>
+            </a:r>
+          </a:p>
+        </p:txBody>
+      </p:sp>
+      <p:sp>
+        <p:nvSpPr>
+          <p:cNvPr id="3" name="Content Placeholder 2">
+            <a:extLst>
+              <a:ext uri="{FF2B5EF4-FFF2-40B4-BE49-F238E27FC236}">
+                <a16:creationId xmlns:a16="http://schemas.microsoft.com/office/drawing/2014/main" id="{3F77FF19-037B-E35D-30D7-45F901BA4067}"/>
+              </a:ext>
+            </a:extLst>
+          </p:cNvPr>
+          <p:cNvSpPr>
+            <a:spLocks noGrp="1"/>
+          </p:cNvSpPr>
+          <p:nvPr>
+            <p:ph idx="1"/>
+          </p:nvPr>
+        </p:nvSpPr>
+        <p:spPr>
+          <a:xfrm>
+            <a:off x="838198" y="1825625"/>
+            <a:ext cx="5590736" cy="4351338"/>
+          </a:xfrm>
+        </p:spPr>
+        <p:txBody>
+          <a:bodyPr>
+            <a:noAutofit/>
+          </a:bodyPr>
+          <a:lstStyle/>
+          <a:p>
+            <a:pPr marL="0" indent="0">
+              <a:lnSpc>
+                <a:spcPct val="100000"/>
+              </a:lnSpc>
+              <a:spcBef>
+                <a:spcPts val="600"/>
+              </a:spcBef>
+              <a:buNone/>
+            </a:pPr>
+            <a:r>
+              <a:rPr lang="nl-NL" sz="1600" dirty="0">
+                <a:solidFill>
+                  <a:schemeClr val="accent5">
+                    <a:lumMod val="75000"/>
+                  </a:schemeClr>
+                </a:solidFill>
+                <a:latin typeface="Courier New" panose="02070309020205020404" pitchFamily="49" charset="0"/>
+                <a:cs typeface="Courier New" panose="02070309020205020404" pitchFamily="49" charset="0"/>
+              </a:rPr>
+              <a:t>SELECT</a:t>
+            </a:r>
+          </a:p>
+          <a:p>
+            <a:pPr marL="0" indent="0">
+              <a:lnSpc>
+                <a:spcPct val="100000"/>
+              </a:lnSpc>
+              <a:spcBef>
+                <a:spcPts val="600"/>
+              </a:spcBef>
+              <a:buNone/>
+            </a:pPr>
+            <a:endParaRPr lang="nl-NL" sz="1600" dirty="0">
+              <a:latin typeface="Courier New" panose="02070309020205020404" pitchFamily="49" charset="0"/>
+              <a:cs typeface="Courier New" panose="02070309020205020404" pitchFamily="49" charset="0"/>
+            </a:endParaRPr>
+          </a:p>
+          <a:p>
+            <a:pPr marL="0" indent="0">
+              <a:lnSpc>
+                <a:spcPct val="100000"/>
+              </a:lnSpc>
+              <a:spcBef>
+                <a:spcPts val="600"/>
+              </a:spcBef>
+              <a:buNone/>
+            </a:pPr>
+            <a:r>
+              <a:rPr lang="nl-NL" sz="1600" dirty="0">
+                <a:latin typeface="Courier New" panose="02070309020205020404" pitchFamily="49" charset="0"/>
+                <a:cs typeface="Courier New" panose="02070309020205020404" pitchFamily="49" charset="0"/>
+              </a:rPr>
+              <a:t>  </a:t>
+            </a:r>
+            <a:r>
+              <a:rPr lang="nl-NL" sz="1600" dirty="0">
+                <a:solidFill>
+                  <a:schemeClr val="accent5">
+                    <a:lumMod val="75000"/>
+                  </a:schemeClr>
+                </a:solidFill>
+                <a:latin typeface="Courier New" panose="02070309020205020404" pitchFamily="49" charset="0"/>
+                <a:cs typeface="Courier New" panose="02070309020205020404" pitchFamily="49" charset="0"/>
+              </a:rPr>
+              <a:t>CASE</a:t>
+            </a:r>
+          </a:p>
+          <a:p>
+            <a:pPr marL="0" indent="0">
+              <a:lnSpc>
+                <a:spcPct val="100000"/>
+              </a:lnSpc>
+              <a:spcBef>
+                <a:spcPts val="600"/>
+              </a:spcBef>
+              <a:buNone/>
+            </a:pPr>
+            <a:r>
+              <a:rPr lang="nl-NL" sz="1600" dirty="0">
+                <a:latin typeface="Courier New" panose="02070309020205020404" pitchFamily="49" charset="0"/>
+                <a:cs typeface="Courier New" panose="02070309020205020404" pitchFamily="49" charset="0"/>
+              </a:rPr>
+              <a:t>    </a:t>
+            </a:r>
+            <a:r>
+              <a:rPr lang="nl-NL" sz="1600" dirty="0">
+                <a:solidFill>
+                  <a:schemeClr val="accent5">
+                    <a:lumMod val="75000"/>
+                  </a:schemeClr>
+                </a:solidFill>
+                <a:latin typeface="Courier New" panose="02070309020205020404" pitchFamily="49" charset="0"/>
+                <a:cs typeface="Courier New" panose="02070309020205020404" pitchFamily="49" charset="0"/>
+              </a:rPr>
+              <a:t>WHEN</a:t>
+            </a:r>
+            <a:r>
+              <a:rPr lang="nl-NL" sz="1600" dirty="0">
+                <a:latin typeface="Courier New" panose="02070309020205020404" pitchFamily="49" charset="0"/>
+                <a:cs typeface="Courier New" panose="02070309020205020404" pitchFamily="49" charset="0"/>
+              </a:rPr>
+              <a:t> Leeftijd &lt; 18 </a:t>
+            </a:r>
+            <a:r>
+              <a:rPr lang="nl-NL" sz="1600" dirty="0">
+                <a:solidFill>
+                  <a:schemeClr val="accent5">
+                    <a:lumMod val="75000"/>
+                  </a:schemeClr>
+                </a:solidFill>
+                <a:latin typeface="Courier New" panose="02070309020205020404" pitchFamily="49" charset="0"/>
+                <a:cs typeface="Courier New" panose="02070309020205020404" pitchFamily="49" charset="0"/>
+              </a:rPr>
+              <a:t>THEN</a:t>
+            </a:r>
+            <a:r>
+              <a:rPr lang="nl-NL" sz="1600" dirty="0">
+                <a:latin typeface="Courier New" panose="02070309020205020404" pitchFamily="49" charset="0"/>
+                <a:cs typeface="Courier New" panose="02070309020205020404" pitchFamily="49" charset="0"/>
+              </a:rPr>
+              <a:t> </a:t>
+            </a:r>
+            <a:r>
+              <a:rPr lang="nl-NL" sz="1600" dirty="0">
+                <a:solidFill>
+                  <a:srgbClr val="C00000"/>
+                </a:solidFill>
+                <a:latin typeface="Courier New" panose="02070309020205020404" pitchFamily="49" charset="0"/>
+                <a:cs typeface="Courier New" panose="02070309020205020404" pitchFamily="49" charset="0"/>
+              </a:rPr>
+              <a:t>'minderjarig'</a:t>
+            </a:r>
+          </a:p>
+          <a:p>
+            <a:pPr marL="0" indent="0">
+              <a:lnSpc>
+                <a:spcPct val="100000"/>
+              </a:lnSpc>
+              <a:spcBef>
+                <a:spcPts val="600"/>
+              </a:spcBef>
+              <a:buNone/>
+            </a:pPr>
+            <a:r>
+              <a:rPr lang="nl-NL" sz="1600" dirty="0">
+                <a:latin typeface="Courier New" panose="02070309020205020404" pitchFamily="49" charset="0"/>
+                <a:cs typeface="Courier New" panose="02070309020205020404" pitchFamily="49" charset="0"/>
+              </a:rPr>
+              <a:t>    </a:t>
+            </a:r>
+            <a:r>
+              <a:rPr lang="nl-NL" sz="1600" dirty="0">
+                <a:solidFill>
+                  <a:schemeClr val="accent5">
+                    <a:lumMod val="75000"/>
+                  </a:schemeClr>
+                </a:solidFill>
+                <a:latin typeface="Courier New" panose="02070309020205020404" pitchFamily="49" charset="0"/>
+                <a:cs typeface="Courier New" panose="02070309020205020404" pitchFamily="49" charset="0"/>
+              </a:rPr>
+              <a:t>WHEN</a:t>
+            </a:r>
+            <a:r>
+              <a:rPr lang="nl-NL" sz="1600" dirty="0">
+                <a:latin typeface="Courier New" panose="02070309020205020404" pitchFamily="49" charset="0"/>
+                <a:cs typeface="Courier New" panose="02070309020205020404" pitchFamily="49" charset="0"/>
+              </a:rPr>
+              <a:t> Leeftijd &lt; 25 </a:t>
+            </a:r>
+            <a:r>
+              <a:rPr lang="nl-NL" sz="1600" dirty="0">
+                <a:solidFill>
+                  <a:schemeClr val="accent5">
+                    <a:lumMod val="75000"/>
+                  </a:schemeClr>
+                </a:solidFill>
+                <a:latin typeface="Courier New" panose="02070309020205020404" pitchFamily="49" charset="0"/>
+                <a:cs typeface="Courier New" panose="02070309020205020404" pitchFamily="49" charset="0"/>
+              </a:rPr>
+              <a:t>THEN</a:t>
+            </a:r>
+            <a:r>
+              <a:rPr lang="nl-NL" sz="1600" dirty="0">
+                <a:latin typeface="Courier New" panose="02070309020205020404" pitchFamily="49" charset="0"/>
+                <a:cs typeface="Courier New" panose="02070309020205020404" pitchFamily="49" charset="0"/>
+              </a:rPr>
+              <a:t> </a:t>
+            </a:r>
+            <a:r>
+              <a:rPr lang="nl-NL" sz="1600" dirty="0">
+                <a:solidFill>
+                  <a:srgbClr val="C00000"/>
+                </a:solidFill>
+                <a:latin typeface="Courier New" panose="02070309020205020404" pitchFamily="49" charset="0"/>
+                <a:cs typeface="Courier New" panose="02070309020205020404" pitchFamily="49" charset="0"/>
+              </a:rPr>
+              <a:t>'adolescent'</a:t>
+            </a:r>
+          </a:p>
+          <a:p>
+            <a:pPr marL="0" indent="0">
+              <a:lnSpc>
+                <a:spcPct val="100000"/>
+              </a:lnSpc>
+              <a:spcBef>
+                <a:spcPts val="600"/>
+              </a:spcBef>
+              <a:buNone/>
+            </a:pPr>
+            <a:r>
+              <a:rPr lang="nl-NL" sz="1600" dirty="0">
+                <a:latin typeface="Courier New" panose="02070309020205020404" pitchFamily="49" charset="0"/>
+                <a:cs typeface="Courier New" panose="02070309020205020404" pitchFamily="49" charset="0"/>
+              </a:rPr>
+              <a:t>    </a:t>
+            </a:r>
+            <a:r>
+              <a:rPr lang="nl-NL" sz="1600" dirty="0">
+                <a:solidFill>
+                  <a:schemeClr val="accent5">
+                    <a:lumMod val="75000"/>
+                  </a:schemeClr>
+                </a:solidFill>
+                <a:latin typeface="Courier New" panose="02070309020205020404" pitchFamily="49" charset="0"/>
+                <a:cs typeface="Courier New" panose="02070309020205020404" pitchFamily="49" charset="0"/>
+              </a:rPr>
+              <a:t>WHEN</a:t>
+            </a:r>
+            <a:r>
+              <a:rPr lang="nl-NL" sz="1600" dirty="0">
+                <a:latin typeface="Courier New" panose="02070309020205020404" pitchFamily="49" charset="0"/>
+                <a:cs typeface="Courier New" panose="02070309020205020404" pitchFamily="49" charset="0"/>
+              </a:rPr>
+              <a:t> Leeftijd &lt; 65 </a:t>
+            </a:r>
+            <a:r>
+              <a:rPr lang="nl-NL" sz="1600" dirty="0">
+                <a:solidFill>
+                  <a:schemeClr val="accent5">
+                    <a:lumMod val="75000"/>
+                  </a:schemeClr>
+                </a:solidFill>
+                <a:latin typeface="Courier New" panose="02070309020205020404" pitchFamily="49" charset="0"/>
+                <a:cs typeface="Courier New" panose="02070309020205020404" pitchFamily="49" charset="0"/>
+              </a:rPr>
+              <a:t>THEN</a:t>
+            </a:r>
+            <a:r>
+              <a:rPr lang="nl-NL" sz="1600" dirty="0">
+                <a:latin typeface="Courier New" panose="02070309020205020404" pitchFamily="49" charset="0"/>
+                <a:cs typeface="Courier New" panose="02070309020205020404" pitchFamily="49" charset="0"/>
+              </a:rPr>
+              <a:t> </a:t>
+            </a:r>
+            <a:r>
+              <a:rPr lang="nl-NL" sz="1600" dirty="0">
+                <a:solidFill>
+                  <a:srgbClr val="C00000"/>
+                </a:solidFill>
+                <a:latin typeface="Courier New" panose="02070309020205020404" pitchFamily="49" charset="0"/>
+                <a:cs typeface="Courier New" panose="02070309020205020404" pitchFamily="49" charset="0"/>
+              </a:rPr>
+              <a:t>'volwassen'</a:t>
+            </a:r>
+          </a:p>
+          <a:p>
+            <a:pPr marL="0" indent="0">
+              <a:lnSpc>
+                <a:spcPct val="100000"/>
+              </a:lnSpc>
+              <a:spcBef>
+                <a:spcPts val="600"/>
+              </a:spcBef>
+              <a:buNone/>
+            </a:pPr>
+            <a:r>
+              <a:rPr lang="nl-NL" sz="1600" dirty="0">
+                <a:latin typeface="Courier New" panose="02070309020205020404" pitchFamily="49" charset="0"/>
+                <a:cs typeface="Courier New" panose="02070309020205020404" pitchFamily="49" charset="0"/>
+              </a:rPr>
+              <a:t>    </a:t>
+            </a:r>
+            <a:r>
+              <a:rPr lang="nl-NL" sz="1600" dirty="0">
+                <a:solidFill>
+                  <a:schemeClr val="accent5">
+                    <a:lumMod val="75000"/>
+                  </a:schemeClr>
+                </a:solidFill>
+                <a:latin typeface="Courier New" panose="02070309020205020404" pitchFamily="49" charset="0"/>
+                <a:cs typeface="Courier New" panose="02070309020205020404" pitchFamily="49" charset="0"/>
+              </a:rPr>
+              <a:t>ELSE</a:t>
+            </a:r>
+            <a:r>
+              <a:rPr lang="nl-NL" sz="1600" dirty="0">
+                <a:latin typeface="Courier New" panose="02070309020205020404" pitchFamily="49" charset="0"/>
+                <a:cs typeface="Courier New" panose="02070309020205020404" pitchFamily="49" charset="0"/>
+              </a:rPr>
+              <a:t> </a:t>
+            </a:r>
+            <a:r>
+              <a:rPr lang="nl-NL" sz="1600" dirty="0">
+                <a:solidFill>
+                  <a:srgbClr val="C00000"/>
+                </a:solidFill>
+                <a:latin typeface="Courier New" panose="02070309020205020404" pitchFamily="49" charset="0"/>
+                <a:cs typeface="Courier New" panose="02070309020205020404" pitchFamily="49" charset="0"/>
+              </a:rPr>
+              <a:t>'senior'</a:t>
+            </a:r>
+          </a:p>
+          <a:p>
+            <a:pPr marL="0" indent="0">
+              <a:lnSpc>
+                <a:spcPct val="100000"/>
+              </a:lnSpc>
+              <a:spcBef>
+                <a:spcPts val="600"/>
+              </a:spcBef>
+              <a:buNone/>
+            </a:pPr>
+            <a:r>
+              <a:rPr lang="nl-NL" sz="1600" dirty="0">
+                <a:latin typeface="Courier New" panose="02070309020205020404" pitchFamily="49" charset="0"/>
+                <a:cs typeface="Courier New" panose="02070309020205020404" pitchFamily="49" charset="0"/>
+              </a:rPr>
+              <a:t>  </a:t>
+            </a:r>
+            <a:r>
+              <a:rPr lang="nl-NL" sz="1600" dirty="0">
+                <a:solidFill>
+                  <a:schemeClr val="accent5">
+                    <a:lumMod val="75000"/>
+                  </a:schemeClr>
+                </a:solidFill>
+                <a:latin typeface="Courier New" panose="02070309020205020404" pitchFamily="49" charset="0"/>
+                <a:cs typeface="Courier New" panose="02070309020205020404" pitchFamily="49" charset="0"/>
+              </a:rPr>
+              <a:t>END</a:t>
+            </a:r>
+          </a:p>
+          <a:p>
+            <a:pPr marL="0" indent="0">
+              <a:lnSpc>
+                <a:spcPct val="100000"/>
+              </a:lnSpc>
+              <a:spcBef>
+                <a:spcPts val="600"/>
+              </a:spcBef>
+              <a:buNone/>
+            </a:pPr>
+            <a:r>
+              <a:rPr lang="nl-NL" sz="1600" dirty="0">
+                <a:latin typeface="Courier New" panose="02070309020205020404" pitchFamily="49" charset="0"/>
+                <a:cs typeface="Courier New" panose="02070309020205020404" pitchFamily="49" charset="0"/>
+              </a:rPr>
+              <a:t>  </a:t>
+            </a:r>
+            <a:r>
+              <a:rPr lang="nl-NL" sz="1600" dirty="0">
+                <a:solidFill>
+                  <a:schemeClr val="accent5">
+                    <a:lumMod val="75000"/>
+                  </a:schemeClr>
+                </a:solidFill>
+                <a:latin typeface="Courier New" panose="02070309020205020404" pitchFamily="49" charset="0"/>
+                <a:cs typeface="Courier New" panose="02070309020205020404" pitchFamily="49" charset="0"/>
+              </a:rPr>
+              <a:t>AS</a:t>
+            </a:r>
+            <a:r>
+              <a:rPr lang="nl-NL" sz="1600" dirty="0">
+                <a:latin typeface="Courier New" panose="02070309020205020404" pitchFamily="49" charset="0"/>
+                <a:cs typeface="Courier New" panose="02070309020205020404" pitchFamily="49" charset="0"/>
+              </a:rPr>
+              <a:t> </a:t>
+            </a:r>
+            <a:r>
+              <a:rPr lang="nl-NL" sz="1600" dirty="0" err="1">
+                <a:latin typeface="Courier New" panose="02070309020205020404" pitchFamily="49" charset="0"/>
+                <a:cs typeface="Courier New" panose="02070309020205020404" pitchFamily="49" charset="0"/>
+              </a:rPr>
+              <a:t>LeeftijdCategorie</a:t>
+            </a:r>
+            <a:endParaRPr lang="nl-NL" sz="1600" dirty="0">
+              <a:latin typeface="Courier New" panose="02070309020205020404" pitchFamily="49" charset="0"/>
+              <a:cs typeface="Courier New" panose="02070309020205020404" pitchFamily="49" charset="0"/>
+            </a:endParaRPr>
+          </a:p>
+          <a:p>
+            <a:pPr marL="0" indent="0">
+              <a:lnSpc>
+                <a:spcPct val="100000"/>
+              </a:lnSpc>
+              <a:spcBef>
+                <a:spcPts val="600"/>
+              </a:spcBef>
+              <a:buNone/>
+            </a:pPr>
+            <a:endParaRPr lang="nl-NL" sz="1600" dirty="0">
+              <a:latin typeface="Courier New" panose="02070309020205020404" pitchFamily="49" charset="0"/>
+              <a:cs typeface="Courier New" panose="02070309020205020404" pitchFamily="49" charset="0"/>
+            </a:endParaRPr>
+          </a:p>
+          <a:p>
+            <a:pPr marL="0" indent="0">
+              <a:lnSpc>
+                <a:spcPct val="100000"/>
+              </a:lnSpc>
+              <a:spcBef>
+                <a:spcPts val="600"/>
+              </a:spcBef>
+              <a:buNone/>
+            </a:pPr>
+            <a:r>
+              <a:rPr lang="nl-NL" sz="1600" dirty="0">
+                <a:solidFill>
+                  <a:schemeClr val="accent5">
+                    <a:lumMod val="75000"/>
+                  </a:schemeClr>
+                </a:solidFill>
+                <a:latin typeface="Courier New" panose="02070309020205020404" pitchFamily="49" charset="0"/>
+                <a:cs typeface="Courier New" panose="02070309020205020404" pitchFamily="49" charset="0"/>
+              </a:rPr>
+              <a:t>FROM</a:t>
+            </a:r>
+            <a:r>
+              <a:rPr lang="nl-NL" sz="1600" dirty="0">
+                <a:latin typeface="Courier New" panose="02070309020205020404" pitchFamily="49" charset="0"/>
+                <a:cs typeface="Courier New" panose="02070309020205020404" pitchFamily="49" charset="0"/>
+              </a:rPr>
+              <a:t> Personen;</a:t>
+            </a:r>
+          </a:p>
+        </p:txBody>
+      </p:sp>
+      <p:sp>
+        <p:nvSpPr>
+          <p:cNvPr id="5" name="Content Placeholder 2">
+            <a:extLst>
+              <a:ext uri="{FF2B5EF4-FFF2-40B4-BE49-F238E27FC236}">
+                <a16:creationId xmlns:a16="http://schemas.microsoft.com/office/drawing/2014/main" id="{0F75BAED-8CE7-F130-935A-31FBA7E51B5D}"/>
+              </a:ext>
+            </a:extLst>
+          </p:cNvPr>
+          <p:cNvSpPr txBox="1">
+            <a:spLocks/>
+          </p:cNvSpPr>
+          <p:nvPr/>
+        </p:nvSpPr>
+        <p:spPr>
+          <a:xfrm>
+            <a:off x="6881567" y="1825625"/>
+            <a:ext cx="4472232" cy="4351338"/>
+          </a:xfrm>
+          <a:prstGeom prst="rect">
+            <a:avLst/>
+          </a:prstGeom>
+        </p:spPr>
+        <p:txBody>
+          <a:bodyPr vert="horz" lIns="91440" tIns="45720" rIns="91440" bIns="45720" rtlCol="0">
+            <a:normAutofit/>
+          </a:bodyPr>
+          <a:lstStyle>
+            <a:lvl1pPr marL="228600" indent="-228600" algn="l" defTabSz="914400" rtl="0" eaLnBrk="1" latinLnBrk="0" hangingPunct="1">
+              <a:lnSpc>
+                <a:spcPct val="90000"/>
+              </a:lnSpc>
+              <a:spcBef>
+                <a:spcPts val="1000"/>
+              </a:spcBef>
+              <a:buFont typeface="Arial" panose="020B0604020202020204" pitchFamily="34" charset="0"/>
+              <a:buChar char="•"/>
+              <a:defRPr sz="2800" kern="1200">
+                <a:solidFill>
+                  <a:schemeClr val="tx1"/>
+                </a:solidFill>
+                <a:latin typeface="+mn-lt"/>
+                <a:ea typeface="+mn-ea"/>
+                <a:cs typeface="+mn-cs"/>
+              </a:defRPr>
+            </a:lvl1pPr>
+            <a:lvl2pPr marL="685800" indent="-228600" algn="l" defTabSz="914400" rtl="0" eaLnBrk="1" latinLnBrk="0" hangingPunct="1">
+              <a:lnSpc>
+                <a:spcPct val="90000"/>
+              </a:lnSpc>
+              <a:spcBef>
+                <a:spcPts val="500"/>
+              </a:spcBef>
+              <a:buFont typeface="Arial" panose="020B0604020202020204" pitchFamily="34" charset="0"/>
+              <a:buChar char="•"/>
+              <a:defRPr sz="2400" kern="1200">
+                <a:solidFill>
+                  <a:schemeClr val="tx1"/>
+                </a:solidFill>
+                <a:latin typeface="+mn-lt"/>
+                <a:ea typeface="+mn-ea"/>
+                <a:cs typeface="+mn-cs"/>
+              </a:defRPr>
+            </a:lvl2pPr>
+            <a:lvl3pPr marL="1143000" indent="-228600" algn="l" defTabSz="914400" rtl="0" eaLnBrk="1" latinLnBrk="0" hangingPunct="1">
+              <a:lnSpc>
+                <a:spcPct val="90000"/>
+              </a:lnSpc>
+              <a:spcBef>
+                <a:spcPts val="500"/>
+              </a:spcBef>
+              <a:buFont typeface="Arial" panose="020B0604020202020204" pitchFamily="34" charset="0"/>
+              <a:buChar char="•"/>
+              <a:defRPr sz="2000" kern="1200">
+                <a:solidFill>
+                  <a:schemeClr val="tx1"/>
+                </a:solidFill>
+                <a:latin typeface="+mn-lt"/>
+                <a:ea typeface="+mn-ea"/>
+                <a:cs typeface="+mn-cs"/>
+              </a:defRPr>
+            </a:lvl3pPr>
+            <a:lvl4pPr marL="1600200" indent="-228600" algn="l" defTabSz="914400" rtl="0" eaLnBrk="1" latinLnBrk="0" hangingPunct="1">
+              <a:lnSpc>
+                <a:spcPct val="90000"/>
+              </a:lnSpc>
+              <a:spcBef>
+                <a:spcPts val="500"/>
+              </a:spcBef>
+              <a:buFont typeface="Arial" panose="020B0604020202020204" pitchFamily="34" charset="0"/>
+              <a:buChar char="•"/>
+              <a:defRPr sz="1800" kern="1200">
+                <a:solidFill>
+                  <a:schemeClr val="tx1"/>
+                </a:solidFill>
+                <a:latin typeface="+mn-lt"/>
+                <a:ea typeface="+mn-ea"/>
+                <a:cs typeface="+mn-cs"/>
+              </a:defRPr>
+            </a:lvl4pPr>
+            <a:lvl5pPr marL="2057400" indent="-228600" algn="l" defTabSz="914400" rtl="0" eaLnBrk="1" latinLnBrk="0" hangingPunct="1">
+              <a:lnSpc>
+                <a:spcPct val="90000"/>
+              </a:lnSpc>
+              <a:spcBef>
+                <a:spcPts val="500"/>
+              </a:spcBef>
+              <a:buFont typeface="Arial" panose="020B0604020202020204" pitchFamily="34" charset="0"/>
+              <a:buChar char="•"/>
+              <a:defRPr sz="1800" kern="1200">
+                <a:solidFill>
+                  <a:schemeClr val="tx1"/>
+                </a:solidFill>
+                <a:latin typeface="+mn-lt"/>
+                <a:ea typeface="+mn-ea"/>
+                <a:cs typeface="+mn-cs"/>
+              </a:defRPr>
+            </a:lvl5pPr>
+            <a:lvl6pPr marL="2514600" indent="-228600" algn="l" defTabSz="914400" rtl="0" eaLnBrk="1" latinLnBrk="0" hangingPunct="1">
+              <a:lnSpc>
+                <a:spcPct val="90000"/>
+              </a:lnSpc>
+              <a:spcBef>
+                <a:spcPts val="500"/>
+              </a:spcBef>
+              <a:buFont typeface="Arial" panose="020B0604020202020204" pitchFamily="34" charset="0"/>
+              <a:buChar char="•"/>
+              <a:defRPr sz="1800" kern="1200">
+                <a:solidFill>
+                  <a:schemeClr val="tx1"/>
+                </a:solidFill>
+                <a:latin typeface="+mn-lt"/>
+                <a:ea typeface="+mn-ea"/>
+                <a:cs typeface="+mn-cs"/>
+              </a:defRPr>
+            </a:lvl6pPr>
+            <a:lvl7pPr marL="2971800" indent="-228600" algn="l" defTabSz="914400" rtl="0" eaLnBrk="1" latinLnBrk="0" hangingPunct="1">
+              <a:lnSpc>
+                <a:spcPct val="90000"/>
+              </a:lnSpc>
+              <a:spcBef>
+                <a:spcPts val="500"/>
+              </a:spcBef>
+              <a:buFont typeface="Arial" panose="020B0604020202020204" pitchFamily="34" charset="0"/>
+              <a:buChar char="•"/>
+              <a:defRPr sz="1800" kern="1200">
+                <a:solidFill>
+                  <a:schemeClr val="tx1"/>
+                </a:solidFill>
+                <a:latin typeface="+mn-lt"/>
+                <a:ea typeface="+mn-ea"/>
+                <a:cs typeface="+mn-cs"/>
+              </a:defRPr>
+            </a:lvl7pPr>
+            <a:lvl8pPr marL="3429000" indent="-228600" algn="l" defTabSz="914400" rtl="0" eaLnBrk="1" latinLnBrk="0" hangingPunct="1">
+              <a:lnSpc>
+                <a:spcPct val="90000"/>
+              </a:lnSpc>
+              <a:spcBef>
+                <a:spcPts val="500"/>
+              </a:spcBef>
+              <a:buFont typeface="Arial" panose="020B0604020202020204" pitchFamily="34" charset="0"/>
+              <a:buChar char="•"/>
+              <a:defRPr sz="1800" kern="1200">
+                <a:solidFill>
+                  <a:schemeClr val="tx1"/>
+                </a:solidFill>
+                <a:latin typeface="+mn-lt"/>
+                <a:ea typeface="+mn-ea"/>
+                <a:cs typeface="+mn-cs"/>
+              </a:defRPr>
+            </a:lvl8pPr>
+            <a:lvl9pPr marL="3886200" indent="-228600" algn="l" defTabSz="914400" rtl="0" eaLnBrk="1" latinLnBrk="0" hangingPunct="1">
+              <a:lnSpc>
+                <a:spcPct val="90000"/>
+              </a:lnSpc>
+              <a:spcBef>
+                <a:spcPts val="500"/>
+              </a:spcBef>
+              <a:buFont typeface="Arial" panose="020B0604020202020204" pitchFamily="34" charset="0"/>
+              <a:buChar char="•"/>
+              <a:defRPr sz="1800" kern="1200">
+                <a:solidFill>
+                  <a:schemeClr val="tx1"/>
+                </a:solidFill>
+                <a:latin typeface="+mn-lt"/>
+                <a:ea typeface="+mn-ea"/>
+                <a:cs typeface="+mn-cs"/>
+              </a:defRPr>
+            </a:lvl9pPr>
+          </a:lstStyle>
+          <a:p>
+            <a:pPr marL="0" indent="0">
+              <a:lnSpc>
+                <a:spcPct val="100000"/>
+              </a:lnSpc>
+              <a:spcBef>
+                <a:spcPts val="600"/>
+              </a:spcBef>
+              <a:buNone/>
+            </a:pPr>
+            <a:endParaRPr lang="nl-NL" sz="2000" dirty="0"/>
+          </a:p>
+          <a:p>
+            <a:pPr marL="0" indent="0">
+              <a:lnSpc>
+                <a:spcPct val="100000"/>
+              </a:lnSpc>
+              <a:spcBef>
+                <a:spcPts val="600"/>
+              </a:spcBef>
+              <a:buNone/>
+            </a:pPr>
+            <a:r>
+              <a:rPr lang="nl-NL" sz="2000" dirty="0"/>
+              <a:t>Gebruik </a:t>
+            </a:r>
+            <a:r>
+              <a:rPr lang="nl-NL" sz="2000" dirty="0">
+                <a:solidFill>
+                  <a:schemeClr val="accent5">
+                    <a:lumMod val="75000"/>
+                  </a:schemeClr>
+                </a:solidFill>
+                <a:latin typeface="Courier New" panose="02070309020205020404" pitchFamily="49" charset="0"/>
+                <a:cs typeface="Courier New" panose="02070309020205020404" pitchFamily="49" charset="0"/>
+              </a:rPr>
+              <a:t>CASE</a:t>
+            </a:r>
+            <a:r>
+              <a:rPr lang="nl-NL" sz="2000" dirty="0"/>
+              <a:t> voor conditionele logica:</a:t>
+            </a:r>
+          </a:p>
+          <a:p>
+            <a:pPr marL="0" indent="0">
+              <a:lnSpc>
+                <a:spcPct val="100000"/>
+              </a:lnSpc>
+              <a:spcBef>
+                <a:spcPts val="600"/>
+              </a:spcBef>
+              <a:buNone/>
+            </a:pPr>
+            <a:endParaRPr lang="nl-NL" sz="2000" dirty="0"/>
+          </a:p>
+          <a:p>
+            <a:pPr>
+              <a:lnSpc>
+                <a:spcPct val="100000"/>
+              </a:lnSpc>
+              <a:spcBef>
+                <a:spcPts val="600"/>
+              </a:spcBef>
+              <a:buFontTx/>
+              <a:buChar char="-"/>
+            </a:pPr>
+            <a:r>
+              <a:rPr lang="nl-NL" sz="2000" dirty="0"/>
+              <a:t>Geef condities op met </a:t>
+            </a:r>
+            <a:r>
+              <a:rPr lang="nl-NL" sz="2000" dirty="0">
+                <a:solidFill>
+                  <a:schemeClr val="accent5">
+                    <a:lumMod val="75000"/>
+                  </a:schemeClr>
+                </a:solidFill>
+                <a:latin typeface="Courier New" panose="02070309020205020404" pitchFamily="49" charset="0"/>
+                <a:cs typeface="Courier New" panose="02070309020205020404" pitchFamily="49" charset="0"/>
+              </a:rPr>
+              <a:t>WHEN … THEN</a:t>
+            </a:r>
+          </a:p>
+          <a:p>
+            <a:pPr>
+              <a:lnSpc>
+                <a:spcPct val="100000"/>
+              </a:lnSpc>
+              <a:spcBef>
+                <a:spcPts val="600"/>
+              </a:spcBef>
+              <a:buFontTx/>
+              <a:buChar char="-"/>
+            </a:pPr>
+            <a:r>
+              <a:rPr lang="nl-NL" sz="2000" dirty="0"/>
+              <a:t>Gebruik </a:t>
+            </a:r>
+            <a:r>
+              <a:rPr lang="nl-NL" sz="2000" dirty="0">
+                <a:solidFill>
+                  <a:schemeClr val="accent5">
+                    <a:lumMod val="75000"/>
+                  </a:schemeClr>
+                </a:solidFill>
+                <a:latin typeface="Courier New" panose="02070309020205020404" pitchFamily="49" charset="0"/>
+                <a:cs typeface="Courier New" panose="02070309020205020404" pitchFamily="49" charset="0"/>
+              </a:rPr>
+              <a:t>ELSE</a:t>
+            </a:r>
+            <a:r>
+              <a:rPr lang="nl-NL" sz="2000" dirty="0"/>
+              <a:t> als standaard waarde.</a:t>
+            </a:r>
+          </a:p>
+          <a:p>
+            <a:pPr>
+              <a:lnSpc>
+                <a:spcPct val="100000"/>
+              </a:lnSpc>
+              <a:spcBef>
+                <a:spcPts val="600"/>
+              </a:spcBef>
+              <a:buFontTx/>
+              <a:buChar char="-"/>
+            </a:pPr>
+            <a:endParaRPr lang="nl-NL" sz="2000" dirty="0"/>
+          </a:p>
+          <a:p>
+            <a:pPr marL="0" indent="0">
+              <a:lnSpc>
+                <a:spcPct val="100000"/>
+              </a:lnSpc>
+              <a:spcBef>
+                <a:spcPts val="600"/>
+              </a:spcBef>
+              <a:buNone/>
+            </a:pPr>
+            <a:r>
+              <a:rPr lang="nl-NL" sz="2000" dirty="0"/>
+              <a:t>Sluit conditionele logica af met </a:t>
+            </a:r>
+            <a:r>
+              <a:rPr lang="nl-NL" sz="2000" dirty="0">
+                <a:solidFill>
+                  <a:schemeClr val="accent5">
+                    <a:lumMod val="75000"/>
+                  </a:schemeClr>
+                </a:solidFill>
+                <a:latin typeface="Courier New" panose="02070309020205020404" pitchFamily="49" charset="0"/>
+                <a:cs typeface="Courier New" panose="02070309020205020404" pitchFamily="49" charset="0"/>
+              </a:rPr>
+              <a:t>END</a:t>
+            </a:r>
+            <a:r>
+              <a:rPr lang="nl-NL" sz="2000" dirty="0"/>
+              <a:t>.</a:t>
+            </a:r>
+          </a:p>
+          <a:p>
+            <a:pPr marL="0" indent="0">
+              <a:lnSpc>
+                <a:spcPct val="100000"/>
+              </a:lnSpc>
+              <a:spcBef>
+                <a:spcPts val="600"/>
+              </a:spcBef>
+              <a:buNone/>
+            </a:pPr>
+            <a:endParaRPr lang="nl-NL" sz="2000" dirty="0"/>
+          </a:p>
+          <a:p>
+            <a:pPr marL="0" indent="0">
+              <a:lnSpc>
+                <a:spcPct val="100000"/>
+              </a:lnSpc>
+              <a:spcBef>
+                <a:spcPts val="600"/>
+              </a:spcBef>
+              <a:buNone/>
+            </a:pPr>
+            <a:r>
+              <a:rPr lang="nl-NL" sz="2000" dirty="0"/>
+              <a:t>Geef een alias op met </a:t>
+            </a:r>
+            <a:r>
+              <a:rPr lang="nl-NL" sz="2000" dirty="0">
+                <a:solidFill>
+                  <a:schemeClr val="accent5">
+                    <a:lumMod val="75000"/>
+                  </a:schemeClr>
+                </a:solidFill>
+                <a:latin typeface="Courier New" panose="02070309020205020404" pitchFamily="49" charset="0"/>
+                <a:cs typeface="Courier New" panose="02070309020205020404" pitchFamily="49" charset="0"/>
+              </a:rPr>
+              <a:t>AS</a:t>
+            </a:r>
+            <a:r>
+              <a:rPr lang="nl-NL" sz="2000" dirty="0"/>
+              <a:t>.</a:t>
+            </a:r>
+          </a:p>
+        </p:txBody>
+      </p:sp>
+      <p:cxnSp>
+        <p:nvCxnSpPr>
+          <p:cNvPr id="6" name="Straight Connector 5">
+            <a:extLst>
+              <a:ext uri="{FF2B5EF4-FFF2-40B4-BE49-F238E27FC236}">
+                <a16:creationId xmlns:a16="http://schemas.microsoft.com/office/drawing/2014/main" id="{86ABBEF9-C511-5699-9DC9-8BBCC83B071E}"/>
+              </a:ext>
+            </a:extLst>
+          </p:cNvPr>
+          <p:cNvCxnSpPr/>
+          <p:nvPr/>
+        </p:nvCxnSpPr>
+        <p:spPr>
+          <a:xfrm>
+            <a:off x="6601305" y="1825625"/>
+            <a:ext cx="0" cy="4351338"/>
+          </a:xfrm>
+          <a:prstGeom prst="line">
+            <a:avLst/>
+          </a:prstGeom>
+        </p:spPr>
+        <p:style>
+          <a:lnRef idx="3">
+            <a:schemeClr val="dk1"/>
+          </a:lnRef>
+          <a:fillRef idx="0">
+            <a:schemeClr val="dk1"/>
+          </a:fillRef>
+          <a:effectRef idx="2">
+            <a:schemeClr val="dk1"/>
+          </a:effectRef>
+          <a:fontRef idx="minor">
+            <a:schemeClr val="tx1"/>
+          </a:fontRef>
+        </p:style>
+      </p:cxnSp>
+    </p:spTree>
+    <p:extLst>
+      <p:ext uri="{BB962C8B-B14F-4D97-AF65-F5344CB8AC3E}">
+        <p14:creationId xmlns:p14="http://schemas.microsoft.com/office/powerpoint/2010/main" val="4105147829"/>
+      </p:ext>
+    </p:extLst>
+  </p:cSld>
+  <p:clrMapOvr>
+    <a:masterClrMapping/>
+  </p:clrMapOvr>
+</p:sld>
+</file>
+
+<file path=ppt/slides/slide22.xml><?xml version="1.0" encoding="utf-8"?>
+<p:sld xmlns:a="http://schemas.openxmlformats.org/drawingml/2006/main" xmlns:r="http://schemas.openxmlformats.org/officeDocument/2006/relationships" xmlns:p="http://schemas.openxmlformats.org/presentationml/2006/main">
+  <p:cSld>
+    <p:spTree>
+      <p:nvGrpSpPr>
+        <p:cNvPr id="1" name="">
+          <a:extLst>
+            <a:ext uri="{FF2B5EF4-FFF2-40B4-BE49-F238E27FC236}">
               <a16:creationId xmlns:a16="http://schemas.microsoft.com/office/drawing/2014/main" id="{F7F75E59-0C66-4BA0-8F21-4EC100B5F6CA}"/>
             </a:ext>
           </a:extLst>
@@ -13886,7 +15051,7 @@
 </p:sld>
 </file>
 
-<file path=ppt/slides/slide22.xml><?xml version="1.0" encoding="utf-8"?>
+<file path=ppt/slides/slide23.xml><?xml version="1.0" encoding="utf-8"?>
 <p:sld xmlns:a="http://schemas.openxmlformats.org/drawingml/2006/main" xmlns:r="http://schemas.openxmlformats.org/officeDocument/2006/relationships" xmlns:p="http://schemas.openxmlformats.org/presentationml/2006/main">
   <p:cSld>
     <p:spTree>
@@ -14331,7 +15496,7 @@
           <a:p>
             <a:r>
               <a:rPr lang="nl-NL" sz="3600" dirty="0"/>
-              <a:t>Tijdelijke selecties</a:t>
+              <a:t>Selecties als tabel</a:t>
             </a:r>
           </a:p>
         </p:txBody>
@@ -14663,7 +15828,7 @@
 </p:sld>
 </file>
 
-<file path=ppt/slides/slide23.xml><?xml version="1.0" encoding="utf-8"?>
+<file path=ppt/slides/slide24.xml><?xml version="1.0" encoding="utf-8"?>
 <p:sld xmlns:a="http://schemas.openxmlformats.org/drawingml/2006/main" xmlns:r="http://schemas.openxmlformats.org/officeDocument/2006/relationships" xmlns:p="http://schemas.openxmlformats.org/presentationml/2006/main">
   <p:cSld>
     <p:spTree>
@@ -15646,7 +16811,7 @@
 </p:sld>
 </file>
 
-<file path=ppt/slides/slide24.xml><?xml version="1.0" encoding="utf-8"?>
+<file path=ppt/slides/slide25.xml><?xml version="1.0" encoding="utf-8"?>
 <p:sld xmlns:a="http://schemas.openxmlformats.org/drawingml/2006/main" xmlns:r="http://schemas.openxmlformats.org/officeDocument/2006/relationships" xmlns:p="http://schemas.openxmlformats.org/presentationml/2006/main">
   <p:cSld>
     <p:spTree>
@@ -15943,7 +17108,7 @@
 </p:sld>
 </file>
 
-<file path=ppt/slides/slide25.xml><?xml version="1.0" encoding="utf-8"?>
+<file path=ppt/slides/slide26.xml><?xml version="1.0" encoding="utf-8"?>
 <p:sld xmlns:a="http://schemas.openxmlformats.org/drawingml/2006/main" xmlns:r="http://schemas.openxmlformats.org/officeDocument/2006/relationships" xmlns:p="http://schemas.openxmlformats.org/presentationml/2006/main">
   <p:cSld>
     <p:spTree>
@@ -16028,7 +17193,7 @@
 </p:sld>
 </file>
 
-<file path=ppt/slides/slide26.xml><?xml version="1.0" encoding="utf-8"?>
+<file path=ppt/slides/slide27.xml><?xml version="1.0" encoding="utf-8"?>
 <p:sld xmlns:a="http://schemas.openxmlformats.org/drawingml/2006/main" xmlns:r="http://schemas.openxmlformats.org/officeDocument/2006/relationships" xmlns:p="http://schemas.openxmlformats.org/presentationml/2006/main">
   <p:cSld>
     <p:spTree>
@@ -16889,7 +18054,7 @@
 </p:sld>
 </file>
 
-<file path=ppt/slides/slide27.xml><?xml version="1.0" encoding="utf-8"?>
+<file path=ppt/slides/slide28.xml><?xml version="1.0" encoding="utf-8"?>
 <p:sld xmlns:a="http://schemas.openxmlformats.org/drawingml/2006/main" xmlns:r="http://schemas.openxmlformats.org/officeDocument/2006/relationships" xmlns:p="http://schemas.openxmlformats.org/presentationml/2006/main">
   <p:cSld>
     <p:spTree>
@@ -17661,7 +18826,7 @@
 </p:sld>
 </file>
 
-<file path=ppt/slides/slide28.xml><?xml version="1.0" encoding="utf-8"?>
+<file path=ppt/slides/slide29.xml><?xml version="1.0" encoding="utf-8"?>
 <p:sld xmlns:a="http://schemas.openxmlformats.org/drawingml/2006/main" xmlns:r="http://schemas.openxmlformats.org/officeDocument/2006/relationships" xmlns:p="http://schemas.openxmlformats.org/presentationml/2006/main">
   <p:cSld>
     <p:spTree>
@@ -18582,7 +19747,240 @@
 </p:sld>
 </file>
 
-<file path=ppt/slides/slide29.xml><?xml version="1.0" encoding="utf-8"?>
+<file path=ppt/slides/slide3.xml><?xml version="1.0" encoding="utf-8"?>
+<p:sld xmlns:a="http://schemas.openxmlformats.org/drawingml/2006/main" xmlns:r="http://schemas.openxmlformats.org/officeDocument/2006/relationships" xmlns:p="http://schemas.openxmlformats.org/presentationml/2006/main">
+  <p:cSld>
+    <p:spTree>
+      <p:nvGrpSpPr>
+        <p:cNvPr id="1" name=""/>
+        <p:cNvGrpSpPr/>
+        <p:nvPr/>
+      </p:nvGrpSpPr>
+      <p:grpSpPr>
+        <a:xfrm>
+          <a:off x="0" y="0"/>
+          <a:ext cx="0" cy="0"/>
+          <a:chOff x="0" y="0"/>
+          <a:chExt cx="0" cy="0"/>
+        </a:xfrm>
+      </p:grpSpPr>
+      <p:sp>
+        <p:nvSpPr>
+          <p:cNvPr id="2" name="Title 1">
+            <a:extLst>
+              <a:ext uri="{FF2B5EF4-FFF2-40B4-BE49-F238E27FC236}">
+                <a16:creationId xmlns:a16="http://schemas.microsoft.com/office/drawing/2014/main" id="{39A1D606-8DD1-369C-5C09-471CDD551AD5}"/>
+              </a:ext>
+            </a:extLst>
+          </p:cNvPr>
+          <p:cNvSpPr>
+            <a:spLocks noGrp="1"/>
+          </p:cNvSpPr>
+          <p:nvPr>
+            <p:ph type="title"/>
+          </p:nvPr>
+        </p:nvSpPr>
+        <p:spPr>
+          <a:xfrm>
+            <a:off x="838200" y="365126"/>
+            <a:ext cx="10515600" cy="718608"/>
+          </a:xfrm>
+        </p:spPr>
+        <p:txBody>
+          <a:bodyPr>
+            <a:normAutofit/>
+          </a:bodyPr>
+          <a:lstStyle/>
+          <a:p>
+            <a:r>
+              <a:rPr lang="nl-NL" sz="3600" noProof="0" dirty="0"/>
+              <a:t>Agenda</a:t>
+            </a:r>
+          </a:p>
+        </p:txBody>
+      </p:sp>
+      <p:sp>
+        <p:nvSpPr>
+          <p:cNvPr id="3" name="Content Placeholder 2">
+            <a:extLst>
+              <a:ext uri="{FF2B5EF4-FFF2-40B4-BE49-F238E27FC236}">
+                <a16:creationId xmlns:a16="http://schemas.microsoft.com/office/drawing/2014/main" id="{F4C2D286-E049-0AAB-1360-B7157E11AD7E}"/>
+              </a:ext>
+            </a:extLst>
+          </p:cNvPr>
+          <p:cNvSpPr>
+            <a:spLocks noGrp="1"/>
+          </p:cNvSpPr>
+          <p:nvPr>
+            <p:ph idx="1"/>
+          </p:nvPr>
+        </p:nvSpPr>
+        <p:spPr>
+          <a:xfrm>
+            <a:off x="838200" y="1456267"/>
+            <a:ext cx="10515600" cy="4720696"/>
+          </a:xfrm>
+        </p:spPr>
+        <p:txBody>
+          <a:bodyPr>
+            <a:normAutofit/>
+          </a:bodyPr>
+          <a:lstStyle/>
+          <a:p>
+            <a:pPr>
+              <a:spcAft>
+                <a:spcPts val="600"/>
+              </a:spcAft>
+            </a:pPr>
+            <a:r>
+              <a:rPr lang="nl-NL" sz="2000" noProof="0" dirty="0"/>
+              <a:t>Wat is SQL?</a:t>
+            </a:r>
+          </a:p>
+          <a:p>
+            <a:pPr lvl="1">
+              <a:spcAft>
+                <a:spcPts val="600"/>
+              </a:spcAft>
+            </a:pPr>
+            <a:r>
+              <a:rPr lang="nl-NL" sz="2000" dirty="0"/>
+              <a:t>Tabellen en relaties.</a:t>
+            </a:r>
+            <a:endParaRPr lang="nl-NL" sz="2000" noProof="0" dirty="0"/>
+          </a:p>
+          <a:p>
+            <a:pPr lvl="1">
+              <a:spcAft>
+                <a:spcPts val="600"/>
+              </a:spcAft>
+            </a:pPr>
+            <a:r>
+              <a:rPr lang="nl-NL" sz="2000" dirty="0" err="1"/>
+              <a:t>Relationioneel</a:t>
+            </a:r>
+            <a:r>
+              <a:rPr lang="nl-NL" sz="2000" dirty="0"/>
+              <a:t> database systeem.</a:t>
+            </a:r>
+          </a:p>
+          <a:p>
+            <a:pPr lvl="1">
+              <a:spcAft>
+                <a:spcPts val="600"/>
+              </a:spcAft>
+            </a:pPr>
+            <a:r>
+              <a:rPr lang="nl-NL" sz="2000" noProof="0" dirty="0"/>
+              <a:t>Alternatieve databases.</a:t>
+            </a:r>
+          </a:p>
+          <a:p>
+            <a:pPr>
+              <a:spcAft>
+                <a:spcPts val="600"/>
+              </a:spcAft>
+            </a:pPr>
+            <a:endParaRPr lang="nl-NL" sz="2000" dirty="0"/>
+          </a:p>
+          <a:p>
+            <a:pPr>
+              <a:spcAft>
+                <a:spcPts val="600"/>
+              </a:spcAft>
+            </a:pPr>
+            <a:r>
+              <a:rPr lang="nl-NL" sz="2000" dirty="0"/>
+              <a:t>Selecties maken</a:t>
+            </a:r>
+          </a:p>
+          <a:p>
+            <a:pPr lvl="1">
+              <a:spcAft>
+                <a:spcPts val="600"/>
+              </a:spcAft>
+            </a:pPr>
+            <a:r>
+              <a:rPr lang="nl-NL" sz="2000" dirty="0"/>
+              <a:t>Filteren</a:t>
+            </a:r>
+          </a:p>
+          <a:p>
+            <a:pPr lvl="1">
+              <a:spcAft>
+                <a:spcPts val="600"/>
+              </a:spcAft>
+            </a:pPr>
+            <a:r>
+              <a:rPr lang="nl-NL" sz="2000" dirty="0"/>
+              <a:t>Aggregeren</a:t>
+            </a:r>
+          </a:p>
+          <a:p>
+            <a:pPr lvl="1">
+              <a:spcAft>
+                <a:spcPts val="600"/>
+              </a:spcAft>
+            </a:pPr>
+            <a:r>
+              <a:rPr lang="nl-NL" sz="2000" noProof="0" dirty="0"/>
+              <a:t>Tabellen koppelen</a:t>
+            </a:r>
+          </a:p>
+          <a:p>
+            <a:pPr>
+              <a:spcAft>
+                <a:spcPts val="600"/>
+              </a:spcAft>
+            </a:pPr>
+            <a:endParaRPr lang="nl-NL" sz="2000" noProof="0" dirty="0"/>
+          </a:p>
+        </p:txBody>
+      </p:sp>
+      <p:pic>
+        <p:nvPicPr>
+          <p:cNvPr id="4" name="Picture 3">
+            <a:extLst>
+              <a:ext uri="{FF2B5EF4-FFF2-40B4-BE49-F238E27FC236}">
+                <a16:creationId xmlns:a16="http://schemas.microsoft.com/office/drawing/2014/main" id="{E58326D6-071F-DAAB-0B29-0AF47C97D9BD}"/>
+              </a:ext>
+            </a:extLst>
+          </p:cNvPr>
+          <p:cNvPicPr>
+            <a:picLocks noChangeAspect="1"/>
+          </p:cNvPicPr>
+          <p:nvPr/>
+        </p:nvPicPr>
+        <p:blipFill>
+          <a:blip r:embed="rId2"/>
+          <a:stretch>
+            <a:fillRect/>
+          </a:stretch>
+        </p:blipFill>
+        <p:spPr>
+          <a:xfrm rot="1217736">
+            <a:off x="8324075" y="3685187"/>
+            <a:ext cx="2694468" cy="2415360"/>
+          </a:xfrm>
+          <a:prstGeom prst="rect">
+            <a:avLst/>
+          </a:prstGeom>
+        </p:spPr>
+      </p:pic>
+    </p:spTree>
+    <p:extLst>
+      <p:ext uri="{BB962C8B-B14F-4D97-AF65-F5344CB8AC3E}">
+        <p14:creationId xmlns:p14="http://schemas.microsoft.com/office/powerpoint/2010/main" val="1265611121"/>
+      </p:ext>
+    </p:extLst>
+  </p:cSld>
+  <p:clrMapOvr>
+    <a:masterClrMapping/>
+  </p:clrMapOvr>
+</p:sld>
+</file>
+
+<file path=ppt/slides/slide30.xml><?xml version="1.0" encoding="utf-8"?>
 <p:sld xmlns:a="http://schemas.openxmlformats.org/drawingml/2006/main" xmlns:r="http://schemas.openxmlformats.org/officeDocument/2006/relationships" xmlns:p="http://schemas.openxmlformats.org/presentationml/2006/main">
   <p:cSld>
     <p:spTree>
@@ -19511,210 +20909,7 @@
 </p:sld>
 </file>
 
-<file path=ppt/slides/slide3.xml><?xml version="1.0" encoding="utf-8"?>
-<p:sld xmlns:a="http://schemas.openxmlformats.org/drawingml/2006/main" xmlns:r="http://schemas.openxmlformats.org/officeDocument/2006/relationships" xmlns:p="http://schemas.openxmlformats.org/presentationml/2006/main">
-  <p:cSld>
-    <p:spTree>
-      <p:nvGrpSpPr>
-        <p:cNvPr id="1" name=""/>
-        <p:cNvGrpSpPr/>
-        <p:nvPr/>
-      </p:nvGrpSpPr>
-      <p:grpSpPr>
-        <a:xfrm>
-          <a:off x="0" y="0"/>
-          <a:ext cx="0" cy="0"/>
-          <a:chOff x="0" y="0"/>
-          <a:chExt cx="0" cy="0"/>
-        </a:xfrm>
-      </p:grpSpPr>
-      <p:sp>
-        <p:nvSpPr>
-          <p:cNvPr id="2" name="Title 1">
-            <a:extLst>
-              <a:ext uri="{FF2B5EF4-FFF2-40B4-BE49-F238E27FC236}">
-                <a16:creationId xmlns:a16="http://schemas.microsoft.com/office/drawing/2014/main" id="{39A1D606-8DD1-369C-5C09-471CDD551AD5}"/>
-              </a:ext>
-            </a:extLst>
-          </p:cNvPr>
-          <p:cNvSpPr>
-            <a:spLocks noGrp="1"/>
-          </p:cNvSpPr>
-          <p:nvPr>
-            <p:ph type="title"/>
-          </p:nvPr>
-        </p:nvSpPr>
-        <p:spPr>
-          <a:xfrm>
-            <a:off x="838200" y="365126"/>
-            <a:ext cx="10515600" cy="718608"/>
-          </a:xfrm>
-        </p:spPr>
-        <p:txBody>
-          <a:bodyPr>
-            <a:normAutofit/>
-          </a:bodyPr>
-          <a:lstStyle/>
-          <a:p>
-            <a:r>
-              <a:rPr lang="nl-NL" sz="3600" noProof="0" dirty="0"/>
-              <a:t>Agenda</a:t>
-            </a:r>
-          </a:p>
-        </p:txBody>
-      </p:sp>
-      <p:sp>
-        <p:nvSpPr>
-          <p:cNvPr id="3" name="Content Placeholder 2">
-            <a:extLst>
-              <a:ext uri="{FF2B5EF4-FFF2-40B4-BE49-F238E27FC236}">
-                <a16:creationId xmlns:a16="http://schemas.microsoft.com/office/drawing/2014/main" id="{F4C2D286-E049-0AAB-1360-B7157E11AD7E}"/>
-              </a:ext>
-            </a:extLst>
-          </p:cNvPr>
-          <p:cNvSpPr>
-            <a:spLocks noGrp="1"/>
-          </p:cNvSpPr>
-          <p:nvPr>
-            <p:ph idx="1"/>
-          </p:nvPr>
-        </p:nvSpPr>
-        <p:spPr>
-          <a:xfrm>
-            <a:off x="838200" y="1456267"/>
-            <a:ext cx="10515600" cy="4720696"/>
-          </a:xfrm>
-        </p:spPr>
-        <p:txBody>
-          <a:bodyPr>
-            <a:normAutofit/>
-          </a:bodyPr>
-          <a:lstStyle/>
-          <a:p>
-            <a:pPr>
-              <a:spcAft>
-                <a:spcPts val="600"/>
-              </a:spcAft>
-            </a:pPr>
-            <a:r>
-              <a:rPr lang="nl-NL" sz="2000" noProof="0" dirty="0"/>
-              <a:t>Wat is SQL?</a:t>
-            </a:r>
-          </a:p>
-          <a:p>
-            <a:pPr lvl="1">
-              <a:spcAft>
-                <a:spcPts val="600"/>
-              </a:spcAft>
-            </a:pPr>
-            <a:r>
-              <a:rPr lang="nl-NL" sz="2000" dirty="0"/>
-              <a:t>Tabellen en relaties.</a:t>
-            </a:r>
-            <a:endParaRPr lang="nl-NL" sz="2000" noProof="0" dirty="0"/>
-          </a:p>
-          <a:p>
-            <a:pPr lvl="1">
-              <a:spcAft>
-                <a:spcPts val="600"/>
-              </a:spcAft>
-            </a:pPr>
-            <a:r>
-              <a:rPr lang="nl-NL" sz="2000" dirty="0" err="1"/>
-              <a:t>Relationioneel</a:t>
-            </a:r>
-            <a:r>
-              <a:rPr lang="nl-NL" sz="2000" dirty="0"/>
-              <a:t> database systeem.</a:t>
-            </a:r>
-          </a:p>
-          <a:p>
-            <a:pPr lvl="1">
-              <a:spcAft>
-                <a:spcPts val="600"/>
-              </a:spcAft>
-            </a:pPr>
-            <a:r>
-              <a:rPr lang="nl-NL" sz="2000" noProof="0" dirty="0"/>
-              <a:t>Alternatieve databases.</a:t>
-            </a:r>
-          </a:p>
-          <a:p>
-            <a:pPr>
-              <a:spcAft>
-                <a:spcPts val="600"/>
-              </a:spcAft>
-            </a:pPr>
-            <a:endParaRPr lang="nl-NL" sz="2000" dirty="0"/>
-          </a:p>
-          <a:p>
-            <a:pPr>
-              <a:spcAft>
-                <a:spcPts val="600"/>
-              </a:spcAft>
-            </a:pPr>
-            <a:r>
-              <a:rPr lang="nl-NL" sz="2000" dirty="0"/>
-              <a:t>Selecties maken</a:t>
-            </a:r>
-          </a:p>
-          <a:p>
-            <a:pPr lvl="1">
-              <a:spcAft>
-                <a:spcPts val="600"/>
-              </a:spcAft>
-            </a:pPr>
-            <a:r>
-              <a:rPr lang="nl-NL" sz="2000" dirty="0"/>
-              <a:t>Filteren</a:t>
-            </a:r>
-          </a:p>
-          <a:p>
-            <a:pPr lvl="1">
-              <a:spcAft>
-                <a:spcPts val="600"/>
-              </a:spcAft>
-            </a:pPr>
-            <a:r>
-              <a:rPr lang="nl-NL" sz="2000" dirty="0"/>
-              <a:t>Aggregeren</a:t>
-            </a:r>
-          </a:p>
-          <a:p>
-            <a:pPr lvl="1">
-              <a:spcAft>
-                <a:spcPts val="600"/>
-              </a:spcAft>
-            </a:pPr>
-            <a:r>
-              <a:rPr lang="nl-NL" sz="2000" noProof="0" dirty="0"/>
-              <a:t>Tabellen koppelen</a:t>
-            </a:r>
-          </a:p>
-          <a:p>
-            <a:pPr>
-              <a:spcAft>
-                <a:spcPts val="600"/>
-              </a:spcAft>
-            </a:pPr>
-            <a:endParaRPr lang="nl-NL" sz="2000" noProof="0" dirty="0"/>
-          </a:p>
-        </p:txBody>
-      </p:sp>
-    </p:spTree>
-    <p:extLst>
-      <p:ext uri="{BB962C8B-B14F-4D97-AF65-F5344CB8AC3E}">
-        <p14:creationId xmlns:p14="http://schemas.microsoft.com/office/powerpoint/2010/main" val="1265611121"/>
-      </p:ext>
-    </p:extLst>
-  </p:cSld>
-  <p:clrMapOvr>
-    <a:masterClrMapping/>
-  </p:clrMapOvr>
-</p:sld>
-</file>
-
-<file path=ppt/slides/slide30.xml><?xml version="1.0" encoding="utf-8"?>
+<file path=ppt/slides/slide31.xml><?xml version="1.0" encoding="utf-8"?>
 <p:sld xmlns:a="http://schemas.openxmlformats.org/drawingml/2006/main" xmlns:r="http://schemas.openxmlformats.org/officeDocument/2006/relationships" xmlns:p="http://schemas.openxmlformats.org/presentationml/2006/main">
   <p:cSld>
     <p:spTree>
@@ -20471,7 +21666,7 @@
 </p:sld>
 </file>
 
-<file path=ppt/slides/slide31.xml><?xml version="1.0" encoding="utf-8"?>
+<file path=ppt/slides/slide32.xml><?xml version="1.0" encoding="utf-8"?>
 <p:sld xmlns:a="http://schemas.openxmlformats.org/drawingml/2006/main" xmlns:r="http://schemas.openxmlformats.org/officeDocument/2006/relationships" xmlns:p="http://schemas.openxmlformats.org/presentationml/2006/main">
   <p:cSld>
     <p:spTree>
@@ -21514,7 +22709,7 @@
 </p:sld>
 </file>
 
-<file path=ppt/slides/slide32.xml><?xml version="1.0" encoding="utf-8"?>
+<file path=ppt/slides/slide33.xml><?xml version="1.0" encoding="utf-8"?>
 <p:sld xmlns:a="http://schemas.openxmlformats.org/drawingml/2006/main" xmlns:r="http://schemas.openxmlformats.org/officeDocument/2006/relationships" xmlns:p="http://schemas.openxmlformats.org/presentationml/2006/main">
   <p:cSld>
     <p:spTree>
@@ -22482,7 +23677,7 @@
 </p:sld>
 </file>
 
-<file path=ppt/slides/slide33.xml><?xml version="1.0" encoding="utf-8"?>
+<file path=ppt/slides/slide34.xml><?xml version="1.0" encoding="utf-8"?>
 <p:sld xmlns:a="http://schemas.openxmlformats.org/drawingml/2006/main" xmlns:r="http://schemas.openxmlformats.org/officeDocument/2006/relationships" xmlns:p="http://schemas.openxmlformats.org/presentationml/2006/main">
   <p:cSld>
     <p:spTree>
@@ -22678,7 +23873,7 @@
 </p:sld>
 </file>
 
-<file path=ppt/slides/slide34.xml><?xml version="1.0" encoding="utf-8"?>
+<file path=ppt/slides/slide35.xml><?xml version="1.0" encoding="utf-8"?>
 <p:sld xmlns:a="http://schemas.openxmlformats.org/drawingml/2006/main" xmlns:r="http://schemas.openxmlformats.org/officeDocument/2006/relationships" xmlns:p="http://schemas.openxmlformats.org/presentationml/2006/main">
   <p:cSld>
     <p:spTree>
@@ -22763,7 +23958,7 @@
 </p:sld>
 </file>
 
-<file path=ppt/slides/slide35.xml><?xml version="1.0" encoding="utf-8"?>
+<file path=ppt/slides/slide36.xml><?xml version="1.0" encoding="utf-8"?>
 <p:sld xmlns:a="http://schemas.openxmlformats.org/drawingml/2006/main" xmlns:r="http://schemas.openxmlformats.org/officeDocument/2006/relationships" xmlns:p="http://schemas.openxmlformats.org/presentationml/2006/main">
   <p:cSld>
     <p:spTree>
@@ -24089,7 +25284,7 @@
 </p:sld>
 </file>
 
-<file path=ppt/slides/slide36.xml><?xml version="1.0" encoding="utf-8"?>
+<file path=ppt/slides/slide37.xml><?xml version="1.0" encoding="utf-8"?>
 <p:sld xmlns:a="http://schemas.openxmlformats.org/drawingml/2006/main" xmlns:r="http://schemas.openxmlformats.org/officeDocument/2006/relationships" xmlns:p="http://schemas.openxmlformats.org/presentationml/2006/main">
   <p:cSld>
     <p:spTree>
@@ -25444,7 +26639,7 @@
 </p:sld>
 </file>
 
-<file path=ppt/slides/slide37.xml><?xml version="1.0" encoding="utf-8"?>
+<file path=ppt/slides/slide38.xml><?xml version="1.0" encoding="utf-8"?>
 <p:sld xmlns:a="http://schemas.openxmlformats.org/drawingml/2006/main" xmlns:r="http://schemas.openxmlformats.org/officeDocument/2006/relationships" xmlns:p="http://schemas.openxmlformats.org/presentationml/2006/main">
   <p:cSld>
     <p:spTree>
@@ -26944,7 +28139,7 @@
 </p:sld>
 </file>
 
-<file path=ppt/slides/slide38.xml><?xml version="1.0" encoding="utf-8"?>
+<file path=ppt/slides/slide39.xml><?xml version="1.0" encoding="utf-8"?>
 <p:sld xmlns:a="http://schemas.openxmlformats.org/drawingml/2006/main" xmlns:r="http://schemas.openxmlformats.org/officeDocument/2006/relationships" xmlns:p="http://schemas.openxmlformats.org/presentationml/2006/main">
   <p:cSld>
     <p:spTree>
@@ -27697,7 +28892,232 @@
 </p:sld>
 </file>
 
-<file path=ppt/slides/slide39.xml><?xml version="1.0" encoding="utf-8"?>
+<file path=ppt/slides/slide4.xml><?xml version="1.0" encoding="utf-8"?>
+<p:sld xmlns:a="http://schemas.openxmlformats.org/drawingml/2006/main" xmlns:r="http://schemas.openxmlformats.org/officeDocument/2006/relationships" xmlns:p="http://schemas.openxmlformats.org/presentationml/2006/main">
+  <p:cSld>
+    <p:spTree>
+      <p:nvGrpSpPr>
+        <p:cNvPr id="1" name=""/>
+        <p:cNvGrpSpPr/>
+        <p:nvPr/>
+      </p:nvGrpSpPr>
+      <p:grpSpPr>
+        <a:xfrm>
+          <a:off x="0" y="0"/>
+          <a:ext cx="0" cy="0"/>
+          <a:chOff x="0" y="0"/>
+          <a:chExt cx="0" cy="0"/>
+        </a:xfrm>
+      </p:grpSpPr>
+      <p:sp>
+        <p:nvSpPr>
+          <p:cNvPr id="2" name="Title 1">
+            <a:extLst>
+              <a:ext uri="{FF2B5EF4-FFF2-40B4-BE49-F238E27FC236}">
+                <a16:creationId xmlns:a16="http://schemas.microsoft.com/office/drawing/2014/main" id="{9BDFD261-0D2C-41B9-9E28-43DF575D40E0}"/>
+              </a:ext>
+            </a:extLst>
+          </p:cNvPr>
+          <p:cNvSpPr>
+            <a:spLocks noGrp="1"/>
+          </p:cNvSpPr>
+          <p:nvPr>
+            <p:ph type="title"/>
+          </p:nvPr>
+        </p:nvSpPr>
+        <p:spPr/>
+        <p:txBody>
+          <a:bodyPr>
+            <a:normAutofit/>
+          </a:bodyPr>
+          <a:lstStyle/>
+          <a:p>
+            <a:r>
+              <a:rPr lang="nl-NL" sz="3600" dirty="0" err="1"/>
+              <a:t>Structured</a:t>
+            </a:r>
+            <a:r>
+              <a:rPr lang="nl-NL" sz="3600" dirty="0"/>
+              <a:t> Query Language</a:t>
+            </a:r>
+          </a:p>
+        </p:txBody>
+      </p:sp>
+      <p:sp>
+        <p:nvSpPr>
+          <p:cNvPr id="3" name="Content Placeholder 2">
+            <a:extLst>
+              <a:ext uri="{FF2B5EF4-FFF2-40B4-BE49-F238E27FC236}">
+                <a16:creationId xmlns:a16="http://schemas.microsoft.com/office/drawing/2014/main" id="{7844B503-C44F-453E-9465-D42E4557DE0C}"/>
+              </a:ext>
+            </a:extLst>
+          </p:cNvPr>
+          <p:cNvSpPr>
+            <a:spLocks noGrp="1"/>
+          </p:cNvSpPr>
+          <p:nvPr>
+            <p:ph idx="1"/>
+          </p:nvPr>
+        </p:nvSpPr>
+        <p:spPr>
+          <a:xfrm>
+            <a:off x="838200" y="1825625"/>
+            <a:ext cx="5257800" cy="4351338"/>
+          </a:xfrm>
+        </p:spPr>
+        <p:txBody>
+          <a:bodyPr>
+            <a:normAutofit/>
+          </a:bodyPr>
+          <a:lstStyle/>
+          <a:p>
+            <a:pPr marL="0" indent="0">
+              <a:buNone/>
+            </a:pPr>
+            <a:r>
+              <a:rPr lang="nl-NL" sz="2000" b="1" dirty="0"/>
+              <a:t>Bedoeling:</a:t>
+            </a:r>
+          </a:p>
+          <a:p>
+            <a:pPr marL="0" indent="0">
+              <a:buNone/>
+            </a:pPr>
+            <a:r>
+              <a:rPr lang="nl-NL" sz="2000" dirty="0"/>
+              <a:t>Eén standaard om databases te bevragen.</a:t>
+            </a:r>
+          </a:p>
+          <a:p>
+            <a:pPr marL="0" indent="0">
+              <a:buNone/>
+            </a:pPr>
+            <a:endParaRPr lang="nl-NL" sz="2000" b="1" dirty="0"/>
+          </a:p>
+          <a:p>
+            <a:pPr marL="0" indent="0">
+              <a:buNone/>
+            </a:pPr>
+            <a:r>
+              <a:rPr lang="nl-NL" sz="2000" b="1" dirty="0"/>
+              <a:t>Maar:</a:t>
+            </a:r>
+          </a:p>
+          <a:p>
+            <a:pPr marL="0" indent="0">
+              <a:buNone/>
+            </a:pPr>
+            <a:r>
+              <a:rPr lang="nl-NL" sz="2000" dirty="0"/>
+              <a:t>In de praktijk verschillen in details, zoals:</a:t>
+            </a:r>
+            <a:endParaRPr lang="nl-NL" sz="2000" dirty="0">
+              <a:sym typeface="Wingdings" panose="05000000000000000000" pitchFamily="2" charset="2"/>
+            </a:endParaRPr>
+          </a:p>
+          <a:p>
+            <a:pPr marL="0" indent="0">
+              <a:buNone/>
+            </a:pPr>
+            <a:r>
+              <a:rPr lang="nl-NL" sz="2000" dirty="0">
+                <a:sym typeface="Wingdings" panose="05000000000000000000" pitchFamily="2" charset="2"/>
+              </a:rPr>
+              <a:t>syntax, naamgeving, data types, functies…</a:t>
+            </a:r>
+            <a:endParaRPr lang="nl-NL" sz="2000" dirty="0"/>
+          </a:p>
+          <a:p>
+            <a:pPr marL="0" indent="0">
+              <a:buNone/>
+            </a:pPr>
+            <a:endParaRPr lang="nl-NL" sz="2000" dirty="0"/>
+          </a:p>
+          <a:p>
+            <a:pPr marL="0" indent="0">
+              <a:buNone/>
+            </a:pPr>
+            <a:endParaRPr lang="nl-NL" sz="2000" dirty="0"/>
+          </a:p>
+          <a:p>
+            <a:pPr marL="0" indent="0">
+              <a:buNone/>
+            </a:pPr>
+            <a:r>
+              <a:rPr lang="nl-NL" sz="2000" b="1" dirty="0"/>
+              <a:t>Concept is wel breed gedragen en zeer nuttig om te leren!</a:t>
+            </a:r>
+          </a:p>
+          <a:p>
+            <a:pPr marL="0" indent="0">
+              <a:buNone/>
+            </a:pPr>
+            <a:endParaRPr lang="nl-NL" sz="2000" dirty="0"/>
+          </a:p>
+          <a:p>
+            <a:pPr marL="0" indent="0">
+              <a:buNone/>
+            </a:pPr>
+            <a:endParaRPr lang="nl-NL" sz="2000" dirty="0"/>
+          </a:p>
+          <a:p>
+            <a:pPr marL="0" indent="0">
+              <a:buNone/>
+            </a:pPr>
+            <a:endParaRPr lang="nl-NL" sz="2000" dirty="0"/>
+          </a:p>
+        </p:txBody>
+      </p:sp>
+      <p:pic>
+        <p:nvPicPr>
+          <p:cNvPr id="5" name="Picture 4">
+            <a:extLst>
+              <a:ext uri="{FF2B5EF4-FFF2-40B4-BE49-F238E27FC236}">
+                <a16:creationId xmlns:a16="http://schemas.microsoft.com/office/drawing/2014/main" id="{16157121-2C74-4154-BE55-E08C8A76F941}"/>
+              </a:ext>
+            </a:extLst>
+          </p:cNvPr>
+          <p:cNvPicPr>
+            <a:picLocks noChangeAspect="1"/>
+          </p:cNvPicPr>
+          <p:nvPr/>
+        </p:nvPicPr>
+        <p:blipFill>
+          <a:blip r:embed="rId2">
+            <a:extLst>
+              <a:ext uri="{28A0092B-C50C-407E-A947-70E740481C1C}">
+                <a14:useLocalDpi xmlns:a14="http://schemas.microsoft.com/office/drawing/2010/main" val="0"/>
+              </a:ext>
+            </a:extLst>
+          </a:blip>
+          <a:stretch>
+            <a:fillRect/>
+          </a:stretch>
+        </p:blipFill>
+        <p:spPr>
+          <a:xfrm>
+            <a:off x="6422469" y="3363985"/>
+            <a:ext cx="5351655" cy="3029037"/>
+          </a:xfrm>
+          <a:prstGeom prst="rect">
+            <a:avLst/>
+          </a:prstGeom>
+        </p:spPr>
+      </p:pic>
+    </p:spTree>
+    <p:extLst>
+      <p:ext uri="{BB962C8B-B14F-4D97-AF65-F5344CB8AC3E}">
+        <p14:creationId xmlns:p14="http://schemas.microsoft.com/office/powerpoint/2010/main" val="3068216924"/>
+      </p:ext>
+    </p:extLst>
+  </p:cSld>
+  <p:clrMapOvr>
+    <a:masterClrMapping/>
+  </p:clrMapOvr>
+</p:sld>
+</file>
+
+<file path=ppt/slides/slide40.xml><?xml version="1.0" encoding="utf-8"?>
 <p:sld xmlns:a="http://schemas.openxmlformats.org/drawingml/2006/main" xmlns:r="http://schemas.openxmlformats.org/officeDocument/2006/relationships" xmlns:p="http://schemas.openxmlformats.org/presentationml/2006/main">
   <p:cSld>
     <p:spTree>
@@ -29026,232 +30446,7 @@
 </p:sld>
 </file>
 
-<file path=ppt/slides/slide4.xml><?xml version="1.0" encoding="utf-8"?>
-<p:sld xmlns:a="http://schemas.openxmlformats.org/drawingml/2006/main" xmlns:r="http://schemas.openxmlformats.org/officeDocument/2006/relationships" xmlns:p="http://schemas.openxmlformats.org/presentationml/2006/main">
-  <p:cSld>
-    <p:spTree>
-      <p:nvGrpSpPr>
-        <p:cNvPr id="1" name=""/>
-        <p:cNvGrpSpPr/>
-        <p:nvPr/>
-      </p:nvGrpSpPr>
-      <p:grpSpPr>
-        <a:xfrm>
-          <a:off x="0" y="0"/>
-          <a:ext cx="0" cy="0"/>
-          <a:chOff x="0" y="0"/>
-          <a:chExt cx="0" cy="0"/>
-        </a:xfrm>
-      </p:grpSpPr>
-      <p:sp>
-        <p:nvSpPr>
-          <p:cNvPr id="2" name="Title 1">
-            <a:extLst>
-              <a:ext uri="{FF2B5EF4-FFF2-40B4-BE49-F238E27FC236}">
-                <a16:creationId xmlns:a16="http://schemas.microsoft.com/office/drawing/2014/main" id="{9BDFD261-0D2C-41B9-9E28-43DF575D40E0}"/>
-              </a:ext>
-            </a:extLst>
-          </p:cNvPr>
-          <p:cNvSpPr>
-            <a:spLocks noGrp="1"/>
-          </p:cNvSpPr>
-          <p:nvPr>
-            <p:ph type="title"/>
-          </p:nvPr>
-        </p:nvSpPr>
-        <p:spPr/>
-        <p:txBody>
-          <a:bodyPr>
-            <a:normAutofit/>
-          </a:bodyPr>
-          <a:lstStyle/>
-          <a:p>
-            <a:r>
-              <a:rPr lang="nl-NL" sz="3600" dirty="0" err="1"/>
-              <a:t>Structured</a:t>
-            </a:r>
-            <a:r>
-              <a:rPr lang="nl-NL" sz="3600" dirty="0"/>
-              <a:t> Query Language</a:t>
-            </a:r>
-          </a:p>
-        </p:txBody>
-      </p:sp>
-      <p:sp>
-        <p:nvSpPr>
-          <p:cNvPr id="3" name="Content Placeholder 2">
-            <a:extLst>
-              <a:ext uri="{FF2B5EF4-FFF2-40B4-BE49-F238E27FC236}">
-                <a16:creationId xmlns:a16="http://schemas.microsoft.com/office/drawing/2014/main" id="{7844B503-C44F-453E-9465-D42E4557DE0C}"/>
-              </a:ext>
-            </a:extLst>
-          </p:cNvPr>
-          <p:cNvSpPr>
-            <a:spLocks noGrp="1"/>
-          </p:cNvSpPr>
-          <p:nvPr>
-            <p:ph idx="1"/>
-          </p:nvPr>
-        </p:nvSpPr>
-        <p:spPr>
-          <a:xfrm>
-            <a:off x="838200" y="1825625"/>
-            <a:ext cx="5257800" cy="4351338"/>
-          </a:xfrm>
-        </p:spPr>
-        <p:txBody>
-          <a:bodyPr>
-            <a:normAutofit/>
-          </a:bodyPr>
-          <a:lstStyle/>
-          <a:p>
-            <a:pPr marL="0" indent="0">
-              <a:buNone/>
-            </a:pPr>
-            <a:r>
-              <a:rPr lang="nl-NL" sz="2000" b="1" dirty="0"/>
-              <a:t>Bedoeling:</a:t>
-            </a:r>
-          </a:p>
-          <a:p>
-            <a:pPr marL="0" indent="0">
-              <a:buNone/>
-            </a:pPr>
-            <a:r>
-              <a:rPr lang="nl-NL" sz="2000" dirty="0"/>
-              <a:t>Eén standaard om databases te bevragen.</a:t>
-            </a:r>
-          </a:p>
-          <a:p>
-            <a:pPr marL="0" indent="0">
-              <a:buNone/>
-            </a:pPr>
-            <a:endParaRPr lang="nl-NL" sz="2000" b="1" dirty="0"/>
-          </a:p>
-          <a:p>
-            <a:pPr marL="0" indent="0">
-              <a:buNone/>
-            </a:pPr>
-            <a:r>
-              <a:rPr lang="nl-NL" sz="2000" b="1" dirty="0"/>
-              <a:t>Maar:</a:t>
-            </a:r>
-          </a:p>
-          <a:p>
-            <a:pPr marL="0" indent="0">
-              <a:buNone/>
-            </a:pPr>
-            <a:r>
-              <a:rPr lang="nl-NL" sz="2000" dirty="0"/>
-              <a:t>In de praktijk verschillen in details, zoals:</a:t>
-            </a:r>
-            <a:endParaRPr lang="nl-NL" sz="2000" dirty="0">
-              <a:sym typeface="Wingdings" panose="05000000000000000000" pitchFamily="2" charset="2"/>
-            </a:endParaRPr>
-          </a:p>
-          <a:p>
-            <a:pPr marL="0" indent="0">
-              <a:buNone/>
-            </a:pPr>
-            <a:r>
-              <a:rPr lang="nl-NL" sz="2000" dirty="0">
-                <a:sym typeface="Wingdings" panose="05000000000000000000" pitchFamily="2" charset="2"/>
-              </a:rPr>
-              <a:t>syntax, naamgeving, data types, functies…</a:t>
-            </a:r>
-            <a:endParaRPr lang="nl-NL" sz="2000" dirty="0"/>
-          </a:p>
-          <a:p>
-            <a:pPr marL="0" indent="0">
-              <a:buNone/>
-            </a:pPr>
-            <a:endParaRPr lang="nl-NL" sz="2000" dirty="0"/>
-          </a:p>
-          <a:p>
-            <a:pPr marL="0" indent="0">
-              <a:buNone/>
-            </a:pPr>
-            <a:endParaRPr lang="nl-NL" sz="2000" dirty="0"/>
-          </a:p>
-          <a:p>
-            <a:pPr marL="0" indent="0">
-              <a:buNone/>
-            </a:pPr>
-            <a:r>
-              <a:rPr lang="nl-NL" sz="2000" b="1" dirty="0"/>
-              <a:t>Concept is wel breed gedragen en zeer nuttig om te leren!</a:t>
-            </a:r>
-          </a:p>
-          <a:p>
-            <a:pPr marL="0" indent="0">
-              <a:buNone/>
-            </a:pPr>
-            <a:endParaRPr lang="nl-NL" sz="2000" dirty="0"/>
-          </a:p>
-          <a:p>
-            <a:pPr marL="0" indent="0">
-              <a:buNone/>
-            </a:pPr>
-            <a:endParaRPr lang="nl-NL" sz="2000" dirty="0"/>
-          </a:p>
-          <a:p>
-            <a:pPr marL="0" indent="0">
-              <a:buNone/>
-            </a:pPr>
-            <a:endParaRPr lang="nl-NL" sz="2000" dirty="0"/>
-          </a:p>
-        </p:txBody>
-      </p:sp>
-      <p:pic>
-        <p:nvPicPr>
-          <p:cNvPr id="5" name="Picture 4">
-            <a:extLst>
-              <a:ext uri="{FF2B5EF4-FFF2-40B4-BE49-F238E27FC236}">
-                <a16:creationId xmlns:a16="http://schemas.microsoft.com/office/drawing/2014/main" id="{16157121-2C74-4154-BE55-E08C8A76F941}"/>
-              </a:ext>
-            </a:extLst>
-          </p:cNvPr>
-          <p:cNvPicPr>
-            <a:picLocks noChangeAspect="1"/>
-          </p:cNvPicPr>
-          <p:nvPr/>
-        </p:nvPicPr>
-        <p:blipFill>
-          <a:blip r:embed="rId2">
-            <a:extLst>
-              <a:ext uri="{28A0092B-C50C-407E-A947-70E740481C1C}">
-                <a14:useLocalDpi xmlns:a14="http://schemas.microsoft.com/office/drawing/2010/main" val="0"/>
-              </a:ext>
-            </a:extLst>
-          </a:blip>
-          <a:stretch>
-            <a:fillRect/>
-          </a:stretch>
-        </p:blipFill>
-        <p:spPr>
-          <a:xfrm>
-            <a:off x="6422469" y="3363985"/>
-            <a:ext cx="5351655" cy="3029037"/>
-          </a:xfrm>
-          <a:prstGeom prst="rect">
-            <a:avLst/>
-          </a:prstGeom>
-        </p:spPr>
-      </p:pic>
-    </p:spTree>
-    <p:extLst>
-      <p:ext uri="{BB962C8B-B14F-4D97-AF65-F5344CB8AC3E}">
-        <p14:creationId xmlns:p14="http://schemas.microsoft.com/office/powerpoint/2010/main" val="3068216924"/>
-      </p:ext>
-    </p:extLst>
-  </p:cSld>
-  <p:clrMapOvr>
-    <a:masterClrMapping/>
-  </p:clrMapOvr>
-</p:sld>
-</file>
-
-<file path=ppt/slides/slide40.xml><?xml version="1.0" encoding="utf-8"?>
+<file path=ppt/slides/slide41.xml><?xml version="1.0" encoding="utf-8"?>
 <p:sld xmlns:a="http://schemas.openxmlformats.org/drawingml/2006/main" xmlns:r="http://schemas.openxmlformats.org/officeDocument/2006/relationships" xmlns:p="http://schemas.openxmlformats.org/presentationml/2006/main">
   <p:cSld>
     <p:spTree>
@@ -31171,7 +32366,7 @@
 </p:sld>
 </file>
 
-<file path=ppt/slides/slide41.xml><?xml version="1.0" encoding="utf-8"?>
+<file path=ppt/slides/slide42.xml><?xml version="1.0" encoding="utf-8"?>
 <p:sld xmlns:a="http://schemas.openxmlformats.org/drawingml/2006/main" xmlns:r="http://schemas.openxmlformats.org/officeDocument/2006/relationships" xmlns:p="http://schemas.openxmlformats.org/presentationml/2006/main">
   <p:cSld>
     <p:spTree>
@@ -33687,7 +34882,7 @@
 </p:sld>
 </file>
 
-<file path=ppt/slides/slide42.xml><?xml version="1.0" encoding="utf-8"?>
+<file path=ppt/slides/slide43.xml><?xml version="1.0" encoding="utf-8"?>
 <p:sld xmlns:a="http://schemas.openxmlformats.org/drawingml/2006/main" xmlns:r="http://schemas.openxmlformats.org/officeDocument/2006/relationships" xmlns:p="http://schemas.openxmlformats.org/presentationml/2006/main">
   <p:cSld>
     <p:spTree>
@@ -34268,7 +35463,7 @@
 </p:sld>
 </file>
 
-<file path=ppt/slides/slide43.xml><?xml version="1.0" encoding="utf-8"?>
+<file path=ppt/slides/slide44.xml><?xml version="1.0" encoding="utf-8"?>
 <p:sld xmlns:a="http://schemas.openxmlformats.org/drawingml/2006/main" xmlns:r="http://schemas.openxmlformats.org/officeDocument/2006/relationships" xmlns:p="http://schemas.openxmlformats.org/presentationml/2006/main">
   <p:cSld>
     <p:spTree>
@@ -34960,7 +36155,7 @@
 </p:sld>
 </file>
 
-<file path=ppt/slides/slide44.xml><?xml version="1.0" encoding="utf-8"?>
+<file path=ppt/slides/slide45.xml><?xml version="1.0" encoding="utf-8"?>
 <p:sld xmlns:a="http://schemas.openxmlformats.org/drawingml/2006/main" xmlns:r="http://schemas.openxmlformats.org/officeDocument/2006/relationships" xmlns:p="http://schemas.openxmlformats.org/presentationml/2006/main">
   <p:cSld>
     <p:spTree>
@@ -35462,7 +36657,7 @@
 </p:sld>
 </file>
 
-<file path=ppt/slides/slide45.xml><?xml version="1.0" encoding="utf-8"?>
+<file path=ppt/slides/slide46.xml><?xml version="1.0" encoding="utf-8"?>
 <p:sld xmlns:a="http://schemas.openxmlformats.org/drawingml/2006/main" xmlns:r="http://schemas.openxmlformats.org/officeDocument/2006/relationships" xmlns:p="http://schemas.openxmlformats.org/presentationml/2006/main">
   <p:cSld>
     <p:spTree>
@@ -36025,7 +37220,7 @@
 </p:sld>
 </file>
 
-<file path=ppt/slides/slide46.xml><?xml version="1.0" encoding="utf-8"?>
+<file path=ppt/slides/slide47.xml><?xml version="1.0" encoding="utf-8"?>
 <p:sld xmlns:a="http://schemas.openxmlformats.org/drawingml/2006/main" xmlns:r="http://schemas.openxmlformats.org/officeDocument/2006/relationships" xmlns:p="http://schemas.openxmlformats.org/presentationml/2006/main">
   <p:cSld>
     <p:spTree>
@@ -36585,7 +37780,7 @@
 </p:sld>
 </file>
 
-<file path=ppt/slides/slide47.xml><?xml version="1.0" encoding="utf-8"?>
+<file path=ppt/slides/slide48.xml><?xml version="1.0" encoding="utf-8"?>
 <p:sld xmlns:a="http://schemas.openxmlformats.org/drawingml/2006/main" xmlns:r="http://schemas.openxmlformats.org/officeDocument/2006/relationships" xmlns:p="http://schemas.openxmlformats.org/presentationml/2006/main">
   <p:cSld>
     <p:spTree>
@@ -37062,7 +38257,7 @@
 </p:sld>
 </file>
 
-<file path=ppt/slides/slide48.xml><?xml version="1.0" encoding="utf-8"?>
+<file path=ppt/slides/slide49.xml><?xml version="1.0" encoding="utf-8"?>
 <p:sld xmlns:a="http://schemas.openxmlformats.org/drawingml/2006/main" xmlns:r="http://schemas.openxmlformats.org/officeDocument/2006/relationships" xmlns:p="http://schemas.openxmlformats.org/presentationml/2006/main" show="0">
   <p:cSld>
     <p:spTree>
@@ -38505,461 +39700,6 @@
     <p:extLst>
       <p:ext uri="{BB962C8B-B14F-4D97-AF65-F5344CB8AC3E}">
         <p14:creationId xmlns:p14="http://schemas.microsoft.com/office/powerpoint/2010/main" val="3733785103"/>
-      </p:ext>
-    </p:extLst>
-  </p:cSld>
-  <p:clrMapOvr>
-    <a:masterClrMapping/>
-  </p:clrMapOvr>
-</p:sld>
-</file>
-
-<file path=ppt/slides/slide49.xml><?xml version="1.0" encoding="utf-8"?>
-<p:sld xmlns:a="http://schemas.openxmlformats.org/drawingml/2006/main" xmlns:r="http://schemas.openxmlformats.org/officeDocument/2006/relationships" xmlns:p="http://schemas.openxmlformats.org/presentationml/2006/main">
-  <p:cSld>
-    <p:spTree>
-      <p:nvGrpSpPr>
-        <p:cNvPr id="1" name=""/>
-        <p:cNvGrpSpPr/>
-        <p:nvPr/>
-      </p:nvGrpSpPr>
-      <p:grpSpPr>
-        <a:xfrm>
-          <a:off x="0" y="0"/>
-          <a:ext cx="0" cy="0"/>
-          <a:chOff x="0" y="0"/>
-          <a:chExt cx="0" cy="0"/>
-        </a:xfrm>
-      </p:grpSpPr>
-      <p:sp>
-        <p:nvSpPr>
-          <p:cNvPr id="2" name="Title 1">
-            <a:extLst>
-              <a:ext uri="{FF2B5EF4-FFF2-40B4-BE49-F238E27FC236}">
-                <a16:creationId xmlns:a16="http://schemas.microsoft.com/office/drawing/2014/main" id="{9BDFD261-0D2C-41B9-9E28-43DF575D40E0}"/>
-              </a:ext>
-            </a:extLst>
-          </p:cNvPr>
-          <p:cNvSpPr>
-            <a:spLocks noGrp="1"/>
-          </p:cNvSpPr>
-          <p:nvPr>
-            <p:ph type="title"/>
-          </p:nvPr>
-        </p:nvSpPr>
-        <p:spPr/>
-        <p:txBody>
-          <a:bodyPr>
-            <a:normAutofit/>
-          </a:bodyPr>
-          <a:lstStyle/>
-          <a:p>
-            <a:r>
-              <a:rPr lang="nl-NL" sz="3600" dirty="0"/>
-              <a:t>Oefeningen 5</a:t>
-            </a:r>
-          </a:p>
-        </p:txBody>
-      </p:sp>
-      <p:sp>
-        <p:nvSpPr>
-          <p:cNvPr id="3" name="Content Placeholder 2">
-            <a:extLst>
-              <a:ext uri="{FF2B5EF4-FFF2-40B4-BE49-F238E27FC236}">
-                <a16:creationId xmlns:a16="http://schemas.microsoft.com/office/drawing/2014/main" id="{7844B503-C44F-453E-9465-D42E4557DE0C}"/>
-              </a:ext>
-            </a:extLst>
-          </p:cNvPr>
-          <p:cNvSpPr>
-            <a:spLocks noGrp="1"/>
-          </p:cNvSpPr>
-          <p:nvPr>
-            <p:ph idx="1"/>
-          </p:nvPr>
-        </p:nvSpPr>
-        <p:spPr/>
-        <p:txBody>
-          <a:bodyPr>
-            <a:normAutofit/>
-          </a:bodyPr>
-          <a:lstStyle/>
-          <a:p>
-            <a:pPr marL="0" indent="0">
-              <a:buNone/>
-            </a:pPr>
-            <a:r>
-              <a:rPr lang="nl-NL" sz="2000" dirty="0"/>
-              <a:t>Koppel tabellen </a:t>
-            </a:r>
-            <a:r>
-              <a:rPr lang="nl-NL" sz="2000" dirty="0" err="1">
-                <a:solidFill>
-                  <a:schemeClr val="accent5">
-                    <a:lumMod val="75000"/>
-                  </a:schemeClr>
-                </a:solidFill>
-                <a:latin typeface="Courier New" panose="02070309020205020404" pitchFamily="49" charset="0"/>
-                <a:cs typeface="Courier New" panose="02070309020205020404" pitchFamily="49" charset="0"/>
-              </a:rPr>
-              <a:t>KoppelA</a:t>
-            </a:r>
-            <a:r>
-              <a:rPr lang="nl-NL" sz="2000" dirty="0"/>
-              <a:t> en </a:t>
-            </a:r>
-            <a:r>
-              <a:rPr lang="nl-NL" sz="2000" dirty="0" err="1">
-                <a:solidFill>
-                  <a:schemeClr val="accent5">
-                    <a:lumMod val="75000"/>
-                  </a:schemeClr>
-                </a:solidFill>
-                <a:latin typeface="Courier New" panose="02070309020205020404" pitchFamily="49" charset="0"/>
-                <a:cs typeface="Courier New" panose="02070309020205020404" pitchFamily="49" charset="0"/>
-              </a:rPr>
-              <a:t>KoppelB</a:t>
-            </a:r>
-            <a:r>
-              <a:rPr lang="nl-NL" sz="2000" dirty="0"/>
-              <a:t> op basis van </a:t>
-            </a:r>
-            <a:r>
-              <a:rPr lang="nl-NL" sz="2000" dirty="0" err="1">
-                <a:solidFill>
-                  <a:schemeClr val="accent5">
-                    <a:lumMod val="75000"/>
-                  </a:schemeClr>
-                </a:solidFill>
-                <a:latin typeface="Courier New" panose="02070309020205020404" pitchFamily="49" charset="0"/>
-                <a:cs typeface="Courier New" panose="02070309020205020404" pitchFamily="49" charset="0"/>
-              </a:rPr>
-              <a:t>Id</a:t>
-            </a:r>
-            <a:r>
-              <a:rPr lang="nl-NL" sz="2000" dirty="0"/>
-              <a:t> en bekijk de uitkomsten:</a:t>
-            </a:r>
-          </a:p>
-          <a:p>
-            <a:pPr marL="0" indent="0">
-              <a:buNone/>
-            </a:pPr>
-            <a:endParaRPr lang="nl-NL" sz="2000" dirty="0"/>
-          </a:p>
-          <a:p>
-            <a:pPr marL="0" indent="0">
-              <a:buNone/>
-            </a:pPr>
-            <a:r>
-              <a:rPr lang="nl-NL" sz="2000" dirty="0">
-                <a:cs typeface="Courier New" panose="02070309020205020404" pitchFamily="49" charset="0"/>
-              </a:rPr>
-              <a:t>1. </a:t>
-            </a:r>
-            <a:r>
-              <a:rPr lang="nl-NL" sz="2000" dirty="0">
-                <a:solidFill>
-                  <a:schemeClr val="accent5">
-                    <a:lumMod val="75000"/>
-                  </a:schemeClr>
-                </a:solidFill>
-                <a:latin typeface="Courier New" panose="02070309020205020404" pitchFamily="49" charset="0"/>
-                <a:cs typeface="Courier New" panose="02070309020205020404" pitchFamily="49" charset="0"/>
-              </a:rPr>
-              <a:t>RIGHT JOIN</a:t>
-            </a:r>
-            <a:r>
-              <a:rPr lang="nl-NL" sz="2000" dirty="0"/>
-              <a:t> van </a:t>
-            </a:r>
-            <a:r>
-              <a:rPr lang="nl-NL" sz="2000" dirty="0" err="1">
-                <a:solidFill>
-                  <a:schemeClr val="accent5">
-                    <a:lumMod val="75000"/>
-                  </a:schemeClr>
-                </a:solidFill>
-                <a:latin typeface="Courier New" panose="02070309020205020404" pitchFamily="49" charset="0"/>
-                <a:cs typeface="Courier New" panose="02070309020205020404" pitchFamily="49" charset="0"/>
-              </a:rPr>
-              <a:t>KoppelA</a:t>
-            </a:r>
-            <a:r>
-              <a:rPr lang="nl-NL" sz="2000" dirty="0"/>
-              <a:t> op </a:t>
-            </a:r>
-            <a:r>
-              <a:rPr lang="nl-NL" sz="2000" dirty="0" err="1">
-                <a:solidFill>
-                  <a:schemeClr val="accent5">
-                    <a:lumMod val="75000"/>
-                  </a:schemeClr>
-                </a:solidFill>
-                <a:latin typeface="Courier New" panose="02070309020205020404" pitchFamily="49" charset="0"/>
-                <a:cs typeface="Courier New" panose="02070309020205020404" pitchFamily="49" charset="0"/>
-              </a:rPr>
-              <a:t>KoppelB</a:t>
-            </a:r>
-            <a:endParaRPr lang="nl-NL" sz="2000" dirty="0">
-              <a:solidFill>
-                <a:schemeClr val="accent5">
-                  <a:lumMod val="75000"/>
-                </a:schemeClr>
-              </a:solidFill>
-              <a:latin typeface="Courier New" panose="02070309020205020404" pitchFamily="49" charset="0"/>
-              <a:cs typeface="Courier New" panose="02070309020205020404" pitchFamily="49" charset="0"/>
-            </a:endParaRPr>
-          </a:p>
-          <a:p>
-            <a:pPr marL="0" indent="0">
-              <a:buNone/>
-            </a:pPr>
-            <a:endParaRPr lang="nl-NL" sz="2000" dirty="0"/>
-          </a:p>
-          <a:p>
-            <a:pPr marL="0" indent="0">
-              <a:buNone/>
-            </a:pPr>
-            <a:r>
-              <a:rPr lang="nl-NL" sz="2000" dirty="0">
-                <a:cs typeface="Courier New" panose="02070309020205020404" pitchFamily="49" charset="0"/>
-              </a:rPr>
-              <a:t>2. </a:t>
-            </a:r>
-            <a:r>
-              <a:rPr lang="nl-NL" sz="2000" dirty="0">
-                <a:solidFill>
-                  <a:schemeClr val="accent5">
-                    <a:lumMod val="75000"/>
-                  </a:schemeClr>
-                </a:solidFill>
-                <a:latin typeface="Courier New" panose="02070309020205020404" pitchFamily="49" charset="0"/>
-                <a:cs typeface="Courier New" panose="02070309020205020404" pitchFamily="49" charset="0"/>
-              </a:rPr>
-              <a:t>LEFT JOIN</a:t>
-            </a:r>
-            <a:r>
-              <a:rPr lang="nl-NL" sz="2000" dirty="0"/>
-              <a:t> van </a:t>
-            </a:r>
-            <a:r>
-              <a:rPr lang="nl-NL" sz="2000" dirty="0" err="1">
-                <a:solidFill>
-                  <a:schemeClr val="accent5">
-                    <a:lumMod val="75000"/>
-                  </a:schemeClr>
-                </a:solidFill>
-                <a:latin typeface="Courier New" panose="02070309020205020404" pitchFamily="49" charset="0"/>
-                <a:cs typeface="Courier New" panose="02070309020205020404" pitchFamily="49" charset="0"/>
-              </a:rPr>
-              <a:t>KoppelB</a:t>
-            </a:r>
-            <a:r>
-              <a:rPr lang="nl-NL" sz="2000" dirty="0"/>
-              <a:t> op </a:t>
-            </a:r>
-            <a:r>
-              <a:rPr lang="nl-NL" sz="2000" dirty="0" err="1">
-                <a:solidFill>
-                  <a:schemeClr val="accent5">
-                    <a:lumMod val="75000"/>
-                  </a:schemeClr>
-                </a:solidFill>
-                <a:latin typeface="Courier New" panose="02070309020205020404" pitchFamily="49" charset="0"/>
-                <a:cs typeface="Courier New" panose="02070309020205020404" pitchFamily="49" charset="0"/>
-              </a:rPr>
-              <a:t>KoppelA</a:t>
-            </a:r>
-            <a:r>
-              <a:rPr lang="nl-NL" sz="2000" dirty="0">
-                <a:solidFill>
-                  <a:schemeClr val="accent5">
-                    <a:lumMod val="75000"/>
-                  </a:schemeClr>
-                </a:solidFill>
-                <a:latin typeface="Courier New" panose="02070309020205020404" pitchFamily="49" charset="0"/>
-                <a:cs typeface="Courier New" panose="02070309020205020404" pitchFamily="49" charset="0"/>
-              </a:rPr>
-              <a:t>   </a:t>
-            </a:r>
-            <a:r>
-              <a:rPr lang="nl-NL" sz="2000" dirty="0"/>
-              <a:t>=&gt; Waar correspondeert deze </a:t>
-            </a:r>
-            <a:r>
-              <a:rPr lang="nl-NL" sz="2000" dirty="0">
-                <a:solidFill>
-                  <a:schemeClr val="accent5">
-                    <a:lumMod val="75000"/>
-                  </a:schemeClr>
-                </a:solidFill>
-                <a:latin typeface="Courier New" panose="02070309020205020404" pitchFamily="49" charset="0"/>
-                <a:cs typeface="Courier New" panose="02070309020205020404" pitchFamily="49" charset="0"/>
-              </a:rPr>
-              <a:t>JOIN</a:t>
-            </a:r>
-            <a:r>
-              <a:rPr lang="nl-NL" sz="2000" dirty="0"/>
-              <a:t> mee?</a:t>
-            </a:r>
-          </a:p>
-          <a:p>
-            <a:pPr marL="0" indent="0">
-              <a:buNone/>
-            </a:pPr>
-            <a:endParaRPr lang="nl-NL" sz="2000" dirty="0"/>
-          </a:p>
-          <a:p>
-            <a:pPr marL="0" indent="0">
-              <a:buNone/>
-            </a:pPr>
-            <a:r>
-              <a:rPr lang="nl-NL" sz="2000" dirty="0">
-                <a:cs typeface="Courier New" panose="02070309020205020404" pitchFamily="49" charset="0"/>
-              </a:rPr>
-              <a:t>3. </a:t>
-            </a:r>
-            <a:r>
-              <a:rPr lang="nl-NL" sz="2000" dirty="0">
-                <a:solidFill>
-                  <a:schemeClr val="accent5">
-                    <a:lumMod val="75000"/>
-                  </a:schemeClr>
-                </a:solidFill>
-                <a:latin typeface="Courier New" panose="02070309020205020404" pitchFamily="49" charset="0"/>
-                <a:cs typeface="Courier New" panose="02070309020205020404" pitchFamily="49" charset="0"/>
-              </a:rPr>
-              <a:t>INNER JOIN</a:t>
-            </a:r>
-            <a:r>
-              <a:rPr lang="nl-NL" sz="2000" dirty="0"/>
-              <a:t> van </a:t>
-            </a:r>
-            <a:r>
-              <a:rPr lang="nl-NL" sz="2000" dirty="0" err="1">
-                <a:solidFill>
-                  <a:schemeClr val="accent5">
-                    <a:lumMod val="75000"/>
-                  </a:schemeClr>
-                </a:solidFill>
-                <a:latin typeface="Courier New" panose="02070309020205020404" pitchFamily="49" charset="0"/>
-                <a:cs typeface="Courier New" panose="02070309020205020404" pitchFamily="49" charset="0"/>
-              </a:rPr>
-              <a:t>KoppelA</a:t>
-            </a:r>
-            <a:r>
-              <a:rPr lang="nl-NL" sz="2000" dirty="0"/>
-              <a:t> op </a:t>
-            </a:r>
-            <a:r>
-              <a:rPr lang="nl-NL" sz="2000" dirty="0" err="1">
-                <a:solidFill>
-                  <a:schemeClr val="accent5">
-                    <a:lumMod val="75000"/>
-                  </a:schemeClr>
-                </a:solidFill>
-                <a:latin typeface="Courier New" panose="02070309020205020404" pitchFamily="49" charset="0"/>
-                <a:cs typeface="Courier New" panose="02070309020205020404" pitchFamily="49" charset="0"/>
-              </a:rPr>
-              <a:t>KoppelB</a:t>
-            </a:r>
-            <a:endParaRPr lang="nl-NL" sz="2000" dirty="0">
-              <a:solidFill>
-                <a:schemeClr val="accent5">
-                  <a:lumMod val="75000"/>
-                </a:schemeClr>
-              </a:solidFill>
-              <a:latin typeface="Courier New" panose="02070309020205020404" pitchFamily="49" charset="0"/>
-              <a:cs typeface="Courier New" panose="02070309020205020404" pitchFamily="49" charset="0"/>
-            </a:endParaRPr>
-          </a:p>
-          <a:p>
-            <a:pPr marL="0" indent="0">
-              <a:buNone/>
-            </a:pPr>
-            <a:endParaRPr lang="nl-NL" sz="2000" dirty="0"/>
-          </a:p>
-          <a:p>
-            <a:pPr marL="0" indent="0">
-              <a:buNone/>
-            </a:pPr>
-            <a:r>
-              <a:rPr lang="nl-NL" sz="2000" dirty="0">
-                <a:cs typeface="Courier New" panose="02070309020205020404" pitchFamily="49" charset="0"/>
-              </a:rPr>
-              <a:t>4. </a:t>
-            </a:r>
-            <a:r>
-              <a:rPr lang="nl-NL" sz="2000" dirty="0">
-                <a:solidFill>
-                  <a:schemeClr val="accent5">
-                    <a:lumMod val="75000"/>
-                  </a:schemeClr>
-                </a:solidFill>
-                <a:latin typeface="Courier New" panose="02070309020205020404" pitchFamily="49" charset="0"/>
-                <a:cs typeface="Courier New" panose="02070309020205020404" pitchFamily="49" charset="0"/>
-              </a:rPr>
-              <a:t>JOIN</a:t>
-            </a:r>
-            <a:r>
-              <a:rPr lang="nl-NL" sz="2000" dirty="0"/>
-              <a:t> van </a:t>
-            </a:r>
-            <a:r>
-              <a:rPr lang="nl-NL" sz="2000" dirty="0" err="1">
-                <a:solidFill>
-                  <a:schemeClr val="accent5">
-                    <a:lumMod val="75000"/>
-                  </a:schemeClr>
-                </a:solidFill>
-                <a:latin typeface="Courier New" panose="02070309020205020404" pitchFamily="49" charset="0"/>
-                <a:cs typeface="Courier New" panose="02070309020205020404" pitchFamily="49" charset="0"/>
-              </a:rPr>
-              <a:t>KoppelA</a:t>
-            </a:r>
-            <a:r>
-              <a:rPr lang="nl-NL" sz="2000" dirty="0"/>
-              <a:t> op </a:t>
-            </a:r>
-            <a:r>
-              <a:rPr lang="nl-NL" sz="2000" dirty="0" err="1">
-                <a:solidFill>
-                  <a:schemeClr val="accent5">
-                    <a:lumMod val="75000"/>
-                  </a:schemeClr>
-                </a:solidFill>
-                <a:latin typeface="Courier New" panose="02070309020205020404" pitchFamily="49" charset="0"/>
-                <a:cs typeface="Courier New" panose="02070309020205020404" pitchFamily="49" charset="0"/>
-              </a:rPr>
-              <a:t>KoppelB</a:t>
-            </a:r>
-            <a:r>
-              <a:rPr lang="nl-NL" sz="2000" dirty="0"/>
-              <a:t> 	         =&gt; Waar correspondeert deze </a:t>
-            </a:r>
-            <a:r>
-              <a:rPr lang="nl-NL" sz="2000" dirty="0">
-                <a:solidFill>
-                  <a:schemeClr val="accent5">
-                    <a:lumMod val="75000"/>
-                  </a:schemeClr>
-                </a:solidFill>
-                <a:latin typeface="Courier New" panose="02070309020205020404" pitchFamily="49" charset="0"/>
-                <a:cs typeface="Courier New" panose="02070309020205020404" pitchFamily="49" charset="0"/>
-              </a:rPr>
-              <a:t>JOIN</a:t>
-            </a:r>
-            <a:r>
-              <a:rPr lang="nl-NL" sz="2000" dirty="0"/>
-              <a:t> mee?</a:t>
-            </a:r>
-          </a:p>
-        </p:txBody>
-      </p:sp>
-    </p:spTree>
-    <p:extLst>
-      <p:ext uri="{BB962C8B-B14F-4D97-AF65-F5344CB8AC3E}">
-        <p14:creationId xmlns:p14="http://schemas.microsoft.com/office/powerpoint/2010/main" val="1884716495"/>
       </p:ext>
     </p:extLst>
   </p:cSld>
@@ -39942,6 +40682,461 @@
   <p:cSld>
     <p:spTree>
       <p:nvGrpSpPr>
+        <p:cNvPr id="1" name=""/>
+        <p:cNvGrpSpPr/>
+        <p:nvPr/>
+      </p:nvGrpSpPr>
+      <p:grpSpPr>
+        <a:xfrm>
+          <a:off x="0" y="0"/>
+          <a:ext cx="0" cy="0"/>
+          <a:chOff x="0" y="0"/>
+          <a:chExt cx="0" cy="0"/>
+        </a:xfrm>
+      </p:grpSpPr>
+      <p:sp>
+        <p:nvSpPr>
+          <p:cNvPr id="2" name="Title 1">
+            <a:extLst>
+              <a:ext uri="{FF2B5EF4-FFF2-40B4-BE49-F238E27FC236}">
+                <a16:creationId xmlns:a16="http://schemas.microsoft.com/office/drawing/2014/main" id="{9BDFD261-0D2C-41B9-9E28-43DF575D40E0}"/>
+              </a:ext>
+            </a:extLst>
+          </p:cNvPr>
+          <p:cNvSpPr>
+            <a:spLocks noGrp="1"/>
+          </p:cNvSpPr>
+          <p:nvPr>
+            <p:ph type="title"/>
+          </p:nvPr>
+        </p:nvSpPr>
+        <p:spPr/>
+        <p:txBody>
+          <a:bodyPr>
+            <a:normAutofit/>
+          </a:bodyPr>
+          <a:lstStyle/>
+          <a:p>
+            <a:r>
+              <a:rPr lang="nl-NL" sz="3600" dirty="0"/>
+              <a:t>Oefeningen 5</a:t>
+            </a:r>
+          </a:p>
+        </p:txBody>
+      </p:sp>
+      <p:sp>
+        <p:nvSpPr>
+          <p:cNvPr id="3" name="Content Placeholder 2">
+            <a:extLst>
+              <a:ext uri="{FF2B5EF4-FFF2-40B4-BE49-F238E27FC236}">
+                <a16:creationId xmlns:a16="http://schemas.microsoft.com/office/drawing/2014/main" id="{7844B503-C44F-453E-9465-D42E4557DE0C}"/>
+              </a:ext>
+            </a:extLst>
+          </p:cNvPr>
+          <p:cNvSpPr>
+            <a:spLocks noGrp="1"/>
+          </p:cNvSpPr>
+          <p:nvPr>
+            <p:ph idx="1"/>
+          </p:nvPr>
+        </p:nvSpPr>
+        <p:spPr/>
+        <p:txBody>
+          <a:bodyPr>
+            <a:normAutofit/>
+          </a:bodyPr>
+          <a:lstStyle/>
+          <a:p>
+            <a:pPr marL="0" indent="0">
+              <a:buNone/>
+            </a:pPr>
+            <a:r>
+              <a:rPr lang="nl-NL" sz="2000" dirty="0"/>
+              <a:t>Koppel tabellen </a:t>
+            </a:r>
+            <a:r>
+              <a:rPr lang="nl-NL" sz="2000" dirty="0" err="1">
+                <a:solidFill>
+                  <a:schemeClr val="accent5">
+                    <a:lumMod val="75000"/>
+                  </a:schemeClr>
+                </a:solidFill>
+                <a:latin typeface="Courier New" panose="02070309020205020404" pitchFamily="49" charset="0"/>
+                <a:cs typeface="Courier New" panose="02070309020205020404" pitchFamily="49" charset="0"/>
+              </a:rPr>
+              <a:t>KoppelA</a:t>
+            </a:r>
+            <a:r>
+              <a:rPr lang="nl-NL" sz="2000" dirty="0"/>
+              <a:t> en </a:t>
+            </a:r>
+            <a:r>
+              <a:rPr lang="nl-NL" sz="2000" dirty="0" err="1">
+                <a:solidFill>
+                  <a:schemeClr val="accent5">
+                    <a:lumMod val="75000"/>
+                  </a:schemeClr>
+                </a:solidFill>
+                <a:latin typeface="Courier New" panose="02070309020205020404" pitchFamily="49" charset="0"/>
+                <a:cs typeface="Courier New" panose="02070309020205020404" pitchFamily="49" charset="0"/>
+              </a:rPr>
+              <a:t>KoppelB</a:t>
+            </a:r>
+            <a:r>
+              <a:rPr lang="nl-NL" sz="2000" dirty="0"/>
+              <a:t> op basis van </a:t>
+            </a:r>
+            <a:r>
+              <a:rPr lang="nl-NL" sz="2000" dirty="0" err="1">
+                <a:solidFill>
+                  <a:schemeClr val="accent5">
+                    <a:lumMod val="75000"/>
+                  </a:schemeClr>
+                </a:solidFill>
+                <a:latin typeface="Courier New" panose="02070309020205020404" pitchFamily="49" charset="0"/>
+                <a:cs typeface="Courier New" panose="02070309020205020404" pitchFamily="49" charset="0"/>
+              </a:rPr>
+              <a:t>Id</a:t>
+            </a:r>
+            <a:r>
+              <a:rPr lang="nl-NL" sz="2000" dirty="0"/>
+              <a:t> en bekijk de uitkomsten:</a:t>
+            </a:r>
+          </a:p>
+          <a:p>
+            <a:pPr marL="0" indent="0">
+              <a:buNone/>
+            </a:pPr>
+            <a:endParaRPr lang="nl-NL" sz="2000" dirty="0"/>
+          </a:p>
+          <a:p>
+            <a:pPr marL="0" indent="0">
+              <a:buNone/>
+            </a:pPr>
+            <a:r>
+              <a:rPr lang="nl-NL" sz="2000" dirty="0">
+                <a:cs typeface="Courier New" panose="02070309020205020404" pitchFamily="49" charset="0"/>
+              </a:rPr>
+              <a:t>1. </a:t>
+            </a:r>
+            <a:r>
+              <a:rPr lang="nl-NL" sz="2000" dirty="0">
+                <a:solidFill>
+                  <a:schemeClr val="accent5">
+                    <a:lumMod val="75000"/>
+                  </a:schemeClr>
+                </a:solidFill>
+                <a:latin typeface="Courier New" panose="02070309020205020404" pitchFamily="49" charset="0"/>
+                <a:cs typeface="Courier New" panose="02070309020205020404" pitchFamily="49" charset="0"/>
+              </a:rPr>
+              <a:t>RIGHT JOIN</a:t>
+            </a:r>
+            <a:r>
+              <a:rPr lang="nl-NL" sz="2000" dirty="0"/>
+              <a:t> van </a:t>
+            </a:r>
+            <a:r>
+              <a:rPr lang="nl-NL" sz="2000" dirty="0" err="1">
+                <a:solidFill>
+                  <a:schemeClr val="accent5">
+                    <a:lumMod val="75000"/>
+                  </a:schemeClr>
+                </a:solidFill>
+                <a:latin typeface="Courier New" panose="02070309020205020404" pitchFamily="49" charset="0"/>
+                <a:cs typeface="Courier New" panose="02070309020205020404" pitchFamily="49" charset="0"/>
+              </a:rPr>
+              <a:t>KoppelA</a:t>
+            </a:r>
+            <a:r>
+              <a:rPr lang="nl-NL" sz="2000" dirty="0"/>
+              <a:t> op </a:t>
+            </a:r>
+            <a:r>
+              <a:rPr lang="nl-NL" sz="2000" dirty="0" err="1">
+                <a:solidFill>
+                  <a:schemeClr val="accent5">
+                    <a:lumMod val="75000"/>
+                  </a:schemeClr>
+                </a:solidFill>
+                <a:latin typeface="Courier New" panose="02070309020205020404" pitchFamily="49" charset="0"/>
+                <a:cs typeface="Courier New" panose="02070309020205020404" pitchFamily="49" charset="0"/>
+              </a:rPr>
+              <a:t>KoppelB</a:t>
+            </a:r>
+            <a:endParaRPr lang="nl-NL" sz="2000" dirty="0">
+              <a:solidFill>
+                <a:schemeClr val="accent5">
+                  <a:lumMod val="75000"/>
+                </a:schemeClr>
+              </a:solidFill>
+              <a:latin typeface="Courier New" panose="02070309020205020404" pitchFamily="49" charset="0"/>
+              <a:cs typeface="Courier New" panose="02070309020205020404" pitchFamily="49" charset="0"/>
+            </a:endParaRPr>
+          </a:p>
+          <a:p>
+            <a:pPr marL="0" indent="0">
+              <a:buNone/>
+            </a:pPr>
+            <a:endParaRPr lang="nl-NL" sz="2000" dirty="0"/>
+          </a:p>
+          <a:p>
+            <a:pPr marL="0" indent="0">
+              <a:buNone/>
+            </a:pPr>
+            <a:r>
+              <a:rPr lang="nl-NL" sz="2000" dirty="0">
+                <a:cs typeface="Courier New" panose="02070309020205020404" pitchFamily="49" charset="0"/>
+              </a:rPr>
+              <a:t>2. </a:t>
+            </a:r>
+            <a:r>
+              <a:rPr lang="nl-NL" sz="2000" dirty="0">
+                <a:solidFill>
+                  <a:schemeClr val="accent5">
+                    <a:lumMod val="75000"/>
+                  </a:schemeClr>
+                </a:solidFill>
+                <a:latin typeface="Courier New" panose="02070309020205020404" pitchFamily="49" charset="0"/>
+                <a:cs typeface="Courier New" panose="02070309020205020404" pitchFamily="49" charset="0"/>
+              </a:rPr>
+              <a:t>LEFT JOIN</a:t>
+            </a:r>
+            <a:r>
+              <a:rPr lang="nl-NL" sz="2000" dirty="0"/>
+              <a:t> van </a:t>
+            </a:r>
+            <a:r>
+              <a:rPr lang="nl-NL" sz="2000" dirty="0" err="1">
+                <a:solidFill>
+                  <a:schemeClr val="accent5">
+                    <a:lumMod val="75000"/>
+                  </a:schemeClr>
+                </a:solidFill>
+                <a:latin typeface="Courier New" panose="02070309020205020404" pitchFamily="49" charset="0"/>
+                <a:cs typeface="Courier New" panose="02070309020205020404" pitchFamily="49" charset="0"/>
+              </a:rPr>
+              <a:t>KoppelB</a:t>
+            </a:r>
+            <a:r>
+              <a:rPr lang="nl-NL" sz="2000" dirty="0"/>
+              <a:t> op </a:t>
+            </a:r>
+            <a:r>
+              <a:rPr lang="nl-NL" sz="2000" dirty="0" err="1">
+                <a:solidFill>
+                  <a:schemeClr val="accent5">
+                    <a:lumMod val="75000"/>
+                  </a:schemeClr>
+                </a:solidFill>
+                <a:latin typeface="Courier New" panose="02070309020205020404" pitchFamily="49" charset="0"/>
+                <a:cs typeface="Courier New" panose="02070309020205020404" pitchFamily="49" charset="0"/>
+              </a:rPr>
+              <a:t>KoppelA</a:t>
+            </a:r>
+            <a:r>
+              <a:rPr lang="nl-NL" sz="2000" dirty="0">
+                <a:solidFill>
+                  <a:schemeClr val="accent5">
+                    <a:lumMod val="75000"/>
+                  </a:schemeClr>
+                </a:solidFill>
+                <a:latin typeface="Courier New" panose="02070309020205020404" pitchFamily="49" charset="0"/>
+                <a:cs typeface="Courier New" panose="02070309020205020404" pitchFamily="49" charset="0"/>
+              </a:rPr>
+              <a:t>   </a:t>
+            </a:r>
+            <a:r>
+              <a:rPr lang="nl-NL" sz="2000" dirty="0"/>
+              <a:t>=&gt; Waar correspondeert deze </a:t>
+            </a:r>
+            <a:r>
+              <a:rPr lang="nl-NL" sz="2000" dirty="0">
+                <a:solidFill>
+                  <a:schemeClr val="accent5">
+                    <a:lumMod val="75000"/>
+                  </a:schemeClr>
+                </a:solidFill>
+                <a:latin typeface="Courier New" panose="02070309020205020404" pitchFamily="49" charset="0"/>
+                <a:cs typeface="Courier New" panose="02070309020205020404" pitchFamily="49" charset="0"/>
+              </a:rPr>
+              <a:t>JOIN</a:t>
+            </a:r>
+            <a:r>
+              <a:rPr lang="nl-NL" sz="2000" dirty="0"/>
+              <a:t> mee?</a:t>
+            </a:r>
+          </a:p>
+          <a:p>
+            <a:pPr marL="0" indent="0">
+              <a:buNone/>
+            </a:pPr>
+            <a:endParaRPr lang="nl-NL" sz="2000" dirty="0"/>
+          </a:p>
+          <a:p>
+            <a:pPr marL="0" indent="0">
+              <a:buNone/>
+            </a:pPr>
+            <a:r>
+              <a:rPr lang="nl-NL" sz="2000" dirty="0">
+                <a:cs typeface="Courier New" panose="02070309020205020404" pitchFamily="49" charset="0"/>
+              </a:rPr>
+              <a:t>3. </a:t>
+            </a:r>
+            <a:r>
+              <a:rPr lang="nl-NL" sz="2000" dirty="0">
+                <a:solidFill>
+                  <a:schemeClr val="accent5">
+                    <a:lumMod val="75000"/>
+                  </a:schemeClr>
+                </a:solidFill>
+                <a:latin typeface="Courier New" panose="02070309020205020404" pitchFamily="49" charset="0"/>
+                <a:cs typeface="Courier New" panose="02070309020205020404" pitchFamily="49" charset="0"/>
+              </a:rPr>
+              <a:t>INNER JOIN</a:t>
+            </a:r>
+            <a:r>
+              <a:rPr lang="nl-NL" sz="2000" dirty="0"/>
+              <a:t> van </a:t>
+            </a:r>
+            <a:r>
+              <a:rPr lang="nl-NL" sz="2000" dirty="0" err="1">
+                <a:solidFill>
+                  <a:schemeClr val="accent5">
+                    <a:lumMod val="75000"/>
+                  </a:schemeClr>
+                </a:solidFill>
+                <a:latin typeface="Courier New" panose="02070309020205020404" pitchFamily="49" charset="0"/>
+                <a:cs typeface="Courier New" panose="02070309020205020404" pitchFamily="49" charset="0"/>
+              </a:rPr>
+              <a:t>KoppelA</a:t>
+            </a:r>
+            <a:r>
+              <a:rPr lang="nl-NL" sz="2000" dirty="0"/>
+              <a:t> op </a:t>
+            </a:r>
+            <a:r>
+              <a:rPr lang="nl-NL" sz="2000" dirty="0" err="1">
+                <a:solidFill>
+                  <a:schemeClr val="accent5">
+                    <a:lumMod val="75000"/>
+                  </a:schemeClr>
+                </a:solidFill>
+                <a:latin typeface="Courier New" panose="02070309020205020404" pitchFamily="49" charset="0"/>
+                <a:cs typeface="Courier New" panose="02070309020205020404" pitchFamily="49" charset="0"/>
+              </a:rPr>
+              <a:t>KoppelB</a:t>
+            </a:r>
+            <a:endParaRPr lang="nl-NL" sz="2000" dirty="0">
+              <a:solidFill>
+                <a:schemeClr val="accent5">
+                  <a:lumMod val="75000"/>
+                </a:schemeClr>
+              </a:solidFill>
+              <a:latin typeface="Courier New" panose="02070309020205020404" pitchFamily="49" charset="0"/>
+              <a:cs typeface="Courier New" panose="02070309020205020404" pitchFamily="49" charset="0"/>
+            </a:endParaRPr>
+          </a:p>
+          <a:p>
+            <a:pPr marL="0" indent="0">
+              <a:buNone/>
+            </a:pPr>
+            <a:endParaRPr lang="nl-NL" sz="2000" dirty="0"/>
+          </a:p>
+          <a:p>
+            <a:pPr marL="0" indent="0">
+              <a:buNone/>
+            </a:pPr>
+            <a:r>
+              <a:rPr lang="nl-NL" sz="2000" dirty="0">
+                <a:cs typeface="Courier New" panose="02070309020205020404" pitchFamily="49" charset="0"/>
+              </a:rPr>
+              <a:t>4. </a:t>
+            </a:r>
+            <a:r>
+              <a:rPr lang="nl-NL" sz="2000" dirty="0">
+                <a:solidFill>
+                  <a:schemeClr val="accent5">
+                    <a:lumMod val="75000"/>
+                  </a:schemeClr>
+                </a:solidFill>
+                <a:latin typeface="Courier New" panose="02070309020205020404" pitchFamily="49" charset="0"/>
+                <a:cs typeface="Courier New" panose="02070309020205020404" pitchFamily="49" charset="0"/>
+              </a:rPr>
+              <a:t>JOIN</a:t>
+            </a:r>
+            <a:r>
+              <a:rPr lang="nl-NL" sz="2000" dirty="0"/>
+              <a:t> van </a:t>
+            </a:r>
+            <a:r>
+              <a:rPr lang="nl-NL" sz="2000" dirty="0" err="1">
+                <a:solidFill>
+                  <a:schemeClr val="accent5">
+                    <a:lumMod val="75000"/>
+                  </a:schemeClr>
+                </a:solidFill>
+                <a:latin typeface="Courier New" panose="02070309020205020404" pitchFamily="49" charset="0"/>
+                <a:cs typeface="Courier New" panose="02070309020205020404" pitchFamily="49" charset="0"/>
+              </a:rPr>
+              <a:t>KoppelA</a:t>
+            </a:r>
+            <a:r>
+              <a:rPr lang="nl-NL" sz="2000" dirty="0"/>
+              <a:t> op </a:t>
+            </a:r>
+            <a:r>
+              <a:rPr lang="nl-NL" sz="2000" dirty="0" err="1">
+                <a:solidFill>
+                  <a:schemeClr val="accent5">
+                    <a:lumMod val="75000"/>
+                  </a:schemeClr>
+                </a:solidFill>
+                <a:latin typeface="Courier New" panose="02070309020205020404" pitchFamily="49" charset="0"/>
+                <a:cs typeface="Courier New" panose="02070309020205020404" pitchFamily="49" charset="0"/>
+              </a:rPr>
+              <a:t>KoppelB</a:t>
+            </a:r>
+            <a:r>
+              <a:rPr lang="nl-NL" sz="2000" dirty="0"/>
+              <a:t> 	         =&gt; Waar correspondeert deze </a:t>
+            </a:r>
+            <a:r>
+              <a:rPr lang="nl-NL" sz="2000" dirty="0">
+                <a:solidFill>
+                  <a:schemeClr val="accent5">
+                    <a:lumMod val="75000"/>
+                  </a:schemeClr>
+                </a:solidFill>
+                <a:latin typeface="Courier New" panose="02070309020205020404" pitchFamily="49" charset="0"/>
+                <a:cs typeface="Courier New" panose="02070309020205020404" pitchFamily="49" charset="0"/>
+              </a:rPr>
+              <a:t>JOIN</a:t>
+            </a:r>
+            <a:r>
+              <a:rPr lang="nl-NL" sz="2000" dirty="0"/>
+              <a:t> mee?</a:t>
+            </a:r>
+          </a:p>
+        </p:txBody>
+      </p:sp>
+    </p:spTree>
+    <p:extLst>
+      <p:ext uri="{BB962C8B-B14F-4D97-AF65-F5344CB8AC3E}">
+        <p14:creationId xmlns:p14="http://schemas.microsoft.com/office/powerpoint/2010/main" val="1884716495"/>
+      </p:ext>
+    </p:extLst>
+  </p:cSld>
+  <p:clrMapOvr>
+    <a:masterClrMapping/>
+  </p:clrMapOvr>
+</p:sld>
+</file>
+
+<file path=ppt/slides/slide51.xml><?xml version="1.0" encoding="utf-8"?>
+<p:sld xmlns:a="http://schemas.openxmlformats.org/drawingml/2006/main" xmlns:r="http://schemas.openxmlformats.org/officeDocument/2006/relationships" xmlns:p="http://schemas.openxmlformats.org/presentationml/2006/main">
+  <p:cSld>
+    <p:spTree>
+      <p:nvGrpSpPr>
         <p:cNvPr id="1" name="">
           <a:extLst>
             <a:ext uri="{FF2B5EF4-FFF2-40B4-BE49-F238E27FC236}">
@@ -40028,7 +41223,7 @@
 </p:sld>
 </file>
 
-<file path=ppt/slides/slide51.xml><?xml version="1.0" encoding="utf-8"?>
+<file path=ppt/slides/slide52.xml><?xml version="1.0" encoding="utf-8"?>
 <p:sld xmlns:a="http://schemas.openxmlformats.org/drawingml/2006/main" xmlns:r="http://schemas.openxmlformats.org/officeDocument/2006/relationships" xmlns:p="http://schemas.openxmlformats.org/presentationml/2006/main">
   <p:cSld>
     <p:spTree>
@@ -40737,7 +41932,7 @@
 </p:sld>
 </file>
 
-<file path=ppt/slides/slide52.xml><?xml version="1.0" encoding="utf-8"?>
+<file path=ppt/slides/slide53.xml><?xml version="1.0" encoding="utf-8"?>
 <p:sld xmlns:a="http://schemas.openxmlformats.org/drawingml/2006/main" xmlns:r="http://schemas.openxmlformats.org/officeDocument/2006/relationships" xmlns:p="http://schemas.openxmlformats.org/presentationml/2006/main">
   <p:cSld>
     <p:spTree>
@@ -41738,7 +42933,7 @@
 </p:sld>
 </file>
 
-<file path=ppt/slides/slide53.xml><?xml version="1.0" encoding="utf-8"?>
+<file path=ppt/slides/slide54.xml><?xml version="1.0" encoding="utf-8"?>
 <p:sld xmlns:a="http://schemas.openxmlformats.org/drawingml/2006/main" xmlns:r="http://schemas.openxmlformats.org/officeDocument/2006/relationships" xmlns:p="http://schemas.openxmlformats.org/presentationml/2006/main">
   <p:cSld>
     <p:spTree>
@@ -42533,7 +43728,7 @@
 </p:sld>
 </file>
 
-<file path=ppt/slides/slide54.xml><?xml version="1.0" encoding="utf-8"?>
+<file path=ppt/slides/slide55.xml><?xml version="1.0" encoding="utf-8"?>
 <p:sld xmlns:a="http://schemas.openxmlformats.org/drawingml/2006/main" xmlns:r="http://schemas.openxmlformats.org/officeDocument/2006/relationships" xmlns:p="http://schemas.openxmlformats.org/presentationml/2006/main">
   <p:cSld>
     <p:spTree>
@@ -43211,7 +44406,7 @@
 </p:sld>
 </file>
 
-<file path=ppt/slides/slide55.xml><?xml version="1.0" encoding="utf-8"?>
+<file path=ppt/slides/slide56.xml><?xml version="1.0" encoding="utf-8"?>
 <p:sld xmlns:a="http://schemas.openxmlformats.org/drawingml/2006/main" xmlns:r="http://schemas.openxmlformats.org/officeDocument/2006/relationships" xmlns:p="http://schemas.openxmlformats.org/presentationml/2006/main">
   <p:cSld>
     <p:spTree>
@@ -43933,7 +45128,7 @@
 </p:sld>
 </file>
 
-<file path=ppt/slides/slide56.xml><?xml version="1.0" encoding="utf-8"?>
+<file path=ppt/slides/slide57.xml><?xml version="1.0" encoding="utf-8"?>
 <p:sld xmlns:a="http://schemas.openxmlformats.org/drawingml/2006/main" xmlns:r="http://schemas.openxmlformats.org/officeDocument/2006/relationships" xmlns:p="http://schemas.openxmlformats.org/presentationml/2006/main">
   <p:cSld>
     <p:spTree>
@@ -44731,7 +45926,7 @@
 </p:sld>
 </file>
 
-<file path=ppt/slides/slide57.xml><?xml version="1.0" encoding="utf-8"?>
+<file path=ppt/slides/slide58.xml><?xml version="1.0" encoding="utf-8"?>
 <p:sld xmlns:a="http://schemas.openxmlformats.org/drawingml/2006/main" xmlns:r="http://schemas.openxmlformats.org/officeDocument/2006/relationships" xmlns:p="http://schemas.openxmlformats.org/presentationml/2006/main">
   <p:cSld>
     <p:spTree>
@@ -45521,7 +46716,7 @@
 </p:sld>
 </file>
 
-<file path=ppt/slides/slide58.xml><?xml version="1.0" encoding="utf-8"?>
+<file path=ppt/slides/slide59.xml><?xml version="1.0" encoding="utf-8"?>
 <p:sld xmlns:a="http://schemas.openxmlformats.org/drawingml/2006/main" xmlns:r="http://schemas.openxmlformats.org/officeDocument/2006/relationships" xmlns:p="http://schemas.openxmlformats.org/presentationml/2006/main">
   <p:cSld>
     <p:spTree>
@@ -46363,897 +47558,6 @@
     <p:extLst>
       <p:ext uri="{BB962C8B-B14F-4D97-AF65-F5344CB8AC3E}">
         <p14:creationId xmlns:p14="http://schemas.microsoft.com/office/powerpoint/2010/main" val="1710932891"/>
-      </p:ext>
-    </p:extLst>
-  </p:cSld>
-  <p:clrMapOvr>
-    <a:masterClrMapping/>
-  </p:clrMapOvr>
-</p:sld>
-</file>
-
-<file path=ppt/slides/slide59.xml><?xml version="1.0" encoding="utf-8"?>
-<p:sld xmlns:a="http://schemas.openxmlformats.org/drawingml/2006/main" xmlns:r="http://schemas.openxmlformats.org/officeDocument/2006/relationships" xmlns:p="http://schemas.openxmlformats.org/presentationml/2006/main">
-  <p:cSld>
-    <p:spTree>
-      <p:nvGrpSpPr>
-        <p:cNvPr id="1" name="">
-          <a:extLst>
-            <a:ext uri="{FF2B5EF4-FFF2-40B4-BE49-F238E27FC236}">
-              <a16:creationId xmlns:a16="http://schemas.microsoft.com/office/drawing/2014/main" id="{B64A923A-9174-4C02-D8A4-99DF44A71232}"/>
-            </a:ext>
-          </a:extLst>
-        </p:cNvPr>
-        <p:cNvGrpSpPr/>
-        <p:nvPr/>
-      </p:nvGrpSpPr>
-      <p:grpSpPr>
-        <a:xfrm>
-          <a:off x="0" y="0"/>
-          <a:ext cx="0" cy="0"/>
-          <a:chOff x="0" y="0"/>
-          <a:chExt cx="0" cy="0"/>
-        </a:xfrm>
-      </p:grpSpPr>
-      <p:sp>
-        <p:nvSpPr>
-          <p:cNvPr id="2" name="Title 1">
-            <a:extLst>
-              <a:ext uri="{FF2B5EF4-FFF2-40B4-BE49-F238E27FC236}">
-                <a16:creationId xmlns:a16="http://schemas.microsoft.com/office/drawing/2014/main" id="{38EB51B3-604D-5EAD-AB6E-5A43471B3564}"/>
-              </a:ext>
-            </a:extLst>
-          </p:cNvPr>
-          <p:cNvSpPr>
-            <a:spLocks noGrp="1"/>
-          </p:cNvSpPr>
-          <p:nvPr>
-            <p:ph type="title"/>
-          </p:nvPr>
-        </p:nvSpPr>
-        <p:spPr/>
-        <p:txBody>
-          <a:bodyPr>
-            <a:normAutofit/>
-          </a:bodyPr>
-          <a:lstStyle/>
-          <a:p>
-            <a:r>
-              <a:rPr lang="nl-NL" sz="3600" dirty="0"/>
-              <a:t>Toevoegen of wijzigen</a:t>
-            </a:r>
-          </a:p>
-        </p:txBody>
-      </p:sp>
-      <p:sp>
-        <p:nvSpPr>
-          <p:cNvPr id="3" name="Content Placeholder 2">
-            <a:extLst>
-              <a:ext uri="{FF2B5EF4-FFF2-40B4-BE49-F238E27FC236}">
-                <a16:creationId xmlns:a16="http://schemas.microsoft.com/office/drawing/2014/main" id="{E2E7EFA7-151A-D5FC-7A52-9D96F985E215}"/>
-              </a:ext>
-            </a:extLst>
-          </p:cNvPr>
-          <p:cNvSpPr>
-            <a:spLocks noGrp="1"/>
-          </p:cNvSpPr>
-          <p:nvPr>
-            <p:ph idx="1"/>
-          </p:nvPr>
-        </p:nvSpPr>
-        <p:spPr>
-          <a:xfrm>
-            <a:off x="838201" y="1825625"/>
-            <a:ext cx="5030367" cy="4351338"/>
-          </a:xfrm>
-        </p:spPr>
-        <p:txBody>
-          <a:bodyPr>
-            <a:normAutofit/>
-          </a:bodyPr>
-          <a:lstStyle/>
-          <a:p>
-            <a:pPr marL="0" indent="0">
-              <a:lnSpc>
-                <a:spcPct val="100000"/>
-              </a:lnSpc>
-              <a:spcBef>
-                <a:spcPts val="600"/>
-              </a:spcBef>
-              <a:buNone/>
-            </a:pPr>
-            <a:r>
-              <a:rPr lang="nl-NL" sz="1800" dirty="0">
-                <a:solidFill>
-                  <a:schemeClr val="accent5">
-                    <a:lumMod val="75000"/>
-                  </a:schemeClr>
-                </a:solidFill>
-                <a:latin typeface="Courier New" panose="02070309020205020404" pitchFamily="49" charset="0"/>
-                <a:cs typeface="Courier New" panose="02070309020205020404" pitchFamily="49" charset="0"/>
-              </a:rPr>
-              <a:t>INSERT INTO</a:t>
-            </a:r>
-            <a:r>
-              <a:rPr lang="nl-NL" sz="1800" dirty="0">
-                <a:latin typeface="Courier New" panose="02070309020205020404" pitchFamily="49" charset="0"/>
-                <a:cs typeface="Courier New" panose="02070309020205020404" pitchFamily="49" charset="0"/>
-              </a:rPr>
-              <a:t> Klanten</a:t>
-            </a:r>
-          </a:p>
-          <a:p>
-            <a:pPr marL="0" indent="0">
-              <a:lnSpc>
-                <a:spcPct val="100000"/>
-              </a:lnSpc>
-              <a:spcBef>
-                <a:spcPts val="600"/>
-              </a:spcBef>
-              <a:buNone/>
-            </a:pPr>
-            <a:r>
-              <a:rPr lang="nl-NL" sz="1800" dirty="0">
-                <a:latin typeface="Courier New" panose="02070309020205020404" pitchFamily="49" charset="0"/>
-                <a:cs typeface="Courier New" panose="02070309020205020404" pitchFamily="49" charset="0"/>
-              </a:rPr>
-              <a:t>  (Naam, Achternaam, Leeftijd)</a:t>
-            </a:r>
-          </a:p>
-          <a:p>
-            <a:pPr marL="0" indent="0">
-              <a:lnSpc>
-                <a:spcPct val="100000"/>
-              </a:lnSpc>
-              <a:spcBef>
-                <a:spcPts val="600"/>
-              </a:spcBef>
-              <a:buNone/>
-            </a:pPr>
-            <a:r>
-              <a:rPr lang="nl-NL" sz="1800" dirty="0">
-                <a:solidFill>
-                  <a:schemeClr val="accent5">
-                    <a:lumMod val="75000"/>
-                  </a:schemeClr>
-                </a:solidFill>
-                <a:latin typeface="Courier New" panose="02070309020205020404" pitchFamily="49" charset="0"/>
-                <a:cs typeface="Courier New" panose="02070309020205020404" pitchFamily="49" charset="0"/>
-              </a:rPr>
-              <a:t>VALUES</a:t>
-            </a:r>
-            <a:endParaRPr lang="nl-NL" sz="1800" dirty="0">
-              <a:latin typeface="Courier New" panose="02070309020205020404" pitchFamily="49" charset="0"/>
-              <a:cs typeface="Courier New" panose="02070309020205020404" pitchFamily="49" charset="0"/>
-            </a:endParaRPr>
-          </a:p>
-          <a:p>
-            <a:pPr marL="0" indent="0">
-              <a:lnSpc>
-                <a:spcPct val="100000"/>
-              </a:lnSpc>
-              <a:spcBef>
-                <a:spcPts val="600"/>
-              </a:spcBef>
-              <a:buNone/>
-            </a:pPr>
-            <a:r>
-              <a:rPr lang="nl-NL" sz="1800" dirty="0">
-                <a:latin typeface="Courier New" panose="02070309020205020404" pitchFamily="49" charset="0"/>
-                <a:cs typeface="Courier New" panose="02070309020205020404" pitchFamily="49" charset="0"/>
-              </a:rPr>
-              <a:t>  (</a:t>
-            </a:r>
-            <a:r>
-              <a:rPr lang="nl-NL" sz="1800" dirty="0">
-                <a:solidFill>
-                  <a:srgbClr val="C00000"/>
-                </a:solidFill>
-                <a:latin typeface="Courier New" panose="02070309020205020404" pitchFamily="49" charset="0"/>
-                <a:cs typeface="Courier New" panose="02070309020205020404" pitchFamily="49" charset="0"/>
-              </a:rPr>
-              <a:t>'Zoë'</a:t>
-            </a:r>
-            <a:r>
-              <a:rPr lang="nl-NL" sz="1800" dirty="0">
-                <a:latin typeface="Courier New" panose="02070309020205020404" pitchFamily="49" charset="0"/>
-                <a:cs typeface="Courier New" panose="02070309020205020404" pitchFamily="49" charset="0"/>
-              </a:rPr>
-              <a:t>, </a:t>
-            </a:r>
-            <a:r>
-              <a:rPr lang="nl-NL" sz="1800" dirty="0">
-                <a:solidFill>
-                  <a:srgbClr val="C00000"/>
-                </a:solidFill>
-                <a:latin typeface="Courier New" panose="02070309020205020404" pitchFamily="49" charset="0"/>
-                <a:cs typeface="Courier New" panose="02070309020205020404" pitchFamily="49" charset="0"/>
-              </a:rPr>
-              <a:t>'Nieuw'</a:t>
-            </a:r>
-            <a:r>
-              <a:rPr lang="nl-NL" sz="1800" dirty="0">
-                <a:latin typeface="Courier New" panose="02070309020205020404" pitchFamily="49" charset="0"/>
-                <a:cs typeface="Courier New" panose="02070309020205020404" pitchFamily="49" charset="0"/>
-              </a:rPr>
-              <a:t>, 54),</a:t>
-            </a:r>
-          </a:p>
-          <a:p>
-            <a:pPr marL="0" indent="0">
-              <a:lnSpc>
-                <a:spcPct val="100000"/>
-              </a:lnSpc>
-              <a:spcBef>
-                <a:spcPts val="600"/>
-              </a:spcBef>
-              <a:buNone/>
-            </a:pPr>
-            <a:r>
-              <a:rPr lang="nl-NL" sz="1800" dirty="0">
-                <a:latin typeface="Courier New" panose="02070309020205020404" pitchFamily="49" charset="0"/>
-                <a:cs typeface="Courier New" panose="02070309020205020404" pitchFamily="49" charset="0"/>
-              </a:rPr>
-              <a:t>  (</a:t>
-            </a:r>
-            <a:r>
-              <a:rPr lang="nl-NL" sz="1800" dirty="0">
-                <a:solidFill>
-                  <a:srgbClr val="C00000"/>
-                </a:solidFill>
-                <a:latin typeface="Courier New" panose="02070309020205020404" pitchFamily="49" charset="0"/>
-                <a:cs typeface="Courier New" panose="02070309020205020404" pitchFamily="49" charset="0"/>
-              </a:rPr>
-              <a:t>'Ingrid'</a:t>
-            </a:r>
-            <a:r>
-              <a:rPr lang="nl-NL" sz="1800" dirty="0">
-                <a:latin typeface="Courier New" panose="02070309020205020404" pitchFamily="49" charset="0"/>
-                <a:cs typeface="Courier New" panose="02070309020205020404" pitchFamily="49" charset="0"/>
-              </a:rPr>
-              <a:t>, </a:t>
-            </a:r>
-            <a:r>
-              <a:rPr lang="nl-NL" sz="1800" dirty="0">
-                <a:solidFill>
-                  <a:srgbClr val="C00000"/>
-                </a:solidFill>
-                <a:latin typeface="Courier New" panose="02070309020205020404" pitchFamily="49" charset="0"/>
-                <a:cs typeface="Courier New" panose="02070309020205020404" pitchFamily="49" charset="0"/>
-              </a:rPr>
-              <a:t>'Jansen'</a:t>
-            </a:r>
-            <a:r>
-              <a:rPr lang="nl-NL" sz="1800" dirty="0">
-                <a:latin typeface="Courier New" panose="02070309020205020404" pitchFamily="49" charset="0"/>
-                <a:cs typeface="Courier New" panose="02070309020205020404" pitchFamily="49" charset="0"/>
-              </a:rPr>
-              <a:t>, 33)</a:t>
-            </a:r>
-          </a:p>
-          <a:p>
-            <a:pPr marL="0" indent="0">
-              <a:lnSpc>
-                <a:spcPct val="100000"/>
-              </a:lnSpc>
-              <a:spcBef>
-                <a:spcPts val="600"/>
-              </a:spcBef>
-              <a:buNone/>
-            </a:pPr>
-            <a:r>
-              <a:rPr lang="nl-NL" sz="1800" dirty="0">
-                <a:solidFill>
-                  <a:schemeClr val="accent5">
-                    <a:lumMod val="75000"/>
-                  </a:schemeClr>
-                </a:solidFill>
-                <a:latin typeface="Courier New" panose="02070309020205020404" pitchFamily="49" charset="0"/>
-                <a:cs typeface="Courier New" panose="02070309020205020404" pitchFamily="49" charset="0"/>
-              </a:rPr>
-              <a:t>ON CONFLICT </a:t>
-            </a:r>
-            <a:r>
-              <a:rPr lang="nl-NL" sz="1800" dirty="0">
-                <a:latin typeface="Courier New" panose="02070309020205020404" pitchFamily="49" charset="0"/>
-                <a:cs typeface="Courier New" panose="02070309020205020404" pitchFamily="49" charset="0"/>
-              </a:rPr>
-              <a:t>(Naam, Achternaam)</a:t>
-            </a:r>
-          </a:p>
-          <a:p>
-            <a:pPr marL="0" indent="0">
-              <a:lnSpc>
-                <a:spcPct val="100000"/>
-              </a:lnSpc>
-              <a:spcBef>
-                <a:spcPts val="600"/>
-              </a:spcBef>
-              <a:buNone/>
-            </a:pPr>
-            <a:r>
-              <a:rPr lang="nl-NL" sz="1800" dirty="0">
-                <a:solidFill>
-                  <a:schemeClr val="accent5">
-                    <a:lumMod val="75000"/>
-                  </a:schemeClr>
-                </a:solidFill>
-                <a:latin typeface="Courier New" panose="02070309020205020404" pitchFamily="49" charset="0"/>
-                <a:cs typeface="Courier New" panose="02070309020205020404" pitchFamily="49" charset="0"/>
-              </a:rPr>
-              <a:t>DO UPDATE</a:t>
-            </a:r>
-          </a:p>
-          <a:p>
-            <a:pPr marL="0" indent="0">
-              <a:lnSpc>
-                <a:spcPct val="100000"/>
-              </a:lnSpc>
-              <a:spcBef>
-                <a:spcPts val="600"/>
-              </a:spcBef>
-              <a:buNone/>
-            </a:pPr>
-            <a:r>
-              <a:rPr lang="nl-NL" sz="1800" dirty="0">
-                <a:solidFill>
-                  <a:schemeClr val="accent5">
-                    <a:lumMod val="75000"/>
-                  </a:schemeClr>
-                </a:solidFill>
-                <a:latin typeface="Courier New" panose="02070309020205020404" pitchFamily="49" charset="0"/>
-                <a:cs typeface="Courier New" panose="02070309020205020404" pitchFamily="49" charset="0"/>
-              </a:rPr>
-              <a:t>SET</a:t>
-            </a:r>
-            <a:r>
-              <a:rPr lang="nl-NL" sz="1800" dirty="0">
-                <a:latin typeface="Courier New" panose="02070309020205020404" pitchFamily="49" charset="0"/>
-                <a:cs typeface="Courier New" panose="02070309020205020404" pitchFamily="49" charset="0"/>
-              </a:rPr>
-              <a:t> Leeftijd = </a:t>
-            </a:r>
-            <a:r>
-              <a:rPr lang="nl-NL" sz="1800" dirty="0" err="1">
-                <a:latin typeface="Courier New" panose="02070309020205020404" pitchFamily="49" charset="0"/>
-                <a:cs typeface="Courier New" panose="02070309020205020404" pitchFamily="49" charset="0"/>
-              </a:rPr>
-              <a:t>excluded.Leeftijd</a:t>
-            </a:r>
-            <a:endParaRPr lang="nl-NL" sz="1800" dirty="0">
-              <a:latin typeface="Courier New" panose="02070309020205020404" pitchFamily="49" charset="0"/>
-              <a:cs typeface="Courier New" panose="02070309020205020404" pitchFamily="49" charset="0"/>
-            </a:endParaRPr>
-          </a:p>
-          <a:p>
-            <a:pPr marL="0" indent="0">
-              <a:lnSpc>
-                <a:spcPct val="100000"/>
-              </a:lnSpc>
-              <a:spcBef>
-                <a:spcPts val="600"/>
-              </a:spcBef>
-              <a:buNone/>
-            </a:pPr>
-            <a:r>
-              <a:rPr lang="nl-NL" sz="1800" dirty="0">
-                <a:latin typeface="Courier New" panose="02070309020205020404" pitchFamily="49" charset="0"/>
-                <a:cs typeface="Courier New" panose="02070309020205020404" pitchFamily="49" charset="0"/>
-              </a:rPr>
-              <a:t>;</a:t>
-            </a:r>
-          </a:p>
-          <a:p>
-            <a:pPr marL="0" indent="0">
-              <a:lnSpc>
-                <a:spcPct val="100000"/>
-              </a:lnSpc>
-              <a:spcBef>
-                <a:spcPts val="600"/>
-              </a:spcBef>
-              <a:buNone/>
-            </a:pPr>
-            <a:endParaRPr lang="nl-NL" sz="1800" dirty="0">
-              <a:latin typeface="Courier New" panose="02070309020205020404" pitchFamily="49" charset="0"/>
-              <a:cs typeface="Courier New" panose="02070309020205020404" pitchFamily="49" charset="0"/>
-            </a:endParaRPr>
-          </a:p>
-          <a:p>
-            <a:pPr marL="0" indent="0">
-              <a:lnSpc>
-                <a:spcPct val="100000"/>
-              </a:lnSpc>
-              <a:spcBef>
-                <a:spcPts val="600"/>
-              </a:spcBef>
-              <a:buNone/>
-            </a:pPr>
-            <a:endParaRPr lang="nl-NL" sz="1800" dirty="0">
-              <a:latin typeface="Courier New" panose="02070309020205020404" pitchFamily="49" charset="0"/>
-              <a:cs typeface="Courier New" panose="02070309020205020404" pitchFamily="49" charset="0"/>
-            </a:endParaRPr>
-          </a:p>
-          <a:p>
-            <a:pPr marL="0" indent="0">
-              <a:lnSpc>
-                <a:spcPct val="100000"/>
-              </a:lnSpc>
-              <a:spcBef>
-                <a:spcPts val="600"/>
-              </a:spcBef>
-              <a:buNone/>
-            </a:pPr>
-            <a:endParaRPr lang="nl-NL" sz="1800" dirty="0">
-              <a:latin typeface="Courier New" panose="02070309020205020404" pitchFamily="49" charset="0"/>
-              <a:cs typeface="Courier New" panose="02070309020205020404" pitchFamily="49" charset="0"/>
-            </a:endParaRPr>
-          </a:p>
-          <a:p>
-            <a:pPr marL="0" indent="0">
-              <a:lnSpc>
-                <a:spcPct val="100000"/>
-              </a:lnSpc>
-              <a:spcBef>
-                <a:spcPts val="600"/>
-              </a:spcBef>
-              <a:buNone/>
-            </a:pPr>
-            <a:endParaRPr lang="nl-NL" sz="1800" dirty="0">
-              <a:latin typeface="Courier New" panose="02070309020205020404" pitchFamily="49" charset="0"/>
-              <a:cs typeface="Courier New" panose="02070309020205020404" pitchFamily="49" charset="0"/>
-            </a:endParaRPr>
-          </a:p>
-        </p:txBody>
-      </p:sp>
-      <p:sp>
-        <p:nvSpPr>
-          <p:cNvPr id="5" name="Content Placeholder 2">
-            <a:extLst>
-              <a:ext uri="{FF2B5EF4-FFF2-40B4-BE49-F238E27FC236}">
-                <a16:creationId xmlns:a16="http://schemas.microsoft.com/office/drawing/2014/main" id="{5714F6B4-3FE7-CD7D-32D7-F272331B6429}"/>
-              </a:ext>
-            </a:extLst>
-          </p:cNvPr>
-          <p:cNvSpPr txBox="1">
-            <a:spLocks/>
-          </p:cNvSpPr>
-          <p:nvPr/>
-        </p:nvSpPr>
-        <p:spPr>
-          <a:xfrm>
-            <a:off x="6323428" y="1825625"/>
-            <a:ext cx="5030371" cy="4351338"/>
-          </a:xfrm>
-          <a:prstGeom prst="rect">
-            <a:avLst/>
-          </a:prstGeom>
-        </p:spPr>
-        <p:txBody>
-          <a:bodyPr vert="horz" lIns="91440" tIns="45720" rIns="91440" bIns="45720" rtlCol="0">
-            <a:normAutofit/>
-          </a:bodyPr>
-          <a:lstStyle>
-            <a:lvl1pPr marL="228600" indent="-228600" algn="l" defTabSz="914400" rtl="0" eaLnBrk="1" latinLnBrk="0" hangingPunct="1">
-              <a:lnSpc>
-                <a:spcPct val="90000"/>
-              </a:lnSpc>
-              <a:spcBef>
-                <a:spcPts val="1000"/>
-              </a:spcBef>
-              <a:buFont typeface="Arial" panose="020B0604020202020204" pitchFamily="34" charset="0"/>
-              <a:buChar char="•"/>
-              <a:defRPr sz="2800" kern="1200">
-                <a:solidFill>
-                  <a:schemeClr val="tx1"/>
-                </a:solidFill>
-                <a:latin typeface="+mn-lt"/>
-                <a:ea typeface="+mn-ea"/>
-                <a:cs typeface="+mn-cs"/>
-              </a:defRPr>
-            </a:lvl1pPr>
-            <a:lvl2pPr marL="685800" indent="-228600" algn="l" defTabSz="914400" rtl="0" eaLnBrk="1" latinLnBrk="0" hangingPunct="1">
-              <a:lnSpc>
-                <a:spcPct val="90000"/>
-              </a:lnSpc>
-              <a:spcBef>
-                <a:spcPts val="500"/>
-              </a:spcBef>
-              <a:buFont typeface="Arial" panose="020B0604020202020204" pitchFamily="34" charset="0"/>
-              <a:buChar char="•"/>
-              <a:defRPr sz="2400" kern="1200">
-                <a:solidFill>
-                  <a:schemeClr val="tx1"/>
-                </a:solidFill>
-                <a:latin typeface="+mn-lt"/>
-                <a:ea typeface="+mn-ea"/>
-                <a:cs typeface="+mn-cs"/>
-              </a:defRPr>
-            </a:lvl2pPr>
-            <a:lvl3pPr marL="1143000" indent="-228600" algn="l" defTabSz="914400" rtl="0" eaLnBrk="1" latinLnBrk="0" hangingPunct="1">
-              <a:lnSpc>
-                <a:spcPct val="90000"/>
-              </a:lnSpc>
-              <a:spcBef>
-                <a:spcPts val="500"/>
-              </a:spcBef>
-              <a:buFont typeface="Arial" panose="020B0604020202020204" pitchFamily="34" charset="0"/>
-              <a:buChar char="•"/>
-              <a:defRPr sz="2000" kern="1200">
-                <a:solidFill>
-                  <a:schemeClr val="tx1"/>
-                </a:solidFill>
-                <a:latin typeface="+mn-lt"/>
-                <a:ea typeface="+mn-ea"/>
-                <a:cs typeface="+mn-cs"/>
-              </a:defRPr>
-            </a:lvl3pPr>
-            <a:lvl4pPr marL="1600200" indent="-228600" algn="l" defTabSz="914400" rtl="0" eaLnBrk="1" latinLnBrk="0" hangingPunct="1">
-              <a:lnSpc>
-                <a:spcPct val="90000"/>
-              </a:lnSpc>
-              <a:spcBef>
-                <a:spcPts val="500"/>
-              </a:spcBef>
-              <a:buFont typeface="Arial" panose="020B0604020202020204" pitchFamily="34" charset="0"/>
-              <a:buChar char="•"/>
-              <a:defRPr sz="1800" kern="1200">
-                <a:solidFill>
-                  <a:schemeClr val="tx1"/>
-                </a:solidFill>
-                <a:latin typeface="+mn-lt"/>
-                <a:ea typeface="+mn-ea"/>
-                <a:cs typeface="+mn-cs"/>
-              </a:defRPr>
-            </a:lvl4pPr>
-            <a:lvl5pPr marL="2057400" indent="-228600" algn="l" defTabSz="914400" rtl="0" eaLnBrk="1" latinLnBrk="0" hangingPunct="1">
-              <a:lnSpc>
-                <a:spcPct val="90000"/>
-              </a:lnSpc>
-              <a:spcBef>
-                <a:spcPts val="500"/>
-              </a:spcBef>
-              <a:buFont typeface="Arial" panose="020B0604020202020204" pitchFamily="34" charset="0"/>
-              <a:buChar char="•"/>
-              <a:defRPr sz="1800" kern="1200">
-                <a:solidFill>
-                  <a:schemeClr val="tx1"/>
-                </a:solidFill>
-                <a:latin typeface="+mn-lt"/>
-                <a:ea typeface="+mn-ea"/>
-                <a:cs typeface="+mn-cs"/>
-              </a:defRPr>
-            </a:lvl5pPr>
-            <a:lvl6pPr marL="2514600" indent="-228600" algn="l" defTabSz="914400" rtl="0" eaLnBrk="1" latinLnBrk="0" hangingPunct="1">
-              <a:lnSpc>
-                <a:spcPct val="90000"/>
-              </a:lnSpc>
-              <a:spcBef>
-                <a:spcPts val="500"/>
-              </a:spcBef>
-              <a:buFont typeface="Arial" panose="020B0604020202020204" pitchFamily="34" charset="0"/>
-              <a:buChar char="•"/>
-              <a:defRPr sz="1800" kern="1200">
-                <a:solidFill>
-                  <a:schemeClr val="tx1"/>
-                </a:solidFill>
-                <a:latin typeface="+mn-lt"/>
-                <a:ea typeface="+mn-ea"/>
-                <a:cs typeface="+mn-cs"/>
-              </a:defRPr>
-            </a:lvl6pPr>
-            <a:lvl7pPr marL="2971800" indent="-228600" algn="l" defTabSz="914400" rtl="0" eaLnBrk="1" latinLnBrk="0" hangingPunct="1">
-              <a:lnSpc>
-                <a:spcPct val="90000"/>
-              </a:lnSpc>
-              <a:spcBef>
-                <a:spcPts val="500"/>
-              </a:spcBef>
-              <a:buFont typeface="Arial" panose="020B0604020202020204" pitchFamily="34" charset="0"/>
-              <a:buChar char="•"/>
-              <a:defRPr sz="1800" kern="1200">
-                <a:solidFill>
-                  <a:schemeClr val="tx1"/>
-                </a:solidFill>
-                <a:latin typeface="+mn-lt"/>
-                <a:ea typeface="+mn-ea"/>
-                <a:cs typeface="+mn-cs"/>
-              </a:defRPr>
-            </a:lvl7pPr>
-            <a:lvl8pPr marL="3429000" indent="-228600" algn="l" defTabSz="914400" rtl="0" eaLnBrk="1" latinLnBrk="0" hangingPunct="1">
-              <a:lnSpc>
-                <a:spcPct val="90000"/>
-              </a:lnSpc>
-              <a:spcBef>
-                <a:spcPts val="500"/>
-              </a:spcBef>
-              <a:buFont typeface="Arial" panose="020B0604020202020204" pitchFamily="34" charset="0"/>
-              <a:buChar char="•"/>
-              <a:defRPr sz="1800" kern="1200">
-                <a:solidFill>
-                  <a:schemeClr val="tx1"/>
-                </a:solidFill>
-                <a:latin typeface="+mn-lt"/>
-                <a:ea typeface="+mn-ea"/>
-                <a:cs typeface="+mn-cs"/>
-              </a:defRPr>
-            </a:lvl8pPr>
-            <a:lvl9pPr marL="3886200" indent="-228600" algn="l" defTabSz="914400" rtl="0" eaLnBrk="1" latinLnBrk="0" hangingPunct="1">
-              <a:lnSpc>
-                <a:spcPct val="90000"/>
-              </a:lnSpc>
-              <a:spcBef>
-                <a:spcPts val="500"/>
-              </a:spcBef>
-              <a:buFont typeface="Arial" panose="020B0604020202020204" pitchFamily="34" charset="0"/>
-              <a:buChar char="•"/>
-              <a:defRPr sz="1800" kern="1200">
-                <a:solidFill>
-                  <a:schemeClr val="tx1"/>
-                </a:solidFill>
-                <a:latin typeface="+mn-lt"/>
-                <a:ea typeface="+mn-ea"/>
-                <a:cs typeface="+mn-cs"/>
-              </a:defRPr>
-            </a:lvl9pPr>
-          </a:lstStyle>
-          <a:p>
-            <a:pPr marL="0" indent="0">
-              <a:lnSpc>
-                <a:spcPct val="100000"/>
-              </a:lnSpc>
-              <a:spcBef>
-                <a:spcPts val="600"/>
-              </a:spcBef>
-              <a:buNone/>
-            </a:pPr>
-            <a:r>
-              <a:rPr lang="nl-NL" sz="2000" dirty="0"/>
-              <a:t>Gebruik een standaard </a:t>
-            </a:r>
-            <a:r>
-              <a:rPr lang="nl-NL" sz="2000" dirty="0">
-                <a:solidFill>
-                  <a:schemeClr val="accent5">
-                    <a:lumMod val="75000"/>
-                  </a:schemeClr>
-                </a:solidFill>
-                <a:latin typeface="Courier New" panose="02070309020205020404" pitchFamily="49" charset="0"/>
-                <a:cs typeface="Courier New" panose="02070309020205020404" pitchFamily="49" charset="0"/>
-              </a:rPr>
-              <a:t>INSERT </a:t>
-            </a:r>
-            <a:r>
-              <a:rPr lang="nl-NL" sz="2000" dirty="0"/>
-              <a:t>statement.</a:t>
-            </a:r>
-          </a:p>
-          <a:p>
-            <a:pPr marL="0" indent="0">
-              <a:lnSpc>
-                <a:spcPct val="100000"/>
-              </a:lnSpc>
-              <a:spcBef>
-                <a:spcPts val="600"/>
-              </a:spcBef>
-              <a:buNone/>
-            </a:pPr>
-            <a:endParaRPr lang="nl-NL" sz="2000" dirty="0"/>
-          </a:p>
-          <a:p>
-            <a:pPr marL="0" indent="0">
-              <a:lnSpc>
-                <a:spcPct val="100000"/>
-              </a:lnSpc>
-              <a:spcBef>
-                <a:spcPts val="600"/>
-              </a:spcBef>
-              <a:buNone/>
-            </a:pPr>
-            <a:r>
-              <a:rPr lang="nl-NL" sz="2000" dirty="0"/>
-              <a:t>Geef met </a:t>
-            </a:r>
-            <a:r>
-              <a:rPr lang="nl-NL" sz="2000" dirty="0">
-                <a:solidFill>
-                  <a:schemeClr val="accent5">
-                    <a:lumMod val="75000"/>
-                  </a:schemeClr>
-                </a:solidFill>
-                <a:latin typeface="Courier New" panose="02070309020205020404" pitchFamily="49" charset="0"/>
-                <a:cs typeface="Courier New" panose="02070309020205020404" pitchFamily="49" charset="0"/>
-              </a:rPr>
-              <a:t>ON CONFLICT</a:t>
-            </a:r>
-            <a:r>
-              <a:rPr lang="nl-NL" sz="2000" dirty="0"/>
-              <a:t> op welke kolommen niet mogen conflicteren.</a:t>
-            </a:r>
-          </a:p>
-          <a:p>
-            <a:pPr marL="0" indent="0">
-              <a:lnSpc>
-                <a:spcPct val="100000"/>
-              </a:lnSpc>
-              <a:spcBef>
-                <a:spcPts val="600"/>
-              </a:spcBef>
-              <a:buNone/>
-            </a:pPr>
-            <a:endParaRPr lang="nl-NL" sz="2000" dirty="0"/>
-          </a:p>
-          <a:p>
-            <a:pPr marL="0" indent="0">
-              <a:lnSpc>
-                <a:spcPct val="100000"/>
-              </a:lnSpc>
-              <a:spcBef>
-                <a:spcPts val="600"/>
-              </a:spcBef>
-              <a:buNone/>
-            </a:pPr>
-            <a:r>
-              <a:rPr lang="nl-NL" sz="2000" dirty="0"/>
-              <a:t>Geef bij </a:t>
-            </a:r>
-            <a:r>
-              <a:rPr lang="nl-NL" sz="2000" dirty="0">
-                <a:solidFill>
-                  <a:schemeClr val="accent5">
-                    <a:lumMod val="75000"/>
-                  </a:schemeClr>
-                </a:solidFill>
-                <a:latin typeface="Courier New" panose="02070309020205020404" pitchFamily="49" charset="0"/>
-                <a:cs typeface="Courier New" panose="02070309020205020404" pitchFamily="49" charset="0"/>
-              </a:rPr>
-              <a:t>DO</a:t>
-            </a:r>
-            <a:r>
-              <a:rPr lang="nl-NL" sz="2000" dirty="0"/>
-              <a:t> aan wat er bij conflicten moet gebeuren; </a:t>
-            </a:r>
-            <a:r>
-              <a:rPr lang="nl-NL" sz="2000" dirty="0">
-                <a:solidFill>
-                  <a:schemeClr val="accent5">
-                    <a:lumMod val="75000"/>
-                  </a:schemeClr>
-                </a:solidFill>
-                <a:latin typeface="Courier New" panose="02070309020205020404" pitchFamily="49" charset="0"/>
-                <a:cs typeface="Courier New" panose="02070309020205020404" pitchFamily="49" charset="0"/>
-              </a:rPr>
-              <a:t>NOTHING</a:t>
-            </a:r>
-            <a:r>
-              <a:rPr lang="nl-NL" sz="2000" dirty="0"/>
-              <a:t> of </a:t>
-            </a:r>
-            <a:r>
-              <a:rPr lang="nl-NL" sz="2000" dirty="0">
-                <a:solidFill>
-                  <a:schemeClr val="accent5">
-                    <a:lumMod val="75000"/>
-                  </a:schemeClr>
-                </a:solidFill>
-                <a:latin typeface="Courier New" panose="02070309020205020404" pitchFamily="49" charset="0"/>
-                <a:cs typeface="Courier New" panose="02070309020205020404" pitchFamily="49" charset="0"/>
-              </a:rPr>
-              <a:t>UPDATE</a:t>
-            </a:r>
-            <a:r>
-              <a:rPr lang="nl-NL" sz="2000" dirty="0"/>
-              <a:t>.</a:t>
-            </a:r>
-          </a:p>
-          <a:p>
-            <a:pPr marL="0" indent="0">
-              <a:lnSpc>
-                <a:spcPct val="100000"/>
-              </a:lnSpc>
-              <a:spcBef>
-                <a:spcPts val="600"/>
-              </a:spcBef>
-              <a:buNone/>
-            </a:pPr>
-            <a:endParaRPr lang="nl-NL" sz="2000" dirty="0"/>
-          </a:p>
-          <a:p>
-            <a:pPr marL="0" indent="0">
-              <a:lnSpc>
-                <a:spcPct val="100000"/>
-              </a:lnSpc>
-              <a:spcBef>
-                <a:spcPts val="600"/>
-              </a:spcBef>
-              <a:buNone/>
-            </a:pPr>
-            <a:r>
-              <a:rPr lang="nl-NL" sz="2000" dirty="0"/>
-              <a:t>Geef met </a:t>
-            </a:r>
-            <a:r>
-              <a:rPr lang="nl-NL" sz="2000" dirty="0">
-                <a:solidFill>
-                  <a:schemeClr val="accent5">
-                    <a:lumMod val="75000"/>
-                  </a:schemeClr>
-                </a:solidFill>
-                <a:latin typeface="Courier New" panose="02070309020205020404" pitchFamily="49" charset="0"/>
-                <a:cs typeface="Courier New" panose="02070309020205020404" pitchFamily="49" charset="0"/>
-              </a:rPr>
-              <a:t>SET</a:t>
-            </a:r>
-            <a:r>
-              <a:rPr lang="nl-NL" sz="2000" dirty="0"/>
-              <a:t> aan welke kolommen bijgewerkt moeten worden.</a:t>
-            </a:r>
-          </a:p>
-          <a:p>
-            <a:pPr marL="0" indent="0">
-              <a:lnSpc>
-                <a:spcPct val="100000"/>
-              </a:lnSpc>
-              <a:spcBef>
-                <a:spcPts val="600"/>
-              </a:spcBef>
-              <a:buNone/>
-            </a:pPr>
-            <a:endParaRPr lang="nl-NL" sz="2000" dirty="0"/>
-          </a:p>
-          <a:p>
-            <a:pPr marL="0" indent="0">
-              <a:lnSpc>
-                <a:spcPct val="100000"/>
-              </a:lnSpc>
-              <a:spcBef>
-                <a:spcPts val="600"/>
-              </a:spcBef>
-              <a:buNone/>
-            </a:pPr>
-            <a:endParaRPr lang="nl-NL" sz="2000" dirty="0"/>
-          </a:p>
-        </p:txBody>
-      </p:sp>
-      <p:cxnSp>
-        <p:nvCxnSpPr>
-          <p:cNvPr id="6" name="Straight Connector 5">
-            <a:extLst>
-              <a:ext uri="{FF2B5EF4-FFF2-40B4-BE49-F238E27FC236}">
-                <a16:creationId xmlns:a16="http://schemas.microsoft.com/office/drawing/2014/main" id="{ED027DA2-6E66-754C-3982-D9BF1803B4EB}"/>
-              </a:ext>
-            </a:extLst>
-          </p:cNvPr>
-          <p:cNvCxnSpPr/>
-          <p:nvPr/>
-        </p:nvCxnSpPr>
-        <p:spPr>
-          <a:xfrm>
-            <a:off x="6096000" y="1864311"/>
-            <a:ext cx="0" cy="4351338"/>
-          </a:xfrm>
-          <a:prstGeom prst="line">
-            <a:avLst/>
-          </a:prstGeom>
-        </p:spPr>
-        <p:style>
-          <a:lnRef idx="3">
-            <a:schemeClr val="dk1"/>
-          </a:lnRef>
-          <a:fillRef idx="0">
-            <a:schemeClr val="dk1"/>
-          </a:fillRef>
-          <a:effectRef idx="2">
-            <a:schemeClr val="dk1"/>
-          </a:effectRef>
-          <a:fontRef idx="minor">
-            <a:schemeClr val="tx1"/>
-          </a:fontRef>
-        </p:style>
-      </p:cxnSp>
-    </p:spTree>
-    <p:extLst>
-      <p:ext uri="{BB962C8B-B14F-4D97-AF65-F5344CB8AC3E}">
-        <p14:creationId xmlns:p14="http://schemas.microsoft.com/office/powerpoint/2010/main" val="968438516"/>
       </p:ext>
     </p:extLst>
   </p:cSld>
@@ -47894,6 +48198,897 @@
         <p:cNvPr id="1" name="">
           <a:extLst>
             <a:ext uri="{FF2B5EF4-FFF2-40B4-BE49-F238E27FC236}">
+              <a16:creationId xmlns:a16="http://schemas.microsoft.com/office/drawing/2014/main" id="{B64A923A-9174-4C02-D8A4-99DF44A71232}"/>
+            </a:ext>
+          </a:extLst>
+        </p:cNvPr>
+        <p:cNvGrpSpPr/>
+        <p:nvPr/>
+      </p:nvGrpSpPr>
+      <p:grpSpPr>
+        <a:xfrm>
+          <a:off x="0" y="0"/>
+          <a:ext cx="0" cy="0"/>
+          <a:chOff x="0" y="0"/>
+          <a:chExt cx="0" cy="0"/>
+        </a:xfrm>
+      </p:grpSpPr>
+      <p:sp>
+        <p:nvSpPr>
+          <p:cNvPr id="2" name="Title 1">
+            <a:extLst>
+              <a:ext uri="{FF2B5EF4-FFF2-40B4-BE49-F238E27FC236}">
+                <a16:creationId xmlns:a16="http://schemas.microsoft.com/office/drawing/2014/main" id="{38EB51B3-604D-5EAD-AB6E-5A43471B3564}"/>
+              </a:ext>
+            </a:extLst>
+          </p:cNvPr>
+          <p:cNvSpPr>
+            <a:spLocks noGrp="1"/>
+          </p:cNvSpPr>
+          <p:nvPr>
+            <p:ph type="title"/>
+          </p:nvPr>
+        </p:nvSpPr>
+        <p:spPr/>
+        <p:txBody>
+          <a:bodyPr>
+            <a:normAutofit/>
+          </a:bodyPr>
+          <a:lstStyle/>
+          <a:p>
+            <a:r>
+              <a:rPr lang="nl-NL" sz="3600" dirty="0"/>
+              <a:t>Toevoegen of wijzigen</a:t>
+            </a:r>
+          </a:p>
+        </p:txBody>
+      </p:sp>
+      <p:sp>
+        <p:nvSpPr>
+          <p:cNvPr id="3" name="Content Placeholder 2">
+            <a:extLst>
+              <a:ext uri="{FF2B5EF4-FFF2-40B4-BE49-F238E27FC236}">
+                <a16:creationId xmlns:a16="http://schemas.microsoft.com/office/drawing/2014/main" id="{E2E7EFA7-151A-D5FC-7A52-9D96F985E215}"/>
+              </a:ext>
+            </a:extLst>
+          </p:cNvPr>
+          <p:cNvSpPr>
+            <a:spLocks noGrp="1"/>
+          </p:cNvSpPr>
+          <p:nvPr>
+            <p:ph idx="1"/>
+          </p:nvPr>
+        </p:nvSpPr>
+        <p:spPr>
+          <a:xfrm>
+            <a:off x="838201" y="1825625"/>
+            <a:ext cx="5030367" cy="4351338"/>
+          </a:xfrm>
+        </p:spPr>
+        <p:txBody>
+          <a:bodyPr>
+            <a:normAutofit/>
+          </a:bodyPr>
+          <a:lstStyle/>
+          <a:p>
+            <a:pPr marL="0" indent="0">
+              <a:lnSpc>
+                <a:spcPct val="100000"/>
+              </a:lnSpc>
+              <a:spcBef>
+                <a:spcPts val="600"/>
+              </a:spcBef>
+              <a:buNone/>
+            </a:pPr>
+            <a:r>
+              <a:rPr lang="nl-NL" sz="1800" dirty="0">
+                <a:solidFill>
+                  <a:schemeClr val="accent5">
+                    <a:lumMod val="75000"/>
+                  </a:schemeClr>
+                </a:solidFill>
+                <a:latin typeface="Courier New" panose="02070309020205020404" pitchFamily="49" charset="0"/>
+                <a:cs typeface="Courier New" panose="02070309020205020404" pitchFamily="49" charset="0"/>
+              </a:rPr>
+              <a:t>INSERT INTO</a:t>
+            </a:r>
+            <a:r>
+              <a:rPr lang="nl-NL" sz="1800" dirty="0">
+                <a:latin typeface="Courier New" panose="02070309020205020404" pitchFamily="49" charset="0"/>
+                <a:cs typeface="Courier New" panose="02070309020205020404" pitchFamily="49" charset="0"/>
+              </a:rPr>
+              <a:t> Klanten</a:t>
+            </a:r>
+          </a:p>
+          <a:p>
+            <a:pPr marL="0" indent="0">
+              <a:lnSpc>
+                <a:spcPct val="100000"/>
+              </a:lnSpc>
+              <a:spcBef>
+                <a:spcPts val="600"/>
+              </a:spcBef>
+              <a:buNone/>
+            </a:pPr>
+            <a:r>
+              <a:rPr lang="nl-NL" sz="1800" dirty="0">
+                <a:latin typeface="Courier New" panose="02070309020205020404" pitchFamily="49" charset="0"/>
+                <a:cs typeface="Courier New" panose="02070309020205020404" pitchFamily="49" charset="0"/>
+              </a:rPr>
+              <a:t>  (Naam, Achternaam, Leeftijd)</a:t>
+            </a:r>
+          </a:p>
+          <a:p>
+            <a:pPr marL="0" indent="0">
+              <a:lnSpc>
+                <a:spcPct val="100000"/>
+              </a:lnSpc>
+              <a:spcBef>
+                <a:spcPts val="600"/>
+              </a:spcBef>
+              <a:buNone/>
+            </a:pPr>
+            <a:r>
+              <a:rPr lang="nl-NL" sz="1800" dirty="0">
+                <a:solidFill>
+                  <a:schemeClr val="accent5">
+                    <a:lumMod val="75000"/>
+                  </a:schemeClr>
+                </a:solidFill>
+                <a:latin typeface="Courier New" panose="02070309020205020404" pitchFamily="49" charset="0"/>
+                <a:cs typeface="Courier New" panose="02070309020205020404" pitchFamily="49" charset="0"/>
+              </a:rPr>
+              <a:t>VALUES</a:t>
+            </a:r>
+            <a:endParaRPr lang="nl-NL" sz="1800" dirty="0">
+              <a:latin typeface="Courier New" panose="02070309020205020404" pitchFamily="49" charset="0"/>
+              <a:cs typeface="Courier New" panose="02070309020205020404" pitchFamily="49" charset="0"/>
+            </a:endParaRPr>
+          </a:p>
+          <a:p>
+            <a:pPr marL="0" indent="0">
+              <a:lnSpc>
+                <a:spcPct val="100000"/>
+              </a:lnSpc>
+              <a:spcBef>
+                <a:spcPts val="600"/>
+              </a:spcBef>
+              <a:buNone/>
+            </a:pPr>
+            <a:r>
+              <a:rPr lang="nl-NL" sz="1800" dirty="0">
+                <a:latin typeface="Courier New" panose="02070309020205020404" pitchFamily="49" charset="0"/>
+                <a:cs typeface="Courier New" panose="02070309020205020404" pitchFamily="49" charset="0"/>
+              </a:rPr>
+              <a:t>  (</a:t>
+            </a:r>
+            <a:r>
+              <a:rPr lang="nl-NL" sz="1800" dirty="0">
+                <a:solidFill>
+                  <a:srgbClr val="C00000"/>
+                </a:solidFill>
+                <a:latin typeface="Courier New" panose="02070309020205020404" pitchFamily="49" charset="0"/>
+                <a:cs typeface="Courier New" panose="02070309020205020404" pitchFamily="49" charset="0"/>
+              </a:rPr>
+              <a:t>'Zoë'</a:t>
+            </a:r>
+            <a:r>
+              <a:rPr lang="nl-NL" sz="1800" dirty="0">
+                <a:latin typeface="Courier New" panose="02070309020205020404" pitchFamily="49" charset="0"/>
+                <a:cs typeface="Courier New" panose="02070309020205020404" pitchFamily="49" charset="0"/>
+              </a:rPr>
+              <a:t>, </a:t>
+            </a:r>
+            <a:r>
+              <a:rPr lang="nl-NL" sz="1800" dirty="0">
+                <a:solidFill>
+                  <a:srgbClr val="C00000"/>
+                </a:solidFill>
+                <a:latin typeface="Courier New" panose="02070309020205020404" pitchFamily="49" charset="0"/>
+                <a:cs typeface="Courier New" panose="02070309020205020404" pitchFamily="49" charset="0"/>
+              </a:rPr>
+              <a:t>'Nieuw'</a:t>
+            </a:r>
+            <a:r>
+              <a:rPr lang="nl-NL" sz="1800" dirty="0">
+                <a:latin typeface="Courier New" panose="02070309020205020404" pitchFamily="49" charset="0"/>
+                <a:cs typeface="Courier New" panose="02070309020205020404" pitchFamily="49" charset="0"/>
+              </a:rPr>
+              <a:t>, 54),</a:t>
+            </a:r>
+          </a:p>
+          <a:p>
+            <a:pPr marL="0" indent="0">
+              <a:lnSpc>
+                <a:spcPct val="100000"/>
+              </a:lnSpc>
+              <a:spcBef>
+                <a:spcPts val="600"/>
+              </a:spcBef>
+              <a:buNone/>
+            </a:pPr>
+            <a:r>
+              <a:rPr lang="nl-NL" sz="1800" dirty="0">
+                <a:latin typeface="Courier New" panose="02070309020205020404" pitchFamily="49" charset="0"/>
+                <a:cs typeface="Courier New" panose="02070309020205020404" pitchFamily="49" charset="0"/>
+              </a:rPr>
+              <a:t>  (</a:t>
+            </a:r>
+            <a:r>
+              <a:rPr lang="nl-NL" sz="1800" dirty="0">
+                <a:solidFill>
+                  <a:srgbClr val="C00000"/>
+                </a:solidFill>
+                <a:latin typeface="Courier New" panose="02070309020205020404" pitchFamily="49" charset="0"/>
+                <a:cs typeface="Courier New" panose="02070309020205020404" pitchFamily="49" charset="0"/>
+              </a:rPr>
+              <a:t>'Ingrid'</a:t>
+            </a:r>
+            <a:r>
+              <a:rPr lang="nl-NL" sz="1800" dirty="0">
+                <a:latin typeface="Courier New" panose="02070309020205020404" pitchFamily="49" charset="0"/>
+                <a:cs typeface="Courier New" panose="02070309020205020404" pitchFamily="49" charset="0"/>
+              </a:rPr>
+              <a:t>, </a:t>
+            </a:r>
+            <a:r>
+              <a:rPr lang="nl-NL" sz="1800" dirty="0">
+                <a:solidFill>
+                  <a:srgbClr val="C00000"/>
+                </a:solidFill>
+                <a:latin typeface="Courier New" panose="02070309020205020404" pitchFamily="49" charset="0"/>
+                <a:cs typeface="Courier New" panose="02070309020205020404" pitchFamily="49" charset="0"/>
+              </a:rPr>
+              <a:t>'Jansen'</a:t>
+            </a:r>
+            <a:r>
+              <a:rPr lang="nl-NL" sz="1800" dirty="0">
+                <a:latin typeface="Courier New" panose="02070309020205020404" pitchFamily="49" charset="0"/>
+                <a:cs typeface="Courier New" panose="02070309020205020404" pitchFamily="49" charset="0"/>
+              </a:rPr>
+              <a:t>, 33)</a:t>
+            </a:r>
+          </a:p>
+          <a:p>
+            <a:pPr marL="0" indent="0">
+              <a:lnSpc>
+                <a:spcPct val="100000"/>
+              </a:lnSpc>
+              <a:spcBef>
+                <a:spcPts val="600"/>
+              </a:spcBef>
+              <a:buNone/>
+            </a:pPr>
+            <a:r>
+              <a:rPr lang="nl-NL" sz="1800" dirty="0">
+                <a:solidFill>
+                  <a:schemeClr val="accent5">
+                    <a:lumMod val="75000"/>
+                  </a:schemeClr>
+                </a:solidFill>
+                <a:latin typeface="Courier New" panose="02070309020205020404" pitchFamily="49" charset="0"/>
+                <a:cs typeface="Courier New" panose="02070309020205020404" pitchFamily="49" charset="0"/>
+              </a:rPr>
+              <a:t>ON CONFLICT </a:t>
+            </a:r>
+            <a:r>
+              <a:rPr lang="nl-NL" sz="1800" dirty="0">
+                <a:latin typeface="Courier New" panose="02070309020205020404" pitchFamily="49" charset="0"/>
+                <a:cs typeface="Courier New" panose="02070309020205020404" pitchFamily="49" charset="0"/>
+              </a:rPr>
+              <a:t>(Naam, Achternaam)</a:t>
+            </a:r>
+          </a:p>
+          <a:p>
+            <a:pPr marL="0" indent="0">
+              <a:lnSpc>
+                <a:spcPct val="100000"/>
+              </a:lnSpc>
+              <a:spcBef>
+                <a:spcPts val="600"/>
+              </a:spcBef>
+              <a:buNone/>
+            </a:pPr>
+            <a:r>
+              <a:rPr lang="nl-NL" sz="1800" dirty="0">
+                <a:solidFill>
+                  <a:schemeClr val="accent5">
+                    <a:lumMod val="75000"/>
+                  </a:schemeClr>
+                </a:solidFill>
+                <a:latin typeface="Courier New" panose="02070309020205020404" pitchFamily="49" charset="0"/>
+                <a:cs typeface="Courier New" panose="02070309020205020404" pitchFamily="49" charset="0"/>
+              </a:rPr>
+              <a:t>DO UPDATE</a:t>
+            </a:r>
+          </a:p>
+          <a:p>
+            <a:pPr marL="0" indent="0">
+              <a:lnSpc>
+                <a:spcPct val="100000"/>
+              </a:lnSpc>
+              <a:spcBef>
+                <a:spcPts val="600"/>
+              </a:spcBef>
+              <a:buNone/>
+            </a:pPr>
+            <a:r>
+              <a:rPr lang="nl-NL" sz="1800" dirty="0">
+                <a:solidFill>
+                  <a:schemeClr val="accent5">
+                    <a:lumMod val="75000"/>
+                  </a:schemeClr>
+                </a:solidFill>
+                <a:latin typeface="Courier New" panose="02070309020205020404" pitchFamily="49" charset="0"/>
+                <a:cs typeface="Courier New" panose="02070309020205020404" pitchFamily="49" charset="0"/>
+              </a:rPr>
+              <a:t>SET</a:t>
+            </a:r>
+            <a:r>
+              <a:rPr lang="nl-NL" sz="1800" dirty="0">
+                <a:latin typeface="Courier New" panose="02070309020205020404" pitchFamily="49" charset="0"/>
+                <a:cs typeface="Courier New" panose="02070309020205020404" pitchFamily="49" charset="0"/>
+              </a:rPr>
+              <a:t> Leeftijd = </a:t>
+            </a:r>
+            <a:r>
+              <a:rPr lang="nl-NL" sz="1800" dirty="0" err="1">
+                <a:latin typeface="Courier New" panose="02070309020205020404" pitchFamily="49" charset="0"/>
+                <a:cs typeface="Courier New" panose="02070309020205020404" pitchFamily="49" charset="0"/>
+              </a:rPr>
+              <a:t>excluded.Leeftijd</a:t>
+            </a:r>
+            <a:endParaRPr lang="nl-NL" sz="1800" dirty="0">
+              <a:latin typeface="Courier New" panose="02070309020205020404" pitchFamily="49" charset="0"/>
+              <a:cs typeface="Courier New" panose="02070309020205020404" pitchFamily="49" charset="0"/>
+            </a:endParaRPr>
+          </a:p>
+          <a:p>
+            <a:pPr marL="0" indent="0">
+              <a:lnSpc>
+                <a:spcPct val="100000"/>
+              </a:lnSpc>
+              <a:spcBef>
+                <a:spcPts val="600"/>
+              </a:spcBef>
+              <a:buNone/>
+            </a:pPr>
+            <a:r>
+              <a:rPr lang="nl-NL" sz="1800" dirty="0">
+                <a:latin typeface="Courier New" panose="02070309020205020404" pitchFamily="49" charset="0"/>
+                <a:cs typeface="Courier New" panose="02070309020205020404" pitchFamily="49" charset="0"/>
+              </a:rPr>
+              <a:t>;</a:t>
+            </a:r>
+          </a:p>
+          <a:p>
+            <a:pPr marL="0" indent="0">
+              <a:lnSpc>
+                <a:spcPct val="100000"/>
+              </a:lnSpc>
+              <a:spcBef>
+                <a:spcPts val="600"/>
+              </a:spcBef>
+              <a:buNone/>
+            </a:pPr>
+            <a:endParaRPr lang="nl-NL" sz="1800" dirty="0">
+              <a:latin typeface="Courier New" panose="02070309020205020404" pitchFamily="49" charset="0"/>
+              <a:cs typeface="Courier New" panose="02070309020205020404" pitchFamily="49" charset="0"/>
+            </a:endParaRPr>
+          </a:p>
+          <a:p>
+            <a:pPr marL="0" indent="0">
+              <a:lnSpc>
+                <a:spcPct val="100000"/>
+              </a:lnSpc>
+              <a:spcBef>
+                <a:spcPts val="600"/>
+              </a:spcBef>
+              <a:buNone/>
+            </a:pPr>
+            <a:endParaRPr lang="nl-NL" sz="1800" dirty="0">
+              <a:latin typeface="Courier New" panose="02070309020205020404" pitchFamily="49" charset="0"/>
+              <a:cs typeface="Courier New" panose="02070309020205020404" pitchFamily="49" charset="0"/>
+            </a:endParaRPr>
+          </a:p>
+          <a:p>
+            <a:pPr marL="0" indent="0">
+              <a:lnSpc>
+                <a:spcPct val="100000"/>
+              </a:lnSpc>
+              <a:spcBef>
+                <a:spcPts val="600"/>
+              </a:spcBef>
+              <a:buNone/>
+            </a:pPr>
+            <a:endParaRPr lang="nl-NL" sz="1800" dirty="0">
+              <a:latin typeface="Courier New" panose="02070309020205020404" pitchFamily="49" charset="0"/>
+              <a:cs typeface="Courier New" panose="02070309020205020404" pitchFamily="49" charset="0"/>
+            </a:endParaRPr>
+          </a:p>
+          <a:p>
+            <a:pPr marL="0" indent="0">
+              <a:lnSpc>
+                <a:spcPct val="100000"/>
+              </a:lnSpc>
+              <a:spcBef>
+                <a:spcPts val="600"/>
+              </a:spcBef>
+              <a:buNone/>
+            </a:pPr>
+            <a:endParaRPr lang="nl-NL" sz="1800" dirty="0">
+              <a:latin typeface="Courier New" panose="02070309020205020404" pitchFamily="49" charset="0"/>
+              <a:cs typeface="Courier New" panose="02070309020205020404" pitchFamily="49" charset="0"/>
+            </a:endParaRPr>
+          </a:p>
+        </p:txBody>
+      </p:sp>
+      <p:sp>
+        <p:nvSpPr>
+          <p:cNvPr id="5" name="Content Placeholder 2">
+            <a:extLst>
+              <a:ext uri="{FF2B5EF4-FFF2-40B4-BE49-F238E27FC236}">
+                <a16:creationId xmlns:a16="http://schemas.microsoft.com/office/drawing/2014/main" id="{5714F6B4-3FE7-CD7D-32D7-F272331B6429}"/>
+              </a:ext>
+            </a:extLst>
+          </p:cNvPr>
+          <p:cNvSpPr txBox="1">
+            <a:spLocks/>
+          </p:cNvSpPr>
+          <p:nvPr/>
+        </p:nvSpPr>
+        <p:spPr>
+          <a:xfrm>
+            <a:off x="6323428" y="1825625"/>
+            <a:ext cx="5030371" cy="4351338"/>
+          </a:xfrm>
+          <a:prstGeom prst="rect">
+            <a:avLst/>
+          </a:prstGeom>
+        </p:spPr>
+        <p:txBody>
+          <a:bodyPr vert="horz" lIns="91440" tIns="45720" rIns="91440" bIns="45720" rtlCol="0">
+            <a:normAutofit/>
+          </a:bodyPr>
+          <a:lstStyle>
+            <a:lvl1pPr marL="228600" indent="-228600" algn="l" defTabSz="914400" rtl="0" eaLnBrk="1" latinLnBrk="0" hangingPunct="1">
+              <a:lnSpc>
+                <a:spcPct val="90000"/>
+              </a:lnSpc>
+              <a:spcBef>
+                <a:spcPts val="1000"/>
+              </a:spcBef>
+              <a:buFont typeface="Arial" panose="020B0604020202020204" pitchFamily="34" charset="0"/>
+              <a:buChar char="•"/>
+              <a:defRPr sz="2800" kern="1200">
+                <a:solidFill>
+                  <a:schemeClr val="tx1"/>
+                </a:solidFill>
+                <a:latin typeface="+mn-lt"/>
+                <a:ea typeface="+mn-ea"/>
+                <a:cs typeface="+mn-cs"/>
+              </a:defRPr>
+            </a:lvl1pPr>
+            <a:lvl2pPr marL="685800" indent="-228600" algn="l" defTabSz="914400" rtl="0" eaLnBrk="1" latinLnBrk="0" hangingPunct="1">
+              <a:lnSpc>
+                <a:spcPct val="90000"/>
+              </a:lnSpc>
+              <a:spcBef>
+                <a:spcPts val="500"/>
+              </a:spcBef>
+              <a:buFont typeface="Arial" panose="020B0604020202020204" pitchFamily="34" charset="0"/>
+              <a:buChar char="•"/>
+              <a:defRPr sz="2400" kern="1200">
+                <a:solidFill>
+                  <a:schemeClr val="tx1"/>
+                </a:solidFill>
+                <a:latin typeface="+mn-lt"/>
+                <a:ea typeface="+mn-ea"/>
+                <a:cs typeface="+mn-cs"/>
+              </a:defRPr>
+            </a:lvl2pPr>
+            <a:lvl3pPr marL="1143000" indent="-228600" algn="l" defTabSz="914400" rtl="0" eaLnBrk="1" latinLnBrk="0" hangingPunct="1">
+              <a:lnSpc>
+                <a:spcPct val="90000"/>
+              </a:lnSpc>
+              <a:spcBef>
+                <a:spcPts val="500"/>
+              </a:spcBef>
+              <a:buFont typeface="Arial" panose="020B0604020202020204" pitchFamily="34" charset="0"/>
+              <a:buChar char="•"/>
+              <a:defRPr sz="2000" kern="1200">
+                <a:solidFill>
+                  <a:schemeClr val="tx1"/>
+                </a:solidFill>
+                <a:latin typeface="+mn-lt"/>
+                <a:ea typeface="+mn-ea"/>
+                <a:cs typeface="+mn-cs"/>
+              </a:defRPr>
+            </a:lvl3pPr>
+            <a:lvl4pPr marL="1600200" indent="-228600" algn="l" defTabSz="914400" rtl="0" eaLnBrk="1" latinLnBrk="0" hangingPunct="1">
+              <a:lnSpc>
+                <a:spcPct val="90000"/>
+              </a:lnSpc>
+              <a:spcBef>
+                <a:spcPts val="500"/>
+              </a:spcBef>
+              <a:buFont typeface="Arial" panose="020B0604020202020204" pitchFamily="34" charset="0"/>
+              <a:buChar char="•"/>
+              <a:defRPr sz="1800" kern="1200">
+                <a:solidFill>
+                  <a:schemeClr val="tx1"/>
+                </a:solidFill>
+                <a:latin typeface="+mn-lt"/>
+                <a:ea typeface="+mn-ea"/>
+                <a:cs typeface="+mn-cs"/>
+              </a:defRPr>
+            </a:lvl4pPr>
+            <a:lvl5pPr marL="2057400" indent="-228600" algn="l" defTabSz="914400" rtl="0" eaLnBrk="1" latinLnBrk="0" hangingPunct="1">
+              <a:lnSpc>
+                <a:spcPct val="90000"/>
+              </a:lnSpc>
+              <a:spcBef>
+                <a:spcPts val="500"/>
+              </a:spcBef>
+              <a:buFont typeface="Arial" panose="020B0604020202020204" pitchFamily="34" charset="0"/>
+              <a:buChar char="•"/>
+              <a:defRPr sz="1800" kern="1200">
+                <a:solidFill>
+                  <a:schemeClr val="tx1"/>
+                </a:solidFill>
+                <a:latin typeface="+mn-lt"/>
+                <a:ea typeface="+mn-ea"/>
+                <a:cs typeface="+mn-cs"/>
+              </a:defRPr>
+            </a:lvl5pPr>
+            <a:lvl6pPr marL="2514600" indent="-228600" algn="l" defTabSz="914400" rtl="0" eaLnBrk="1" latinLnBrk="0" hangingPunct="1">
+              <a:lnSpc>
+                <a:spcPct val="90000"/>
+              </a:lnSpc>
+              <a:spcBef>
+                <a:spcPts val="500"/>
+              </a:spcBef>
+              <a:buFont typeface="Arial" panose="020B0604020202020204" pitchFamily="34" charset="0"/>
+              <a:buChar char="•"/>
+              <a:defRPr sz="1800" kern="1200">
+                <a:solidFill>
+                  <a:schemeClr val="tx1"/>
+                </a:solidFill>
+                <a:latin typeface="+mn-lt"/>
+                <a:ea typeface="+mn-ea"/>
+                <a:cs typeface="+mn-cs"/>
+              </a:defRPr>
+            </a:lvl6pPr>
+            <a:lvl7pPr marL="2971800" indent="-228600" algn="l" defTabSz="914400" rtl="0" eaLnBrk="1" latinLnBrk="0" hangingPunct="1">
+              <a:lnSpc>
+                <a:spcPct val="90000"/>
+              </a:lnSpc>
+              <a:spcBef>
+                <a:spcPts val="500"/>
+              </a:spcBef>
+              <a:buFont typeface="Arial" panose="020B0604020202020204" pitchFamily="34" charset="0"/>
+              <a:buChar char="•"/>
+              <a:defRPr sz="1800" kern="1200">
+                <a:solidFill>
+                  <a:schemeClr val="tx1"/>
+                </a:solidFill>
+                <a:latin typeface="+mn-lt"/>
+                <a:ea typeface="+mn-ea"/>
+                <a:cs typeface="+mn-cs"/>
+              </a:defRPr>
+            </a:lvl7pPr>
+            <a:lvl8pPr marL="3429000" indent="-228600" algn="l" defTabSz="914400" rtl="0" eaLnBrk="1" latinLnBrk="0" hangingPunct="1">
+              <a:lnSpc>
+                <a:spcPct val="90000"/>
+              </a:lnSpc>
+              <a:spcBef>
+                <a:spcPts val="500"/>
+              </a:spcBef>
+              <a:buFont typeface="Arial" panose="020B0604020202020204" pitchFamily="34" charset="0"/>
+              <a:buChar char="•"/>
+              <a:defRPr sz="1800" kern="1200">
+                <a:solidFill>
+                  <a:schemeClr val="tx1"/>
+                </a:solidFill>
+                <a:latin typeface="+mn-lt"/>
+                <a:ea typeface="+mn-ea"/>
+                <a:cs typeface="+mn-cs"/>
+              </a:defRPr>
+            </a:lvl8pPr>
+            <a:lvl9pPr marL="3886200" indent="-228600" algn="l" defTabSz="914400" rtl="0" eaLnBrk="1" latinLnBrk="0" hangingPunct="1">
+              <a:lnSpc>
+                <a:spcPct val="90000"/>
+              </a:lnSpc>
+              <a:spcBef>
+                <a:spcPts val="500"/>
+              </a:spcBef>
+              <a:buFont typeface="Arial" panose="020B0604020202020204" pitchFamily="34" charset="0"/>
+              <a:buChar char="•"/>
+              <a:defRPr sz="1800" kern="1200">
+                <a:solidFill>
+                  <a:schemeClr val="tx1"/>
+                </a:solidFill>
+                <a:latin typeface="+mn-lt"/>
+                <a:ea typeface="+mn-ea"/>
+                <a:cs typeface="+mn-cs"/>
+              </a:defRPr>
+            </a:lvl9pPr>
+          </a:lstStyle>
+          <a:p>
+            <a:pPr marL="0" indent="0">
+              <a:lnSpc>
+                <a:spcPct val="100000"/>
+              </a:lnSpc>
+              <a:spcBef>
+                <a:spcPts val="600"/>
+              </a:spcBef>
+              <a:buNone/>
+            </a:pPr>
+            <a:r>
+              <a:rPr lang="nl-NL" sz="2000" dirty="0"/>
+              <a:t>Gebruik een standaard </a:t>
+            </a:r>
+            <a:r>
+              <a:rPr lang="nl-NL" sz="2000" dirty="0">
+                <a:solidFill>
+                  <a:schemeClr val="accent5">
+                    <a:lumMod val="75000"/>
+                  </a:schemeClr>
+                </a:solidFill>
+                <a:latin typeface="Courier New" panose="02070309020205020404" pitchFamily="49" charset="0"/>
+                <a:cs typeface="Courier New" panose="02070309020205020404" pitchFamily="49" charset="0"/>
+              </a:rPr>
+              <a:t>INSERT </a:t>
+            </a:r>
+            <a:r>
+              <a:rPr lang="nl-NL" sz="2000" dirty="0"/>
+              <a:t>statement.</a:t>
+            </a:r>
+          </a:p>
+          <a:p>
+            <a:pPr marL="0" indent="0">
+              <a:lnSpc>
+                <a:spcPct val="100000"/>
+              </a:lnSpc>
+              <a:spcBef>
+                <a:spcPts val="600"/>
+              </a:spcBef>
+              <a:buNone/>
+            </a:pPr>
+            <a:endParaRPr lang="nl-NL" sz="2000" dirty="0"/>
+          </a:p>
+          <a:p>
+            <a:pPr marL="0" indent="0">
+              <a:lnSpc>
+                <a:spcPct val="100000"/>
+              </a:lnSpc>
+              <a:spcBef>
+                <a:spcPts val="600"/>
+              </a:spcBef>
+              <a:buNone/>
+            </a:pPr>
+            <a:r>
+              <a:rPr lang="nl-NL" sz="2000" dirty="0"/>
+              <a:t>Geef met </a:t>
+            </a:r>
+            <a:r>
+              <a:rPr lang="nl-NL" sz="2000" dirty="0">
+                <a:solidFill>
+                  <a:schemeClr val="accent5">
+                    <a:lumMod val="75000"/>
+                  </a:schemeClr>
+                </a:solidFill>
+                <a:latin typeface="Courier New" panose="02070309020205020404" pitchFamily="49" charset="0"/>
+                <a:cs typeface="Courier New" panose="02070309020205020404" pitchFamily="49" charset="0"/>
+              </a:rPr>
+              <a:t>ON CONFLICT</a:t>
+            </a:r>
+            <a:r>
+              <a:rPr lang="nl-NL" sz="2000" dirty="0"/>
+              <a:t> op welke kolommen niet mogen conflicteren.</a:t>
+            </a:r>
+          </a:p>
+          <a:p>
+            <a:pPr marL="0" indent="0">
+              <a:lnSpc>
+                <a:spcPct val="100000"/>
+              </a:lnSpc>
+              <a:spcBef>
+                <a:spcPts val="600"/>
+              </a:spcBef>
+              <a:buNone/>
+            </a:pPr>
+            <a:endParaRPr lang="nl-NL" sz="2000" dirty="0"/>
+          </a:p>
+          <a:p>
+            <a:pPr marL="0" indent="0">
+              <a:lnSpc>
+                <a:spcPct val="100000"/>
+              </a:lnSpc>
+              <a:spcBef>
+                <a:spcPts val="600"/>
+              </a:spcBef>
+              <a:buNone/>
+            </a:pPr>
+            <a:r>
+              <a:rPr lang="nl-NL" sz="2000" dirty="0"/>
+              <a:t>Geef bij </a:t>
+            </a:r>
+            <a:r>
+              <a:rPr lang="nl-NL" sz="2000" dirty="0">
+                <a:solidFill>
+                  <a:schemeClr val="accent5">
+                    <a:lumMod val="75000"/>
+                  </a:schemeClr>
+                </a:solidFill>
+                <a:latin typeface="Courier New" panose="02070309020205020404" pitchFamily="49" charset="0"/>
+                <a:cs typeface="Courier New" panose="02070309020205020404" pitchFamily="49" charset="0"/>
+              </a:rPr>
+              <a:t>DO</a:t>
+            </a:r>
+            <a:r>
+              <a:rPr lang="nl-NL" sz="2000" dirty="0"/>
+              <a:t> aan wat er bij conflicten moet gebeuren; </a:t>
+            </a:r>
+            <a:r>
+              <a:rPr lang="nl-NL" sz="2000" dirty="0">
+                <a:solidFill>
+                  <a:schemeClr val="accent5">
+                    <a:lumMod val="75000"/>
+                  </a:schemeClr>
+                </a:solidFill>
+                <a:latin typeface="Courier New" panose="02070309020205020404" pitchFamily="49" charset="0"/>
+                <a:cs typeface="Courier New" panose="02070309020205020404" pitchFamily="49" charset="0"/>
+              </a:rPr>
+              <a:t>NOTHING</a:t>
+            </a:r>
+            <a:r>
+              <a:rPr lang="nl-NL" sz="2000" dirty="0"/>
+              <a:t> of </a:t>
+            </a:r>
+            <a:r>
+              <a:rPr lang="nl-NL" sz="2000" dirty="0">
+                <a:solidFill>
+                  <a:schemeClr val="accent5">
+                    <a:lumMod val="75000"/>
+                  </a:schemeClr>
+                </a:solidFill>
+                <a:latin typeface="Courier New" panose="02070309020205020404" pitchFamily="49" charset="0"/>
+                <a:cs typeface="Courier New" panose="02070309020205020404" pitchFamily="49" charset="0"/>
+              </a:rPr>
+              <a:t>UPDATE</a:t>
+            </a:r>
+            <a:r>
+              <a:rPr lang="nl-NL" sz="2000" dirty="0"/>
+              <a:t>.</a:t>
+            </a:r>
+          </a:p>
+          <a:p>
+            <a:pPr marL="0" indent="0">
+              <a:lnSpc>
+                <a:spcPct val="100000"/>
+              </a:lnSpc>
+              <a:spcBef>
+                <a:spcPts val="600"/>
+              </a:spcBef>
+              <a:buNone/>
+            </a:pPr>
+            <a:endParaRPr lang="nl-NL" sz="2000" dirty="0"/>
+          </a:p>
+          <a:p>
+            <a:pPr marL="0" indent="0">
+              <a:lnSpc>
+                <a:spcPct val="100000"/>
+              </a:lnSpc>
+              <a:spcBef>
+                <a:spcPts val="600"/>
+              </a:spcBef>
+              <a:buNone/>
+            </a:pPr>
+            <a:r>
+              <a:rPr lang="nl-NL" sz="2000" dirty="0"/>
+              <a:t>Geef met </a:t>
+            </a:r>
+            <a:r>
+              <a:rPr lang="nl-NL" sz="2000" dirty="0">
+                <a:solidFill>
+                  <a:schemeClr val="accent5">
+                    <a:lumMod val="75000"/>
+                  </a:schemeClr>
+                </a:solidFill>
+                <a:latin typeface="Courier New" panose="02070309020205020404" pitchFamily="49" charset="0"/>
+                <a:cs typeface="Courier New" panose="02070309020205020404" pitchFamily="49" charset="0"/>
+              </a:rPr>
+              <a:t>SET</a:t>
+            </a:r>
+            <a:r>
+              <a:rPr lang="nl-NL" sz="2000" dirty="0"/>
+              <a:t> aan welke kolommen bijgewerkt moeten worden.</a:t>
+            </a:r>
+          </a:p>
+          <a:p>
+            <a:pPr marL="0" indent="0">
+              <a:lnSpc>
+                <a:spcPct val="100000"/>
+              </a:lnSpc>
+              <a:spcBef>
+                <a:spcPts val="600"/>
+              </a:spcBef>
+              <a:buNone/>
+            </a:pPr>
+            <a:endParaRPr lang="nl-NL" sz="2000" dirty="0"/>
+          </a:p>
+          <a:p>
+            <a:pPr marL="0" indent="0">
+              <a:lnSpc>
+                <a:spcPct val="100000"/>
+              </a:lnSpc>
+              <a:spcBef>
+                <a:spcPts val="600"/>
+              </a:spcBef>
+              <a:buNone/>
+            </a:pPr>
+            <a:endParaRPr lang="nl-NL" sz="2000" dirty="0"/>
+          </a:p>
+        </p:txBody>
+      </p:sp>
+      <p:cxnSp>
+        <p:nvCxnSpPr>
+          <p:cNvPr id="6" name="Straight Connector 5">
+            <a:extLst>
+              <a:ext uri="{FF2B5EF4-FFF2-40B4-BE49-F238E27FC236}">
+                <a16:creationId xmlns:a16="http://schemas.microsoft.com/office/drawing/2014/main" id="{ED027DA2-6E66-754C-3982-D9BF1803B4EB}"/>
+              </a:ext>
+            </a:extLst>
+          </p:cNvPr>
+          <p:cNvCxnSpPr/>
+          <p:nvPr/>
+        </p:nvCxnSpPr>
+        <p:spPr>
+          <a:xfrm>
+            <a:off x="6096000" y="1864311"/>
+            <a:ext cx="0" cy="4351338"/>
+          </a:xfrm>
+          <a:prstGeom prst="line">
+            <a:avLst/>
+          </a:prstGeom>
+        </p:spPr>
+        <p:style>
+          <a:lnRef idx="3">
+            <a:schemeClr val="dk1"/>
+          </a:lnRef>
+          <a:fillRef idx="0">
+            <a:schemeClr val="dk1"/>
+          </a:fillRef>
+          <a:effectRef idx="2">
+            <a:schemeClr val="dk1"/>
+          </a:effectRef>
+          <a:fontRef idx="minor">
+            <a:schemeClr val="tx1"/>
+          </a:fontRef>
+        </p:style>
+      </p:cxnSp>
+    </p:spTree>
+    <p:extLst>
+      <p:ext uri="{BB962C8B-B14F-4D97-AF65-F5344CB8AC3E}">
+        <p14:creationId xmlns:p14="http://schemas.microsoft.com/office/powerpoint/2010/main" val="968438516"/>
+      </p:ext>
+    </p:extLst>
+  </p:cSld>
+  <p:clrMapOvr>
+    <a:masterClrMapping/>
+  </p:clrMapOvr>
+</p:sld>
+</file>
+
+<file path=ppt/slides/slide61.xml><?xml version="1.0" encoding="utf-8"?>
+<p:sld xmlns:a="http://schemas.openxmlformats.org/drawingml/2006/main" xmlns:r="http://schemas.openxmlformats.org/officeDocument/2006/relationships" xmlns:p="http://schemas.openxmlformats.org/presentationml/2006/main">
+  <p:cSld>
+    <p:spTree>
+      <p:nvGrpSpPr>
+        <p:cNvPr id="1" name="">
+          <a:extLst>
+            <a:ext uri="{FF2B5EF4-FFF2-40B4-BE49-F238E27FC236}">
               <a16:creationId xmlns:a16="http://schemas.microsoft.com/office/drawing/2014/main" id="{EF1F9625-5601-6E9C-8DD4-CAE2317EC125}"/>
             </a:ext>
           </a:extLst>
@@ -48799,7 +49994,7 @@
 </p:sld>
 </file>
 
-<file path=ppt/slides/slide61.xml><?xml version="1.0" encoding="utf-8"?>
+<file path=ppt/slides/slide62.xml><?xml version="1.0" encoding="utf-8"?>
 <p:sld xmlns:a="http://schemas.openxmlformats.org/drawingml/2006/main" xmlns:r="http://schemas.openxmlformats.org/officeDocument/2006/relationships" xmlns:p="http://schemas.openxmlformats.org/presentationml/2006/main">
   <p:cSld>
     <p:spTree>
@@ -49415,7 +50610,7 @@
 </p:sld>
 </file>
 
-<file path=ppt/slides/slide62.xml><?xml version="1.0" encoding="utf-8"?>
+<file path=ppt/slides/slide63.xml><?xml version="1.0" encoding="utf-8"?>
 <p:sld xmlns:a="http://schemas.openxmlformats.org/drawingml/2006/main" xmlns:r="http://schemas.openxmlformats.org/officeDocument/2006/relationships" xmlns:p="http://schemas.openxmlformats.org/presentationml/2006/main">
   <p:cSld>
     <p:spTree>
@@ -50162,7 +51357,7 @@
 </p:sld>
 </file>
 
-<file path=ppt/slides/slide63.xml><?xml version="1.0" encoding="utf-8"?>
+<file path=ppt/slides/slide64.xml><?xml version="1.0" encoding="utf-8"?>
 <p:sld xmlns:a="http://schemas.openxmlformats.org/drawingml/2006/main" xmlns:r="http://schemas.openxmlformats.org/officeDocument/2006/relationships" xmlns:p="http://schemas.openxmlformats.org/presentationml/2006/main">
   <p:cSld>
     <p:spTree>
